--- a/5. Рекурсия.pptx
+++ b/5. Рекурсия.pptx
@@ -311,7 +311,7 @@
           <a:p>
             <a:fld id="{5BCAD085-E8A6-8845-BD4E-CB4CCA059FC4}" type="datetimeFigureOut">
               <a:rPr lang="en-US" smtClean="0"/>
-              <a:t>6/17/2025</a:t>
+              <a:t>10/4/2025</a:t>
             </a:fld>
             <a:endParaRPr lang="en-US"/>
           </a:p>
@@ -479,7 +479,7 @@
           <a:p>
             <a:fld id="{5BCAD085-E8A6-8845-BD4E-CB4CCA059FC4}" type="datetimeFigureOut">
               <a:rPr lang="en-US" smtClean="0"/>
-              <a:t>6/17/2025</a:t>
+              <a:t>10/4/2025</a:t>
             </a:fld>
             <a:endParaRPr lang="en-US"/>
           </a:p>
@@ -657,7 +657,7 @@
           <a:p>
             <a:fld id="{5BCAD085-E8A6-8845-BD4E-CB4CCA059FC4}" type="datetimeFigureOut">
               <a:rPr lang="en-US" smtClean="0"/>
-              <a:t>6/17/2025</a:t>
+              <a:t>10/4/2025</a:t>
             </a:fld>
             <a:endParaRPr lang="en-US"/>
           </a:p>
@@ -825,7 +825,7 @@
           <a:p>
             <a:fld id="{5BCAD085-E8A6-8845-BD4E-CB4CCA059FC4}" type="datetimeFigureOut">
               <a:rPr lang="en-US" smtClean="0"/>
-              <a:t>6/17/2025</a:t>
+              <a:t>10/4/2025</a:t>
             </a:fld>
             <a:endParaRPr lang="en-US"/>
           </a:p>
@@ -1070,7 +1070,7 @@
           <a:p>
             <a:fld id="{5BCAD085-E8A6-8845-BD4E-CB4CCA059FC4}" type="datetimeFigureOut">
               <a:rPr lang="en-US" smtClean="0"/>
-              <a:t>6/17/2025</a:t>
+              <a:t>10/4/2025</a:t>
             </a:fld>
             <a:endParaRPr lang="en-US"/>
           </a:p>
@@ -1355,7 +1355,7 @@
           <a:p>
             <a:fld id="{5BCAD085-E8A6-8845-BD4E-CB4CCA059FC4}" type="datetimeFigureOut">
               <a:rPr lang="en-US" smtClean="0"/>
-              <a:t>6/17/2025</a:t>
+              <a:t>10/4/2025</a:t>
             </a:fld>
             <a:endParaRPr lang="en-US"/>
           </a:p>
@@ -1774,7 +1774,7 @@
           <a:p>
             <a:fld id="{5BCAD085-E8A6-8845-BD4E-CB4CCA059FC4}" type="datetimeFigureOut">
               <a:rPr lang="en-US" smtClean="0"/>
-              <a:t>6/17/2025</a:t>
+              <a:t>10/4/2025</a:t>
             </a:fld>
             <a:endParaRPr lang="en-US"/>
           </a:p>
@@ -1891,7 +1891,7 @@
           <a:p>
             <a:fld id="{5BCAD085-E8A6-8845-BD4E-CB4CCA059FC4}" type="datetimeFigureOut">
               <a:rPr lang="en-US" smtClean="0"/>
-              <a:t>6/17/2025</a:t>
+              <a:t>10/4/2025</a:t>
             </a:fld>
             <a:endParaRPr lang="en-US"/>
           </a:p>
@@ -1986,7 +1986,7 @@
           <a:p>
             <a:fld id="{5BCAD085-E8A6-8845-BD4E-CB4CCA059FC4}" type="datetimeFigureOut">
               <a:rPr lang="en-US" smtClean="0"/>
-              <a:t>6/17/2025</a:t>
+              <a:t>10/4/2025</a:t>
             </a:fld>
             <a:endParaRPr lang="en-US"/>
           </a:p>
@@ -2261,7 +2261,7 @@
           <a:p>
             <a:fld id="{5BCAD085-E8A6-8845-BD4E-CB4CCA059FC4}" type="datetimeFigureOut">
               <a:rPr lang="en-US" smtClean="0"/>
-              <a:t>6/17/2025</a:t>
+              <a:t>10/4/2025</a:t>
             </a:fld>
             <a:endParaRPr lang="en-US"/>
           </a:p>
@@ -2513,7 +2513,7 @@
           <a:p>
             <a:fld id="{5BCAD085-E8A6-8845-BD4E-CB4CCA059FC4}" type="datetimeFigureOut">
               <a:rPr lang="en-US" smtClean="0"/>
-              <a:t>6/17/2025</a:t>
+              <a:t>10/4/2025</a:t>
             </a:fld>
             <a:endParaRPr lang="en-US"/>
           </a:p>
@@ -2724,7 +2724,7 @@
           <a:p>
             <a:fld id="{5BCAD085-E8A6-8845-BD4E-CB4CCA059FC4}" type="datetimeFigureOut">
               <a:rPr lang="en-US" smtClean="0"/>
-              <a:t>6/17/2025</a:t>
+              <a:t>10/4/2025</a:t>
             </a:fld>
             <a:endParaRPr lang="en-US"/>
           </a:p>
@@ -3116,7 +3116,7 @@
         <p:spPr>
           <a:xfrm>
             <a:off x="914400" y="457200"/>
-            <a:ext cx="3933962" cy="769441"/>
+            <a:ext cx="2949846" cy="769441"/>
           </a:xfrm>
           <a:prstGeom prst="rect">
             <a:avLst/>
@@ -3135,7 +3135,7 @@
                   <a:schemeClr val="bg1"/>
                 </a:solidFill>
               </a:rPr>
-              <a:t>«Хэш-функция»</a:t>
+              <a:t>«Рекурсия»</a:t>
             </a:r>
           </a:p>
         </p:txBody>

--- a/5. Рекурсия.pptx
+++ b/5. Рекурсия.pptx
@@ -6,15 +6,27 @@
   </p:sldMasterIdLst>
   <p:sldIdLst>
     <p:sldId id="256" r:id="rId2"/>
-    <p:sldId id="277" r:id="rId3"/>
-    <p:sldId id="275" r:id="rId4"/>
-    <p:sldId id="278" r:id="rId5"/>
-    <p:sldId id="282" r:id="rId6"/>
-    <p:sldId id="276" r:id="rId7"/>
-    <p:sldId id="279" r:id="rId8"/>
-    <p:sldId id="261" r:id="rId9"/>
-    <p:sldId id="280" r:id="rId10"/>
-    <p:sldId id="281" r:id="rId11"/>
+    <p:sldId id="283" r:id="rId3"/>
+    <p:sldId id="284" r:id="rId4"/>
+    <p:sldId id="285" r:id="rId5"/>
+    <p:sldId id="286" r:id="rId6"/>
+    <p:sldId id="287" r:id="rId7"/>
+    <p:sldId id="288" r:id="rId8"/>
+    <p:sldId id="289" r:id="rId9"/>
+    <p:sldId id="290" r:id="rId10"/>
+    <p:sldId id="291" r:id="rId11"/>
+    <p:sldId id="292" r:id="rId12"/>
+    <p:sldId id="293" r:id="rId13"/>
+    <p:sldId id="294" r:id="rId14"/>
+    <p:sldId id="277" r:id="rId15"/>
+    <p:sldId id="275" r:id="rId16"/>
+    <p:sldId id="278" r:id="rId17"/>
+    <p:sldId id="282" r:id="rId18"/>
+    <p:sldId id="276" r:id="rId19"/>
+    <p:sldId id="279" r:id="rId20"/>
+    <p:sldId id="261" r:id="rId21"/>
+    <p:sldId id="280" r:id="rId22"/>
+    <p:sldId id="281" r:id="rId23"/>
   </p:sldIdLst>
   <p:sldSz cx="14630400" cy="8229600"/>
   <p:notesSz cx="6858000" cy="9144000"/>
@@ -311,7 +323,7 @@
           <a:p>
             <a:fld id="{5BCAD085-E8A6-8845-BD4E-CB4CCA059FC4}" type="datetimeFigureOut">
               <a:rPr lang="en-US" smtClean="0"/>
-              <a:t>10/4/2025</a:t>
+              <a:t>10/10/2025</a:t>
             </a:fld>
             <a:endParaRPr lang="en-US"/>
           </a:p>
@@ -479,7 +491,7 @@
           <a:p>
             <a:fld id="{5BCAD085-E8A6-8845-BD4E-CB4CCA059FC4}" type="datetimeFigureOut">
               <a:rPr lang="en-US" smtClean="0"/>
-              <a:t>10/4/2025</a:t>
+              <a:t>10/10/2025</a:t>
             </a:fld>
             <a:endParaRPr lang="en-US"/>
           </a:p>
@@ -657,7 +669,7 @@
           <a:p>
             <a:fld id="{5BCAD085-E8A6-8845-BD4E-CB4CCA059FC4}" type="datetimeFigureOut">
               <a:rPr lang="en-US" smtClean="0"/>
-              <a:t>10/4/2025</a:t>
+              <a:t>10/10/2025</a:t>
             </a:fld>
             <a:endParaRPr lang="en-US"/>
           </a:p>
@@ -825,7 +837,7 @@
           <a:p>
             <a:fld id="{5BCAD085-E8A6-8845-BD4E-CB4CCA059FC4}" type="datetimeFigureOut">
               <a:rPr lang="en-US" smtClean="0"/>
-              <a:t>10/4/2025</a:t>
+              <a:t>10/10/2025</a:t>
             </a:fld>
             <a:endParaRPr lang="en-US"/>
           </a:p>
@@ -1070,7 +1082,7 @@
           <a:p>
             <a:fld id="{5BCAD085-E8A6-8845-BD4E-CB4CCA059FC4}" type="datetimeFigureOut">
               <a:rPr lang="en-US" smtClean="0"/>
-              <a:t>10/4/2025</a:t>
+              <a:t>10/10/2025</a:t>
             </a:fld>
             <a:endParaRPr lang="en-US"/>
           </a:p>
@@ -1355,7 +1367,7 @@
           <a:p>
             <a:fld id="{5BCAD085-E8A6-8845-BD4E-CB4CCA059FC4}" type="datetimeFigureOut">
               <a:rPr lang="en-US" smtClean="0"/>
-              <a:t>10/4/2025</a:t>
+              <a:t>10/10/2025</a:t>
             </a:fld>
             <a:endParaRPr lang="en-US"/>
           </a:p>
@@ -1774,7 +1786,7 @@
           <a:p>
             <a:fld id="{5BCAD085-E8A6-8845-BD4E-CB4CCA059FC4}" type="datetimeFigureOut">
               <a:rPr lang="en-US" smtClean="0"/>
-              <a:t>10/4/2025</a:t>
+              <a:t>10/10/2025</a:t>
             </a:fld>
             <a:endParaRPr lang="en-US"/>
           </a:p>
@@ -1891,7 +1903,7 @@
           <a:p>
             <a:fld id="{5BCAD085-E8A6-8845-BD4E-CB4CCA059FC4}" type="datetimeFigureOut">
               <a:rPr lang="en-US" smtClean="0"/>
-              <a:t>10/4/2025</a:t>
+              <a:t>10/10/2025</a:t>
             </a:fld>
             <a:endParaRPr lang="en-US"/>
           </a:p>
@@ -1986,7 +1998,7 @@
           <a:p>
             <a:fld id="{5BCAD085-E8A6-8845-BD4E-CB4CCA059FC4}" type="datetimeFigureOut">
               <a:rPr lang="en-US" smtClean="0"/>
-              <a:t>10/4/2025</a:t>
+              <a:t>10/10/2025</a:t>
             </a:fld>
             <a:endParaRPr lang="en-US"/>
           </a:p>
@@ -2261,7 +2273,7 @@
           <a:p>
             <a:fld id="{5BCAD085-E8A6-8845-BD4E-CB4CCA059FC4}" type="datetimeFigureOut">
               <a:rPr lang="en-US" smtClean="0"/>
-              <a:t>10/4/2025</a:t>
+              <a:t>10/10/2025</a:t>
             </a:fld>
             <a:endParaRPr lang="en-US"/>
           </a:p>
@@ -2513,7 +2525,7 @@
           <a:p>
             <a:fld id="{5BCAD085-E8A6-8845-BD4E-CB4CCA059FC4}" type="datetimeFigureOut">
               <a:rPr lang="en-US" smtClean="0"/>
-              <a:t>10/4/2025</a:t>
+              <a:t>10/10/2025</a:t>
             </a:fld>
             <a:endParaRPr lang="en-US"/>
           </a:p>
@@ -2724,7 +2736,7 @@
           <a:p>
             <a:fld id="{5BCAD085-E8A6-8845-BD4E-CB4CCA059FC4}" type="datetimeFigureOut">
               <a:rPr lang="en-US" smtClean="0"/>
-              <a:t>10/4/2025</a:t>
+              <a:t>10/10/2025</a:t>
             </a:fld>
             <a:endParaRPr lang="en-US"/>
           </a:p>
@@ -3219,6 +3231,379 @@
 <file path=ppt/slides/slide10.xml><?xml version="1.0" encoding="utf-8"?>
 <p:sld xmlns:a="http://schemas.openxmlformats.org/drawingml/2006/main" xmlns:r="http://schemas.openxmlformats.org/officeDocument/2006/relationships" xmlns:p="http://schemas.openxmlformats.org/presentationml/2006/main">
   <p:cSld>
+    <p:spTree>
+      <p:nvGrpSpPr>
+        <p:cNvPr id="1" name=""/>
+        <p:cNvGrpSpPr/>
+        <p:nvPr/>
+      </p:nvGrpSpPr>
+      <p:grpSpPr>
+        <a:xfrm>
+          <a:off x="0" y="0"/>
+          <a:ext cx="0" cy="0"/>
+          <a:chOff x="0" y="0"/>
+          <a:chExt cx="0" cy="0"/>
+        </a:xfrm>
+      </p:grpSpPr>
+      <p:pic>
+        <p:nvPicPr>
+          <p:cNvPr id="4" name="Picture 3" descr="logo.png"/>
+          <p:cNvPicPr>
+            <a:picLocks noChangeAspect="1"/>
+          </p:cNvPicPr>
+          <p:nvPr/>
+        </p:nvPicPr>
+        <p:blipFill>
+          <a:blip r:embed="rId2"/>
+          <a:stretch>
+            <a:fillRect/>
+          </a:stretch>
+        </p:blipFill>
+        <p:spPr>
+          <a:xfrm>
+            <a:off x="12344400" y="274320"/>
+            <a:ext cx="1097280" cy="1080473"/>
+          </a:xfrm>
+          <a:prstGeom prst="rect">
+            <a:avLst/>
+          </a:prstGeom>
+        </p:spPr>
+      </p:pic>
+      <p:sp>
+        <p:nvSpPr>
+          <p:cNvPr id="5" name="Rectangle 4"/>
+          <p:cNvSpPr/>
+          <p:nvPr/>
+        </p:nvSpPr>
+        <p:spPr>
+          <a:xfrm>
+            <a:off x="0" y="7772400"/>
+            <a:ext cx="14630400" cy="457200"/>
+          </a:xfrm>
+          <a:prstGeom prst="rect">
+            <a:avLst/>
+          </a:prstGeom>
+          <a:solidFill>
+            <a:srgbClr val="640064"/>
+          </a:solidFill>
+          <a:ln>
+            <a:noFill/>
+          </a:ln>
+        </p:spPr>
+        <p:style>
+          <a:lnRef idx="1">
+            <a:schemeClr val="accent1"/>
+          </a:lnRef>
+          <a:fillRef idx="3">
+            <a:schemeClr val="accent1"/>
+          </a:fillRef>
+          <a:effectRef idx="2">
+            <a:schemeClr val="accent1"/>
+          </a:effectRef>
+          <a:fontRef idx="minor">
+            <a:schemeClr val="lt1"/>
+          </a:fontRef>
+        </p:style>
+        <p:txBody>
+          <a:bodyPr rtlCol="0" anchor="ctr"/>
+          <a:lstStyle/>
+          <a:p>
+            <a:pPr algn="ctr"/>
+            <a:endParaRPr/>
+          </a:p>
+        </p:txBody>
+      </p:sp>
+      <p:sp>
+        <p:nvSpPr>
+          <p:cNvPr id="3" name="TextBox 2">
+            <a:extLst>
+              <a:ext uri="{FF2B5EF4-FFF2-40B4-BE49-F238E27FC236}">
+                <a16:creationId xmlns:a16="http://schemas.microsoft.com/office/drawing/2014/main" id="{6AE76C4C-FDD7-59FD-3DE4-2DBCD06B1A70}"/>
+              </a:ext>
+            </a:extLst>
+          </p:cNvPr>
+          <p:cNvSpPr txBox="1"/>
+          <p:nvPr/>
+        </p:nvSpPr>
+        <p:spPr>
+          <a:xfrm>
+            <a:off x="675594" y="157316"/>
+            <a:ext cx="9808029" cy="830997"/>
+          </a:xfrm>
+          <a:prstGeom prst="rect">
+            <a:avLst/>
+          </a:prstGeom>
+          <a:noFill/>
+        </p:spPr>
+        <p:txBody>
+          <a:bodyPr wrap="square">
+            <a:spAutoFit/>
+          </a:bodyPr>
+          <a:lstStyle/>
+          <a:p>
+            <a:r>
+              <a:rPr lang="ru-RU" sz="4800" dirty="0"/>
+              <a:t>Вернёмся к коробкам</a:t>
+            </a:r>
+          </a:p>
+        </p:txBody>
+      </p:sp>
+      <p:sp>
+        <p:nvSpPr>
+          <p:cNvPr id="2" name="TextBox 1">
+            <a:extLst>
+              <a:ext uri="{FF2B5EF4-FFF2-40B4-BE49-F238E27FC236}">
+                <a16:creationId xmlns:a16="http://schemas.microsoft.com/office/drawing/2014/main" id="{5C1A7286-C01A-1E42-C40D-23F10E59001E}"/>
+              </a:ext>
+            </a:extLst>
+          </p:cNvPr>
+          <p:cNvSpPr txBox="1"/>
+          <p:nvPr/>
+        </p:nvSpPr>
+        <p:spPr>
+          <a:xfrm>
+            <a:off x="587830" y="1071249"/>
+            <a:ext cx="11756570" cy="523220"/>
+          </a:xfrm>
+          <a:prstGeom prst="rect">
+            <a:avLst/>
+          </a:prstGeom>
+          <a:noFill/>
+        </p:spPr>
+        <p:txBody>
+          <a:bodyPr wrap="square">
+            <a:spAutoFit/>
+          </a:bodyPr>
+          <a:lstStyle/>
+          <a:p>
+            <a:r>
+              <a:rPr lang="ru-RU" sz="2800" dirty="0"/>
+              <a:t>Вариант с кучей</a:t>
+            </a:r>
+          </a:p>
+        </p:txBody>
+      </p:sp>
+      <p:pic>
+        <p:nvPicPr>
+          <p:cNvPr id="7" name="Рисунок 6" descr="Изображение выглядит как зарисовка, рисунок, иллюстрация&#10;&#10;Автоматически созданное описание">
+            <a:extLst>
+              <a:ext uri="{FF2B5EF4-FFF2-40B4-BE49-F238E27FC236}">
+                <a16:creationId xmlns:a16="http://schemas.microsoft.com/office/drawing/2014/main" id="{790DAE77-62F8-4956-F796-D210088A8699}"/>
+              </a:ext>
+            </a:extLst>
+          </p:cNvPr>
+          <p:cNvPicPr>
+            <a:picLocks noChangeAspect="1"/>
+          </p:cNvPicPr>
+          <p:nvPr/>
+        </p:nvPicPr>
+        <p:blipFill>
+          <a:blip r:embed="rId3"/>
+          <a:stretch>
+            <a:fillRect/>
+          </a:stretch>
+        </p:blipFill>
+        <p:spPr>
+          <a:xfrm>
+            <a:off x="2226982" y="1800128"/>
+            <a:ext cx="9472974" cy="5526938"/>
+          </a:xfrm>
+          <a:prstGeom prst="rect">
+            <a:avLst/>
+          </a:prstGeom>
+        </p:spPr>
+      </p:pic>
+    </p:spTree>
+    <p:extLst>
+      <p:ext uri="{BB962C8B-B14F-4D97-AF65-F5344CB8AC3E}">
+        <p14:creationId xmlns:p14="http://schemas.microsoft.com/office/powerpoint/2010/main" val="4064336590"/>
+      </p:ext>
+    </p:extLst>
+  </p:cSld>
+  <p:clrMapOvr>
+    <a:masterClrMapping/>
+  </p:clrMapOvr>
+</p:sld>
+</file>
+
+<file path=ppt/slides/slide11.xml><?xml version="1.0" encoding="utf-8"?>
+<p:sld xmlns:a="http://schemas.openxmlformats.org/drawingml/2006/main" xmlns:r="http://schemas.openxmlformats.org/officeDocument/2006/relationships" xmlns:p="http://schemas.openxmlformats.org/presentationml/2006/main">
+  <p:cSld>
+    <p:bg>
+      <p:bgPr>
+        <a:solidFill>
+          <a:srgbClr val="972996"/>
+        </a:solidFill>
+        <a:effectLst/>
+      </p:bgPr>
+    </p:bg>
+    <p:spTree>
+      <p:nvGrpSpPr>
+        <p:cNvPr id="1" name=""/>
+        <p:cNvGrpSpPr/>
+        <p:nvPr/>
+      </p:nvGrpSpPr>
+      <p:grpSpPr>
+        <a:xfrm>
+          <a:off x="0" y="0"/>
+          <a:ext cx="0" cy="0"/>
+          <a:chOff x="0" y="0"/>
+          <a:chExt cx="0" cy="0"/>
+        </a:xfrm>
+      </p:grpSpPr>
+      <p:pic>
+        <p:nvPicPr>
+          <p:cNvPr id="4" name="Picture 3" descr="logo.png"/>
+          <p:cNvPicPr>
+            <a:picLocks noChangeAspect="1"/>
+          </p:cNvPicPr>
+          <p:nvPr/>
+        </p:nvPicPr>
+        <p:blipFill>
+          <a:blip r:embed="rId2"/>
+          <a:stretch>
+            <a:fillRect/>
+          </a:stretch>
+        </p:blipFill>
+        <p:spPr>
+          <a:xfrm>
+            <a:off x="12344400" y="274320"/>
+            <a:ext cx="1097280" cy="1080473"/>
+          </a:xfrm>
+          <a:prstGeom prst="rect">
+            <a:avLst/>
+          </a:prstGeom>
+        </p:spPr>
+      </p:pic>
+      <p:sp>
+        <p:nvSpPr>
+          <p:cNvPr id="5" name="Rectangle 4"/>
+          <p:cNvSpPr/>
+          <p:nvPr/>
+        </p:nvSpPr>
+        <p:spPr>
+          <a:xfrm>
+            <a:off x="0" y="7772400"/>
+            <a:ext cx="14630400" cy="457200"/>
+          </a:xfrm>
+          <a:prstGeom prst="rect">
+            <a:avLst/>
+          </a:prstGeom>
+          <a:solidFill>
+            <a:srgbClr val="E6E6E6"/>
+          </a:solidFill>
+          <a:ln>
+            <a:noFill/>
+          </a:ln>
+        </p:spPr>
+        <p:style>
+          <a:lnRef idx="1">
+            <a:schemeClr val="accent1"/>
+          </a:lnRef>
+          <a:fillRef idx="3">
+            <a:schemeClr val="accent1"/>
+          </a:fillRef>
+          <a:effectRef idx="2">
+            <a:schemeClr val="accent1"/>
+          </a:effectRef>
+          <a:fontRef idx="minor">
+            <a:schemeClr val="lt1"/>
+          </a:fontRef>
+        </p:style>
+        <p:txBody>
+          <a:bodyPr rtlCol="0" anchor="ctr"/>
+          <a:lstStyle/>
+          <a:p>
+            <a:pPr algn="ctr"/>
+            <a:endParaRPr/>
+          </a:p>
+        </p:txBody>
+      </p:sp>
+      <p:sp>
+        <p:nvSpPr>
+          <p:cNvPr id="8" name="TextBox 7">
+            <a:extLst>
+              <a:ext uri="{FF2B5EF4-FFF2-40B4-BE49-F238E27FC236}">
+                <a16:creationId xmlns:a16="http://schemas.microsoft.com/office/drawing/2014/main" id="{EA9E5176-4FCC-3CEE-620D-C46EF1EB7AB2}"/>
+              </a:ext>
+            </a:extLst>
+          </p:cNvPr>
+          <p:cNvSpPr txBox="1"/>
+          <p:nvPr/>
+        </p:nvSpPr>
+        <p:spPr>
+          <a:xfrm>
+            <a:off x="675594" y="198683"/>
+            <a:ext cx="9808029" cy="830997"/>
+          </a:xfrm>
+          <a:prstGeom prst="rect">
+            <a:avLst/>
+          </a:prstGeom>
+          <a:noFill/>
+        </p:spPr>
+        <p:txBody>
+          <a:bodyPr wrap="square">
+            <a:spAutoFit/>
+          </a:bodyPr>
+          <a:lstStyle/>
+          <a:p>
+            <a:r>
+              <a:rPr lang="ru-RU" sz="4800" dirty="0">
+                <a:solidFill>
+                  <a:schemeClr val="bg1"/>
+                </a:solidFill>
+              </a:rPr>
+              <a:t>Вариант с рекурсией</a:t>
+            </a:r>
+          </a:p>
+        </p:txBody>
+      </p:sp>
+      <p:pic>
+        <p:nvPicPr>
+          <p:cNvPr id="6" name="Рисунок 5" descr="Изображение выглядит как текст, зарисовка, рисунок, машина&#10;&#10;Автоматически созданное описание">
+            <a:extLst>
+              <a:ext uri="{FF2B5EF4-FFF2-40B4-BE49-F238E27FC236}">
+                <a16:creationId xmlns:a16="http://schemas.microsoft.com/office/drawing/2014/main" id="{AB57F79D-97B2-F0B1-A2E4-80B797F732DF}"/>
+              </a:ext>
+            </a:extLst>
+          </p:cNvPr>
+          <p:cNvPicPr>
+            <a:picLocks noChangeAspect="1"/>
+          </p:cNvPicPr>
+          <p:nvPr/>
+        </p:nvPicPr>
+        <p:blipFill>
+          <a:blip r:embed="rId3"/>
+          <a:stretch>
+            <a:fillRect/>
+          </a:stretch>
+        </p:blipFill>
+        <p:spPr>
+          <a:xfrm>
+            <a:off x="7052735" y="122757"/>
+            <a:ext cx="7424585" cy="7537221"/>
+          </a:xfrm>
+          <a:prstGeom prst="rect">
+            <a:avLst/>
+          </a:prstGeom>
+        </p:spPr>
+      </p:pic>
+    </p:spTree>
+    <p:extLst>
+      <p:ext uri="{BB962C8B-B14F-4D97-AF65-F5344CB8AC3E}">
+        <p14:creationId xmlns:p14="http://schemas.microsoft.com/office/powerpoint/2010/main" val="1505615733"/>
+      </p:ext>
+    </p:extLst>
+  </p:cSld>
+  <p:clrMapOvr>
+    <a:masterClrMapping/>
+  </p:clrMapOvr>
+</p:sld>
+</file>
+
+<file path=ppt/slides/slide12.xml><?xml version="1.0" encoding="utf-8"?>
+<p:sld xmlns:a="http://schemas.openxmlformats.org/drawingml/2006/main" xmlns:r="http://schemas.openxmlformats.org/officeDocument/2006/relationships" xmlns:p="http://schemas.openxmlformats.org/presentationml/2006/main">
+  <p:cSld>
     <p:bg>
       <p:bgPr>
         <a:solidFill>
@@ -3303,8 +3688,8 @@
         </p:nvSpPr>
         <p:spPr>
           <a:xfrm>
-            <a:off x="198120" y="0"/>
-            <a:ext cx="5375365" cy="1569660"/>
+            <a:off x="622663" y="415498"/>
+            <a:ext cx="2142309" cy="830997"/>
           </a:xfrm>
           <a:prstGeom prst="rect">
             <a:avLst/>
@@ -3317,9 +3702,8 @@
           </a:bodyPr>
           <a:lstStyle/>
           <a:p>
-            <a:pPr algn="ctr"/>
-            <a:r>
-              <a:rPr lang="ru-RU" sz="9600" dirty="0">
+            <a:r>
+              <a:rPr lang="ru-RU" sz="4800" dirty="0">
                 <a:solidFill>
                   <a:schemeClr val="bg1"/>
                 </a:solidFill>
@@ -3344,7 +3728,7 @@
         <p:spPr>
           <a:xfrm>
             <a:off x="198120" y="1665089"/>
-            <a:ext cx="11375659" cy="1569660"/>
+            <a:ext cx="11375659" cy="4154984"/>
           </a:xfrm>
           <a:prstGeom prst="rect">
             <a:avLst/>
@@ -3364,7 +3748,7 @@
                   <a:schemeClr val="bg1"/>
                 </a:solidFill>
               </a:rPr>
-              <a:t>- Имеется массив чисел. Нужно просуммировать все числа и вернуть сумму. </a:t>
+              <a:t>Вывод чисел от 1 до n</a:t>
             </a:r>
           </a:p>
           <a:p>
@@ -3375,7 +3759,7 @@
                   <a:schemeClr val="bg1"/>
                 </a:solidFill>
               </a:rPr>
-              <a:t>- Напишите рекурсивную функцию для подсчета</a:t>
+              <a:t>Написать функцию, которая выводит числа от 1 до n рекурсивно.</a:t>
             </a:r>
           </a:p>
           <a:p>
@@ -3386,29 +3770,265 @@
                   <a:schemeClr val="bg1"/>
                 </a:solidFill>
               </a:rPr>
-              <a:t>элементов в списке.</a:t>
+              <a:t>Пример: </a:t>
+            </a:r>
+            <a:r>
+              <a:rPr lang="ru-RU" sz="2400" dirty="0" err="1">
+                <a:solidFill>
+                  <a:schemeClr val="bg1"/>
+                </a:solidFill>
+              </a:rPr>
+              <a:t>print_numbers</a:t>
+            </a:r>
+            <a:r>
+              <a:rPr lang="ru-RU" sz="2400" dirty="0">
+                <a:solidFill>
+                  <a:schemeClr val="bg1"/>
+                </a:solidFill>
+              </a:rPr>
+              <a:t>(5) → 1 2 3 4 5</a:t>
             </a:r>
           </a:p>
           <a:p>
             <a:pPr algn="just"/>
+            <a:endParaRPr lang="ru-RU" sz="2400" dirty="0">
+              <a:solidFill>
+                <a:schemeClr val="bg1"/>
+              </a:solidFill>
+            </a:endParaRPr>
+          </a:p>
+          <a:p>
+            <a:pPr algn="just"/>
             <a:r>
               <a:rPr lang="ru-RU" sz="2400" dirty="0">
                 <a:solidFill>
                   <a:schemeClr val="bg1"/>
                 </a:solidFill>
               </a:rPr>
-              <a:t>- Напишите рекурсивную функцию для нахождения наибольшего числа в списке.</a:t>
-            </a:r>
-          </a:p>
-        </p:txBody>
-      </p:sp>
-      <p:sp>
-        <p:nvSpPr>
-          <p:cNvPr id="5" name="TextBox 4">
-            <a:hlinkClick r:id="rId2"/>
+              <a:t>Сумма чисел от 1 до n</a:t>
+            </a:r>
+          </a:p>
+          <a:p>
+            <a:pPr algn="just"/>
+            <a:r>
+              <a:rPr lang="ru-RU" sz="2400" dirty="0">
+                <a:solidFill>
+                  <a:schemeClr val="bg1"/>
+                </a:solidFill>
+              </a:rPr>
+              <a:t>Написать функцию, которая возвращает сумму чисел от 1 до n.</a:t>
+            </a:r>
+          </a:p>
+          <a:p>
+            <a:pPr algn="just"/>
+            <a:r>
+              <a:rPr lang="ru-RU" sz="2400" dirty="0">
+                <a:solidFill>
+                  <a:schemeClr val="bg1"/>
+                </a:solidFill>
+              </a:rPr>
+              <a:t>Пример: </a:t>
+            </a:r>
+            <a:r>
+              <a:rPr lang="ru-RU" sz="2400" dirty="0" err="1">
+                <a:solidFill>
+                  <a:schemeClr val="bg1"/>
+                </a:solidFill>
+              </a:rPr>
+              <a:t>sum</a:t>
+            </a:r>
+            <a:r>
+              <a:rPr lang="ru-RU" sz="2400" dirty="0">
+                <a:solidFill>
+                  <a:schemeClr val="bg1"/>
+                </a:solidFill>
+              </a:rPr>
+              <a:t>(5) → 15</a:t>
+            </a:r>
+          </a:p>
+          <a:p>
+            <a:pPr algn="just"/>
+            <a:endParaRPr lang="ru-RU" sz="2400" dirty="0">
+              <a:solidFill>
+                <a:schemeClr val="bg1"/>
+              </a:solidFill>
+            </a:endParaRPr>
+          </a:p>
+          <a:p>
+            <a:pPr algn="just"/>
+            <a:r>
+              <a:rPr lang="ru-RU" sz="2400" dirty="0">
+                <a:solidFill>
+                  <a:schemeClr val="bg1"/>
+                </a:solidFill>
+              </a:rPr>
+              <a:t>Обратная строка</a:t>
+            </a:r>
+          </a:p>
+          <a:p>
+            <a:pPr algn="just"/>
+            <a:r>
+              <a:rPr lang="ru-RU" sz="2400" dirty="0">
+                <a:solidFill>
+                  <a:schemeClr val="bg1"/>
+                </a:solidFill>
+              </a:rPr>
+              <a:t>Написать рекурсивную функцию, которая переворачивает строку.</a:t>
+            </a:r>
+          </a:p>
+          <a:p>
+            <a:pPr algn="just"/>
+            <a:r>
+              <a:rPr lang="ru-RU" sz="2400" dirty="0">
+                <a:solidFill>
+                  <a:schemeClr val="bg1"/>
+                </a:solidFill>
+              </a:rPr>
+              <a:t>Пример: </a:t>
+            </a:r>
+            <a:r>
+              <a:rPr lang="ru-RU" sz="2400" dirty="0" err="1">
+                <a:solidFill>
+                  <a:schemeClr val="bg1"/>
+                </a:solidFill>
+              </a:rPr>
+              <a:t>reverse</a:t>
+            </a:r>
+            <a:r>
+              <a:rPr lang="ru-RU" sz="2400" dirty="0">
+                <a:solidFill>
+                  <a:schemeClr val="bg1"/>
+                </a:solidFill>
+              </a:rPr>
+              <a:t>("</a:t>
+            </a:r>
+            <a:r>
+              <a:rPr lang="ru-RU" sz="2400" dirty="0" err="1">
+                <a:solidFill>
+                  <a:schemeClr val="bg1"/>
+                </a:solidFill>
+              </a:rPr>
+              <a:t>abc</a:t>
+            </a:r>
+            <a:r>
+              <a:rPr lang="ru-RU" sz="2400" dirty="0">
+                <a:solidFill>
+                  <a:schemeClr val="bg1"/>
+                </a:solidFill>
+              </a:rPr>
+              <a:t>") → "</a:t>
+            </a:r>
+            <a:r>
+              <a:rPr lang="ru-RU" sz="2400" dirty="0" err="1">
+                <a:solidFill>
+                  <a:schemeClr val="bg1"/>
+                </a:solidFill>
+              </a:rPr>
+              <a:t>cba</a:t>
+            </a:r>
+            <a:r>
+              <a:rPr lang="ru-RU" sz="2400" dirty="0">
+                <a:solidFill>
+                  <a:schemeClr val="bg1"/>
+                </a:solidFill>
+              </a:rPr>
+              <a:t>"</a:t>
+            </a:r>
+          </a:p>
+        </p:txBody>
+      </p:sp>
+    </p:spTree>
+    <p:extLst>
+      <p:ext uri="{BB962C8B-B14F-4D97-AF65-F5344CB8AC3E}">
+        <p14:creationId xmlns:p14="http://schemas.microsoft.com/office/powerpoint/2010/main" val="2753484241"/>
+      </p:ext>
+    </p:extLst>
+  </p:cSld>
+  <p:clrMapOvr>
+    <a:masterClrMapping/>
+  </p:clrMapOvr>
+</p:sld>
+</file>
+
+<file path=ppt/slides/slide13.xml><?xml version="1.0" encoding="utf-8"?>
+<p:sld xmlns:a="http://schemas.openxmlformats.org/drawingml/2006/main" xmlns:r="http://schemas.openxmlformats.org/officeDocument/2006/relationships" xmlns:p="http://schemas.openxmlformats.org/presentationml/2006/main">
+  <p:cSld>
+    <p:bg>
+      <p:bgPr>
+        <a:solidFill>
+          <a:srgbClr val="000000"/>
+        </a:solidFill>
+        <a:effectLst/>
+      </p:bgPr>
+    </p:bg>
+    <p:spTree>
+      <p:nvGrpSpPr>
+        <p:cNvPr id="1" name=""/>
+        <p:cNvGrpSpPr/>
+        <p:nvPr/>
+      </p:nvGrpSpPr>
+      <p:grpSpPr>
+        <a:xfrm>
+          <a:off x="0" y="0"/>
+          <a:ext cx="0" cy="0"/>
+          <a:chOff x="0" y="0"/>
+          <a:chExt cx="0" cy="0"/>
+        </a:xfrm>
+      </p:grpSpPr>
+      <p:sp>
+        <p:nvSpPr>
+          <p:cNvPr id="4" name="Rectangle 3"/>
+          <p:cNvSpPr/>
+          <p:nvPr/>
+        </p:nvSpPr>
+        <p:spPr>
+          <a:xfrm>
+            <a:off x="0" y="7772400"/>
+            <a:ext cx="14630400" cy="457200"/>
+          </a:xfrm>
+          <a:prstGeom prst="rect">
+            <a:avLst/>
+          </a:prstGeom>
+          <a:solidFill>
+            <a:srgbClr val="640064"/>
+          </a:solidFill>
+          <a:ln>
+            <a:noFill/>
+          </a:ln>
+        </p:spPr>
+        <p:style>
+          <a:lnRef idx="1">
+            <a:schemeClr val="accent1"/>
+          </a:lnRef>
+          <a:fillRef idx="3">
+            <a:schemeClr val="accent1"/>
+          </a:fillRef>
+          <a:effectRef idx="2">
+            <a:schemeClr val="accent1"/>
+          </a:effectRef>
+          <a:fontRef idx="minor">
+            <a:schemeClr val="lt1"/>
+          </a:fontRef>
+        </p:style>
+        <p:txBody>
+          <a:bodyPr rtlCol="0" anchor="ctr"/>
+          <a:lstStyle/>
+          <a:p>
+            <a:pPr algn="ctr"/>
+            <a:endParaRPr>
+              <a:solidFill>
+                <a:schemeClr val="bg1"/>
+              </a:solidFill>
+            </a:endParaRPr>
+          </a:p>
+        </p:txBody>
+      </p:sp>
+      <p:sp>
+        <p:nvSpPr>
+          <p:cNvPr id="2" name="TextBox 1">
             <a:extLst>
               <a:ext uri="{FF2B5EF4-FFF2-40B4-BE49-F238E27FC236}">
-                <a16:creationId xmlns:a16="http://schemas.microsoft.com/office/drawing/2014/main" id="{F1A42942-B4DA-D4D9-172B-6CD13350668E}"/>
+                <a16:creationId xmlns:a16="http://schemas.microsoft.com/office/drawing/2014/main" id="{AD66099C-598E-47B3-EDE4-26ECC9DB1A27}"/>
               </a:ext>
             </a:extLst>
           </p:cNvPr>
@@ -3417,8 +4037,8 @@
         </p:nvSpPr>
         <p:spPr>
           <a:xfrm>
-            <a:off x="544540" y="6650155"/>
-            <a:ext cx="3669938" cy="523220"/>
+            <a:off x="622663" y="415498"/>
+            <a:ext cx="8009708" cy="830997"/>
           </a:xfrm>
           <a:prstGeom prst="rect">
             <a:avLst/>
@@ -3431,31 +4051,233 @@
           </a:bodyPr>
           <a:lstStyle/>
           <a:p>
-            <a:pPr algn="l">
-              <a:defRPr sz="2800">
-                <a:solidFill>
-                  <a:srgbClr val="FFFFFF"/>
-                </a:solidFill>
-              </a:defRPr>
-            </a:pPr>
-            <a:r>
-              <a:rPr lang="ru-RU" dirty="0">
-                <a:solidFill>
-                  <a:schemeClr val="tx1">
-                    <a:lumMod val="95000"/>
-                    <a:lumOff val="5000"/>
-                  </a:schemeClr>
-                </a:solidFill>
-                <a:hlinkClick r:id="rId3"/>
-              </a:rPr>
-              <a:t>Задача 1</a:t>
-            </a:r>
-            <a:endParaRPr dirty="0">
+            <a:r>
+              <a:rPr lang="ru-RU" sz="4800" dirty="0">
+                <a:solidFill>
+                  <a:schemeClr val="bg1"/>
+                </a:solidFill>
+              </a:rPr>
+              <a:t>Классические задачи</a:t>
+            </a:r>
+          </a:p>
+        </p:txBody>
+      </p:sp>
+      <p:sp>
+        <p:nvSpPr>
+          <p:cNvPr id="3" name="TextBox 2">
+            <a:extLst>
+              <a:ext uri="{FF2B5EF4-FFF2-40B4-BE49-F238E27FC236}">
+                <a16:creationId xmlns:a16="http://schemas.microsoft.com/office/drawing/2014/main" id="{61A998A0-DF0F-E697-1D63-A6FF570C03E7}"/>
+              </a:ext>
+            </a:extLst>
+          </p:cNvPr>
+          <p:cNvSpPr txBox="1"/>
+          <p:nvPr/>
+        </p:nvSpPr>
+        <p:spPr>
+          <a:xfrm>
+            <a:off x="198120" y="1665089"/>
+            <a:ext cx="11375659" cy="4154984"/>
+          </a:xfrm>
+          <a:prstGeom prst="rect">
+            <a:avLst/>
+          </a:prstGeom>
+          <a:noFill/>
+        </p:spPr>
+        <p:txBody>
+          <a:bodyPr wrap="square">
+            <a:spAutoFit/>
+          </a:bodyPr>
+          <a:lstStyle/>
+          <a:p>
+            <a:pPr algn="just"/>
+            <a:r>
+              <a:rPr lang="ru-RU" sz="2400" dirty="0">
+                <a:solidFill>
+                  <a:schemeClr val="bg1"/>
+                </a:solidFill>
+              </a:rPr>
+              <a:t>Факториал числа</a:t>
+            </a:r>
+          </a:p>
+          <a:p>
+            <a:pPr algn="just"/>
+            <a:r>
+              <a:rPr lang="ru-RU" sz="2400" dirty="0">
+                <a:solidFill>
+                  <a:schemeClr val="bg1"/>
+                </a:solidFill>
+              </a:rPr>
+              <a:t>Реализовать вычисление факториала числа n! с помощью рекурсии.</a:t>
+            </a:r>
+          </a:p>
+          <a:p>
+            <a:pPr algn="just"/>
+            <a:r>
+              <a:rPr lang="ru-RU" sz="2400" dirty="0">
+                <a:solidFill>
+                  <a:schemeClr val="bg1"/>
+                </a:solidFill>
+              </a:rPr>
+              <a:t>Пример: </a:t>
+            </a:r>
+            <a:r>
+              <a:rPr lang="ru-RU" sz="2400" dirty="0" err="1">
+                <a:solidFill>
+                  <a:schemeClr val="bg1"/>
+                </a:solidFill>
+              </a:rPr>
+              <a:t>factorial</a:t>
+            </a:r>
+            <a:r>
+              <a:rPr lang="ru-RU" sz="2400" dirty="0">
+                <a:solidFill>
+                  <a:schemeClr val="bg1"/>
+                </a:solidFill>
+              </a:rPr>
+              <a:t>(4) → 24</a:t>
+            </a:r>
+          </a:p>
+          <a:p>
+            <a:pPr algn="just"/>
+            <a:endParaRPr lang="ru-RU" sz="2400" dirty="0">
               <a:solidFill>
-                <a:schemeClr val="tx1">
-                  <a:lumMod val="95000"/>
-                  <a:lumOff val="5000"/>
-                </a:schemeClr>
+                <a:schemeClr val="bg1"/>
+              </a:solidFill>
+            </a:endParaRPr>
+          </a:p>
+          <a:p>
+            <a:pPr algn="just"/>
+            <a:r>
+              <a:rPr lang="ru-RU" sz="2400" dirty="0">
+                <a:solidFill>
+                  <a:schemeClr val="bg1"/>
+                </a:solidFill>
+              </a:rPr>
+              <a:t>Числа Фибоначчи</a:t>
+            </a:r>
+          </a:p>
+          <a:p>
+            <a:pPr algn="just"/>
+            <a:r>
+              <a:rPr lang="ru-RU" sz="2400" dirty="0">
+                <a:solidFill>
+                  <a:schemeClr val="bg1"/>
+                </a:solidFill>
+              </a:rPr>
+              <a:t>Вывести n-е число Фибоначчи рекурсивно.</a:t>
+            </a:r>
+          </a:p>
+          <a:p>
+            <a:pPr algn="just"/>
+            <a:r>
+              <a:rPr lang="ru-RU" sz="2400" dirty="0">
+                <a:solidFill>
+                  <a:schemeClr val="bg1"/>
+                </a:solidFill>
+              </a:rPr>
+              <a:t>Пример: </a:t>
+            </a:r>
+            <a:r>
+              <a:rPr lang="ru-RU" sz="2400" dirty="0" err="1">
+                <a:solidFill>
+                  <a:schemeClr val="bg1"/>
+                </a:solidFill>
+              </a:rPr>
+              <a:t>fibonacci</a:t>
+            </a:r>
+            <a:r>
+              <a:rPr lang="ru-RU" sz="2400" dirty="0">
+                <a:solidFill>
+                  <a:schemeClr val="bg1"/>
+                </a:solidFill>
+              </a:rPr>
+              <a:t>(6) → 8</a:t>
+            </a:r>
+          </a:p>
+          <a:p>
+            <a:pPr algn="just"/>
+            <a:endParaRPr lang="ru-RU" sz="2400" dirty="0">
+              <a:solidFill>
+                <a:schemeClr val="bg1"/>
+              </a:solidFill>
+            </a:endParaRPr>
+          </a:p>
+          <a:p>
+            <a:pPr algn="just"/>
+            <a:r>
+              <a:rPr lang="ru-RU" sz="2400" dirty="0">
+                <a:solidFill>
+                  <a:schemeClr val="bg1"/>
+                </a:solidFill>
+              </a:rPr>
+              <a:t>Проверка палиндрома</a:t>
+            </a:r>
+          </a:p>
+          <a:p>
+            <a:pPr algn="just"/>
+            <a:r>
+              <a:rPr lang="ru-RU" sz="2400" dirty="0">
+                <a:solidFill>
+                  <a:schemeClr val="bg1"/>
+                </a:solidFill>
+              </a:rPr>
+              <a:t>Рекурсивно проверить, является ли строка палиндромом.</a:t>
+            </a:r>
+          </a:p>
+          <a:p>
+            <a:pPr algn="just"/>
+            <a:r>
+              <a:rPr lang="ru-RU" sz="2400" dirty="0">
+                <a:solidFill>
+                  <a:schemeClr val="bg1"/>
+                </a:solidFill>
+              </a:rPr>
+              <a:t>Пример: "</a:t>
+            </a:r>
+            <a:r>
+              <a:rPr lang="ru-RU" sz="2400" dirty="0" err="1">
+                <a:solidFill>
+                  <a:schemeClr val="bg1"/>
+                </a:solidFill>
+              </a:rPr>
+              <a:t>radar</a:t>
+            </a:r>
+            <a:r>
+              <a:rPr lang="ru-RU" sz="2400" dirty="0">
+                <a:solidFill>
+                  <a:schemeClr val="bg1"/>
+                </a:solidFill>
+              </a:rPr>
+              <a:t>" → True, "</a:t>
+            </a:r>
+            <a:r>
+              <a:rPr lang="ru-RU" sz="2400" dirty="0" err="1">
+                <a:solidFill>
+                  <a:schemeClr val="bg1"/>
+                </a:solidFill>
+              </a:rPr>
+              <a:t>hello</a:t>
+            </a:r>
+            <a:r>
+              <a:rPr lang="ru-RU" sz="2400" dirty="0">
+                <a:solidFill>
+                  <a:schemeClr val="bg1"/>
+                </a:solidFill>
+              </a:rPr>
+              <a:t>" → </a:t>
+            </a:r>
+            <a:r>
+              <a:rPr lang="ru-RU" sz="2400" dirty="0" err="1">
+                <a:solidFill>
+                  <a:schemeClr val="bg1"/>
+                </a:solidFill>
+              </a:rPr>
+              <a:t>False</a:t>
+            </a:r>
+            <a:endParaRPr lang="ru-RU" sz="2400" dirty="0">
+              <a:solidFill>
+                <a:schemeClr val="bg1"/>
               </a:solidFill>
             </a:endParaRPr>
           </a:p>
@@ -3464,7 +4286,1248 @@
     </p:spTree>
     <p:extLst>
       <p:ext uri="{BB962C8B-B14F-4D97-AF65-F5344CB8AC3E}">
-        <p14:creationId xmlns:p14="http://schemas.microsoft.com/office/powerpoint/2010/main" val="2964593785"/>
+        <p14:creationId xmlns:p14="http://schemas.microsoft.com/office/powerpoint/2010/main" val="882440417"/>
+      </p:ext>
+    </p:extLst>
+  </p:cSld>
+  <p:clrMapOvr>
+    <a:masterClrMapping/>
+  </p:clrMapOvr>
+</p:sld>
+</file>
+
+<file path=ppt/slides/slide14.xml><?xml version="1.0" encoding="utf-8"?>
+<p:sld xmlns:a="http://schemas.openxmlformats.org/drawingml/2006/main" xmlns:r="http://schemas.openxmlformats.org/officeDocument/2006/relationships" xmlns:p="http://schemas.openxmlformats.org/presentationml/2006/main">
+  <p:cSld>
+    <p:spTree>
+      <p:nvGrpSpPr>
+        <p:cNvPr id="1" name=""/>
+        <p:cNvGrpSpPr/>
+        <p:nvPr/>
+      </p:nvGrpSpPr>
+      <p:grpSpPr>
+        <a:xfrm>
+          <a:off x="0" y="0"/>
+          <a:ext cx="0" cy="0"/>
+          <a:chOff x="0" y="0"/>
+          <a:chExt cx="0" cy="0"/>
+        </a:xfrm>
+      </p:grpSpPr>
+      <p:pic>
+        <p:nvPicPr>
+          <p:cNvPr id="4" name="Picture 3" descr="logo.png"/>
+          <p:cNvPicPr>
+            <a:picLocks noChangeAspect="1"/>
+          </p:cNvPicPr>
+          <p:nvPr/>
+        </p:nvPicPr>
+        <p:blipFill>
+          <a:blip r:embed="rId2"/>
+          <a:stretch>
+            <a:fillRect/>
+          </a:stretch>
+        </p:blipFill>
+        <p:spPr>
+          <a:xfrm>
+            <a:off x="12344400" y="274320"/>
+            <a:ext cx="1097280" cy="1080473"/>
+          </a:xfrm>
+          <a:prstGeom prst="rect">
+            <a:avLst/>
+          </a:prstGeom>
+        </p:spPr>
+      </p:pic>
+      <p:sp>
+        <p:nvSpPr>
+          <p:cNvPr id="5" name="Rectangle 4"/>
+          <p:cNvSpPr/>
+          <p:nvPr/>
+        </p:nvSpPr>
+        <p:spPr>
+          <a:xfrm>
+            <a:off x="0" y="7772400"/>
+            <a:ext cx="14630400" cy="457200"/>
+          </a:xfrm>
+          <a:prstGeom prst="rect">
+            <a:avLst/>
+          </a:prstGeom>
+          <a:solidFill>
+            <a:srgbClr val="640064"/>
+          </a:solidFill>
+          <a:ln>
+            <a:noFill/>
+          </a:ln>
+        </p:spPr>
+        <p:style>
+          <a:lnRef idx="1">
+            <a:schemeClr val="accent1"/>
+          </a:lnRef>
+          <a:fillRef idx="3">
+            <a:schemeClr val="accent1"/>
+          </a:fillRef>
+          <a:effectRef idx="2">
+            <a:schemeClr val="accent1"/>
+          </a:effectRef>
+          <a:fontRef idx="minor">
+            <a:schemeClr val="lt1"/>
+          </a:fontRef>
+        </p:style>
+        <p:txBody>
+          <a:bodyPr rtlCol="0" anchor="ctr"/>
+          <a:lstStyle/>
+          <a:p>
+            <a:pPr algn="ctr"/>
+            <a:endParaRPr/>
+          </a:p>
+        </p:txBody>
+      </p:sp>
+      <p:sp>
+        <p:nvSpPr>
+          <p:cNvPr id="3" name="TextBox 2">
+            <a:extLst>
+              <a:ext uri="{FF2B5EF4-FFF2-40B4-BE49-F238E27FC236}">
+                <a16:creationId xmlns:a16="http://schemas.microsoft.com/office/drawing/2014/main" id="{6AE76C4C-FDD7-59FD-3DE4-2DBCD06B1A70}"/>
+              </a:ext>
+            </a:extLst>
+          </p:cNvPr>
+          <p:cNvSpPr txBox="1"/>
+          <p:nvPr/>
+        </p:nvSpPr>
+        <p:spPr>
+          <a:xfrm>
+            <a:off x="675594" y="157316"/>
+            <a:ext cx="9808029" cy="830997"/>
+          </a:xfrm>
+          <a:prstGeom prst="rect">
+            <a:avLst/>
+          </a:prstGeom>
+          <a:noFill/>
+        </p:spPr>
+        <p:txBody>
+          <a:bodyPr wrap="square">
+            <a:spAutoFit/>
+          </a:bodyPr>
+          <a:lstStyle/>
+          <a:p>
+            <a:r>
+              <a:rPr lang="ru-RU" sz="4800" dirty="0"/>
+              <a:t>«Разделяй и властвуй»</a:t>
+            </a:r>
+          </a:p>
+        </p:txBody>
+      </p:sp>
+      <p:pic>
+        <p:nvPicPr>
+          <p:cNvPr id="9" name="Рисунок 8" descr="Изображение выглядит как желтый, графическая вставка&#10;&#10;Автоматически созданное описание">
+            <a:extLst>
+              <a:ext uri="{FF2B5EF4-FFF2-40B4-BE49-F238E27FC236}">
+                <a16:creationId xmlns:a16="http://schemas.microsoft.com/office/drawing/2014/main" id="{5A8016DC-2930-31D7-7BD0-7C2B4BE654CD}"/>
+              </a:ext>
+            </a:extLst>
+          </p:cNvPr>
+          <p:cNvPicPr>
+            <a:picLocks noChangeAspect="1"/>
+          </p:cNvPicPr>
+          <p:nvPr/>
+        </p:nvPicPr>
+        <p:blipFill>
+          <a:blip r:embed="rId3"/>
+          <a:stretch>
+            <a:fillRect/>
+          </a:stretch>
+        </p:blipFill>
+        <p:spPr>
+          <a:xfrm rot="18748558">
+            <a:off x="9840818" y="3940850"/>
+            <a:ext cx="4132356" cy="2754904"/>
+          </a:xfrm>
+          <a:prstGeom prst="rect">
+            <a:avLst/>
+          </a:prstGeom>
+        </p:spPr>
+      </p:pic>
+    </p:spTree>
+    <p:extLst>
+      <p:ext uri="{BB962C8B-B14F-4D97-AF65-F5344CB8AC3E}">
+        <p14:creationId xmlns:p14="http://schemas.microsoft.com/office/powerpoint/2010/main" val="2503850801"/>
+      </p:ext>
+    </p:extLst>
+  </p:cSld>
+  <p:clrMapOvr>
+    <a:masterClrMapping/>
+  </p:clrMapOvr>
+</p:sld>
+</file>
+
+<file path=ppt/slides/slide15.xml><?xml version="1.0" encoding="utf-8"?>
+<p:sld xmlns:a="http://schemas.openxmlformats.org/drawingml/2006/main" xmlns:r="http://schemas.openxmlformats.org/officeDocument/2006/relationships" xmlns:p="http://schemas.openxmlformats.org/presentationml/2006/main">
+  <p:cSld>
+    <p:bg>
+      <p:bgPr>
+        <a:solidFill>
+          <a:srgbClr val="972996"/>
+        </a:solidFill>
+        <a:effectLst/>
+      </p:bgPr>
+    </p:bg>
+    <p:spTree>
+      <p:nvGrpSpPr>
+        <p:cNvPr id="1" name=""/>
+        <p:cNvGrpSpPr/>
+        <p:nvPr/>
+      </p:nvGrpSpPr>
+      <p:grpSpPr>
+        <a:xfrm>
+          <a:off x="0" y="0"/>
+          <a:ext cx="0" cy="0"/>
+          <a:chOff x="0" y="0"/>
+          <a:chExt cx="0" cy="0"/>
+        </a:xfrm>
+      </p:grpSpPr>
+      <p:pic>
+        <p:nvPicPr>
+          <p:cNvPr id="4" name="Picture 3" descr="logo.png"/>
+          <p:cNvPicPr>
+            <a:picLocks noChangeAspect="1"/>
+          </p:cNvPicPr>
+          <p:nvPr/>
+        </p:nvPicPr>
+        <p:blipFill>
+          <a:blip r:embed="rId2"/>
+          <a:stretch>
+            <a:fillRect/>
+          </a:stretch>
+        </p:blipFill>
+        <p:spPr>
+          <a:xfrm>
+            <a:off x="12344400" y="274320"/>
+            <a:ext cx="1097280" cy="1080473"/>
+          </a:xfrm>
+          <a:prstGeom prst="rect">
+            <a:avLst/>
+          </a:prstGeom>
+        </p:spPr>
+      </p:pic>
+      <p:sp>
+        <p:nvSpPr>
+          <p:cNvPr id="5" name="Rectangle 4"/>
+          <p:cNvSpPr/>
+          <p:nvPr/>
+        </p:nvSpPr>
+        <p:spPr>
+          <a:xfrm>
+            <a:off x="0" y="7772400"/>
+            <a:ext cx="14630400" cy="457200"/>
+          </a:xfrm>
+          <a:prstGeom prst="rect">
+            <a:avLst/>
+          </a:prstGeom>
+          <a:solidFill>
+            <a:srgbClr val="E6E6E6"/>
+          </a:solidFill>
+          <a:ln>
+            <a:noFill/>
+          </a:ln>
+        </p:spPr>
+        <p:style>
+          <a:lnRef idx="1">
+            <a:schemeClr val="accent1"/>
+          </a:lnRef>
+          <a:fillRef idx="3">
+            <a:schemeClr val="accent1"/>
+          </a:fillRef>
+          <a:effectRef idx="2">
+            <a:schemeClr val="accent1"/>
+          </a:effectRef>
+          <a:fontRef idx="minor">
+            <a:schemeClr val="lt1"/>
+          </a:fontRef>
+        </p:style>
+        <p:txBody>
+          <a:bodyPr rtlCol="0" anchor="ctr"/>
+          <a:lstStyle/>
+          <a:p>
+            <a:pPr algn="ctr"/>
+            <a:endParaRPr/>
+          </a:p>
+        </p:txBody>
+      </p:sp>
+      <p:sp>
+        <p:nvSpPr>
+          <p:cNvPr id="2" name="TextBox 1">
+            <a:extLst>
+              <a:ext uri="{FF2B5EF4-FFF2-40B4-BE49-F238E27FC236}">
+                <a16:creationId xmlns:a16="http://schemas.microsoft.com/office/drawing/2014/main" id="{01D6ACE2-3D3A-657A-7696-1420F333B051}"/>
+              </a:ext>
+            </a:extLst>
+          </p:cNvPr>
+          <p:cNvSpPr txBox="1"/>
+          <p:nvPr/>
+        </p:nvSpPr>
+        <p:spPr>
+          <a:xfrm>
+            <a:off x="1030605" y="231408"/>
+            <a:ext cx="12411075" cy="3539430"/>
+          </a:xfrm>
+          <a:prstGeom prst="rect">
+            <a:avLst/>
+          </a:prstGeom>
+          <a:noFill/>
+        </p:spPr>
+        <p:txBody>
+          <a:bodyPr wrap="square">
+            <a:spAutoFit/>
+          </a:bodyPr>
+          <a:lstStyle/>
+          <a:p>
+            <a:pPr algn="ctr"/>
+            <a:r>
+              <a:rPr lang="ru-RU" sz="2800" dirty="0">
+                <a:solidFill>
+                  <a:schemeClr val="bg1"/>
+                </a:solidFill>
+              </a:rPr>
+              <a:t>Решение задачи методом «разделяй и властвуй» состоит из двух шагов.</a:t>
+            </a:r>
+          </a:p>
+          <a:p>
+            <a:pPr algn="ctr"/>
+            <a:r>
+              <a:rPr lang="ru-RU" sz="2800" dirty="0">
+                <a:solidFill>
+                  <a:schemeClr val="bg1"/>
+                </a:solidFill>
+              </a:rPr>
+              <a:t>1. Сначала определяется базовый случай. Это должен быть простейший</a:t>
+            </a:r>
+          </a:p>
+          <a:p>
+            <a:pPr algn="ctr"/>
+            <a:r>
+              <a:rPr lang="ru-RU" sz="2800" dirty="0">
+                <a:solidFill>
+                  <a:schemeClr val="bg1"/>
+                </a:solidFill>
+              </a:rPr>
+              <a:t>случай из всех возможных.</a:t>
+            </a:r>
+          </a:p>
+          <a:p>
+            <a:pPr algn="ctr"/>
+            <a:r>
+              <a:rPr lang="ru-RU" sz="2800" dirty="0">
+                <a:solidFill>
+                  <a:schemeClr val="bg1"/>
+                </a:solidFill>
+              </a:rPr>
+              <a:t>2. Задача делится или сокращается до тех пор, пока не будет сведена к базовому случаю.</a:t>
+            </a:r>
+          </a:p>
+          <a:p>
+            <a:pPr algn="ctr"/>
+            <a:endParaRPr lang="ru-RU" sz="2800" dirty="0">
+              <a:solidFill>
+                <a:schemeClr val="bg1"/>
+              </a:solidFill>
+            </a:endParaRPr>
+          </a:p>
+          <a:p>
+            <a:pPr algn="ctr"/>
+            <a:endParaRPr lang="ru-RU" sz="2800" dirty="0">
+              <a:solidFill>
+                <a:schemeClr val="bg1"/>
+              </a:solidFill>
+            </a:endParaRPr>
+          </a:p>
+          <a:p>
+            <a:pPr algn="ctr"/>
+            <a:r>
+              <a:rPr lang="ru-RU" sz="2800" dirty="0">
+                <a:solidFill>
+                  <a:schemeClr val="bg1"/>
+                </a:solidFill>
+              </a:rPr>
+              <a:t>Какой может быть базовый случай?</a:t>
+            </a:r>
+          </a:p>
+        </p:txBody>
+      </p:sp>
+      <p:pic>
+        <p:nvPicPr>
+          <p:cNvPr id="6" name="Рисунок 5">
+            <a:extLst>
+              <a:ext uri="{FF2B5EF4-FFF2-40B4-BE49-F238E27FC236}">
+                <a16:creationId xmlns:a16="http://schemas.microsoft.com/office/drawing/2014/main" id="{6C3E869B-9EF4-8F88-9D0E-3F6A51362C3F}"/>
+              </a:ext>
+            </a:extLst>
+          </p:cNvPr>
+          <p:cNvPicPr>
+            <a:picLocks noChangeAspect="1"/>
+          </p:cNvPicPr>
+          <p:nvPr/>
+        </p:nvPicPr>
+        <p:blipFill>
+          <a:blip r:embed="rId3"/>
+          <a:stretch>
+            <a:fillRect/>
+          </a:stretch>
+        </p:blipFill>
+        <p:spPr>
+          <a:xfrm>
+            <a:off x="3959542" y="3905011"/>
+            <a:ext cx="6553200" cy="1943100"/>
+          </a:xfrm>
+          <a:prstGeom prst="rect">
+            <a:avLst/>
+          </a:prstGeom>
+        </p:spPr>
+      </p:pic>
+    </p:spTree>
+    <p:extLst>
+      <p:ext uri="{BB962C8B-B14F-4D97-AF65-F5344CB8AC3E}">
+        <p14:creationId xmlns:p14="http://schemas.microsoft.com/office/powerpoint/2010/main" val="1996042796"/>
+      </p:ext>
+    </p:extLst>
+  </p:cSld>
+  <p:clrMapOvr>
+    <a:masterClrMapping/>
+  </p:clrMapOvr>
+</p:sld>
+</file>
+
+<file path=ppt/slides/slide16.xml><?xml version="1.0" encoding="utf-8"?>
+<p:sld xmlns:a="http://schemas.openxmlformats.org/drawingml/2006/main" xmlns:r="http://schemas.openxmlformats.org/officeDocument/2006/relationships" xmlns:p="http://schemas.openxmlformats.org/presentationml/2006/main">
+  <p:cSld>
+    <p:spTree>
+      <p:nvGrpSpPr>
+        <p:cNvPr id="1" name=""/>
+        <p:cNvGrpSpPr/>
+        <p:nvPr/>
+      </p:nvGrpSpPr>
+      <p:grpSpPr>
+        <a:xfrm>
+          <a:off x="0" y="0"/>
+          <a:ext cx="0" cy="0"/>
+          <a:chOff x="0" y="0"/>
+          <a:chExt cx="0" cy="0"/>
+        </a:xfrm>
+      </p:grpSpPr>
+      <p:pic>
+        <p:nvPicPr>
+          <p:cNvPr id="4" name="Picture 3" descr="logo.png"/>
+          <p:cNvPicPr>
+            <a:picLocks noChangeAspect="1"/>
+          </p:cNvPicPr>
+          <p:nvPr/>
+        </p:nvPicPr>
+        <p:blipFill>
+          <a:blip r:embed="rId2"/>
+          <a:stretch>
+            <a:fillRect/>
+          </a:stretch>
+        </p:blipFill>
+        <p:spPr>
+          <a:xfrm>
+            <a:off x="12344400" y="274320"/>
+            <a:ext cx="1097280" cy="1080473"/>
+          </a:xfrm>
+          <a:prstGeom prst="rect">
+            <a:avLst/>
+          </a:prstGeom>
+        </p:spPr>
+      </p:pic>
+      <p:sp>
+        <p:nvSpPr>
+          <p:cNvPr id="5" name="Rectangle 4"/>
+          <p:cNvSpPr/>
+          <p:nvPr/>
+        </p:nvSpPr>
+        <p:spPr>
+          <a:xfrm>
+            <a:off x="0" y="7772400"/>
+            <a:ext cx="14630400" cy="457200"/>
+          </a:xfrm>
+          <a:prstGeom prst="rect">
+            <a:avLst/>
+          </a:prstGeom>
+          <a:solidFill>
+            <a:srgbClr val="640064"/>
+          </a:solidFill>
+          <a:ln>
+            <a:noFill/>
+          </a:ln>
+        </p:spPr>
+        <p:style>
+          <a:lnRef idx="1">
+            <a:schemeClr val="accent1"/>
+          </a:lnRef>
+          <a:fillRef idx="3">
+            <a:schemeClr val="accent1"/>
+          </a:fillRef>
+          <a:effectRef idx="2">
+            <a:schemeClr val="accent1"/>
+          </a:effectRef>
+          <a:fontRef idx="minor">
+            <a:schemeClr val="lt1"/>
+          </a:fontRef>
+        </p:style>
+        <p:txBody>
+          <a:bodyPr rtlCol="0" anchor="ctr"/>
+          <a:lstStyle/>
+          <a:p>
+            <a:pPr algn="ctr"/>
+            <a:endParaRPr/>
+          </a:p>
+        </p:txBody>
+      </p:sp>
+      <p:sp>
+        <p:nvSpPr>
+          <p:cNvPr id="3" name="TextBox 2">
+            <a:extLst>
+              <a:ext uri="{FF2B5EF4-FFF2-40B4-BE49-F238E27FC236}">
+                <a16:creationId xmlns:a16="http://schemas.microsoft.com/office/drawing/2014/main" id="{6AE76C4C-FDD7-59FD-3DE4-2DBCD06B1A70}"/>
+              </a:ext>
+            </a:extLst>
+          </p:cNvPr>
+          <p:cNvSpPr txBox="1"/>
+          <p:nvPr/>
+        </p:nvSpPr>
+        <p:spPr>
+          <a:xfrm>
+            <a:off x="761999" y="-110401"/>
+            <a:ext cx="12518571" cy="769441"/>
+          </a:xfrm>
+          <a:prstGeom prst="rect">
+            <a:avLst/>
+          </a:prstGeom>
+          <a:noFill/>
+        </p:spPr>
+        <p:txBody>
+          <a:bodyPr wrap="square">
+            <a:spAutoFit/>
+          </a:bodyPr>
+          <a:lstStyle/>
+          <a:p>
+            <a:pPr algn="ctr"/>
+            <a:r>
+              <a:rPr lang="ru-RU" sz="4400" dirty="0"/>
+              <a:t>Теперь нужно вычислить рекурсивный случай. </a:t>
+            </a:r>
+          </a:p>
+        </p:txBody>
+      </p:sp>
+      <p:pic>
+        <p:nvPicPr>
+          <p:cNvPr id="6" name="Рисунок 5" descr="Изображение выглядит как рисунок, мультфильм, иллюстрация, зарисовка&#10;&#10;Автоматически созданное описание">
+            <a:extLst>
+              <a:ext uri="{FF2B5EF4-FFF2-40B4-BE49-F238E27FC236}">
+                <a16:creationId xmlns:a16="http://schemas.microsoft.com/office/drawing/2014/main" id="{591088BE-B304-184E-47BD-76360EC29649}"/>
+              </a:ext>
+            </a:extLst>
+          </p:cNvPr>
+          <p:cNvPicPr>
+            <a:picLocks noChangeAspect="1"/>
+          </p:cNvPicPr>
+          <p:nvPr/>
+        </p:nvPicPr>
+        <p:blipFill>
+          <a:blip r:embed="rId3"/>
+          <a:stretch>
+            <a:fillRect/>
+          </a:stretch>
+        </p:blipFill>
+        <p:spPr>
+          <a:xfrm>
+            <a:off x="4136066" y="615043"/>
+            <a:ext cx="7080473" cy="7157358"/>
+          </a:xfrm>
+          <a:prstGeom prst="rect">
+            <a:avLst/>
+          </a:prstGeom>
+        </p:spPr>
+      </p:pic>
+    </p:spTree>
+    <p:extLst>
+      <p:ext uri="{BB962C8B-B14F-4D97-AF65-F5344CB8AC3E}">
+        <p14:creationId xmlns:p14="http://schemas.microsoft.com/office/powerpoint/2010/main" val="315849401"/>
+      </p:ext>
+    </p:extLst>
+  </p:cSld>
+  <p:clrMapOvr>
+    <a:masterClrMapping/>
+  </p:clrMapOvr>
+</p:sld>
+</file>
+
+<file path=ppt/slides/slide17.xml><?xml version="1.0" encoding="utf-8"?>
+<p:sld xmlns:a="http://schemas.openxmlformats.org/drawingml/2006/main" xmlns:r="http://schemas.openxmlformats.org/officeDocument/2006/relationships" xmlns:p="http://schemas.openxmlformats.org/presentationml/2006/main">
+  <p:cSld>
+    <p:spTree>
+      <p:nvGrpSpPr>
+        <p:cNvPr id="1" name=""/>
+        <p:cNvGrpSpPr/>
+        <p:nvPr/>
+      </p:nvGrpSpPr>
+      <p:grpSpPr>
+        <a:xfrm>
+          <a:off x="0" y="0"/>
+          <a:ext cx="0" cy="0"/>
+          <a:chOff x="0" y="0"/>
+          <a:chExt cx="0" cy="0"/>
+        </a:xfrm>
+      </p:grpSpPr>
+      <p:pic>
+        <p:nvPicPr>
+          <p:cNvPr id="4" name="Picture 3" descr="logo.png"/>
+          <p:cNvPicPr>
+            <a:picLocks noChangeAspect="1"/>
+          </p:cNvPicPr>
+          <p:nvPr/>
+        </p:nvPicPr>
+        <p:blipFill>
+          <a:blip r:embed="rId2"/>
+          <a:stretch>
+            <a:fillRect/>
+          </a:stretch>
+        </p:blipFill>
+        <p:spPr>
+          <a:xfrm>
+            <a:off x="12344400" y="274320"/>
+            <a:ext cx="1097280" cy="1080473"/>
+          </a:xfrm>
+          <a:prstGeom prst="rect">
+            <a:avLst/>
+          </a:prstGeom>
+        </p:spPr>
+      </p:pic>
+      <p:sp>
+        <p:nvSpPr>
+          <p:cNvPr id="5" name="Rectangle 4"/>
+          <p:cNvSpPr/>
+          <p:nvPr/>
+        </p:nvSpPr>
+        <p:spPr>
+          <a:xfrm>
+            <a:off x="0" y="7772400"/>
+            <a:ext cx="14630400" cy="457200"/>
+          </a:xfrm>
+          <a:prstGeom prst="rect">
+            <a:avLst/>
+          </a:prstGeom>
+          <a:solidFill>
+            <a:srgbClr val="640064"/>
+          </a:solidFill>
+          <a:ln>
+            <a:noFill/>
+          </a:ln>
+        </p:spPr>
+        <p:style>
+          <a:lnRef idx="1">
+            <a:schemeClr val="accent1"/>
+          </a:lnRef>
+          <a:fillRef idx="3">
+            <a:schemeClr val="accent1"/>
+          </a:fillRef>
+          <a:effectRef idx="2">
+            <a:schemeClr val="accent1"/>
+          </a:effectRef>
+          <a:fontRef idx="minor">
+            <a:schemeClr val="lt1"/>
+          </a:fontRef>
+        </p:style>
+        <p:txBody>
+          <a:bodyPr rtlCol="0" anchor="ctr"/>
+          <a:lstStyle/>
+          <a:p>
+            <a:pPr algn="ctr"/>
+            <a:endParaRPr/>
+          </a:p>
+        </p:txBody>
+      </p:sp>
+      <p:pic>
+        <p:nvPicPr>
+          <p:cNvPr id="9" name="Рисунок 8" descr="Изображение выглядит как желтый, графическая вставка&#10;&#10;Автоматически созданное описание">
+            <a:extLst>
+              <a:ext uri="{FF2B5EF4-FFF2-40B4-BE49-F238E27FC236}">
+                <a16:creationId xmlns:a16="http://schemas.microsoft.com/office/drawing/2014/main" id="{5A8016DC-2930-31D7-7BD0-7C2B4BE654CD}"/>
+              </a:ext>
+            </a:extLst>
+          </p:cNvPr>
+          <p:cNvPicPr>
+            <a:picLocks noChangeAspect="1"/>
+          </p:cNvPicPr>
+          <p:nvPr/>
+        </p:nvPicPr>
+        <p:blipFill>
+          <a:blip r:embed="rId3"/>
+          <a:stretch>
+            <a:fillRect/>
+          </a:stretch>
+        </p:blipFill>
+        <p:spPr>
+          <a:xfrm>
+            <a:off x="16873" y="6565900"/>
+            <a:ext cx="1809750" cy="1206500"/>
+          </a:xfrm>
+          <a:prstGeom prst="rect">
+            <a:avLst/>
+          </a:prstGeom>
+        </p:spPr>
+      </p:pic>
+      <p:pic>
+        <p:nvPicPr>
+          <p:cNvPr id="8" name="Рисунок 7">
+            <a:extLst>
+              <a:ext uri="{FF2B5EF4-FFF2-40B4-BE49-F238E27FC236}">
+                <a16:creationId xmlns:a16="http://schemas.microsoft.com/office/drawing/2014/main" id="{CA5BE872-3884-9053-6DEC-99F9474D7CF7}"/>
+              </a:ext>
+            </a:extLst>
+          </p:cNvPr>
+          <p:cNvPicPr>
+            <a:picLocks noChangeAspect="1"/>
+          </p:cNvPicPr>
+          <p:nvPr/>
+        </p:nvPicPr>
+        <p:blipFill>
+          <a:blip r:embed="rId4"/>
+          <a:stretch>
+            <a:fillRect/>
+          </a:stretch>
+        </p:blipFill>
+        <p:spPr>
+          <a:xfrm>
+            <a:off x="1826623" y="457200"/>
+            <a:ext cx="9007162" cy="5646536"/>
+          </a:xfrm>
+          <a:prstGeom prst="rect">
+            <a:avLst/>
+          </a:prstGeom>
+        </p:spPr>
+      </p:pic>
+    </p:spTree>
+    <p:extLst>
+      <p:ext uri="{BB962C8B-B14F-4D97-AF65-F5344CB8AC3E}">
+        <p14:creationId xmlns:p14="http://schemas.microsoft.com/office/powerpoint/2010/main" val="66251123"/>
+      </p:ext>
+    </p:extLst>
+  </p:cSld>
+  <p:clrMapOvr>
+    <a:masterClrMapping/>
+  </p:clrMapOvr>
+</p:sld>
+</file>
+
+<file path=ppt/slides/slide18.xml><?xml version="1.0" encoding="utf-8"?>
+<p:sld xmlns:a="http://schemas.openxmlformats.org/drawingml/2006/main" xmlns:r="http://schemas.openxmlformats.org/officeDocument/2006/relationships" xmlns:p="http://schemas.openxmlformats.org/presentationml/2006/main">
+  <p:cSld>
+    <p:bg>
+      <p:bgPr>
+        <a:solidFill>
+          <a:srgbClr val="972996"/>
+        </a:solidFill>
+        <a:effectLst/>
+      </p:bgPr>
+    </p:bg>
+    <p:spTree>
+      <p:nvGrpSpPr>
+        <p:cNvPr id="1" name=""/>
+        <p:cNvGrpSpPr/>
+        <p:nvPr/>
+      </p:nvGrpSpPr>
+      <p:grpSpPr>
+        <a:xfrm>
+          <a:off x="0" y="0"/>
+          <a:ext cx="0" cy="0"/>
+          <a:chOff x="0" y="0"/>
+          <a:chExt cx="0" cy="0"/>
+        </a:xfrm>
+      </p:grpSpPr>
+      <p:pic>
+        <p:nvPicPr>
+          <p:cNvPr id="4" name="Picture 3" descr="logo.png"/>
+          <p:cNvPicPr>
+            <a:picLocks noChangeAspect="1"/>
+          </p:cNvPicPr>
+          <p:nvPr/>
+        </p:nvPicPr>
+        <p:blipFill>
+          <a:blip r:embed="rId2"/>
+          <a:stretch>
+            <a:fillRect/>
+          </a:stretch>
+        </p:blipFill>
+        <p:spPr>
+          <a:xfrm>
+            <a:off x="12344400" y="274320"/>
+            <a:ext cx="1097280" cy="1080473"/>
+          </a:xfrm>
+          <a:prstGeom prst="rect">
+            <a:avLst/>
+          </a:prstGeom>
+        </p:spPr>
+      </p:pic>
+      <p:sp>
+        <p:nvSpPr>
+          <p:cNvPr id="5" name="Rectangle 4"/>
+          <p:cNvSpPr/>
+          <p:nvPr/>
+        </p:nvSpPr>
+        <p:spPr>
+          <a:xfrm>
+            <a:off x="0" y="7772400"/>
+            <a:ext cx="14630400" cy="457200"/>
+          </a:xfrm>
+          <a:prstGeom prst="rect">
+            <a:avLst/>
+          </a:prstGeom>
+          <a:solidFill>
+            <a:srgbClr val="E6E6E6"/>
+          </a:solidFill>
+          <a:ln>
+            <a:noFill/>
+          </a:ln>
+        </p:spPr>
+        <p:style>
+          <a:lnRef idx="1">
+            <a:schemeClr val="accent1"/>
+          </a:lnRef>
+          <a:fillRef idx="3">
+            <a:schemeClr val="accent1"/>
+          </a:fillRef>
+          <a:effectRef idx="2">
+            <a:schemeClr val="accent1"/>
+          </a:effectRef>
+          <a:fontRef idx="minor">
+            <a:schemeClr val="lt1"/>
+          </a:fontRef>
+        </p:style>
+        <p:txBody>
+          <a:bodyPr rtlCol="0" anchor="ctr"/>
+          <a:lstStyle/>
+          <a:p>
+            <a:pPr algn="ctr"/>
+            <a:endParaRPr/>
+          </a:p>
+        </p:txBody>
+      </p:sp>
+      <p:pic>
+        <p:nvPicPr>
+          <p:cNvPr id="9" name="Рисунок 8">
+            <a:extLst>
+              <a:ext uri="{FF2B5EF4-FFF2-40B4-BE49-F238E27FC236}">
+                <a16:creationId xmlns:a16="http://schemas.microsoft.com/office/drawing/2014/main" id="{CDD3DB09-3DBB-5848-1453-FCEFD7D458AC}"/>
+              </a:ext>
+            </a:extLst>
+          </p:cNvPr>
+          <p:cNvPicPr>
+            <a:picLocks noChangeAspect="1"/>
+          </p:cNvPicPr>
+          <p:nvPr/>
+        </p:nvPicPr>
+        <p:blipFill>
+          <a:blip r:embed="rId3"/>
+          <a:stretch>
+            <a:fillRect/>
+          </a:stretch>
+        </p:blipFill>
+        <p:spPr>
+          <a:xfrm>
+            <a:off x="78240" y="115256"/>
+            <a:ext cx="6200775" cy="2819400"/>
+          </a:xfrm>
+          <a:prstGeom prst="rect">
+            <a:avLst/>
+          </a:prstGeom>
+        </p:spPr>
+      </p:pic>
+      <p:pic>
+        <p:nvPicPr>
+          <p:cNvPr id="11" name="Рисунок 10">
+            <a:extLst>
+              <a:ext uri="{FF2B5EF4-FFF2-40B4-BE49-F238E27FC236}">
+                <a16:creationId xmlns:a16="http://schemas.microsoft.com/office/drawing/2014/main" id="{4E773D59-B822-2E83-D55F-466F9184B544}"/>
+              </a:ext>
+            </a:extLst>
+          </p:cNvPr>
+          <p:cNvPicPr>
+            <a:picLocks noChangeAspect="1"/>
+          </p:cNvPicPr>
+          <p:nvPr/>
+        </p:nvPicPr>
+        <p:blipFill>
+          <a:blip r:embed="rId4"/>
+          <a:stretch>
+            <a:fillRect/>
+          </a:stretch>
+        </p:blipFill>
+        <p:spPr>
+          <a:xfrm>
+            <a:off x="10546556" y="230843"/>
+            <a:ext cx="2124075" cy="2247900"/>
+          </a:xfrm>
+          <a:prstGeom prst="rect">
+            <a:avLst/>
+          </a:prstGeom>
+        </p:spPr>
+      </p:pic>
+      <p:pic>
+        <p:nvPicPr>
+          <p:cNvPr id="13" name="Рисунок 12">
+            <a:extLst>
+              <a:ext uri="{FF2B5EF4-FFF2-40B4-BE49-F238E27FC236}">
+                <a16:creationId xmlns:a16="http://schemas.microsoft.com/office/drawing/2014/main" id="{3607E3CD-2FA6-B0F3-AF7C-AC2FC6B6973F}"/>
+              </a:ext>
+            </a:extLst>
+          </p:cNvPr>
+          <p:cNvPicPr>
+            <a:picLocks noChangeAspect="1"/>
+          </p:cNvPicPr>
+          <p:nvPr/>
+        </p:nvPicPr>
+        <p:blipFill>
+          <a:blip r:embed="rId5"/>
+          <a:stretch>
+            <a:fillRect/>
+          </a:stretch>
+        </p:blipFill>
+        <p:spPr>
+          <a:xfrm>
+            <a:off x="78240" y="4654323"/>
+            <a:ext cx="4714875" cy="2143125"/>
+          </a:xfrm>
+          <a:prstGeom prst="rect">
+            <a:avLst/>
+          </a:prstGeom>
+        </p:spPr>
+      </p:pic>
+      <p:pic>
+        <p:nvPicPr>
+          <p:cNvPr id="15" name="Рисунок 14">
+            <a:extLst>
+              <a:ext uri="{FF2B5EF4-FFF2-40B4-BE49-F238E27FC236}">
+                <a16:creationId xmlns:a16="http://schemas.microsoft.com/office/drawing/2014/main" id="{A1D6F755-7C0C-0D10-572F-8426D9DB6D86}"/>
+              </a:ext>
+            </a:extLst>
+          </p:cNvPr>
+          <p:cNvPicPr>
+            <a:picLocks noChangeAspect="1"/>
+          </p:cNvPicPr>
+          <p:nvPr/>
+        </p:nvPicPr>
+        <p:blipFill>
+          <a:blip r:embed="rId6"/>
+          <a:stretch>
+            <a:fillRect/>
+          </a:stretch>
+        </p:blipFill>
+        <p:spPr>
+          <a:xfrm>
+            <a:off x="9496201" y="5458165"/>
+            <a:ext cx="4772025" cy="2057400"/>
+          </a:xfrm>
+          <a:prstGeom prst="rect">
+            <a:avLst/>
+          </a:prstGeom>
+        </p:spPr>
+      </p:pic>
+      <p:sp>
+        <p:nvSpPr>
+          <p:cNvPr id="16" name="TextBox 15">
+            <a:extLst>
+              <a:ext uri="{FF2B5EF4-FFF2-40B4-BE49-F238E27FC236}">
+                <a16:creationId xmlns:a16="http://schemas.microsoft.com/office/drawing/2014/main" id="{25F1CB52-F4A7-7DE2-039F-7B3A2770CDB1}"/>
+              </a:ext>
+            </a:extLst>
+          </p:cNvPr>
+          <p:cNvSpPr txBox="1"/>
+          <p:nvPr/>
+        </p:nvSpPr>
+        <p:spPr>
+          <a:xfrm>
+            <a:off x="4781326" y="4883225"/>
+            <a:ext cx="1196749" cy="1569660"/>
+          </a:xfrm>
+          <a:prstGeom prst="rect">
+            <a:avLst/>
+          </a:prstGeom>
+          <a:noFill/>
+        </p:spPr>
+        <p:txBody>
+          <a:bodyPr wrap="square">
+            <a:spAutoFit/>
+          </a:bodyPr>
+          <a:lstStyle/>
+          <a:p>
+            <a:pPr algn="ctr"/>
+            <a:r>
+              <a:rPr lang="ru-RU" sz="9600" dirty="0"/>
+              <a:t>3</a:t>
+            </a:r>
+          </a:p>
+        </p:txBody>
+      </p:sp>
+      <p:sp>
+        <p:nvSpPr>
+          <p:cNvPr id="17" name="TextBox 16">
+            <a:extLst>
+              <a:ext uri="{FF2B5EF4-FFF2-40B4-BE49-F238E27FC236}">
+                <a16:creationId xmlns:a16="http://schemas.microsoft.com/office/drawing/2014/main" id="{379B2537-5483-F7DB-9A72-464F71236AAA}"/>
+              </a:ext>
+            </a:extLst>
+          </p:cNvPr>
+          <p:cNvSpPr txBox="1"/>
+          <p:nvPr/>
+        </p:nvSpPr>
+        <p:spPr>
+          <a:xfrm>
+            <a:off x="5978075" y="-55995"/>
+            <a:ext cx="1196749" cy="1569660"/>
+          </a:xfrm>
+          <a:prstGeom prst="rect">
+            <a:avLst/>
+          </a:prstGeom>
+          <a:noFill/>
+        </p:spPr>
+        <p:txBody>
+          <a:bodyPr wrap="square">
+            <a:spAutoFit/>
+          </a:bodyPr>
+          <a:lstStyle/>
+          <a:p>
+            <a:pPr algn="ctr"/>
+            <a:r>
+              <a:rPr lang="ru-RU" sz="9600" dirty="0"/>
+              <a:t>1</a:t>
+            </a:r>
+          </a:p>
+        </p:txBody>
+      </p:sp>
+      <p:sp>
+        <p:nvSpPr>
+          <p:cNvPr id="18" name="TextBox 17">
+            <a:extLst>
+              <a:ext uri="{FF2B5EF4-FFF2-40B4-BE49-F238E27FC236}">
+                <a16:creationId xmlns:a16="http://schemas.microsoft.com/office/drawing/2014/main" id="{86029757-87EE-D199-9C4A-3D23B7A3E336}"/>
+              </a:ext>
+            </a:extLst>
+          </p:cNvPr>
+          <p:cNvSpPr txBox="1"/>
+          <p:nvPr/>
+        </p:nvSpPr>
+        <p:spPr>
+          <a:xfrm>
+            <a:off x="9368678" y="486957"/>
+            <a:ext cx="1196749" cy="1569660"/>
+          </a:xfrm>
+          <a:prstGeom prst="rect">
+            <a:avLst/>
+          </a:prstGeom>
+          <a:noFill/>
+        </p:spPr>
+        <p:txBody>
+          <a:bodyPr wrap="square">
+            <a:spAutoFit/>
+          </a:bodyPr>
+          <a:lstStyle/>
+          <a:p>
+            <a:pPr algn="ctr"/>
+            <a:r>
+              <a:rPr lang="ru-RU" sz="9600" dirty="0"/>
+              <a:t>2</a:t>
+            </a:r>
+          </a:p>
+        </p:txBody>
+      </p:sp>
+      <p:sp>
+        <p:nvSpPr>
+          <p:cNvPr id="19" name="TextBox 18">
+            <a:extLst>
+              <a:ext uri="{FF2B5EF4-FFF2-40B4-BE49-F238E27FC236}">
+                <a16:creationId xmlns:a16="http://schemas.microsoft.com/office/drawing/2014/main" id="{451EC05D-E2DE-5AF0-3BB5-CC1EEF57526E}"/>
+              </a:ext>
+            </a:extLst>
+          </p:cNvPr>
+          <p:cNvSpPr txBox="1"/>
+          <p:nvPr/>
+        </p:nvSpPr>
+        <p:spPr>
+          <a:xfrm>
+            <a:off x="8257047" y="5668055"/>
+            <a:ext cx="1196749" cy="1569660"/>
+          </a:xfrm>
+          <a:prstGeom prst="rect">
+            <a:avLst/>
+          </a:prstGeom>
+          <a:noFill/>
+        </p:spPr>
+        <p:txBody>
+          <a:bodyPr wrap="square">
+            <a:spAutoFit/>
+          </a:bodyPr>
+          <a:lstStyle/>
+          <a:p>
+            <a:pPr algn="ctr"/>
+            <a:r>
+              <a:rPr lang="ru-RU" sz="9600" dirty="0"/>
+              <a:t>4</a:t>
+            </a:r>
+          </a:p>
+        </p:txBody>
+      </p:sp>
+    </p:spTree>
+    <p:extLst>
+      <p:ext uri="{BB962C8B-B14F-4D97-AF65-F5344CB8AC3E}">
+        <p14:creationId xmlns:p14="http://schemas.microsoft.com/office/powerpoint/2010/main" val="1640696479"/>
+      </p:ext>
+    </p:extLst>
+  </p:cSld>
+  <p:clrMapOvr>
+    <a:masterClrMapping/>
+  </p:clrMapOvr>
+</p:sld>
+</file>
+
+<file path=ppt/slides/slide19.xml><?xml version="1.0" encoding="utf-8"?>
+<p:sld xmlns:a="http://schemas.openxmlformats.org/drawingml/2006/main" xmlns:r="http://schemas.openxmlformats.org/officeDocument/2006/relationships" xmlns:p="http://schemas.openxmlformats.org/presentationml/2006/main">
+  <p:cSld>
+    <p:spTree>
+      <p:nvGrpSpPr>
+        <p:cNvPr id="1" name=""/>
+        <p:cNvGrpSpPr/>
+        <p:nvPr/>
+      </p:nvGrpSpPr>
+      <p:grpSpPr>
+        <a:xfrm>
+          <a:off x="0" y="0"/>
+          <a:ext cx="0" cy="0"/>
+          <a:chOff x="0" y="0"/>
+          <a:chExt cx="0" cy="0"/>
+        </a:xfrm>
+      </p:grpSpPr>
+      <p:pic>
+        <p:nvPicPr>
+          <p:cNvPr id="4" name="Picture 3" descr="logo.png"/>
+          <p:cNvPicPr>
+            <a:picLocks noChangeAspect="1"/>
+          </p:cNvPicPr>
+          <p:nvPr/>
+        </p:nvPicPr>
+        <p:blipFill>
+          <a:blip r:embed="rId2"/>
+          <a:stretch>
+            <a:fillRect/>
+          </a:stretch>
+        </p:blipFill>
+        <p:spPr>
+          <a:xfrm>
+            <a:off x="12344400" y="274320"/>
+            <a:ext cx="1097280" cy="1080473"/>
+          </a:xfrm>
+          <a:prstGeom prst="rect">
+            <a:avLst/>
+          </a:prstGeom>
+        </p:spPr>
+      </p:pic>
+      <p:sp>
+        <p:nvSpPr>
+          <p:cNvPr id="17" name="TextBox 16">
+            <a:extLst>
+              <a:ext uri="{FF2B5EF4-FFF2-40B4-BE49-F238E27FC236}">
+                <a16:creationId xmlns:a16="http://schemas.microsoft.com/office/drawing/2014/main" id="{379B2537-5483-F7DB-9A72-464F71236AAA}"/>
+              </a:ext>
+            </a:extLst>
+          </p:cNvPr>
+          <p:cNvSpPr txBox="1"/>
+          <p:nvPr/>
+        </p:nvSpPr>
+        <p:spPr>
+          <a:xfrm>
+            <a:off x="1090749" y="-81615"/>
+            <a:ext cx="11375659" cy="1569660"/>
+          </a:xfrm>
+          <a:prstGeom prst="rect">
+            <a:avLst/>
+          </a:prstGeom>
+          <a:noFill/>
+        </p:spPr>
+        <p:txBody>
+          <a:bodyPr wrap="square">
+            <a:spAutoFit/>
+          </a:bodyPr>
+          <a:lstStyle/>
+          <a:p>
+            <a:pPr algn="ctr"/>
+            <a:r>
+              <a:rPr lang="ru-RU" sz="9600" dirty="0"/>
+              <a:t>Базовый случай!</a:t>
+            </a:r>
+          </a:p>
+        </p:txBody>
+      </p:sp>
+      <p:pic>
+        <p:nvPicPr>
+          <p:cNvPr id="10" name="Рисунок 9">
+            <a:extLst>
+              <a:ext uri="{FF2B5EF4-FFF2-40B4-BE49-F238E27FC236}">
+                <a16:creationId xmlns:a16="http://schemas.microsoft.com/office/drawing/2014/main" id="{3589934D-3B2D-5398-7EAA-AFE286B28F5B}"/>
+              </a:ext>
+            </a:extLst>
+          </p:cNvPr>
+          <p:cNvPicPr>
+            <a:picLocks noChangeAspect="1"/>
+          </p:cNvPicPr>
+          <p:nvPr/>
+        </p:nvPicPr>
+        <p:blipFill>
+          <a:blip r:embed="rId3"/>
+          <a:stretch>
+            <a:fillRect/>
+          </a:stretch>
+        </p:blipFill>
+        <p:spPr>
+          <a:xfrm>
+            <a:off x="2815318" y="1400959"/>
+            <a:ext cx="7748018" cy="3410527"/>
+          </a:xfrm>
+          <a:prstGeom prst="rect">
+            <a:avLst/>
+          </a:prstGeom>
+        </p:spPr>
+      </p:pic>
+      <p:pic>
+        <p:nvPicPr>
+          <p:cNvPr id="14" name="Рисунок 13">
+            <a:extLst>
+              <a:ext uri="{FF2B5EF4-FFF2-40B4-BE49-F238E27FC236}">
+                <a16:creationId xmlns:a16="http://schemas.microsoft.com/office/drawing/2014/main" id="{C5C1E160-D5F5-5AA2-4E3D-B6CCB17E42C5}"/>
+              </a:ext>
+            </a:extLst>
+          </p:cNvPr>
+          <p:cNvPicPr>
+            <a:picLocks noChangeAspect="1"/>
+          </p:cNvPicPr>
+          <p:nvPr/>
+        </p:nvPicPr>
+        <p:blipFill>
+          <a:blip r:embed="rId4"/>
+          <a:stretch>
+            <a:fillRect/>
+          </a:stretch>
+        </p:blipFill>
+        <p:spPr>
+          <a:xfrm>
+            <a:off x="0" y="4114800"/>
+            <a:ext cx="3213327" cy="4102228"/>
+          </a:xfrm>
+          <a:prstGeom prst="rect">
+            <a:avLst/>
+          </a:prstGeom>
+        </p:spPr>
+      </p:pic>
+    </p:spTree>
+    <p:extLst>
+      <p:ext uri="{BB962C8B-B14F-4D97-AF65-F5344CB8AC3E}">
+        <p14:creationId xmlns:p14="http://schemas.microsoft.com/office/powerpoint/2010/main" val="1157433426"/>
       </p:ext>
     </p:extLst>
   </p:cSld>
@@ -3574,7 +5637,7 @@
         <p:spPr>
           <a:xfrm>
             <a:off x="675594" y="157316"/>
-            <a:ext cx="9808029" cy="1107996"/>
+            <a:ext cx="9808029" cy="830997"/>
           </a:xfrm>
           <a:prstGeom prst="rect">
             <a:avLst/>
@@ -3588,42 +5651,12 @@
           <a:lstStyle/>
           <a:p>
             <a:r>
-              <a:rPr lang="ru-RU" sz="6600" dirty="0"/>
-              <a:t>«Разделяй и властвуй»</a:t>
-            </a:r>
-          </a:p>
-        </p:txBody>
-      </p:sp>
-      <p:pic>
-        <p:nvPicPr>
-          <p:cNvPr id="9" name="Рисунок 8" descr="Изображение выглядит как желтый, графическая вставка&#10;&#10;Автоматически созданное описание">
-            <a:extLst>
-              <a:ext uri="{FF2B5EF4-FFF2-40B4-BE49-F238E27FC236}">
-                <a16:creationId xmlns:a16="http://schemas.microsoft.com/office/drawing/2014/main" id="{5A8016DC-2930-31D7-7BD0-7C2B4BE654CD}"/>
-              </a:ext>
-            </a:extLst>
-          </p:cNvPr>
-          <p:cNvPicPr>
-            <a:picLocks noChangeAspect="1"/>
-          </p:cNvPicPr>
-          <p:nvPr/>
-        </p:nvPicPr>
-        <p:blipFill>
-          <a:blip r:embed="rId3"/>
-          <a:stretch>
-            <a:fillRect/>
-          </a:stretch>
-        </p:blipFill>
-        <p:spPr>
-          <a:xfrm>
-            <a:off x="10915650" y="2375326"/>
-            <a:ext cx="2857500" cy="1905000"/>
-          </a:xfrm>
-          <a:prstGeom prst="rect">
-            <a:avLst/>
-          </a:prstGeom>
-        </p:spPr>
-      </p:pic>
+              <a:rPr lang="ru-RU" sz="4800" dirty="0"/>
+              <a:t>Воображаем</a:t>
+            </a:r>
+          </a:p>
+        </p:txBody>
+      </p:sp>
       <p:sp>
         <p:nvSpPr>
           <p:cNvPr id="2" name="TextBox 1">
@@ -3638,8 +5671,8 @@
         </p:nvSpPr>
         <p:spPr>
           <a:xfrm>
-            <a:off x="934811" y="1093183"/>
-            <a:ext cx="9808029" cy="523220"/>
+            <a:off x="804183" y="1104432"/>
+            <a:ext cx="11540217" cy="2246769"/>
           </a:xfrm>
           <a:prstGeom prst="rect">
             <a:avLst/>
@@ -3652,19 +5685,35 @@
           </a:bodyPr>
           <a:lstStyle/>
           <a:p>
+            <a:pPr algn="ctr"/>
             <a:r>
               <a:rPr lang="ru-RU" sz="2800" dirty="0"/>
-              <a:t>Постановка задачи</a:t>
+              <a:t>Допустим, вы разбираете чулан своей бабушки и натыкаетесь </a:t>
+            </a:r>
+            <a:r>
+              <a:rPr lang="ru-RU" sz="2800" dirty="0" err="1"/>
+              <a:t>назагадочный</a:t>
+            </a:r>
+            <a:r>
+              <a:rPr lang="ru-RU" sz="2800" dirty="0"/>
+              <a:t> запертый чемодан. Бабушка говорит, что ключ к чемодану, скорее всего, лежит в коробке. В коробке лежат другие коробки, а в них лежат маленькие коробочки.</a:t>
+            </a:r>
+          </a:p>
+          <a:p>
+            <a:pPr algn="ctr"/>
+            <a:r>
+              <a:rPr lang="ru-RU" sz="2800" dirty="0"/>
+              <a:t>Ключ находится где-то там. Какой алгоритм мы сможем использовать?</a:t>
             </a:r>
           </a:p>
         </p:txBody>
       </p:sp>
       <p:pic>
         <p:nvPicPr>
-          <p:cNvPr id="8" name="Рисунок 7">
+          <p:cNvPr id="7" name="Рисунок 6" descr="Изображение выглядит как зарисовка, рисунок, Штриховая графика, искусство&#10;&#10;Автоматически созданное описание">
             <a:extLst>
               <a:ext uri="{FF2B5EF4-FFF2-40B4-BE49-F238E27FC236}">
-                <a16:creationId xmlns:a16="http://schemas.microsoft.com/office/drawing/2014/main" id="{F27DD3A1-3303-1CBE-80EF-B234037367B7}"/>
+                <a16:creationId xmlns:a16="http://schemas.microsoft.com/office/drawing/2014/main" id="{CDB54F82-08E1-2533-58B6-CC5F1B9D62CC}"/>
               </a:ext>
             </a:extLst>
           </p:cNvPr>
@@ -3674,15 +5723,15 @@
           <p:nvPr/>
         </p:nvPicPr>
         <p:blipFill>
-          <a:blip r:embed="rId4"/>
+          <a:blip r:embed="rId3"/>
           <a:stretch>
             <a:fillRect/>
           </a:stretch>
         </p:blipFill>
         <p:spPr>
           <a:xfrm>
-            <a:off x="4334555" y="2618213"/>
-            <a:ext cx="3914775" cy="3324225"/>
+            <a:off x="3406989" y="3284779"/>
+            <a:ext cx="7076634" cy="4487621"/>
           </a:xfrm>
           <a:prstGeom prst="rect">
             <a:avLst/>
@@ -3692,7 +5741,884 @@
     </p:spTree>
     <p:extLst>
       <p:ext uri="{BB962C8B-B14F-4D97-AF65-F5344CB8AC3E}">
-        <p14:creationId xmlns:p14="http://schemas.microsoft.com/office/powerpoint/2010/main" val="2503850801"/>
+        <p14:creationId xmlns:p14="http://schemas.microsoft.com/office/powerpoint/2010/main" val="2887502104"/>
+      </p:ext>
+    </p:extLst>
+  </p:cSld>
+  <p:clrMapOvr>
+    <a:masterClrMapping/>
+  </p:clrMapOvr>
+</p:sld>
+</file>
+
+<file path=ppt/slides/slide20.xml><?xml version="1.0" encoding="utf-8"?>
+<p:sld xmlns:a="http://schemas.openxmlformats.org/drawingml/2006/main" xmlns:r="http://schemas.openxmlformats.org/officeDocument/2006/relationships" xmlns:p="http://schemas.openxmlformats.org/presentationml/2006/main">
+  <p:cSld>
+    <p:bg>
+      <p:bgPr>
+        <a:solidFill>
+          <a:srgbClr val="000000"/>
+        </a:solidFill>
+        <a:effectLst/>
+      </p:bgPr>
+    </p:bg>
+    <p:spTree>
+      <p:nvGrpSpPr>
+        <p:cNvPr id="1" name=""/>
+        <p:cNvGrpSpPr/>
+        <p:nvPr/>
+      </p:nvGrpSpPr>
+      <p:grpSpPr>
+        <a:xfrm>
+          <a:off x="0" y="0"/>
+          <a:ext cx="0" cy="0"/>
+          <a:chOff x="0" y="0"/>
+          <a:chExt cx="0" cy="0"/>
+        </a:xfrm>
+      </p:grpSpPr>
+      <p:sp>
+        <p:nvSpPr>
+          <p:cNvPr id="4" name="Rectangle 3"/>
+          <p:cNvSpPr/>
+          <p:nvPr/>
+        </p:nvSpPr>
+        <p:spPr>
+          <a:xfrm>
+            <a:off x="0" y="7772400"/>
+            <a:ext cx="14630400" cy="457200"/>
+          </a:xfrm>
+          <a:prstGeom prst="rect">
+            <a:avLst/>
+          </a:prstGeom>
+          <a:solidFill>
+            <a:srgbClr val="640064"/>
+          </a:solidFill>
+          <a:ln>
+            <a:noFill/>
+          </a:ln>
+        </p:spPr>
+        <p:style>
+          <a:lnRef idx="1">
+            <a:schemeClr val="accent1"/>
+          </a:lnRef>
+          <a:fillRef idx="3">
+            <a:schemeClr val="accent1"/>
+          </a:fillRef>
+          <a:effectRef idx="2">
+            <a:schemeClr val="accent1"/>
+          </a:effectRef>
+          <a:fontRef idx="minor">
+            <a:schemeClr val="lt1"/>
+          </a:fontRef>
+        </p:style>
+        <p:txBody>
+          <a:bodyPr rtlCol="0" anchor="ctr"/>
+          <a:lstStyle/>
+          <a:p>
+            <a:pPr algn="ctr"/>
+            <a:endParaRPr>
+              <a:solidFill>
+                <a:schemeClr val="bg1"/>
+              </a:solidFill>
+            </a:endParaRPr>
+          </a:p>
+        </p:txBody>
+      </p:sp>
+      <p:sp>
+        <p:nvSpPr>
+          <p:cNvPr id="2" name="TextBox 1">
+            <a:extLst>
+              <a:ext uri="{FF2B5EF4-FFF2-40B4-BE49-F238E27FC236}">
+                <a16:creationId xmlns:a16="http://schemas.microsoft.com/office/drawing/2014/main" id="{AD66099C-598E-47B3-EDE4-26ECC9DB1A27}"/>
+              </a:ext>
+            </a:extLst>
+          </p:cNvPr>
+          <p:cNvSpPr txBox="1"/>
+          <p:nvPr/>
+        </p:nvSpPr>
+        <p:spPr>
+          <a:xfrm>
+            <a:off x="198120" y="0"/>
+            <a:ext cx="5375365" cy="1569660"/>
+          </a:xfrm>
+          <a:prstGeom prst="rect">
+            <a:avLst/>
+          </a:prstGeom>
+          <a:noFill/>
+        </p:spPr>
+        <p:txBody>
+          <a:bodyPr wrap="square">
+            <a:spAutoFit/>
+          </a:bodyPr>
+          <a:lstStyle/>
+          <a:p>
+            <a:pPr algn="ctr"/>
+            <a:r>
+              <a:rPr lang="ru-RU" sz="9600" dirty="0">
+                <a:solidFill>
+                  <a:schemeClr val="bg1"/>
+                </a:solidFill>
+              </a:rPr>
+              <a:t>Начнём</a:t>
+            </a:r>
+          </a:p>
+        </p:txBody>
+      </p:sp>
+      <p:sp>
+        <p:nvSpPr>
+          <p:cNvPr id="3" name="TextBox 2">
+            <a:extLst>
+              <a:ext uri="{FF2B5EF4-FFF2-40B4-BE49-F238E27FC236}">
+                <a16:creationId xmlns:a16="http://schemas.microsoft.com/office/drawing/2014/main" id="{61A998A0-DF0F-E697-1D63-A6FF570C03E7}"/>
+              </a:ext>
+            </a:extLst>
+          </p:cNvPr>
+          <p:cNvSpPr txBox="1"/>
+          <p:nvPr/>
+        </p:nvSpPr>
+        <p:spPr>
+          <a:xfrm>
+            <a:off x="198120" y="1434257"/>
+            <a:ext cx="11375659" cy="2308324"/>
+          </a:xfrm>
+          <a:prstGeom prst="rect">
+            <a:avLst/>
+          </a:prstGeom>
+          <a:noFill/>
+        </p:spPr>
+        <p:txBody>
+          <a:bodyPr wrap="square">
+            <a:spAutoFit/>
+          </a:bodyPr>
+          <a:lstStyle/>
+          <a:p>
+            <a:pPr algn="just"/>
+            <a:r>
+              <a:rPr lang="ru-RU" sz="2400" dirty="0">
+                <a:solidFill>
+                  <a:schemeClr val="bg1"/>
+                </a:solidFill>
+              </a:rPr>
+              <a:t>Имеется массив чисел. Нужно просуммировать все числа и вернуть сумму. </a:t>
+            </a:r>
+          </a:p>
+          <a:p>
+            <a:pPr algn="just"/>
+            <a:r>
+              <a:rPr lang="ru-RU" sz="2400" b="1" dirty="0">
+                <a:solidFill>
+                  <a:schemeClr val="bg1"/>
+                </a:solidFill>
+              </a:rPr>
+              <a:t>Шаг 1: </a:t>
+            </a:r>
+            <a:r>
+              <a:rPr lang="ru-RU" sz="2400" dirty="0">
+                <a:solidFill>
+                  <a:schemeClr val="bg1"/>
+                </a:solidFill>
+              </a:rPr>
+              <a:t>определить базовый случай. Как выглядит самый простой массив, который вы можете получить? Как должен выглядеть простейший случай? Если у вас будет массив с 0 или 1 элементом, он суммируется достаточно просто.</a:t>
+            </a:r>
+          </a:p>
+          <a:p>
+            <a:pPr algn="just"/>
+            <a:r>
+              <a:rPr lang="ru-RU" sz="2400" b="1" dirty="0">
+                <a:solidFill>
+                  <a:schemeClr val="bg1"/>
+                </a:solidFill>
+              </a:rPr>
+              <a:t>Шаг 2:</a:t>
+            </a:r>
+            <a:r>
+              <a:rPr lang="ru-RU" sz="2400" dirty="0">
+                <a:solidFill>
+                  <a:schemeClr val="bg1"/>
+                </a:solidFill>
+              </a:rPr>
+              <a:t> каждый рекурсивный вызов должен приближать вас к пустому массиву. Как уменьшить размер задачи? Один из возможных способов:</a:t>
+            </a:r>
+          </a:p>
+        </p:txBody>
+      </p:sp>
+      <p:pic>
+        <p:nvPicPr>
+          <p:cNvPr id="7" name="Рисунок 6">
+            <a:extLst>
+              <a:ext uri="{FF2B5EF4-FFF2-40B4-BE49-F238E27FC236}">
+                <a16:creationId xmlns:a16="http://schemas.microsoft.com/office/drawing/2014/main" id="{4A12487F-7066-2074-6688-A50C50CBB31D}"/>
+              </a:ext>
+            </a:extLst>
+          </p:cNvPr>
+          <p:cNvPicPr>
+            <a:picLocks noChangeAspect="1"/>
+          </p:cNvPicPr>
+          <p:nvPr/>
+        </p:nvPicPr>
+        <p:blipFill>
+          <a:blip r:embed="rId2"/>
+          <a:stretch>
+            <a:fillRect/>
+          </a:stretch>
+        </p:blipFill>
+        <p:spPr>
+          <a:xfrm>
+            <a:off x="2841365" y="3742581"/>
+            <a:ext cx="7630694" cy="4029819"/>
+          </a:xfrm>
+          <a:prstGeom prst="rect">
+            <a:avLst/>
+          </a:prstGeom>
+        </p:spPr>
+      </p:pic>
+    </p:spTree>
+  </p:cSld>
+  <p:clrMapOvr>
+    <a:masterClrMapping/>
+  </p:clrMapOvr>
+</p:sld>
+</file>
+
+<file path=ppt/slides/slide21.xml><?xml version="1.0" encoding="utf-8"?>
+<p:sld xmlns:a="http://schemas.openxmlformats.org/drawingml/2006/main" xmlns:r="http://schemas.openxmlformats.org/officeDocument/2006/relationships" xmlns:p="http://schemas.openxmlformats.org/presentationml/2006/main">
+  <p:cSld>
+    <p:spTree>
+      <p:nvGrpSpPr>
+        <p:cNvPr id="1" name=""/>
+        <p:cNvGrpSpPr/>
+        <p:nvPr/>
+      </p:nvGrpSpPr>
+      <p:grpSpPr>
+        <a:xfrm>
+          <a:off x="0" y="0"/>
+          <a:ext cx="0" cy="0"/>
+          <a:chOff x="0" y="0"/>
+          <a:chExt cx="0" cy="0"/>
+        </a:xfrm>
+      </p:grpSpPr>
+      <p:pic>
+        <p:nvPicPr>
+          <p:cNvPr id="4" name="Picture 3" descr="logo.png"/>
+          <p:cNvPicPr>
+            <a:picLocks noChangeAspect="1"/>
+          </p:cNvPicPr>
+          <p:nvPr/>
+        </p:nvPicPr>
+        <p:blipFill>
+          <a:blip r:embed="rId2"/>
+          <a:stretch>
+            <a:fillRect/>
+          </a:stretch>
+        </p:blipFill>
+        <p:spPr>
+          <a:xfrm>
+            <a:off x="12344400" y="274320"/>
+            <a:ext cx="1097280" cy="1080473"/>
+          </a:xfrm>
+          <a:prstGeom prst="rect">
+            <a:avLst/>
+          </a:prstGeom>
+        </p:spPr>
+      </p:pic>
+      <p:sp>
+        <p:nvSpPr>
+          <p:cNvPr id="17" name="TextBox 16">
+            <a:extLst>
+              <a:ext uri="{FF2B5EF4-FFF2-40B4-BE49-F238E27FC236}">
+                <a16:creationId xmlns:a16="http://schemas.microsoft.com/office/drawing/2014/main" id="{379B2537-5483-F7DB-9A72-464F71236AAA}"/>
+              </a:ext>
+            </a:extLst>
+          </p:cNvPr>
+          <p:cNvSpPr txBox="1"/>
+          <p:nvPr/>
+        </p:nvSpPr>
+        <p:spPr>
+          <a:xfrm>
+            <a:off x="1938093" y="0"/>
+            <a:ext cx="8476836" cy="1015663"/>
+          </a:xfrm>
+          <a:prstGeom prst="rect">
+            <a:avLst/>
+          </a:prstGeom>
+          <a:noFill/>
+        </p:spPr>
+        <p:txBody>
+          <a:bodyPr wrap="square">
+            <a:spAutoFit/>
+          </a:bodyPr>
+          <a:lstStyle/>
+          <a:p>
+            <a:pPr algn="ctr"/>
+            <a:r>
+              <a:rPr lang="ru-RU" sz="6000" b="1" dirty="0"/>
+              <a:t>Функциональные языки</a:t>
+            </a:r>
+            <a:r>
+              <a:rPr lang="ru-RU" sz="6000" dirty="0"/>
+              <a:t> </a:t>
+            </a:r>
+          </a:p>
+        </p:txBody>
+      </p:sp>
+      <p:sp>
+        <p:nvSpPr>
+          <p:cNvPr id="3" name="TextBox 2">
+            <a:extLst>
+              <a:ext uri="{FF2B5EF4-FFF2-40B4-BE49-F238E27FC236}">
+                <a16:creationId xmlns:a16="http://schemas.microsoft.com/office/drawing/2014/main" id="{963D71EA-BD89-FA8F-92C2-C5F0BCA82965}"/>
+              </a:ext>
+            </a:extLst>
+          </p:cNvPr>
+          <p:cNvSpPr txBox="1"/>
+          <p:nvPr/>
+        </p:nvSpPr>
+        <p:spPr>
+          <a:xfrm>
+            <a:off x="2224997" y="892630"/>
+            <a:ext cx="7903028" cy="1477328"/>
+          </a:xfrm>
+          <a:prstGeom prst="rect">
+            <a:avLst/>
+          </a:prstGeom>
+          <a:noFill/>
+        </p:spPr>
+        <p:txBody>
+          <a:bodyPr wrap="square">
+            <a:spAutoFit/>
+          </a:bodyPr>
+          <a:lstStyle/>
+          <a:p>
+            <a:pPr algn="ctr"/>
+            <a:r>
+              <a:rPr lang="ru-RU" dirty="0"/>
+              <a:t>Языки программирования, в которых отсутствуют классические циклы (</a:t>
+            </a:r>
+            <a:r>
+              <a:rPr lang="ru-RU" dirty="0" err="1"/>
+              <a:t>for</a:t>
+            </a:r>
+            <a:r>
+              <a:rPr lang="ru-RU" dirty="0"/>
+              <a:t>, </a:t>
+            </a:r>
+            <a:r>
+              <a:rPr lang="ru-RU" dirty="0" err="1"/>
+              <a:t>while</a:t>
+            </a:r>
+            <a:r>
+              <a:rPr lang="ru-RU" dirty="0"/>
+              <a:t> и т.п.), но присутствует рекурсия как основной способ организации повторений, — это, прежде всего, функциональные языки программирования. В них циклы реализуются именно через рекурсивные вызовы функций.</a:t>
+            </a:r>
+          </a:p>
+        </p:txBody>
+      </p:sp>
+      <p:sp>
+        <p:nvSpPr>
+          <p:cNvPr id="7" name="TextBox 6">
+            <a:extLst>
+              <a:ext uri="{FF2B5EF4-FFF2-40B4-BE49-F238E27FC236}">
+                <a16:creationId xmlns:a16="http://schemas.microsoft.com/office/drawing/2014/main" id="{57901BCC-C5F5-7299-C991-B3C7EE2D820B}"/>
+              </a:ext>
+            </a:extLst>
+          </p:cNvPr>
+          <p:cNvSpPr txBox="1"/>
+          <p:nvPr/>
+        </p:nvSpPr>
+        <p:spPr>
+          <a:xfrm>
+            <a:off x="370114" y="2353595"/>
+            <a:ext cx="4778829" cy="2585323"/>
+          </a:xfrm>
+          <a:prstGeom prst="rect">
+            <a:avLst/>
+          </a:prstGeom>
+          <a:noFill/>
+        </p:spPr>
+        <p:txBody>
+          <a:bodyPr wrap="square">
+            <a:spAutoFit/>
+          </a:bodyPr>
+          <a:lstStyle/>
+          <a:p>
+            <a:r>
+              <a:rPr lang="de-DE" b="1" dirty="0"/>
+              <a:t>Lisp</a:t>
+            </a:r>
+          </a:p>
+          <a:p>
+            <a:r>
+              <a:rPr lang="ru-RU" dirty="0"/>
+              <a:t>Один из старейших языков программирования, созданный в 1958 году Джоном Маккарти</a:t>
+            </a:r>
+          </a:p>
+          <a:p>
+            <a:r>
+              <a:rPr lang="ru-RU" b="1" dirty="0"/>
+              <a:t>Применение:</a:t>
+            </a:r>
+            <a:r>
+              <a:rPr lang="ru-RU" dirty="0"/>
+              <a:t> Используется в искусственном интеллекте, исследовательских проектах, автоматизации, прототипировании. В наши дни популярны диалекты Common </a:t>
+            </a:r>
+            <a:r>
+              <a:rPr lang="ru-RU" dirty="0" err="1"/>
+              <a:t>Lisp</a:t>
+            </a:r>
+            <a:r>
+              <a:rPr lang="ru-RU" dirty="0"/>
+              <a:t>, </a:t>
+            </a:r>
+            <a:r>
+              <a:rPr lang="ru-RU" dirty="0" err="1"/>
+              <a:t>Scheme</a:t>
+            </a:r>
+            <a:r>
+              <a:rPr lang="ru-RU" dirty="0"/>
+              <a:t> и </a:t>
+            </a:r>
+            <a:r>
+              <a:rPr lang="ru-RU" dirty="0" err="1"/>
+              <a:t>Clojure</a:t>
+            </a:r>
+            <a:endParaRPr lang="ru-RU" b="1" dirty="0"/>
+          </a:p>
+        </p:txBody>
+      </p:sp>
+      <p:sp>
+        <p:nvSpPr>
+          <p:cNvPr id="8" name="TextBox 7">
+            <a:extLst>
+              <a:ext uri="{FF2B5EF4-FFF2-40B4-BE49-F238E27FC236}">
+                <a16:creationId xmlns:a16="http://schemas.microsoft.com/office/drawing/2014/main" id="{D1571A6D-9BC1-6D7A-F743-33884F36A0A0}"/>
+              </a:ext>
+            </a:extLst>
+          </p:cNvPr>
+          <p:cNvSpPr txBox="1"/>
+          <p:nvPr/>
+        </p:nvSpPr>
+        <p:spPr>
+          <a:xfrm>
+            <a:off x="7315200" y="2404179"/>
+            <a:ext cx="4778829" cy="2308324"/>
+          </a:xfrm>
+          <a:prstGeom prst="rect">
+            <a:avLst/>
+          </a:prstGeom>
+          <a:noFill/>
+        </p:spPr>
+        <p:txBody>
+          <a:bodyPr wrap="square">
+            <a:spAutoFit/>
+          </a:bodyPr>
+          <a:lstStyle/>
+          <a:p>
+            <a:r>
+              <a:rPr lang="de-DE" b="1" dirty="0"/>
+              <a:t>Scheme</a:t>
+            </a:r>
+          </a:p>
+          <a:p>
+            <a:r>
+              <a:rPr lang="ru-RU" dirty="0"/>
+              <a:t>Диалект </a:t>
+            </a:r>
+            <a:r>
+              <a:rPr lang="ru-RU" dirty="0" err="1"/>
+              <a:t>Lisp</a:t>
+            </a:r>
+            <a:r>
+              <a:rPr lang="ru-RU" dirty="0"/>
+              <a:t>, разработанный в 1970-х годах, ориентирован на минимализм и чистоту функционального программирования.</a:t>
+            </a:r>
+          </a:p>
+          <a:p>
+            <a:r>
+              <a:rPr lang="ru-RU" b="1" dirty="0"/>
+              <a:t>Применение:</a:t>
+            </a:r>
+            <a:r>
+              <a:rPr lang="ru-RU" dirty="0"/>
+              <a:t> Образовательный язык, часто используется для обучения функциональному программированию, а также в исследовательских целях и прототипировании</a:t>
+            </a:r>
+            <a:endParaRPr lang="ru-RU" b="1" dirty="0"/>
+          </a:p>
+        </p:txBody>
+      </p:sp>
+      <p:sp>
+        <p:nvSpPr>
+          <p:cNvPr id="9" name="TextBox 8">
+            <a:extLst>
+              <a:ext uri="{FF2B5EF4-FFF2-40B4-BE49-F238E27FC236}">
+                <a16:creationId xmlns:a16="http://schemas.microsoft.com/office/drawing/2014/main" id="{7CE99A24-4094-53D9-8CC0-A42A5AF76E59}"/>
+              </a:ext>
+            </a:extLst>
+          </p:cNvPr>
+          <p:cNvSpPr txBox="1"/>
+          <p:nvPr/>
+        </p:nvSpPr>
+        <p:spPr>
+          <a:xfrm>
+            <a:off x="323348" y="5376628"/>
+            <a:ext cx="4778829" cy="2585323"/>
+          </a:xfrm>
+          <a:prstGeom prst="rect">
+            <a:avLst/>
+          </a:prstGeom>
+          <a:noFill/>
+        </p:spPr>
+        <p:txBody>
+          <a:bodyPr wrap="square">
+            <a:spAutoFit/>
+          </a:bodyPr>
+          <a:lstStyle/>
+          <a:p>
+            <a:r>
+              <a:rPr lang="de-DE" b="1" dirty="0"/>
+              <a:t>Haskell</a:t>
+            </a:r>
+          </a:p>
+          <a:p>
+            <a:r>
+              <a:rPr lang="ru-RU" dirty="0"/>
+              <a:t>Чисто функциональный язык программирования, разработанный в конце 1980-х — начале 1990-х годов, названный в честь логика Хаскелла Карри</a:t>
+            </a:r>
+          </a:p>
+          <a:p>
+            <a:r>
+              <a:rPr lang="ru-RU" b="1" dirty="0"/>
+              <a:t>Применение:</a:t>
+            </a:r>
+            <a:r>
+              <a:rPr lang="ru-RU" dirty="0"/>
+              <a:t> Используется в академических исследованиях, разработке сложных систем, финансовом секторе, обработке данных и параллельных вычислениях.</a:t>
+            </a:r>
+            <a:endParaRPr lang="ru-RU" b="1" dirty="0"/>
+          </a:p>
+        </p:txBody>
+      </p:sp>
+      <p:sp>
+        <p:nvSpPr>
+          <p:cNvPr id="11" name="TextBox 10">
+            <a:extLst>
+              <a:ext uri="{FF2B5EF4-FFF2-40B4-BE49-F238E27FC236}">
+                <a16:creationId xmlns:a16="http://schemas.microsoft.com/office/drawing/2014/main" id="{2800FEB0-85FF-3919-46B1-F469E94E43F8}"/>
+              </a:ext>
+            </a:extLst>
+          </p:cNvPr>
+          <p:cNvSpPr txBox="1"/>
+          <p:nvPr/>
+        </p:nvSpPr>
+        <p:spPr>
+          <a:xfrm>
+            <a:off x="7315200" y="5376628"/>
+            <a:ext cx="5780315" cy="2585323"/>
+          </a:xfrm>
+          <a:prstGeom prst="rect">
+            <a:avLst/>
+          </a:prstGeom>
+          <a:noFill/>
+        </p:spPr>
+        <p:txBody>
+          <a:bodyPr wrap="square">
+            <a:spAutoFit/>
+          </a:bodyPr>
+          <a:lstStyle/>
+          <a:p>
+            <a:r>
+              <a:rPr lang="de-DE" b="1" dirty="0"/>
+              <a:t>Erlang</a:t>
+            </a:r>
+          </a:p>
+          <a:p>
+            <a:r>
+              <a:rPr lang="ru-RU" dirty="0"/>
+              <a:t>Язык программирования, разработанный в 1980-х годах компанией Ericsson для создания распределённых, отказоустойчивых и масштабируемых систем.</a:t>
+            </a:r>
+          </a:p>
+          <a:p>
+            <a:r>
+              <a:rPr lang="ru-RU" b="1" dirty="0"/>
+              <a:t>Применение:</a:t>
+            </a:r>
+            <a:r>
+              <a:rPr lang="ru-RU" dirty="0"/>
+              <a:t> Широко применяется в телекоммуникациях, системах реального времени, мессенджерах (например, </a:t>
+            </a:r>
+            <a:r>
+              <a:rPr lang="ru-RU" dirty="0" err="1"/>
+              <a:t>WhatsApp</a:t>
+            </a:r>
+            <a:r>
+              <a:rPr lang="ru-RU" dirty="0"/>
+              <a:t>), банковских системах и других областях, где важна надежность и масштабируемость</a:t>
+            </a:r>
+            <a:endParaRPr lang="ru-RU" b="1" dirty="0"/>
+          </a:p>
+        </p:txBody>
+      </p:sp>
+    </p:spTree>
+    <p:extLst>
+      <p:ext uri="{BB962C8B-B14F-4D97-AF65-F5344CB8AC3E}">
+        <p14:creationId xmlns:p14="http://schemas.microsoft.com/office/powerpoint/2010/main" val="2812886027"/>
+      </p:ext>
+    </p:extLst>
+  </p:cSld>
+  <p:clrMapOvr>
+    <a:masterClrMapping/>
+  </p:clrMapOvr>
+</p:sld>
+</file>
+
+<file path=ppt/slides/slide22.xml><?xml version="1.0" encoding="utf-8"?>
+<p:sld xmlns:a="http://schemas.openxmlformats.org/drawingml/2006/main" xmlns:r="http://schemas.openxmlformats.org/officeDocument/2006/relationships" xmlns:p="http://schemas.openxmlformats.org/presentationml/2006/main">
+  <p:cSld>
+    <p:bg>
+      <p:bgPr>
+        <a:solidFill>
+          <a:srgbClr val="000000"/>
+        </a:solidFill>
+        <a:effectLst/>
+      </p:bgPr>
+    </p:bg>
+    <p:spTree>
+      <p:nvGrpSpPr>
+        <p:cNvPr id="1" name=""/>
+        <p:cNvGrpSpPr/>
+        <p:nvPr/>
+      </p:nvGrpSpPr>
+      <p:grpSpPr>
+        <a:xfrm>
+          <a:off x="0" y="0"/>
+          <a:ext cx="0" cy="0"/>
+          <a:chOff x="0" y="0"/>
+          <a:chExt cx="0" cy="0"/>
+        </a:xfrm>
+      </p:grpSpPr>
+      <p:sp>
+        <p:nvSpPr>
+          <p:cNvPr id="4" name="Rectangle 3"/>
+          <p:cNvSpPr/>
+          <p:nvPr/>
+        </p:nvSpPr>
+        <p:spPr>
+          <a:xfrm>
+            <a:off x="0" y="7772400"/>
+            <a:ext cx="14630400" cy="457200"/>
+          </a:xfrm>
+          <a:prstGeom prst="rect">
+            <a:avLst/>
+          </a:prstGeom>
+          <a:solidFill>
+            <a:srgbClr val="640064"/>
+          </a:solidFill>
+          <a:ln>
+            <a:noFill/>
+          </a:ln>
+        </p:spPr>
+        <p:style>
+          <a:lnRef idx="1">
+            <a:schemeClr val="accent1"/>
+          </a:lnRef>
+          <a:fillRef idx="3">
+            <a:schemeClr val="accent1"/>
+          </a:fillRef>
+          <a:effectRef idx="2">
+            <a:schemeClr val="accent1"/>
+          </a:effectRef>
+          <a:fontRef idx="minor">
+            <a:schemeClr val="lt1"/>
+          </a:fontRef>
+        </p:style>
+        <p:txBody>
+          <a:bodyPr rtlCol="0" anchor="ctr"/>
+          <a:lstStyle/>
+          <a:p>
+            <a:pPr algn="ctr"/>
+            <a:endParaRPr>
+              <a:solidFill>
+                <a:schemeClr val="bg1"/>
+              </a:solidFill>
+            </a:endParaRPr>
+          </a:p>
+        </p:txBody>
+      </p:sp>
+      <p:sp>
+        <p:nvSpPr>
+          <p:cNvPr id="2" name="TextBox 1">
+            <a:extLst>
+              <a:ext uri="{FF2B5EF4-FFF2-40B4-BE49-F238E27FC236}">
+                <a16:creationId xmlns:a16="http://schemas.microsoft.com/office/drawing/2014/main" id="{AD66099C-598E-47B3-EDE4-26ECC9DB1A27}"/>
+              </a:ext>
+            </a:extLst>
+          </p:cNvPr>
+          <p:cNvSpPr txBox="1"/>
+          <p:nvPr/>
+        </p:nvSpPr>
+        <p:spPr>
+          <a:xfrm>
+            <a:off x="198120" y="0"/>
+            <a:ext cx="5375365" cy="1569660"/>
+          </a:xfrm>
+          <a:prstGeom prst="rect">
+            <a:avLst/>
+          </a:prstGeom>
+          <a:noFill/>
+        </p:spPr>
+        <p:txBody>
+          <a:bodyPr wrap="square">
+            <a:spAutoFit/>
+          </a:bodyPr>
+          <a:lstStyle/>
+          <a:p>
+            <a:pPr algn="ctr"/>
+            <a:r>
+              <a:rPr lang="ru-RU" sz="9600" dirty="0">
+                <a:solidFill>
+                  <a:schemeClr val="bg1"/>
+                </a:solidFill>
+              </a:rPr>
+              <a:t>Задачи</a:t>
+            </a:r>
+          </a:p>
+        </p:txBody>
+      </p:sp>
+      <p:sp>
+        <p:nvSpPr>
+          <p:cNvPr id="3" name="TextBox 2">
+            <a:extLst>
+              <a:ext uri="{FF2B5EF4-FFF2-40B4-BE49-F238E27FC236}">
+                <a16:creationId xmlns:a16="http://schemas.microsoft.com/office/drawing/2014/main" id="{61A998A0-DF0F-E697-1D63-A6FF570C03E7}"/>
+              </a:ext>
+            </a:extLst>
+          </p:cNvPr>
+          <p:cNvSpPr txBox="1"/>
+          <p:nvPr/>
+        </p:nvSpPr>
+        <p:spPr>
+          <a:xfrm>
+            <a:off x="198120" y="1665089"/>
+            <a:ext cx="11375659" cy="1569660"/>
+          </a:xfrm>
+          <a:prstGeom prst="rect">
+            <a:avLst/>
+          </a:prstGeom>
+          <a:noFill/>
+        </p:spPr>
+        <p:txBody>
+          <a:bodyPr wrap="square">
+            <a:spAutoFit/>
+          </a:bodyPr>
+          <a:lstStyle/>
+          <a:p>
+            <a:pPr algn="just"/>
+            <a:r>
+              <a:rPr lang="ru-RU" sz="2400" dirty="0">
+                <a:solidFill>
+                  <a:schemeClr val="bg1"/>
+                </a:solidFill>
+              </a:rPr>
+              <a:t>- Имеется массив чисел. Нужно просуммировать все числа и вернуть сумму. </a:t>
+            </a:r>
+          </a:p>
+          <a:p>
+            <a:pPr algn="just"/>
+            <a:r>
+              <a:rPr lang="ru-RU" sz="2400" dirty="0">
+                <a:solidFill>
+                  <a:schemeClr val="bg1"/>
+                </a:solidFill>
+              </a:rPr>
+              <a:t>- Напишите рекурсивную функцию для подсчета</a:t>
+            </a:r>
+          </a:p>
+          <a:p>
+            <a:pPr algn="just"/>
+            <a:r>
+              <a:rPr lang="ru-RU" sz="2400" dirty="0">
+                <a:solidFill>
+                  <a:schemeClr val="bg1"/>
+                </a:solidFill>
+              </a:rPr>
+              <a:t>элементов в списке.</a:t>
+            </a:r>
+          </a:p>
+          <a:p>
+            <a:pPr algn="just"/>
+            <a:r>
+              <a:rPr lang="ru-RU" sz="2400" dirty="0">
+                <a:solidFill>
+                  <a:schemeClr val="bg1"/>
+                </a:solidFill>
+              </a:rPr>
+              <a:t>- Напишите рекурсивную функцию для нахождения наибольшего числа в списке.</a:t>
+            </a:r>
+          </a:p>
+        </p:txBody>
+      </p:sp>
+      <p:sp>
+        <p:nvSpPr>
+          <p:cNvPr id="5" name="TextBox 4">
+            <a:hlinkClick r:id="rId2"/>
+            <a:extLst>
+              <a:ext uri="{FF2B5EF4-FFF2-40B4-BE49-F238E27FC236}">
+                <a16:creationId xmlns:a16="http://schemas.microsoft.com/office/drawing/2014/main" id="{F1A42942-B4DA-D4D9-172B-6CD13350668E}"/>
+              </a:ext>
+            </a:extLst>
+          </p:cNvPr>
+          <p:cNvSpPr txBox="1"/>
+          <p:nvPr/>
+        </p:nvSpPr>
+        <p:spPr>
+          <a:xfrm>
+            <a:off x="544540" y="6650155"/>
+            <a:ext cx="3669938" cy="523220"/>
+          </a:xfrm>
+          <a:prstGeom prst="rect">
+            <a:avLst/>
+          </a:prstGeom>
+          <a:noFill/>
+        </p:spPr>
+        <p:txBody>
+          <a:bodyPr wrap="square">
+            <a:spAutoFit/>
+          </a:bodyPr>
+          <a:lstStyle/>
+          <a:p>
+            <a:pPr algn="l">
+              <a:defRPr sz="2800">
+                <a:solidFill>
+                  <a:srgbClr val="FFFFFF"/>
+                </a:solidFill>
+              </a:defRPr>
+            </a:pPr>
+            <a:r>
+              <a:rPr lang="ru-RU" dirty="0">
+                <a:solidFill>
+                  <a:schemeClr val="tx1">
+                    <a:lumMod val="95000"/>
+                    <a:lumOff val="5000"/>
+                  </a:schemeClr>
+                </a:solidFill>
+                <a:hlinkClick r:id="rId3"/>
+              </a:rPr>
+              <a:t>Задача 1</a:t>
+            </a:r>
+            <a:endParaRPr dirty="0">
+              <a:solidFill>
+                <a:schemeClr val="tx1">
+                  <a:lumMod val="95000"/>
+                  <a:lumOff val="5000"/>
+                </a:schemeClr>
+              </a:solidFill>
+            </a:endParaRPr>
+          </a:p>
+        </p:txBody>
+      </p:sp>
+    </p:spTree>
+    <p:extLst>
+      <p:ext uri="{BB962C8B-B14F-4D97-AF65-F5344CB8AC3E}">
+        <p14:creationId xmlns:p14="http://schemas.microsoft.com/office/powerpoint/2010/main" val="2964593785"/>
       </p:ext>
     </p:extLst>
   </p:cSld>
@@ -3795,112 +6721,12 @@
           </a:p>
         </p:txBody>
       </p:sp>
-      <p:sp>
-        <p:nvSpPr>
-          <p:cNvPr id="2" name="TextBox 1">
+      <p:pic>
+        <p:nvPicPr>
+          <p:cNvPr id="7" name="Рисунок 6" descr="Изображение выглядит как текст, зарисовка, Шрифт, рукописный текст&#10;&#10;Автоматически созданное описание">
             <a:extLst>
               <a:ext uri="{FF2B5EF4-FFF2-40B4-BE49-F238E27FC236}">
-                <a16:creationId xmlns:a16="http://schemas.microsoft.com/office/drawing/2014/main" id="{01D6ACE2-3D3A-657A-7696-1420F333B051}"/>
-              </a:ext>
-            </a:extLst>
-          </p:cNvPr>
-          <p:cNvSpPr txBox="1"/>
-          <p:nvPr/>
-        </p:nvSpPr>
-        <p:spPr>
-          <a:xfrm>
-            <a:off x="1030605" y="231408"/>
-            <a:ext cx="12411075" cy="3539430"/>
-          </a:xfrm>
-          <a:prstGeom prst="rect">
-            <a:avLst/>
-          </a:prstGeom>
-          <a:noFill/>
-        </p:spPr>
-        <p:txBody>
-          <a:bodyPr wrap="square">
-            <a:spAutoFit/>
-          </a:bodyPr>
-          <a:lstStyle/>
-          <a:p>
-            <a:pPr algn="ctr"/>
-            <a:r>
-              <a:rPr lang="ru-RU" sz="2800" dirty="0">
-                <a:solidFill>
-                  <a:schemeClr val="bg1"/>
-                </a:solidFill>
-              </a:rPr>
-              <a:t>Решение задачи методом «разделяй и властвуй» состоит из двух шагов.</a:t>
-            </a:r>
-          </a:p>
-          <a:p>
-            <a:pPr algn="ctr"/>
-            <a:r>
-              <a:rPr lang="ru-RU" sz="2800" dirty="0">
-                <a:solidFill>
-                  <a:schemeClr val="bg1"/>
-                </a:solidFill>
-              </a:rPr>
-              <a:t>1. Сначала определяется базовый случай. Это должен быть простейший</a:t>
-            </a:r>
-          </a:p>
-          <a:p>
-            <a:pPr algn="ctr"/>
-            <a:r>
-              <a:rPr lang="ru-RU" sz="2800" dirty="0">
-                <a:solidFill>
-                  <a:schemeClr val="bg1"/>
-                </a:solidFill>
-              </a:rPr>
-              <a:t>случай из всех возможных.</a:t>
-            </a:r>
-          </a:p>
-          <a:p>
-            <a:pPr algn="ctr"/>
-            <a:r>
-              <a:rPr lang="ru-RU" sz="2800" dirty="0">
-                <a:solidFill>
-                  <a:schemeClr val="bg1"/>
-                </a:solidFill>
-              </a:rPr>
-              <a:t>2. Задача делится или сокращается до тех пор, пока не будет сведена к базовому случаю.</a:t>
-            </a:r>
-          </a:p>
-          <a:p>
-            <a:pPr algn="ctr"/>
-            <a:endParaRPr lang="ru-RU" sz="2800" dirty="0">
-              <a:solidFill>
-                <a:schemeClr val="bg1"/>
-              </a:solidFill>
-            </a:endParaRPr>
-          </a:p>
-          <a:p>
-            <a:pPr algn="ctr"/>
-            <a:endParaRPr lang="ru-RU" sz="2800" dirty="0">
-              <a:solidFill>
-                <a:schemeClr val="bg1"/>
-              </a:solidFill>
-            </a:endParaRPr>
-          </a:p>
-          <a:p>
-            <a:pPr algn="ctr"/>
-            <a:r>
-              <a:rPr lang="ru-RU" sz="2800" dirty="0">
-                <a:solidFill>
-                  <a:schemeClr val="bg1"/>
-                </a:solidFill>
-              </a:rPr>
-              <a:t>Какой может быть базовый случай?</a:t>
-            </a:r>
-          </a:p>
-        </p:txBody>
-      </p:sp>
-      <p:pic>
-        <p:nvPicPr>
-          <p:cNvPr id="6" name="Рисунок 5">
-            <a:extLst>
-              <a:ext uri="{FF2B5EF4-FFF2-40B4-BE49-F238E27FC236}">
-                <a16:creationId xmlns:a16="http://schemas.microsoft.com/office/drawing/2014/main" id="{6C3E869B-9EF4-8F88-9D0E-3F6A51362C3F}"/>
+                <a16:creationId xmlns:a16="http://schemas.microsoft.com/office/drawing/2014/main" id="{21F7CA21-9DD7-7CFE-151C-DB093A3A1E3E}"/>
               </a:ext>
             </a:extLst>
           </p:cNvPr>
@@ -3917,18 +6743,57 @@
         </p:blipFill>
         <p:spPr>
           <a:xfrm>
-            <a:off x="3959542" y="3905011"/>
-            <a:ext cx="6553200" cy="1943100"/>
+            <a:off x="3897085" y="1032884"/>
+            <a:ext cx="6346371" cy="6526593"/>
           </a:xfrm>
           <a:prstGeom prst="rect">
             <a:avLst/>
           </a:prstGeom>
         </p:spPr>
       </p:pic>
+      <p:sp>
+        <p:nvSpPr>
+          <p:cNvPr id="8" name="TextBox 7">
+            <a:extLst>
+              <a:ext uri="{FF2B5EF4-FFF2-40B4-BE49-F238E27FC236}">
+                <a16:creationId xmlns:a16="http://schemas.microsoft.com/office/drawing/2014/main" id="{EA9E5176-4FCC-3CEE-620D-C46EF1EB7AB2}"/>
+              </a:ext>
+            </a:extLst>
+          </p:cNvPr>
+          <p:cNvSpPr txBox="1"/>
+          <p:nvPr/>
+        </p:nvSpPr>
+        <p:spPr>
+          <a:xfrm>
+            <a:off x="675594" y="198683"/>
+            <a:ext cx="9808029" cy="830997"/>
+          </a:xfrm>
+          <a:prstGeom prst="rect">
+            <a:avLst/>
+          </a:prstGeom>
+          <a:noFill/>
+        </p:spPr>
+        <p:txBody>
+          <a:bodyPr wrap="square">
+            <a:spAutoFit/>
+          </a:bodyPr>
+          <a:lstStyle/>
+          <a:p>
+            <a:r>
+              <a:rPr lang="ru-RU" sz="4800" dirty="0">
+                <a:solidFill>
+                  <a:schemeClr val="bg1"/>
+                </a:solidFill>
+              </a:rPr>
+              <a:t>Алгоритм № 1</a:t>
+            </a:r>
+          </a:p>
+        </p:txBody>
+      </p:sp>
     </p:spTree>
     <p:extLst>
       <p:ext uri="{BB962C8B-B14F-4D97-AF65-F5344CB8AC3E}">
-        <p14:creationId xmlns:p14="http://schemas.microsoft.com/office/powerpoint/2010/main" val="1996042796"/>
+        <p14:creationId xmlns:p14="http://schemas.microsoft.com/office/powerpoint/2010/main" val="2205447076"/>
       </p:ext>
     </p:extLst>
   </p:cSld>
@@ -4037,8 +6902,8 @@
         </p:nvSpPr>
         <p:spPr>
           <a:xfrm>
-            <a:off x="761999" y="-110401"/>
-            <a:ext cx="12518571" cy="769441"/>
+            <a:off x="675594" y="157316"/>
+            <a:ext cx="9808029" cy="830997"/>
           </a:xfrm>
           <a:prstGeom prst="rect">
             <a:avLst/>
@@ -4051,20 +6916,19 @@
           </a:bodyPr>
           <a:lstStyle/>
           <a:p>
-            <a:pPr algn="ctr"/>
-            <a:r>
-              <a:rPr lang="ru-RU" sz="4400" dirty="0"/>
-              <a:t>Теперь нужно вычислить рекурсивный случай. </a:t>
+            <a:r>
+              <a:rPr lang="ru-RU" sz="4800" dirty="0"/>
+              <a:t>Алгоритм № 2</a:t>
             </a:r>
           </a:p>
         </p:txBody>
       </p:sp>
       <p:pic>
         <p:nvPicPr>
-          <p:cNvPr id="6" name="Рисунок 5" descr="Изображение выглядит как рисунок, мультфильм, иллюстрация, зарисовка&#10;&#10;Автоматически созданное описание">
+          <p:cNvPr id="10" name="Рисунок 9" descr="Изображение выглядит как текст, зарисовка, Шрифт, рукописный текст&#10;&#10;Автоматически созданное описание">
             <a:extLst>
               <a:ext uri="{FF2B5EF4-FFF2-40B4-BE49-F238E27FC236}">
-                <a16:creationId xmlns:a16="http://schemas.microsoft.com/office/drawing/2014/main" id="{591088BE-B304-184E-47BD-76360EC29649}"/>
+                <a16:creationId xmlns:a16="http://schemas.microsoft.com/office/drawing/2014/main" id="{A9709302-7776-BBB4-94DB-8EE5518B7DE2}"/>
               </a:ext>
             </a:extLst>
           </p:cNvPr>
@@ -4081,8 +6945,8 @@
         </p:blipFill>
         <p:spPr>
           <a:xfrm>
-            <a:off x="4136066" y="615043"/>
-            <a:ext cx="7080473" cy="7157358"/>
+            <a:off x="3169446" y="1754431"/>
+            <a:ext cx="7498661" cy="4668139"/>
           </a:xfrm>
           <a:prstGeom prst="rect">
             <a:avLst/>
@@ -4092,7 +6956,7 @@
     </p:spTree>
     <p:extLst>
       <p:ext uri="{BB962C8B-B14F-4D97-AF65-F5344CB8AC3E}">
-        <p14:creationId xmlns:p14="http://schemas.microsoft.com/office/powerpoint/2010/main" val="315849401"/>
+        <p14:creationId xmlns:p14="http://schemas.microsoft.com/office/powerpoint/2010/main" val="3724986920"/>
       </p:ext>
     </p:extLst>
   </p:cSld>
@@ -4103,164 +6967,6 @@
 </file>
 
 <file path=ppt/slides/slide5.xml><?xml version="1.0" encoding="utf-8"?>
-<p:sld xmlns:a="http://schemas.openxmlformats.org/drawingml/2006/main" xmlns:r="http://schemas.openxmlformats.org/officeDocument/2006/relationships" xmlns:p="http://schemas.openxmlformats.org/presentationml/2006/main">
-  <p:cSld>
-    <p:spTree>
-      <p:nvGrpSpPr>
-        <p:cNvPr id="1" name=""/>
-        <p:cNvGrpSpPr/>
-        <p:nvPr/>
-      </p:nvGrpSpPr>
-      <p:grpSpPr>
-        <a:xfrm>
-          <a:off x="0" y="0"/>
-          <a:ext cx="0" cy="0"/>
-          <a:chOff x="0" y="0"/>
-          <a:chExt cx="0" cy="0"/>
-        </a:xfrm>
-      </p:grpSpPr>
-      <p:pic>
-        <p:nvPicPr>
-          <p:cNvPr id="4" name="Picture 3" descr="logo.png"/>
-          <p:cNvPicPr>
-            <a:picLocks noChangeAspect="1"/>
-          </p:cNvPicPr>
-          <p:nvPr/>
-        </p:nvPicPr>
-        <p:blipFill>
-          <a:blip r:embed="rId2"/>
-          <a:stretch>
-            <a:fillRect/>
-          </a:stretch>
-        </p:blipFill>
-        <p:spPr>
-          <a:xfrm>
-            <a:off x="12344400" y="274320"/>
-            <a:ext cx="1097280" cy="1080473"/>
-          </a:xfrm>
-          <a:prstGeom prst="rect">
-            <a:avLst/>
-          </a:prstGeom>
-        </p:spPr>
-      </p:pic>
-      <p:sp>
-        <p:nvSpPr>
-          <p:cNvPr id="5" name="Rectangle 4"/>
-          <p:cNvSpPr/>
-          <p:nvPr/>
-        </p:nvSpPr>
-        <p:spPr>
-          <a:xfrm>
-            <a:off x="0" y="7772400"/>
-            <a:ext cx="14630400" cy="457200"/>
-          </a:xfrm>
-          <a:prstGeom prst="rect">
-            <a:avLst/>
-          </a:prstGeom>
-          <a:solidFill>
-            <a:srgbClr val="640064"/>
-          </a:solidFill>
-          <a:ln>
-            <a:noFill/>
-          </a:ln>
-        </p:spPr>
-        <p:style>
-          <a:lnRef idx="1">
-            <a:schemeClr val="accent1"/>
-          </a:lnRef>
-          <a:fillRef idx="3">
-            <a:schemeClr val="accent1"/>
-          </a:fillRef>
-          <a:effectRef idx="2">
-            <a:schemeClr val="accent1"/>
-          </a:effectRef>
-          <a:fontRef idx="minor">
-            <a:schemeClr val="lt1"/>
-          </a:fontRef>
-        </p:style>
-        <p:txBody>
-          <a:bodyPr rtlCol="0" anchor="ctr"/>
-          <a:lstStyle/>
-          <a:p>
-            <a:pPr algn="ctr"/>
-            <a:endParaRPr/>
-          </a:p>
-        </p:txBody>
-      </p:sp>
-      <p:pic>
-        <p:nvPicPr>
-          <p:cNvPr id="9" name="Рисунок 8" descr="Изображение выглядит как желтый, графическая вставка&#10;&#10;Автоматически созданное описание">
-            <a:extLst>
-              <a:ext uri="{FF2B5EF4-FFF2-40B4-BE49-F238E27FC236}">
-                <a16:creationId xmlns:a16="http://schemas.microsoft.com/office/drawing/2014/main" id="{5A8016DC-2930-31D7-7BD0-7C2B4BE654CD}"/>
-              </a:ext>
-            </a:extLst>
-          </p:cNvPr>
-          <p:cNvPicPr>
-            <a:picLocks noChangeAspect="1"/>
-          </p:cNvPicPr>
-          <p:nvPr/>
-        </p:nvPicPr>
-        <p:blipFill>
-          <a:blip r:embed="rId3"/>
-          <a:stretch>
-            <a:fillRect/>
-          </a:stretch>
-        </p:blipFill>
-        <p:spPr>
-          <a:xfrm>
-            <a:off x="16873" y="6565900"/>
-            <a:ext cx="1809750" cy="1206500"/>
-          </a:xfrm>
-          <a:prstGeom prst="rect">
-            <a:avLst/>
-          </a:prstGeom>
-        </p:spPr>
-      </p:pic>
-      <p:pic>
-        <p:nvPicPr>
-          <p:cNvPr id="8" name="Рисунок 7">
-            <a:extLst>
-              <a:ext uri="{FF2B5EF4-FFF2-40B4-BE49-F238E27FC236}">
-                <a16:creationId xmlns:a16="http://schemas.microsoft.com/office/drawing/2014/main" id="{CA5BE872-3884-9053-6DEC-99F9474D7CF7}"/>
-              </a:ext>
-            </a:extLst>
-          </p:cNvPr>
-          <p:cNvPicPr>
-            <a:picLocks noChangeAspect="1"/>
-          </p:cNvPicPr>
-          <p:nvPr/>
-        </p:nvPicPr>
-        <p:blipFill>
-          <a:blip r:embed="rId4"/>
-          <a:stretch>
-            <a:fillRect/>
-          </a:stretch>
-        </p:blipFill>
-        <p:spPr>
-          <a:xfrm>
-            <a:off x="1826623" y="457200"/>
-            <a:ext cx="9007162" cy="5646536"/>
-          </a:xfrm>
-          <a:prstGeom prst="rect">
-            <a:avLst/>
-          </a:prstGeom>
-        </p:spPr>
-      </p:pic>
-    </p:spTree>
-    <p:extLst>
-      <p:ext uri="{BB962C8B-B14F-4D97-AF65-F5344CB8AC3E}">
-        <p14:creationId xmlns:p14="http://schemas.microsoft.com/office/powerpoint/2010/main" val="66251123"/>
-      </p:ext>
-    </p:extLst>
-  </p:cSld>
-  <p:clrMapOvr>
-    <a:masterClrMapping/>
-  </p:clrMapOvr>
-</p:sld>
-</file>
-
-<file path=ppt/slides/slide6.xml><?xml version="1.0" encoding="utf-8"?>
 <p:sld xmlns:a="http://schemas.openxmlformats.org/drawingml/2006/main" xmlns:r="http://schemas.openxmlformats.org/officeDocument/2006/relationships" xmlns:p="http://schemas.openxmlformats.org/presentationml/2006/main">
   <p:cSld>
     <p:bg>
@@ -4353,132 +7059,12 @@
           </a:p>
         </p:txBody>
       </p:sp>
-      <p:pic>
-        <p:nvPicPr>
-          <p:cNvPr id="9" name="Рисунок 8">
+      <p:sp>
+        <p:nvSpPr>
+          <p:cNvPr id="8" name="TextBox 7">
             <a:extLst>
               <a:ext uri="{FF2B5EF4-FFF2-40B4-BE49-F238E27FC236}">
-                <a16:creationId xmlns:a16="http://schemas.microsoft.com/office/drawing/2014/main" id="{CDD3DB09-3DBB-5848-1453-FCEFD7D458AC}"/>
-              </a:ext>
-            </a:extLst>
-          </p:cNvPr>
-          <p:cNvPicPr>
-            <a:picLocks noChangeAspect="1"/>
-          </p:cNvPicPr>
-          <p:nvPr/>
-        </p:nvPicPr>
-        <p:blipFill>
-          <a:blip r:embed="rId3"/>
-          <a:stretch>
-            <a:fillRect/>
-          </a:stretch>
-        </p:blipFill>
-        <p:spPr>
-          <a:xfrm>
-            <a:off x="78240" y="115256"/>
-            <a:ext cx="6200775" cy="2819400"/>
-          </a:xfrm>
-          <a:prstGeom prst="rect">
-            <a:avLst/>
-          </a:prstGeom>
-        </p:spPr>
-      </p:pic>
-      <p:pic>
-        <p:nvPicPr>
-          <p:cNvPr id="11" name="Рисунок 10">
-            <a:extLst>
-              <a:ext uri="{FF2B5EF4-FFF2-40B4-BE49-F238E27FC236}">
-                <a16:creationId xmlns:a16="http://schemas.microsoft.com/office/drawing/2014/main" id="{4E773D59-B822-2E83-D55F-466F9184B544}"/>
-              </a:ext>
-            </a:extLst>
-          </p:cNvPr>
-          <p:cNvPicPr>
-            <a:picLocks noChangeAspect="1"/>
-          </p:cNvPicPr>
-          <p:nvPr/>
-        </p:nvPicPr>
-        <p:blipFill>
-          <a:blip r:embed="rId4"/>
-          <a:stretch>
-            <a:fillRect/>
-          </a:stretch>
-        </p:blipFill>
-        <p:spPr>
-          <a:xfrm>
-            <a:off x="10546556" y="230843"/>
-            <a:ext cx="2124075" cy="2247900"/>
-          </a:xfrm>
-          <a:prstGeom prst="rect">
-            <a:avLst/>
-          </a:prstGeom>
-        </p:spPr>
-      </p:pic>
-      <p:pic>
-        <p:nvPicPr>
-          <p:cNvPr id="13" name="Рисунок 12">
-            <a:extLst>
-              <a:ext uri="{FF2B5EF4-FFF2-40B4-BE49-F238E27FC236}">
-                <a16:creationId xmlns:a16="http://schemas.microsoft.com/office/drawing/2014/main" id="{3607E3CD-2FA6-B0F3-AF7C-AC2FC6B6973F}"/>
-              </a:ext>
-            </a:extLst>
-          </p:cNvPr>
-          <p:cNvPicPr>
-            <a:picLocks noChangeAspect="1"/>
-          </p:cNvPicPr>
-          <p:nvPr/>
-        </p:nvPicPr>
-        <p:blipFill>
-          <a:blip r:embed="rId5"/>
-          <a:stretch>
-            <a:fillRect/>
-          </a:stretch>
-        </p:blipFill>
-        <p:spPr>
-          <a:xfrm>
-            <a:off x="78240" y="4654323"/>
-            <a:ext cx="4714875" cy="2143125"/>
-          </a:xfrm>
-          <a:prstGeom prst="rect">
-            <a:avLst/>
-          </a:prstGeom>
-        </p:spPr>
-      </p:pic>
-      <p:pic>
-        <p:nvPicPr>
-          <p:cNvPr id="15" name="Рисунок 14">
-            <a:extLst>
-              <a:ext uri="{FF2B5EF4-FFF2-40B4-BE49-F238E27FC236}">
-                <a16:creationId xmlns:a16="http://schemas.microsoft.com/office/drawing/2014/main" id="{A1D6F755-7C0C-0D10-572F-8426D9DB6D86}"/>
-              </a:ext>
-            </a:extLst>
-          </p:cNvPr>
-          <p:cNvPicPr>
-            <a:picLocks noChangeAspect="1"/>
-          </p:cNvPicPr>
-          <p:nvPr/>
-        </p:nvPicPr>
-        <p:blipFill>
-          <a:blip r:embed="rId6"/>
-          <a:stretch>
-            <a:fillRect/>
-          </a:stretch>
-        </p:blipFill>
-        <p:spPr>
-          <a:xfrm>
-            <a:off x="9496201" y="5458165"/>
-            <a:ext cx="4772025" cy="2057400"/>
-          </a:xfrm>
-          <a:prstGeom prst="rect">
-            <a:avLst/>
-          </a:prstGeom>
-        </p:spPr>
-      </p:pic>
-      <p:sp>
-        <p:nvSpPr>
-          <p:cNvPr id="16" name="TextBox 15">
-            <a:extLst>
-              <a:ext uri="{FF2B5EF4-FFF2-40B4-BE49-F238E27FC236}">
-                <a16:creationId xmlns:a16="http://schemas.microsoft.com/office/drawing/2014/main" id="{25F1CB52-F4A7-7DE2-039F-7B3A2770CDB1}"/>
+                <a16:creationId xmlns:a16="http://schemas.microsoft.com/office/drawing/2014/main" id="{EA9E5176-4FCC-3CEE-620D-C46EF1EB7AB2}"/>
               </a:ext>
             </a:extLst>
           </p:cNvPr>
@@ -4487,8 +7073,8 @@
         </p:nvSpPr>
         <p:spPr>
           <a:xfrm>
-            <a:off x="4781326" y="4883225"/>
-            <a:ext cx="1196749" cy="1569660"/>
+            <a:off x="675594" y="198683"/>
+            <a:ext cx="9808029" cy="830997"/>
           </a:xfrm>
           <a:prstGeom prst="rect">
             <a:avLst/>
@@ -4501,20 +7087,23 @@
           </a:bodyPr>
           <a:lstStyle/>
           <a:p>
-            <a:pPr algn="ctr"/>
-            <a:r>
-              <a:rPr lang="ru-RU" sz="9600" dirty="0"/>
-              <a:t>3</a:t>
-            </a:r>
-          </a:p>
-        </p:txBody>
-      </p:sp>
-      <p:sp>
-        <p:nvSpPr>
-          <p:cNvPr id="17" name="TextBox 16">
+            <a:r>
+              <a:rPr lang="ru-RU" sz="4800" dirty="0">
+                <a:solidFill>
+                  <a:schemeClr val="bg1"/>
+                </a:solidFill>
+              </a:rPr>
+              <a:t>Сверим два алгоритма</a:t>
+            </a:r>
+          </a:p>
+        </p:txBody>
+      </p:sp>
+      <p:sp>
+        <p:nvSpPr>
+          <p:cNvPr id="3" name="TextBox 2">
             <a:extLst>
               <a:ext uri="{FF2B5EF4-FFF2-40B4-BE49-F238E27FC236}">
-                <a16:creationId xmlns:a16="http://schemas.microsoft.com/office/drawing/2014/main" id="{379B2537-5483-F7DB-9A72-464F71236AAA}"/>
+                <a16:creationId xmlns:a16="http://schemas.microsoft.com/office/drawing/2014/main" id="{9DF67CE7-B0D1-55E6-BE68-A07102B3CB04}"/>
               </a:ext>
             </a:extLst>
           </p:cNvPr>
@@ -4523,8 +7112,8 @@
         </p:nvSpPr>
         <p:spPr>
           <a:xfrm>
-            <a:off x="5978075" y="-55995"/>
-            <a:ext cx="1196749" cy="1569660"/>
+            <a:off x="163287" y="1837959"/>
+            <a:ext cx="6302827" cy="3108543"/>
           </a:xfrm>
           <a:prstGeom prst="rect">
             <a:avLst/>
@@ -4537,20 +7126,63 @@
           </a:bodyPr>
           <a:lstStyle/>
           <a:p>
-            <a:pPr algn="ctr"/>
-            <a:r>
-              <a:rPr lang="ru-RU" sz="9600" dirty="0"/>
-              <a:t>1</a:t>
-            </a:r>
-          </a:p>
-        </p:txBody>
-      </p:sp>
-      <p:sp>
-        <p:nvSpPr>
-          <p:cNvPr id="18" name="TextBox 17">
+            <a:r>
+              <a:rPr lang="ru-RU" sz="2800" dirty="0">
+                <a:solidFill>
+                  <a:schemeClr val="bg1"/>
+                </a:solidFill>
+              </a:rPr>
+              <a:t>1. Сложить все коробки в кучу.</a:t>
+            </a:r>
+          </a:p>
+          <a:p>
+            <a:r>
+              <a:rPr lang="ru-RU" sz="2800" dirty="0">
+                <a:solidFill>
+                  <a:schemeClr val="bg1"/>
+                </a:solidFill>
+              </a:rPr>
+              <a:t>2. Взять коробку и открыть.</a:t>
+            </a:r>
+          </a:p>
+          <a:p>
+            <a:r>
+              <a:rPr lang="ru-RU" sz="2800" dirty="0">
+                <a:solidFill>
+                  <a:schemeClr val="bg1"/>
+                </a:solidFill>
+              </a:rPr>
+              <a:t>3. Если внутри лежит коробка, добавить ее в кучу для последующего поиска.</a:t>
+            </a:r>
+          </a:p>
+          <a:p>
+            <a:r>
+              <a:rPr lang="ru-RU" sz="2800" dirty="0">
+                <a:solidFill>
+                  <a:schemeClr val="bg1"/>
+                </a:solidFill>
+              </a:rPr>
+              <a:t>4. Если внутри лежит ключ, поиск закончен!</a:t>
+            </a:r>
+          </a:p>
+          <a:p>
+            <a:r>
+              <a:rPr lang="ru-RU" sz="2800" dirty="0">
+                <a:solidFill>
+                  <a:schemeClr val="bg1"/>
+                </a:solidFill>
+              </a:rPr>
+              <a:t>5. Повторить.</a:t>
+            </a:r>
+          </a:p>
+        </p:txBody>
+      </p:sp>
+      <p:sp>
+        <p:nvSpPr>
+          <p:cNvPr id="9" name="TextBox 8">
             <a:extLst>
               <a:ext uri="{FF2B5EF4-FFF2-40B4-BE49-F238E27FC236}">
-                <a16:creationId xmlns:a16="http://schemas.microsoft.com/office/drawing/2014/main" id="{86029757-87EE-D199-9C4A-3D23B7A3E336}"/>
+                <a16:creationId xmlns:a16="http://schemas.microsoft.com/office/drawing/2014/main" id="{419C2EC6-1376-B273-94E7-43BB68862890}"/>
               </a:ext>
             </a:extLst>
           </p:cNvPr>
@@ -4559,8 +7191,8 @@
         </p:nvSpPr>
         <p:spPr>
           <a:xfrm>
-            <a:off x="9368678" y="486957"/>
-            <a:ext cx="1196749" cy="1569660"/>
+            <a:off x="6966856" y="1837959"/>
+            <a:ext cx="7500257" cy="1384995"/>
           </a:xfrm>
           <a:prstGeom prst="rect">
             <a:avLst/>
@@ -4573,46 +7205,33 @@
           </a:bodyPr>
           <a:lstStyle/>
           <a:p>
-            <a:pPr algn="ctr"/>
-            <a:r>
-              <a:rPr lang="ru-RU" sz="9600" dirty="0"/>
-              <a:t>2</a:t>
-            </a:r>
-          </a:p>
-        </p:txBody>
-      </p:sp>
-      <p:sp>
-        <p:nvSpPr>
-          <p:cNvPr id="19" name="TextBox 18">
-            <a:extLst>
-              <a:ext uri="{FF2B5EF4-FFF2-40B4-BE49-F238E27FC236}">
-                <a16:creationId xmlns:a16="http://schemas.microsoft.com/office/drawing/2014/main" id="{451EC05D-E2DE-5AF0-3BB5-CC1EEF57526E}"/>
-              </a:ext>
-            </a:extLst>
-          </p:cNvPr>
-          <p:cNvSpPr txBox="1"/>
-          <p:nvPr/>
-        </p:nvSpPr>
-        <p:spPr>
-          <a:xfrm>
-            <a:off x="8257047" y="5668055"/>
-            <a:ext cx="1196749" cy="1569660"/>
-          </a:xfrm>
-          <a:prstGeom prst="rect">
-            <a:avLst/>
-          </a:prstGeom>
-          <a:noFill/>
-        </p:spPr>
-        <p:txBody>
-          <a:bodyPr wrap="square">
-            <a:spAutoFit/>
-          </a:bodyPr>
-          <a:lstStyle/>
-          <a:p>
-            <a:pPr algn="ctr"/>
-            <a:r>
-              <a:rPr lang="ru-RU" sz="9600" dirty="0"/>
-              <a:t>4</a:t>
+            <a:r>
+              <a:rPr lang="ru-RU" sz="2800" dirty="0">
+                <a:solidFill>
+                  <a:schemeClr val="bg1"/>
+                </a:solidFill>
+              </a:rPr>
+              <a:t>1. Просмотреть содержимое коробки.</a:t>
+            </a:r>
+          </a:p>
+          <a:p>
+            <a:r>
+              <a:rPr lang="ru-RU" sz="2800" dirty="0">
+                <a:solidFill>
+                  <a:schemeClr val="bg1"/>
+                </a:solidFill>
+              </a:rPr>
+              <a:t>2. Если вы найдете коробку, вернуться к шагу 1.</a:t>
+            </a:r>
+          </a:p>
+          <a:p>
+            <a:r>
+              <a:rPr lang="ru-RU" sz="2800" dirty="0">
+                <a:solidFill>
+                  <a:schemeClr val="bg1"/>
+                </a:solidFill>
+              </a:rPr>
+              <a:t>3. Если вы найдете ключ, поиск закончен!</a:t>
             </a:r>
           </a:p>
         </p:txBody>
@@ -4620,7 +7239,7 @@
     </p:spTree>
     <p:extLst>
       <p:ext uri="{BB962C8B-B14F-4D97-AF65-F5344CB8AC3E}">
-        <p14:creationId xmlns:p14="http://schemas.microsoft.com/office/powerpoint/2010/main" val="1640696479"/>
+        <p14:creationId xmlns:p14="http://schemas.microsoft.com/office/powerpoint/2010/main" val="1397698510"/>
       </p:ext>
     </p:extLst>
   </p:cSld>
@@ -4630,7 +7249,7 @@
 </p:sld>
 </file>
 
-<file path=ppt/slides/slide7.xml><?xml version="1.0" encoding="utf-8"?>
+<file path=ppt/slides/slide6.xml><?xml version="1.0" encoding="utf-8"?>
 <p:sld xmlns:a="http://schemas.openxmlformats.org/drawingml/2006/main" xmlns:r="http://schemas.openxmlformats.org/officeDocument/2006/relationships" xmlns:p="http://schemas.openxmlformats.org/presentationml/2006/main">
   <p:cSld>
     <p:spTree>
@@ -4673,10 +7292,54 @@
       </p:pic>
       <p:sp>
         <p:nvSpPr>
-          <p:cNvPr id="17" name="TextBox 16">
+          <p:cNvPr id="5" name="Rectangle 4"/>
+          <p:cNvSpPr/>
+          <p:nvPr/>
+        </p:nvSpPr>
+        <p:spPr>
+          <a:xfrm>
+            <a:off x="0" y="7772400"/>
+            <a:ext cx="14630400" cy="457200"/>
+          </a:xfrm>
+          <a:prstGeom prst="rect">
+            <a:avLst/>
+          </a:prstGeom>
+          <a:solidFill>
+            <a:srgbClr val="640064"/>
+          </a:solidFill>
+          <a:ln>
+            <a:noFill/>
+          </a:ln>
+        </p:spPr>
+        <p:style>
+          <a:lnRef idx="1">
+            <a:schemeClr val="accent1"/>
+          </a:lnRef>
+          <a:fillRef idx="3">
+            <a:schemeClr val="accent1"/>
+          </a:fillRef>
+          <a:effectRef idx="2">
+            <a:schemeClr val="accent1"/>
+          </a:effectRef>
+          <a:fontRef idx="minor">
+            <a:schemeClr val="lt1"/>
+          </a:fontRef>
+        </p:style>
+        <p:txBody>
+          <a:bodyPr rtlCol="0" anchor="ctr"/>
+          <a:lstStyle/>
+          <a:p>
+            <a:pPr algn="ctr"/>
+            <a:endParaRPr/>
+          </a:p>
+        </p:txBody>
+      </p:sp>
+      <p:sp>
+        <p:nvSpPr>
+          <p:cNvPr id="3" name="TextBox 2">
             <a:extLst>
               <a:ext uri="{FF2B5EF4-FFF2-40B4-BE49-F238E27FC236}">
-                <a16:creationId xmlns:a16="http://schemas.microsoft.com/office/drawing/2014/main" id="{379B2537-5483-F7DB-9A72-464F71236AAA}"/>
+                <a16:creationId xmlns:a16="http://schemas.microsoft.com/office/drawing/2014/main" id="{6AE76C4C-FDD7-59FD-3DE4-2DBCD06B1A70}"/>
               </a:ext>
             </a:extLst>
           </p:cNvPr>
@@ -4685,8 +7348,8 @@
         </p:nvSpPr>
         <p:spPr>
           <a:xfrm>
-            <a:off x="1090749" y="-81615"/>
-            <a:ext cx="11375659" cy="1569660"/>
+            <a:off x="675594" y="157316"/>
+            <a:ext cx="9808029" cy="830997"/>
           </a:xfrm>
           <a:prstGeom prst="rect">
             <a:avLst/>
@@ -4699,78 +7362,218 @@
           </a:bodyPr>
           <a:lstStyle/>
           <a:p>
-            <a:pPr algn="ctr"/>
-            <a:r>
-              <a:rPr lang="ru-RU" sz="9600" dirty="0"/>
-              <a:t>Базовый случай!</a:t>
-            </a:r>
-          </a:p>
-        </p:txBody>
-      </p:sp>
-      <p:pic>
-        <p:nvPicPr>
-          <p:cNvPr id="10" name="Рисунок 9">
+            <a:r>
+              <a:rPr lang="ru-RU" sz="4800" dirty="0"/>
+              <a:t>Псевдокод</a:t>
+            </a:r>
+          </a:p>
+        </p:txBody>
+      </p:sp>
+      <p:sp>
+        <p:nvSpPr>
+          <p:cNvPr id="2" name="TextBox 1">
             <a:extLst>
               <a:ext uri="{FF2B5EF4-FFF2-40B4-BE49-F238E27FC236}">
-                <a16:creationId xmlns:a16="http://schemas.microsoft.com/office/drawing/2014/main" id="{3589934D-3B2D-5398-7EAA-AFE286B28F5B}"/>
+                <a16:creationId xmlns:a16="http://schemas.microsoft.com/office/drawing/2014/main" id="{5C1A7286-C01A-1E42-C40D-23F10E59001E}"/>
               </a:ext>
             </a:extLst>
           </p:cNvPr>
-          <p:cNvPicPr>
-            <a:picLocks noChangeAspect="1"/>
-          </p:cNvPicPr>
-          <p:nvPr/>
-        </p:nvPicPr>
-        <p:blipFill>
-          <a:blip r:embed="rId3"/>
-          <a:stretch>
-            <a:fillRect/>
-          </a:stretch>
-        </p:blipFill>
-        <p:spPr>
-          <a:xfrm>
-            <a:off x="2815318" y="1400959"/>
-            <a:ext cx="7748018" cy="3410527"/>
-          </a:xfrm>
-          <a:prstGeom prst="rect">
-            <a:avLst/>
-          </a:prstGeom>
-        </p:spPr>
-      </p:pic>
-      <p:pic>
-        <p:nvPicPr>
-          <p:cNvPr id="14" name="Рисунок 13">
+          <p:cNvSpPr txBox="1"/>
+          <p:nvPr/>
+        </p:nvSpPr>
+        <p:spPr>
+          <a:xfrm>
+            <a:off x="587830" y="1071249"/>
+            <a:ext cx="11756570" cy="954107"/>
+          </a:xfrm>
+          <a:prstGeom prst="rect">
+            <a:avLst/>
+          </a:prstGeom>
+          <a:noFill/>
+        </p:spPr>
+        <p:txBody>
+          <a:bodyPr wrap="square">
+            <a:spAutoFit/>
+          </a:bodyPr>
+          <a:lstStyle/>
+          <a:p>
+            <a:pPr algn="ctr"/>
+            <a:r>
+              <a:rPr lang="ru-RU" sz="2800" dirty="0"/>
+              <a:t>Первое решение можно построить на цикле </a:t>
+            </a:r>
+            <a:r>
+              <a:rPr lang="ru-RU" sz="2800" dirty="0" err="1"/>
+              <a:t>while</a:t>
+            </a:r>
+            <a:r>
+              <a:rPr lang="ru-RU" sz="2800" dirty="0"/>
+              <a:t>. Пока куча коробок не пуста, взять очередную коробку и проверить ее содержимое:</a:t>
+            </a:r>
+          </a:p>
+        </p:txBody>
+      </p:sp>
+      <p:sp>
+        <p:nvSpPr>
+          <p:cNvPr id="6" name="TextBox 5">
             <a:extLst>
               <a:ext uri="{FF2B5EF4-FFF2-40B4-BE49-F238E27FC236}">
-                <a16:creationId xmlns:a16="http://schemas.microsoft.com/office/drawing/2014/main" id="{C5C1E160-D5F5-5AA2-4E3D-B6CCB17E42C5}"/>
+                <a16:creationId xmlns:a16="http://schemas.microsoft.com/office/drawing/2014/main" id="{456318BF-29BA-F1B6-37F7-B247C7A8991A}"/>
               </a:ext>
             </a:extLst>
           </p:cNvPr>
-          <p:cNvPicPr>
-            <a:picLocks noChangeAspect="1"/>
-          </p:cNvPicPr>
-          <p:nvPr/>
-        </p:nvPicPr>
-        <p:blipFill>
-          <a:blip r:embed="rId4"/>
-          <a:stretch>
-            <a:fillRect/>
-          </a:stretch>
-        </p:blipFill>
-        <p:spPr>
-          <a:xfrm>
-            <a:off x="0" y="4114800"/>
-            <a:ext cx="3213327" cy="4102228"/>
-          </a:xfrm>
-          <a:prstGeom prst="rect">
-            <a:avLst/>
-          </a:prstGeom>
-        </p:spPr>
-      </p:pic>
+          <p:cNvSpPr txBox="1"/>
+          <p:nvPr/>
+        </p:nvSpPr>
+        <p:spPr>
+          <a:xfrm>
+            <a:off x="2595155" y="2025356"/>
+            <a:ext cx="11756570" cy="3970318"/>
+          </a:xfrm>
+          <a:prstGeom prst="rect">
+            <a:avLst/>
+          </a:prstGeom>
+          <a:noFill/>
+        </p:spPr>
+        <p:txBody>
+          <a:bodyPr wrap="square">
+            <a:spAutoFit/>
+          </a:bodyPr>
+          <a:lstStyle/>
+          <a:p>
+            <a:pPr lvl="2"/>
+            <a:r>
+              <a:rPr lang="en-US" sz="2800" dirty="0"/>
+              <a:t>def </a:t>
+            </a:r>
+            <a:r>
+              <a:rPr lang="en-US" sz="2800" dirty="0" err="1"/>
+              <a:t>look_for_key</a:t>
+            </a:r>
+            <a:r>
+              <a:rPr lang="en-US" sz="2800" dirty="0"/>
+              <a:t>(</a:t>
+            </a:r>
+            <a:r>
+              <a:rPr lang="en-US" sz="2800" dirty="0" err="1"/>
+              <a:t>main_box</a:t>
+            </a:r>
+            <a:r>
+              <a:rPr lang="en-US" sz="2800" dirty="0"/>
+              <a:t>):</a:t>
+            </a:r>
+          </a:p>
+          <a:p>
+            <a:pPr lvl="3"/>
+            <a:r>
+              <a:rPr lang="en-US" sz="2800" dirty="0"/>
+              <a:t>pile = </a:t>
+            </a:r>
+            <a:r>
+              <a:rPr lang="en-US" sz="2800" dirty="0" err="1"/>
+              <a:t>main_box.make_a_pile_to_look_through</a:t>
+            </a:r>
+            <a:r>
+              <a:rPr lang="en-US" sz="2800" dirty="0"/>
+              <a:t>()</a:t>
+            </a:r>
+          </a:p>
+          <a:p>
+            <a:pPr lvl="3"/>
+            <a:r>
+              <a:rPr lang="en-US" sz="2800" dirty="0"/>
+              <a:t>while pile is not empty:</a:t>
+            </a:r>
+          </a:p>
+          <a:p>
+            <a:pPr lvl="4"/>
+            <a:r>
+              <a:rPr lang="en-US" sz="2800" dirty="0"/>
+              <a:t>box = </a:t>
+            </a:r>
+            <a:r>
+              <a:rPr lang="en-US" sz="2800" dirty="0" err="1"/>
+              <a:t>pile.grab_a_box</a:t>
+            </a:r>
+            <a:r>
+              <a:rPr lang="en-US" sz="2800" dirty="0"/>
+              <a:t>()</a:t>
+            </a:r>
+          </a:p>
+          <a:p>
+            <a:pPr lvl="4"/>
+            <a:r>
+              <a:rPr lang="en-US" sz="2800" dirty="0"/>
+              <a:t>for item in box:</a:t>
+            </a:r>
+          </a:p>
+          <a:p>
+            <a:pPr lvl="5"/>
+            <a:r>
+              <a:rPr lang="en-US" sz="2800" dirty="0"/>
+              <a:t>if </a:t>
+            </a:r>
+            <a:r>
+              <a:rPr lang="en-US" sz="2800" dirty="0" err="1"/>
+              <a:t>item.is_a_box</a:t>
+            </a:r>
+            <a:r>
+              <a:rPr lang="en-US" sz="2800" dirty="0"/>
+              <a:t>():</a:t>
+            </a:r>
+          </a:p>
+          <a:p>
+            <a:pPr lvl="5"/>
+            <a:r>
+              <a:rPr lang="ru-RU" sz="2800" dirty="0"/>
+              <a:t>	</a:t>
+            </a:r>
+            <a:r>
+              <a:rPr lang="en-US" sz="2800" dirty="0" err="1"/>
+              <a:t>pile.append</a:t>
+            </a:r>
+            <a:r>
+              <a:rPr lang="en-US" sz="2800" dirty="0"/>
+              <a:t>(item)</a:t>
+            </a:r>
+          </a:p>
+          <a:p>
+            <a:pPr lvl="5"/>
+            <a:r>
+              <a:rPr lang="en-US" sz="2800" dirty="0" err="1"/>
+              <a:t>elif</a:t>
+            </a:r>
+            <a:r>
+              <a:rPr lang="en-US" sz="2800" dirty="0"/>
+              <a:t> </a:t>
+            </a:r>
+            <a:r>
+              <a:rPr lang="en-US" sz="2800" dirty="0" err="1"/>
+              <a:t>item.is_a_key</a:t>
+            </a:r>
+            <a:r>
+              <a:rPr lang="en-US" sz="2800" dirty="0"/>
+              <a:t>():</a:t>
+            </a:r>
+          </a:p>
+          <a:p>
+            <a:pPr lvl="5"/>
+            <a:r>
+              <a:rPr lang="ru-RU" sz="2800" dirty="0"/>
+              <a:t>	</a:t>
+            </a:r>
+            <a:r>
+              <a:rPr lang="en-US" sz="2800" dirty="0"/>
+              <a:t>print "found the key!"</a:t>
+            </a:r>
+            <a:endParaRPr lang="ru-RU" sz="2800" dirty="0"/>
+          </a:p>
+        </p:txBody>
+      </p:sp>
     </p:spTree>
     <p:extLst>
       <p:ext uri="{BB962C8B-B14F-4D97-AF65-F5344CB8AC3E}">
-        <p14:creationId xmlns:p14="http://schemas.microsoft.com/office/powerpoint/2010/main" val="1157433426"/>
+        <p14:creationId xmlns:p14="http://schemas.microsoft.com/office/powerpoint/2010/main" val="710447486"/>
       </p:ext>
     </p:extLst>
   </p:cSld>
@@ -4780,13 +7583,13 @@
 </p:sld>
 </file>
 
-<file path=ppt/slides/slide8.xml><?xml version="1.0" encoding="utf-8"?>
+<file path=ppt/slides/slide7.xml><?xml version="1.0" encoding="utf-8"?>
 <p:sld xmlns:a="http://schemas.openxmlformats.org/drawingml/2006/main" xmlns:r="http://schemas.openxmlformats.org/officeDocument/2006/relationships" xmlns:p="http://schemas.openxmlformats.org/presentationml/2006/main">
   <p:cSld>
     <p:bg>
       <p:bgPr>
         <a:solidFill>
-          <a:srgbClr val="000000"/>
+          <a:srgbClr val="972996"/>
         </a:solidFill>
         <a:effectLst/>
       </p:bgPr>
@@ -4805,9 +7608,33 @@
           <a:chExt cx="0" cy="0"/>
         </a:xfrm>
       </p:grpSpPr>
-      <p:sp>
-        <p:nvSpPr>
-          <p:cNvPr id="4" name="Rectangle 3"/>
+      <p:pic>
+        <p:nvPicPr>
+          <p:cNvPr id="4" name="Picture 3" descr="logo.png"/>
+          <p:cNvPicPr>
+            <a:picLocks noChangeAspect="1"/>
+          </p:cNvPicPr>
+          <p:nvPr/>
+        </p:nvPicPr>
+        <p:blipFill>
+          <a:blip r:embed="rId2"/>
+          <a:stretch>
+            <a:fillRect/>
+          </a:stretch>
+        </p:blipFill>
+        <p:spPr>
+          <a:xfrm>
+            <a:off x="12344400" y="274320"/>
+            <a:ext cx="1097280" cy="1080473"/>
+          </a:xfrm>
+          <a:prstGeom prst="rect">
+            <a:avLst/>
+          </a:prstGeom>
+        </p:spPr>
+      </p:pic>
+      <p:sp>
+        <p:nvSpPr>
+          <p:cNvPr id="5" name="Rectangle 4"/>
           <p:cNvSpPr/>
           <p:nvPr/>
         </p:nvSpPr>
@@ -4820,7 +7647,7 @@
             <a:avLst/>
           </a:prstGeom>
           <a:solidFill>
-            <a:srgbClr val="640064"/>
+            <a:srgbClr val="E6E6E6"/>
           </a:solidFill>
           <a:ln>
             <a:noFill/>
@@ -4845,7 +7672,303 @@
           <a:lstStyle/>
           <a:p>
             <a:pPr algn="ctr"/>
-            <a:endParaRPr>
+            <a:endParaRPr/>
+          </a:p>
+        </p:txBody>
+      </p:sp>
+      <p:sp>
+        <p:nvSpPr>
+          <p:cNvPr id="8" name="TextBox 7">
+            <a:extLst>
+              <a:ext uri="{FF2B5EF4-FFF2-40B4-BE49-F238E27FC236}">
+                <a16:creationId xmlns:a16="http://schemas.microsoft.com/office/drawing/2014/main" id="{EA9E5176-4FCC-3CEE-620D-C46EF1EB7AB2}"/>
+              </a:ext>
+            </a:extLst>
+          </p:cNvPr>
+          <p:cNvSpPr txBox="1"/>
+          <p:nvPr/>
+        </p:nvSpPr>
+        <p:spPr>
+          <a:xfrm>
+            <a:off x="675594" y="198683"/>
+            <a:ext cx="9808029" cy="830997"/>
+          </a:xfrm>
+          <a:prstGeom prst="rect">
+            <a:avLst/>
+          </a:prstGeom>
+          <a:noFill/>
+        </p:spPr>
+        <p:txBody>
+          <a:bodyPr wrap="square">
+            <a:spAutoFit/>
+          </a:bodyPr>
+          <a:lstStyle/>
+          <a:p>
+            <a:r>
+              <a:rPr lang="ru-RU" sz="4800" dirty="0">
+                <a:solidFill>
+                  <a:schemeClr val="bg1"/>
+                </a:solidFill>
+              </a:rPr>
+              <a:t>Псевдокод</a:t>
+            </a:r>
+          </a:p>
+        </p:txBody>
+      </p:sp>
+      <p:sp>
+        <p:nvSpPr>
+          <p:cNvPr id="3" name="TextBox 2">
+            <a:extLst>
+              <a:ext uri="{FF2B5EF4-FFF2-40B4-BE49-F238E27FC236}">
+                <a16:creationId xmlns:a16="http://schemas.microsoft.com/office/drawing/2014/main" id="{9DF67CE7-B0D1-55E6-BE68-A07102B3CB04}"/>
+              </a:ext>
+            </a:extLst>
+          </p:cNvPr>
+          <p:cNvSpPr txBox="1"/>
+          <p:nvPr/>
+        </p:nvSpPr>
+        <p:spPr>
+          <a:xfrm>
+            <a:off x="163287" y="1261017"/>
+            <a:ext cx="11919856" cy="954107"/>
+          </a:xfrm>
+          <a:prstGeom prst="rect">
+            <a:avLst/>
+          </a:prstGeom>
+          <a:noFill/>
+        </p:spPr>
+        <p:txBody>
+          <a:bodyPr wrap="square">
+            <a:spAutoFit/>
+          </a:bodyPr>
+          <a:lstStyle/>
+          <a:p>
+            <a:r>
+              <a:rPr lang="ru-RU" sz="2800" dirty="0">
+                <a:solidFill>
+                  <a:schemeClr val="bg1"/>
+                </a:solidFill>
+              </a:rPr>
+              <a:t>Второй способ основан на рекурсии. Рекурсией называется вызов функцией</a:t>
+            </a:r>
+          </a:p>
+          <a:p>
+            <a:r>
+              <a:rPr lang="ru-RU" sz="2800" dirty="0">
+                <a:solidFill>
+                  <a:schemeClr val="bg1"/>
+                </a:solidFill>
+              </a:rPr>
+              <a:t>самой себя. Второе решение на может выглядеть так:</a:t>
+            </a:r>
+          </a:p>
+        </p:txBody>
+      </p:sp>
+      <p:sp>
+        <p:nvSpPr>
+          <p:cNvPr id="2" name="TextBox 1">
+            <a:extLst>
+              <a:ext uri="{FF2B5EF4-FFF2-40B4-BE49-F238E27FC236}">
+                <a16:creationId xmlns:a16="http://schemas.microsoft.com/office/drawing/2014/main" id="{E8AC0CEA-77DB-7424-EA55-C0D132AC3448}"/>
+              </a:ext>
+            </a:extLst>
+          </p:cNvPr>
+          <p:cNvSpPr txBox="1"/>
+          <p:nvPr/>
+        </p:nvSpPr>
+        <p:spPr>
+          <a:xfrm>
+            <a:off x="3657601" y="2215124"/>
+            <a:ext cx="11919856" cy="2677656"/>
+          </a:xfrm>
+          <a:prstGeom prst="rect">
+            <a:avLst/>
+          </a:prstGeom>
+          <a:noFill/>
+        </p:spPr>
+        <p:txBody>
+          <a:bodyPr wrap="square">
+            <a:spAutoFit/>
+          </a:bodyPr>
+          <a:lstStyle/>
+          <a:p>
+            <a:r>
+              <a:rPr lang="en-US" sz="2800" dirty="0">
+                <a:solidFill>
+                  <a:schemeClr val="bg1"/>
+                </a:solidFill>
+              </a:rPr>
+              <a:t>def </a:t>
+            </a:r>
+            <a:r>
+              <a:rPr lang="en-US" sz="2800" dirty="0" err="1">
+                <a:solidFill>
+                  <a:schemeClr val="bg1"/>
+                </a:solidFill>
+              </a:rPr>
+              <a:t>look_for_key</a:t>
+            </a:r>
+            <a:r>
+              <a:rPr lang="en-US" sz="2800" dirty="0">
+                <a:solidFill>
+                  <a:schemeClr val="bg1"/>
+                </a:solidFill>
+              </a:rPr>
+              <a:t>(box):</a:t>
+            </a:r>
+          </a:p>
+          <a:p>
+            <a:pPr lvl="1"/>
+            <a:r>
+              <a:rPr lang="en-US" sz="2800" dirty="0">
+                <a:solidFill>
+                  <a:schemeClr val="bg1"/>
+                </a:solidFill>
+              </a:rPr>
+              <a:t>for item in box:</a:t>
+            </a:r>
+          </a:p>
+          <a:p>
+            <a:pPr lvl="1"/>
+            <a:r>
+              <a:rPr lang="en-US" sz="2800" dirty="0">
+                <a:solidFill>
+                  <a:schemeClr val="bg1"/>
+                </a:solidFill>
+              </a:rPr>
+              <a:t>if </a:t>
+            </a:r>
+            <a:r>
+              <a:rPr lang="en-US" sz="2800" dirty="0" err="1">
+                <a:solidFill>
+                  <a:schemeClr val="bg1"/>
+                </a:solidFill>
+              </a:rPr>
+              <a:t>item.is_a_box</a:t>
+            </a:r>
+            <a:r>
+              <a:rPr lang="en-US" sz="2800" dirty="0">
+                <a:solidFill>
+                  <a:schemeClr val="bg1"/>
+                </a:solidFill>
+              </a:rPr>
+              <a:t>():</a:t>
+            </a:r>
+          </a:p>
+          <a:p>
+            <a:pPr lvl="1"/>
+            <a:r>
+              <a:rPr lang="ru-RU" sz="2800" dirty="0">
+                <a:solidFill>
+                  <a:schemeClr val="bg1"/>
+                </a:solidFill>
+              </a:rPr>
+              <a:t>	</a:t>
+            </a:r>
+            <a:r>
+              <a:rPr lang="en-US" sz="2800" dirty="0" err="1">
+                <a:solidFill>
+                  <a:schemeClr val="bg1"/>
+                </a:solidFill>
+              </a:rPr>
+              <a:t>look_for_key</a:t>
+            </a:r>
+            <a:r>
+              <a:rPr lang="en-US" sz="2800" dirty="0">
+                <a:solidFill>
+                  <a:schemeClr val="bg1"/>
+                </a:solidFill>
+              </a:rPr>
+              <a:t>(item) </a:t>
+            </a:r>
+            <a:r>
+              <a:rPr lang="ru-RU" sz="2800" dirty="0">
+                <a:solidFill>
+                  <a:schemeClr val="bg1"/>
+                </a:solidFill>
+              </a:rPr>
+              <a:t>   </a:t>
+            </a:r>
+            <a:r>
+              <a:rPr lang="en-US" sz="2800" dirty="0">
+                <a:solidFill>
+                  <a:schemeClr val="bg1"/>
+                </a:solidFill>
+                <a:sym typeface="Wingdings" panose="05000000000000000000" pitchFamily="2" charset="2"/>
+              </a:rPr>
+              <a:t>------------  </a:t>
+            </a:r>
+            <a:r>
+              <a:rPr lang="en-US" sz="2800" dirty="0" err="1">
+                <a:solidFill>
+                  <a:schemeClr val="bg1"/>
+                </a:solidFill>
+              </a:rPr>
+              <a:t>Рекурсия</a:t>
+            </a:r>
+            <a:r>
+              <a:rPr lang="en-US" sz="2800" dirty="0">
+                <a:solidFill>
+                  <a:schemeClr val="bg1"/>
+                </a:solidFill>
+              </a:rPr>
+              <a:t>!</a:t>
+            </a:r>
+          </a:p>
+          <a:p>
+            <a:pPr lvl="1"/>
+            <a:r>
+              <a:rPr lang="en-US" sz="2800" dirty="0" err="1">
+                <a:solidFill>
+                  <a:schemeClr val="bg1"/>
+                </a:solidFill>
+              </a:rPr>
+              <a:t>elif</a:t>
+            </a:r>
+            <a:r>
+              <a:rPr lang="en-US" sz="2800" dirty="0">
+                <a:solidFill>
+                  <a:schemeClr val="bg1"/>
+                </a:solidFill>
+              </a:rPr>
+              <a:t> </a:t>
+            </a:r>
+            <a:r>
+              <a:rPr lang="en-US" sz="2800" dirty="0" err="1">
+                <a:solidFill>
+                  <a:schemeClr val="bg1"/>
+                </a:solidFill>
+              </a:rPr>
+              <a:t>item.is_a_key</a:t>
+            </a:r>
+            <a:r>
+              <a:rPr lang="en-US" sz="2800" dirty="0">
+                <a:solidFill>
+                  <a:schemeClr val="bg1"/>
+                </a:solidFill>
+              </a:rPr>
+              <a:t>():</a:t>
+            </a:r>
+          </a:p>
+          <a:p>
+            <a:pPr lvl="1"/>
+            <a:r>
+              <a:rPr lang="ru-RU" sz="2800" dirty="0">
+                <a:solidFill>
+                  <a:schemeClr val="bg1"/>
+                </a:solidFill>
+              </a:rPr>
+              <a:t>	</a:t>
+            </a:r>
+            <a:r>
+              <a:rPr lang="en-US" sz="2800" dirty="0">
+                <a:solidFill>
+                  <a:schemeClr val="bg1"/>
+                </a:solidFill>
+              </a:rPr>
+              <a:t>print "found the key!"</a:t>
+            </a:r>
+            <a:endParaRPr lang="ru-RU" sz="2800" dirty="0">
               <a:solidFill>
                 <a:schemeClr val="bg1"/>
               </a:solidFill>
@@ -4855,10 +7978,10 @@
       </p:sp>
       <p:sp>
         <p:nvSpPr>
-          <p:cNvPr id="2" name="TextBox 1">
+          <p:cNvPr id="11" name="TextBox 10">
             <a:extLst>
               <a:ext uri="{FF2B5EF4-FFF2-40B4-BE49-F238E27FC236}">
-                <a16:creationId xmlns:a16="http://schemas.microsoft.com/office/drawing/2014/main" id="{AD66099C-598E-47B3-EDE4-26ECC9DB1A27}"/>
+                <a16:creationId xmlns:a16="http://schemas.microsoft.com/office/drawing/2014/main" id="{F4E767FD-0E40-6EB0-9EAA-3F9BA6239913}"/>
               </a:ext>
             </a:extLst>
           </p:cNvPr>
@@ -4867,8 +7990,8 @@
         </p:nvSpPr>
         <p:spPr>
           <a:xfrm>
-            <a:off x="198120" y="0"/>
-            <a:ext cx="5375365" cy="1569660"/>
+            <a:off x="11168743" y="5747679"/>
+            <a:ext cx="3145971" cy="2031325"/>
           </a:xfrm>
           <a:prstGeom prst="rect">
             <a:avLst/>
@@ -4883,125 +8006,75 @@
           <a:p>
             <a:pPr algn="ctr"/>
             <a:r>
-              <a:rPr lang="ru-RU" sz="9600" dirty="0">
-                <a:solidFill>
-                  <a:schemeClr val="bg1"/>
-                </a:solidFill>
-              </a:rPr>
-              <a:t>Начнём</a:t>
-            </a:r>
-          </a:p>
-        </p:txBody>
-      </p:sp>
-      <p:sp>
-        <p:nvSpPr>
-          <p:cNvPr id="3" name="TextBox 2">
-            <a:extLst>
-              <a:ext uri="{FF2B5EF4-FFF2-40B4-BE49-F238E27FC236}">
-                <a16:creationId xmlns:a16="http://schemas.microsoft.com/office/drawing/2014/main" id="{61A998A0-DF0F-E697-1D63-A6FF570C03E7}"/>
-              </a:ext>
-            </a:extLst>
-          </p:cNvPr>
-          <p:cNvSpPr txBox="1"/>
-          <p:nvPr/>
-        </p:nvSpPr>
-        <p:spPr>
-          <a:xfrm>
-            <a:off x="198120" y="1434257"/>
-            <a:ext cx="11375659" cy="2308324"/>
-          </a:xfrm>
-          <a:prstGeom prst="rect">
-            <a:avLst/>
-          </a:prstGeom>
-          <a:noFill/>
-        </p:spPr>
-        <p:txBody>
-          <a:bodyPr wrap="square">
-            <a:spAutoFit/>
-          </a:bodyPr>
-          <a:lstStyle/>
-          <a:p>
-            <a:pPr algn="just"/>
-            <a:r>
-              <a:rPr lang="ru-RU" sz="2400" dirty="0">
-                <a:solidFill>
-                  <a:schemeClr val="bg1"/>
-                </a:solidFill>
-              </a:rPr>
-              <a:t>Имеется массив чисел. Нужно просуммировать все числа и вернуть сумму. </a:t>
-            </a:r>
-          </a:p>
-          <a:p>
-            <a:pPr algn="just"/>
-            <a:r>
-              <a:rPr lang="ru-RU" sz="2400" b="1" dirty="0">
-                <a:solidFill>
-                  <a:schemeClr val="bg1"/>
-                </a:solidFill>
-              </a:rPr>
-              <a:t>Шаг 1: </a:t>
-            </a:r>
-            <a:r>
-              <a:rPr lang="ru-RU" sz="2400" dirty="0">
-                <a:solidFill>
-                  <a:schemeClr val="bg1"/>
-                </a:solidFill>
-              </a:rPr>
-              <a:t>определить базовый случай. Как выглядит самый простой массив, который вы можете получить? Как должен выглядеть простейший случай? Если у вас будет массив с 0 или 1 элементом, он суммируется достаточно просто.</a:t>
-            </a:r>
-          </a:p>
-          <a:p>
-            <a:pPr algn="just"/>
-            <a:r>
-              <a:rPr lang="ru-RU" sz="2400" b="1" dirty="0">
-                <a:solidFill>
-                  <a:schemeClr val="bg1"/>
-                </a:solidFill>
-              </a:rPr>
-              <a:t>Шаг 2:</a:t>
-            </a:r>
-            <a:r>
-              <a:rPr lang="ru-RU" sz="2400" dirty="0">
-                <a:solidFill>
-                  <a:schemeClr val="bg1"/>
-                </a:solidFill>
-              </a:rPr>
-              <a:t> каждый рекурсивный вызов должен приближать вас к пустому массиву. Как уменьшить размер задачи? Один из возможных способов:</a:t>
-            </a:r>
-          </a:p>
-        </p:txBody>
-      </p:sp>
-      <p:pic>
-        <p:nvPicPr>
-          <p:cNvPr id="7" name="Рисунок 6">
-            <a:extLst>
-              <a:ext uri="{FF2B5EF4-FFF2-40B4-BE49-F238E27FC236}">
-                <a16:creationId xmlns:a16="http://schemas.microsoft.com/office/drawing/2014/main" id="{4A12487F-7066-2074-6688-A50C50CBB31D}"/>
-              </a:ext>
-            </a:extLst>
-          </p:cNvPr>
-          <p:cNvPicPr>
-            <a:picLocks noChangeAspect="1"/>
-          </p:cNvPicPr>
-          <p:nvPr/>
-        </p:nvPicPr>
-        <p:blipFill>
-          <a:blip r:embed="rId2"/>
-          <a:stretch>
-            <a:fillRect/>
-          </a:stretch>
-        </p:blipFill>
-        <p:spPr>
-          <a:xfrm>
-            <a:off x="2841365" y="3742581"/>
-            <a:ext cx="7630694" cy="4029819"/>
-          </a:xfrm>
-          <a:prstGeom prst="rect">
-            <a:avLst/>
-          </a:prstGeom>
-        </p:spPr>
-      </p:pic>
+              <a:rPr lang="ru-RU" i="1" dirty="0">
+                <a:solidFill>
+                  <a:schemeClr val="bg1"/>
+                </a:solidFill>
+              </a:rPr>
+              <a:t>Циклы могут ускорить работу</a:t>
+            </a:r>
+            <a:r>
+              <a:rPr lang="en-US" i="1" dirty="0">
+                <a:solidFill>
+                  <a:schemeClr val="bg1"/>
+                </a:solidFill>
+              </a:rPr>
+              <a:t> </a:t>
+            </a:r>
+            <a:r>
+              <a:rPr lang="ru-RU" i="1" dirty="0">
+                <a:solidFill>
+                  <a:schemeClr val="bg1"/>
+                </a:solidFill>
+              </a:rPr>
+              <a:t>программы. Рекурсия может ускорить работу программиста. Выбирайте,</a:t>
+            </a:r>
+            <a:r>
+              <a:rPr lang="en-US" i="1" dirty="0">
+                <a:solidFill>
+                  <a:schemeClr val="bg1"/>
+                </a:solidFill>
+              </a:rPr>
+              <a:t> </a:t>
+            </a:r>
+            <a:r>
+              <a:rPr lang="ru-RU" i="1" dirty="0">
+                <a:solidFill>
+                  <a:schemeClr val="bg1"/>
+                </a:solidFill>
+              </a:rPr>
+              <a:t>что важнее в вашей ситуации!</a:t>
+            </a:r>
+            <a:endParaRPr lang="en-US" i="1" dirty="0">
+              <a:solidFill>
+                <a:schemeClr val="bg1"/>
+              </a:solidFill>
+            </a:endParaRPr>
+          </a:p>
+          <a:p>
+            <a:pPr algn="ctr"/>
+            <a:r>
+              <a:rPr lang="de-DE" i="1" dirty="0">
+                <a:solidFill>
+                  <a:schemeClr val="bg1"/>
+                </a:solidFill>
+              </a:rPr>
+              <a:t>© stackoverflow.com</a:t>
+            </a:r>
+            <a:endParaRPr lang="ru-RU" i="1" dirty="0">
+              <a:solidFill>
+                <a:schemeClr val="bg1"/>
+              </a:solidFill>
+            </a:endParaRPr>
+          </a:p>
+        </p:txBody>
+      </p:sp>
     </p:spTree>
+    <p:extLst>
+      <p:ext uri="{BB962C8B-B14F-4D97-AF65-F5344CB8AC3E}">
+        <p14:creationId xmlns:p14="http://schemas.microsoft.com/office/powerpoint/2010/main" val="1672286448"/>
+      </p:ext>
+    </p:extLst>
   </p:cSld>
   <p:clrMapOvr>
     <a:masterClrMapping/>
@@ -5009,7 +8082,7 @@
 </p:sld>
 </file>
 
-<file path=ppt/slides/slide9.xml><?xml version="1.0" encoding="utf-8"?>
+<file path=ppt/slides/slide8.xml><?xml version="1.0" encoding="utf-8"?>
 <p:sld xmlns:a="http://schemas.openxmlformats.org/drawingml/2006/main" xmlns:r="http://schemas.openxmlformats.org/officeDocument/2006/relationships" xmlns:p="http://schemas.openxmlformats.org/presentationml/2006/main">
   <p:cSld>
     <p:spTree>
@@ -5052,10 +8125,54 @@
       </p:pic>
       <p:sp>
         <p:nvSpPr>
-          <p:cNvPr id="17" name="TextBox 16">
+          <p:cNvPr id="5" name="Rectangle 4"/>
+          <p:cNvSpPr/>
+          <p:nvPr/>
+        </p:nvSpPr>
+        <p:spPr>
+          <a:xfrm>
+            <a:off x="0" y="7772400"/>
+            <a:ext cx="14630400" cy="457200"/>
+          </a:xfrm>
+          <a:prstGeom prst="rect">
+            <a:avLst/>
+          </a:prstGeom>
+          <a:solidFill>
+            <a:srgbClr val="640064"/>
+          </a:solidFill>
+          <a:ln>
+            <a:noFill/>
+          </a:ln>
+        </p:spPr>
+        <p:style>
+          <a:lnRef idx="1">
+            <a:schemeClr val="accent1"/>
+          </a:lnRef>
+          <a:fillRef idx="3">
+            <a:schemeClr val="accent1"/>
+          </a:fillRef>
+          <a:effectRef idx="2">
+            <a:schemeClr val="accent1"/>
+          </a:effectRef>
+          <a:fontRef idx="minor">
+            <a:schemeClr val="lt1"/>
+          </a:fontRef>
+        </p:style>
+        <p:txBody>
+          <a:bodyPr rtlCol="0" anchor="ctr"/>
+          <a:lstStyle/>
+          <a:p>
+            <a:pPr algn="ctr"/>
+            <a:endParaRPr/>
+          </a:p>
+        </p:txBody>
+      </p:sp>
+      <p:sp>
+        <p:nvSpPr>
+          <p:cNvPr id="3" name="TextBox 2">
             <a:extLst>
               <a:ext uri="{FF2B5EF4-FFF2-40B4-BE49-F238E27FC236}">
-                <a16:creationId xmlns:a16="http://schemas.microsoft.com/office/drawing/2014/main" id="{379B2537-5483-F7DB-9A72-464F71236AAA}"/>
+                <a16:creationId xmlns:a16="http://schemas.microsoft.com/office/drawing/2014/main" id="{6AE76C4C-FDD7-59FD-3DE4-2DBCD06B1A70}"/>
               </a:ext>
             </a:extLst>
           </p:cNvPr>
@@ -5064,8 +8181,8 @@
         </p:nvSpPr>
         <p:spPr>
           <a:xfrm>
-            <a:off x="1938093" y="0"/>
-            <a:ext cx="8476836" cy="1015663"/>
+            <a:off x="675594" y="157316"/>
+            <a:ext cx="9808029" cy="830997"/>
           </a:xfrm>
           <a:prstGeom prst="rect">
             <a:avLst/>
@@ -5078,24 +8195,27 @@
           </a:bodyPr>
           <a:lstStyle/>
           <a:p>
-            <a:pPr algn="ctr"/>
-            <a:r>
-              <a:rPr lang="ru-RU" sz="6000" b="1" dirty="0"/>
-              <a:t>Функциональные языки</a:t>
-            </a:r>
-            <a:r>
-              <a:rPr lang="ru-RU" sz="6000" dirty="0"/>
-              <a:t> </a:t>
-            </a:r>
-          </a:p>
-        </p:txBody>
-      </p:sp>
-      <p:sp>
-        <p:nvSpPr>
-          <p:cNvPr id="3" name="TextBox 2">
+            <a:r>
+              <a:rPr lang="ru-RU" sz="4800" dirty="0"/>
+              <a:t>Стек (</a:t>
+            </a:r>
+            <a:r>
+              <a:rPr lang="en-US" sz="4800" dirty="0"/>
+              <a:t>Last In, First Out, LIFO</a:t>
+            </a:r>
+            <a:r>
+              <a:rPr lang="ru-RU" sz="4800" dirty="0"/>
+              <a:t>)</a:t>
+            </a:r>
+          </a:p>
+        </p:txBody>
+      </p:sp>
+      <p:sp>
+        <p:nvSpPr>
+          <p:cNvPr id="2" name="TextBox 1">
             <a:extLst>
               <a:ext uri="{FF2B5EF4-FFF2-40B4-BE49-F238E27FC236}">
-                <a16:creationId xmlns:a16="http://schemas.microsoft.com/office/drawing/2014/main" id="{963D71EA-BD89-FA8F-92C2-C5F0BCA82965}"/>
+                <a16:creationId xmlns:a16="http://schemas.microsoft.com/office/drawing/2014/main" id="{5C1A7286-C01A-1E42-C40D-23F10E59001E}"/>
               </a:ext>
             </a:extLst>
           </p:cNvPr>
@@ -5104,8 +8224,8 @@
         </p:nvSpPr>
         <p:spPr>
           <a:xfrm>
-            <a:off x="2224997" y="892630"/>
-            <a:ext cx="7903028" cy="1477328"/>
+            <a:off x="587830" y="1071249"/>
+            <a:ext cx="11756570" cy="5262979"/>
           </a:xfrm>
           <a:prstGeom prst="rect">
             <a:avLst/>
@@ -5118,36 +8238,204 @@
           </a:bodyPr>
           <a:lstStyle/>
           <a:p>
+            <a:r>
+              <a:rPr lang="ru-RU" sz="2800" dirty="0"/>
+              <a:t>Тарелки в шкафу </a:t>
+            </a:r>
+          </a:p>
+          <a:p>
+            <a:pPr lvl="1"/>
+            <a:r>
+              <a:rPr lang="ru-RU" sz="2800" dirty="0"/>
+              <a:t>Когда ставишь новую тарелку, ты кладёшь её сверху.</a:t>
+            </a:r>
+          </a:p>
+          <a:p>
+            <a:pPr lvl="1"/>
+            <a:r>
+              <a:rPr lang="ru-RU" sz="2800" dirty="0"/>
+              <a:t>Когда достаёшь тарелку, берёшь самую верхнюю.</a:t>
+            </a:r>
+          </a:p>
+          <a:p>
+            <a:pPr lvl="1"/>
+            <a:r>
+              <a:rPr lang="ru-RU" sz="2800" dirty="0"/>
+              <a:t>Верхняя тарелка — последняя, что положили.</a:t>
+            </a:r>
+          </a:p>
+          <a:p>
+            <a:endParaRPr lang="ru-RU" sz="2800" dirty="0"/>
+          </a:p>
+          <a:p>
+            <a:r>
+              <a:rPr lang="ru-RU" sz="2800" dirty="0"/>
+              <a:t>Стопка книг или блокнотов </a:t>
+            </a:r>
+          </a:p>
+          <a:p>
+            <a:pPr lvl="1"/>
+            <a:r>
+              <a:rPr lang="ru-RU" sz="2800" dirty="0"/>
+              <a:t>Кладёшь новые книги сверху.</a:t>
+            </a:r>
+          </a:p>
+          <a:p>
+            <a:pPr lvl="1"/>
+            <a:r>
+              <a:rPr lang="ru-RU" sz="2800" dirty="0"/>
+              <a:t>Читаешь сначала ту, что сверху, а не снизу.</a:t>
+            </a:r>
+          </a:p>
+          <a:p>
+            <a:endParaRPr lang="ru-RU" sz="2800" dirty="0"/>
+          </a:p>
+          <a:p>
+            <a:r>
+              <a:rPr lang="en-US" sz="2800" dirty="0" err="1"/>
+              <a:t>Ctrl+z</a:t>
+            </a:r>
+            <a:r>
+              <a:rPr lang="ru-RU" sz="2800" dirty="0"/>
+              <a:t> в текстовом редакторе </a:t>
+            </a:r>
+          </a:p>
+          <a:p>
+            <a:pPr lvl="1"/>
+            <a:r>
+              <a:rPr lang="ru-RU" sz="2800" dirty="0"/>
+              <a:t>Последнее действие сохраняется в “стеке”.</a:t>
+            </a:r>
+          </a:p>
+          <a:p>
+            <a:pPr lvl="1"/>
+            <a:r>
+              <a:rPr lang="ru-RU" sz="2800" dirty="0"/>
+              <a:t>Когда нажимаешь </a:t>
+            </a:r>
+            <a:r>
+              <a:rPr lang="en-US" sz="2800" dirty="0" err="1"/>
+              <a:t>Ctrl+z</a:t>
+            </a:r>
+            <a:r>
+              <a:rPr lang="ru-RU" sz="2800" dirty="0"/>
+              <a:t>, отменяется последнее действие.</a:t>
+            </a:r>
+          </a:p>
+        </p:txBody>
+      </p:sp>
+    </p:spTree>
+    <p:extLst>
+      <p:ext uri="{BB962C8B-B14F-4D97-AF65-F5344CB8AC3E}">
+        <p14:creationId xmlns:p14="http://schemas.microsoft.com/office/powerpoint/2010/main" val="2884323680"/>
+      </p:ext>
+    </p:extLst>
+  </p:cSld>
+  <p:clrMapOvr>
+    <a:masterClrMapping/>
+  </p:clrMapOvr>
+</p:sld>
+</file>
+
+<file path=ppt/slides/slide9.xml><?xml version="1.0" encoding="utf-8"?>
+<p:sld xmlns:a="http://schemas.openxmlformats.org/drawingml/2006/main" xmlns:r="http://schemas.openxmlformats.org/officeDocument/2006/relationships" xmlns:p="http://schemas.openxmlformats.org/presentationml/2006/main">
+  <p:cSld>
+    <p:bg>
+      <p:bgPr>
+        <a:solidFill>
+          <a:srgbClr val="972996"/>
+        </a:solidFill>
+        <a:effectLst/>
+      </p:bgPr>
+    </p:bg>
+    <p:spTree>
+      <p:nvGrpSpPr>
+        <p:cNvPr id="1" name=""/>
+        <p:cNvGrpSpPr/>
+        <p:nvPr/>
+      </p:nvGrpSpPr>
+      <p:grpSpPr>
+        <a:xfrm>
+          <a:off x="0" y="0"/>
+          <a:ext cx="0" cy="0"/>
+          <a:chOff x="0" y="0"/>
+          <a:chExt cx="0" cy="0"/>
+        </a:xfrm>
+      </p:grpSpPr>
+      <p:pic>
+        <p:nvPicPr>
+          <p:cNvPr id="4" name="Picture 3" descr="logo.png"/>
+          <p:cNvPicPr>
+            <a:picLocks noChangeAspect="1"/>
+          </p:cNvPicPr>
+          <p:nvPr/>
+        </p:nvPicPr>
+        <p:blipFill>
+          <a:blip r:embed="rId2"/>
+          <a:stretch>
+            <a:fillRect/>
+          </a:stretch>
+        </p:blipFill>
+        <p:spPr>
+          <a:xfrm>
+            <a:off x="12344400" y="274320"/>
+            <a:ext cx="1097280" cy="1080473"/>
+          </a:xfrm>
+          <a:prstGeom prst="rect">
+            <a:avLst/>
+          </a:prstGeom>
+        </p:spPr>
+      </p:pic>
+      <p:sp>
+        <p:nvSpPr>
+          <p:cNvPr id="5" name="Rectangle 4"/>
+          <p:cNvSpPr/>
+          <p:nvPr/>
+        </p:nvSpPr>
+        <p:spPr>
+          <a:xfrm>
+            <a:off x="0" y="7772400"/>
+            <a:ext cx="14630400" cy="457200"/>
+          </a:xfrm>
+          <a:prstGeom prst="rect">
+            <a:avLst/>
+          </a:prstGeom>
+          <a:solidFill>
+            <a:srgbClr val="E6E6E6"/>
+          </a:solidFill>
+          <a:ln>
+            <a:noFill/>
+          </a:ln>
+        </p:spPr>
+        <p:style>
+          <a:lnRef idx="1">
+            <a:schemeClr val="accent1"/>
+          </a:lnRef>
+          <a:fillRef idx="3">
+            <a:schemeClr val="accent1"/>
+          </a:fillRef>
+          <a:effectRef idx="2">
+            <a:schemeClr val="accent1"/>
+          </a:effectRef>
+          <a:fontRef idx="minor">
+            <a:schemeClr val="lt1"/>
+          </a:fontRef>
+        </p:style>
+        <p:txBody>
+          <a:bodyPr rtlCol="0" anchor="ctr"/>
+          <a:lstStyle/>
+          <a:p>
             <a:pPr algn="ctr"/>
-            <a:r>
-              <a:rPr lang="ru-RU" dirty="0"/>
-              <a:t>Языки программирования, в которых отсутствуют классические циклы (</a:t>
-            </a:r>
-            <a:r>
-              <a:rPr lang="ru-RU" dirty="0" err="1"/>
-              <a:t>for</a:t>
-            </a:r>
-            <a:r>
-              <a:rPr lang="ru-RU" dirty="0"/>
-              <a:t>, </a:t>
-            </a:r>
-            <a:r>
-              <a:rPr lang="ru-RU" dirty="0" err="1"/>
-              <a:t>while</a:t>
-            </a:r>
-            <a:r>
-              <a:rPr lang="ru-RU" dirty="0"/>
-              <a:t> и т.п.), но присутствует рекурсия как основной способ организации повторений, — это, прежде всего, функциональные языки программирования. В них циклы реализуются именно через рекурсивные вызовы функций.</a:t>
-            </a:r>
-          </a:p>
-        </p:txBody>
-      </p:sp>
-      <p:sp>
-        <p:nvSpPr>
-          <p:cNvPr id="7" name="TextBox 6">
+            <a:endParaRPr/>
+          </a:p>
+        </p:txBody>
+      </p:sp>
+      <p:sp>
+        <p:nvSpPr>
+          <p:cNvPr id="8" name="TextBox 7">
             <a:extLst>
               <a:ext uri="{FF2B5EF4-FFF2-40B4-BE49-F238E27FC236}">
-                <a16:creationId xmlns:a16="http://schemas.microsoft.com/office/drawing/2014/main" id="{57901BCC-C5F5-7299-C991-B3C7EE2D820B}"/>
+                <a16:creationId xmlns:a16="http://schemas.microsoft.com/office/drawing/2014/main" id="{EA9E5176-4FCC-3CEE-620D-C46EF1EB7AB2}"/>
               </a:ext>
             </a:extLst>
           </p:cNvPr>
@@ -5156,8 +8444,8 @@
         </p:nvSpPr>
         <p:spPr>
           <a:xfrm>
-            <a:off x="370114" y="2353595"/>
-            <a:ext cx="4778829" cy="2585323"/>
+            <a:off x="675594" y="198683"/>
+            <a:ext cx="9808029" cy="830997"/>
           </a:xfrm>
           <a:prstGeom prst="rect">
             <a:avLst/>
@@ -5171,55 +8459,22 @@
           <a:lstStyle/>
           <a:p>
             <a:r>
-              <a:rPr lang="de-DE" b="1" dirty="0"/>
-              <a:t>Lisp</a:t>
-            </a:r>
-          </a:p>
-          <a:p>
-            <a:r>
-              <a:rPr lang="ru-RU" dirty="0"/>
-              <a:t>Один из старейших языков программирования, созданный в 1958 году Джоном Маккарти</a:t>
-            </a:r>
-          </a:p>
-          <a:p>
-            <a:r>
-              <a:rPr lang="ru-RU" b="1" dirty="0"/>
-              <a:t>Применение:</a:t>
-            </a:r>
-            <a:r>
-              <a:rPr lang="ru-RU" dirty="0"/>
-              <a:t> Используется в искусственном интеллекте, исследовательских проектах, автоматизации, прототипировании. В наши дни популярны диалекты Common </a:t>
-            </a:r>
-            <a:r>
-              <a:rPr lang="ru-RU" dirty="0" err="1"/>
-              <a:t>Lisp</a:t>
-            </a:r>
-            <a:r>
-              <a:rPr lang="ru-RU" dirty="0"/>
-              <a:t>, </a:t>
-            </a:r>
-            <a:r>
-              <a:rPr lang="ru-RU" dirty="0" err="1"/>
-              <a:t>Scheme</a:t>
-            </a:r>
-            <a:r>
-              <a:rPr lang="ru-RU" dirty="0"/>
-              <a:t> и </a:t>
-            </a:r>
-            <a:r>
-              <a:rPr lang="ru-RU" dirty="0" err="1"/>
-              <a:t>Clojure</a:t>
-            </a:r>
-            <a:endParaRPr lang="ru-RU" b="1" dirty="0"/>
-          </a:p>
-        </p:txBody>
-      </p:sp>
-      <p:sp>
-        <p:nvSpPr>
-          <p:cNvPr id="8" name="TextBox 7">
+              <a:rPr lang="ru-RU" sz="4800" dirty="0">
+                <a:solidFill>
+                  <a:schemeClr val="bg1"/>
+                </a:solidFill>
+              </a:rPr>
+              <a:t>Псевдокод</a:t>
+            </a:r>
+          </a:p>
+        </p:txBody>
+      </p:sp>
+      <p:sp>
+        <p:nvSpPr>
+          <p:cNvPr id="3" name="TextBox 2">
             <a:extLst>
               <a:ext uri="{FF2B5EF4-FFF2-40B4-BE49-F238E27FC236}">
-                <a16:creationId xmlns:a16="http://schemas.microsoft.com/office/drawing/2014/main" id="{D1571A6D-9BC1-6D7A-F743-33884F36A0A0}"/>
+                <a16:creationId xmlns:a16="http://schemas.microsoft.com/office/drawing/2014/main" id="{9DF67CE7-B0D1-55E6-BE68-A07102B3CB04}"/>
               </a:ext>
             </a:extLst>
           </p:cNvPr>
@@ -5228,8 +8483,8 @@
         </p:nvSpPr>
         <p:spPr>
           <a:xfrm>
-            <a:off x="7315200" y="2404179"/>
-            <a:ext cx="4778829" cy="2308324"/>
+            <a:off x="2166258" y="1766150"/>
+            <a:ext cx="9459684" cy="2246769"/>
           </a:xfrm>
           <a:prstGeom prst="rect">
             <a:avLst/>
@@ -5242,154 +8497,48 @@
           </a:bodyPr>
           <a:lstStyle/>
           <a:p>
-            <a:r>
-              <a:rPr lang="de-DE" b="1" dirty="0"/>
-              <a:t>Scheme</a:t>
-            </a:r>
-          </a:p>
-          <a:p>
-            <a:r>
-              <a:rPr lang="ru-RU" dirty="0"/>
-              <a:t>Диалект </a:t>
-            </a:r>
-            <a:r>
-              <a:rPr lang="ru-RU" dirty="0" err="1"/>
-              <a:t>Lisp</a:t>
-            </a:r>
-            <a:r>
-              <a:rPr lang="ru-RU" dirty="0"/>
-              <a:t>, разработанный в 1970-х годах, ориентирован на минимализм и чистоту функционального программирования.</a:t>
-            </a:r>
-          </a:p>
-          <a:p>
-            <a:r>
-              <a:rPr lang="ru-RU" b="1" dirty="0"/>
-              <a:t>Применение:</a:t>
-            </a:r>
-            <a:r>
-              <a:rPr lang="ru-RU" dirty="0"/>
-              <a:t> Образовательный язык, часто используется для обучения функциональному программированию, а также в исследовательских целях и прототипировании</a:t>
-            </a:r>
-            <a:endParaRPr lang="ru-RU" b="1" dirty="0"/>
-          </a:p>
-        </p:txBody>
-      </p:sp>
-      <p:sp>
-        <p:nvSpPr>
-          <p:cNvPr id="9" name="TextBox 8">
-            <a:extLst>
-              <a:ext uri="{FF2B5EF4-FFF2-40B4-BE49-F238E27FC236}">
-                <a16:creationId xmlns:a16="http://schemas.microsoft.com/office/drawing/2014/main" id="{7CE99A24-4094-53D9-8CC0-A42A5AF76E59}"/>
-              </a:ext>
-            </a:extLst>
-          </p:cNvPr>
-          <p:cNvSpPr txBox="1"/>
-          <p:nvPr/>
-        </p:nvSpPr>
-        <p:spPr>
-          <a:xfrm>
-            <a:off x="323348" y="5376628"/>
-            <a:ext cx="4778829" cy="2585323"/>
-          </a:xfrm>
-          <a:prstGeom prst="rect">
-            <a:avLst/>
-          </a:prstGeom>
-          <a:noFill/>
-        </p:spPr>
-        <p:txBody>
-          <a:bodyPr wrap="square">
-            <a:spAutoFit/>
-          </a:bodyPr>
-          <a:lstStyle/>
-          <a:p>
-            <a:r>
-              <a:rPr lang="de-DE" b="1" dirty="0"/>
-              <a:t>Haskell</a:t>
-            </a:r>
-          </a:p>
-          <a:p>
-            <a:r>
-              <a:rPr lang="ru-RU" dirty="0"/>
-              <a:t>Чисто функциональный язык программирования, разработанный в конце 1980-х — начале 1990-х годов, названный в честь логика Хаскелла Карри</a:t>
-            </a:r>
-          </a:p>
-          <a:p>
-            <a:r>
-              <a:rPr lang="ru-RU" b="1" dirty="0"/>
-              <a:t>Применение:</a:t>
-            </a:r>
-            <a:r>
-              <a:rPr lang="ru-RU" dirty="0"/>
-              <a:t> Используется в академических исследованиях, разработке сложных систем, финансовом секторе, обработке данных и параллельных вычислениях.</a:t>
-            </a:r>
-            <a:endParaRPr lang="ru-RU" b="1" dirty="0"/>
-          </a:p>
-        </p:txBody>
-      </p:sp>
-      <p:sp>
-        <p:nvSpPr>
-          <p:cNvPr id="11" name="TextBox 10">
-            <a:extLst>
-              <a:ext uri="{FF2B5EF4-FFF2-40B4-BE49-F238E27FC236}">
-                <a16:creationId xmlns:a16="http://schemas.microsoft.com/office/drawing/2014/main" id="{2800FEB0-85FF-3919-46B1-F469E94E43F8}"/>
-              </a:ext>
-            </a:extLst>
-          </p:cNvPr>
-          <p:cNvSpPr txBox="1"/>
-          <p:nvPr/>
-        </p:nvSpPr>
-        <p:spPr>
-          <a:xfrm>
-            <a:off x="7315200" y="5376628"/>
-            <a:ext cx="5780315" cy="2585323"/>
-          </a:xfrm>
-          <a:prstGeom prst="rect">
-            <a:avLst/>
-          </a:prstGeom>
-          <a:noFill/>
-        </p:spPr>
-        <p:txBody>
-          <a:bodyPr wrap="square">
-            <a:spAutoFit/>
-          </a:bodyPr>
-          <a:lstStyle/>
-          <a:p>
-            <a:r>
-              <a:rPr lang="de-DE" b="1" dirty="0"/>
-              <a:t>Erlang</a:t>
-            </a:r>
-          </a:p>
-          <a:p>
-            <a:r>
-              <a:rPr lang="ru-RU" dirty="0"/>
-              <a:t>Язык программирования, разработанный в 1980-х годах компанией Ericsson для создания распределённых, отказоустойчивых и масштабируемых систем.</a:t>
-            </a:r>
-          </a:p>
-          <a:p>
-            <a:r>
-              <a:rPr lang="ru-RU" b="1" dirty="0"/>
-              <a:t>Применение:</a:t>
-            </a:r>
-            <a:r>
-              <a:rPr lang="ru-RU" dirty="0"/>
-              <a:t> Широко применяется в телекоммуникациях, системах реального времени, мессенджерах (например, </a:t>
-            </a:r>
-            <a:r>
-              <a:rPr lang="ru-RU" dirty="0" err="1"/>
-              <a:t>WhatsApp</a:t>
-            </a:r>
-            <a:r>
-              <a:rPr lang="ru-RU" dirty="0"/>
-              <a:t>), банковских системах и других областях, где важна надежность и масштабируемость</a:t>
-            </a:r>
-            <a:endParaRPr lang="ru-RU" b="1" dirty="0"/>
+            <a:pPr algn="ctr"/>
+            <a:r>
+              <a:rPr lang="ru-RU" sz="2800" dirty="0">
+                <a:solidFill>
+                  <a:schemeClr val="bg1"/>
+                </a:solidFill>
+              </a:rPr>
+              <a:t>Рекурсивные функции тоже используют стек вызовов!</a:t>
+            </a:r>
+          </a:p>
+          <a:p>
+            <a:pPr algn="ctr"/>
+            <a:r>
+              <a:rPr lang="ru-RU" sz="2800" dirty="0">
+                <a:solidFill>
+                  <a:schemeClr val="bg1"/>
+                </a:solidFill>
+              </a:rPr>
+              <a:t>Каждый раз, когда функция вызывает саму себя, Python кладёт информацию о вызове в стек.</a:t>
+            </a:r>
+            <a:br>
+              <a:rPr lang="ru-RU" sz="2800" dirty="0">
+                <a:solidFill>
+                  <a:schemeClr val="bg1"/>
+                </a:solidFill>
+              </a:rPr>
+            </a:br>
+            <a:r>
+              <a:rPr lang="ru-RU" sz="2800" dirty="0">
+                <a:solidFill>
+                  <a:schemeClr val="bg1"/>
+                </a:solidFill>
+              </a:rPr>
+              <a:t>Когда функция заканчивает работу, Python достаёт её из стека и возвращается к предыдущей.</a:t>
+            </a:r>
           </a:p>
         </p:txBody>
       </p:sp>
     </p:spTree>
     <p:extLst>
       <p:ext uri="{BB962C8B-B14F-4D97-AF65-F5344CB8AC3E}">
-        <p14:creationId xmlns:p14="http://schemas.microsoft.com/office/powerpoint/2010/main" val="2812886027"/>
+        <p14:creationId xmlns:p14="http://schemas.microsoft.com/office/powerpoint/2010/main" val="4021580530"/>
       </p:ext>
     </p:extLst>
   </p:cSld>

--- a/5. Рекурсия.pptx
+++ b/5. Рекурсия.pptx
@@ -13,20 +13,26 @@
     <p:sldId id="287" r:id="rId7"/>
     <p:sldId id="288" r:id="rId8"/>
     <p:sldId id="289" r:id="rId9"/>
-    <p:sldId id="290" r:id="rId10"/>
-    <p:sldId id="291" r:id="rId11"/>
-    <p:sldId id="292" r:id="rId12"/>
-    <p:sldId id="293" r:id="rId13"/>
-    <p:sldId id="294" r:id="rId14"/>
-    <p:sldId id="277" r:id="rId15"/>
-    <p:sldId id="275" r:id="rId16"/>
-    <p:sldId id="278" r:id="rId17"/>
-    <p:sldId id="282" r:id="rId18"/>
-    <p:sldId id="276" r:id="rId19"/>
-    <p:sldId id="279" r:id="rId20"/>
-    <p:sldId id="261" r:id="rId21"/>
-    <p:sldId id="280" r:id="rId22"/>
-    <p:sldId id="281" r:id="rId23"/>
+    <p:sldId id="295" r:id="rId10"/>
+    <p:sldId id="296" r:id="rId11"/>
+    <p:sldId id="297" r:id="rId12"/>
+    <p:sldId id="298" r:id="rId13"/>
+    <p:sldId id="299" r:id="rId14"/>
+    <p:sldId id="290" r:id="rId15"/>
+    <p:sldId id="291" r:id="rId16"/>
+    <p:sldId id="292" r:id="rId17"/>
+    <p:sldId id="293" r:id="rId18"/>
+    <p:sldId id="294" r:id="rId19"/>
+    <p:sldId id="300" r:id="rId20"/>
+    <p:sldId id="277" r:id="rId21"/>
+    <p:sldId id="275" r:id="rId22"/>
+    <p:sldId id="278" r:id="rId23"/>
+    <p:sldId id="282" r:id="rId24"/>
+    <p:sldId id="276" r:id="rId25"/>
+    <p:sldId id="279" r:id="rId26"/>
+    <p:sldId id="261" r:id="rId27"/>
+    <p:sldId id="280" r:id="rId28"/>
+    <p:sldId id="281" r:id="rId29"/>
   </p:sldIdLst>
   <p:sldSz cx="14630400" cy="8229600"/>
   <p:notesSz cx="6858000" cy="9144000"/>
@@ -323,7 +329,7 @@
           <a:p>
             <a:fld id="{5BCAD085-E8A6-8845-BD4E-CB4CCA059FC4}" type="datetimeFigureOut">
               <a:rPr lang="en-US" smtClean="0"/>
-              <a:t>10/10/2025</a:t>
+              <a:t>10/18/2025</a:t>
             </a:fld>
             <a:endParaRPr lang="en-US"/>
           </a:p>
@@ -491,7 +497,7 @@
           <a:p>
             <a:fld id="{5BCAD085-E8A6-8845-BD4E-CB4CCA059FC4}" type="datetimeFigureOut">
               <a:rPr lang="en-US" smtClean="0"/>
-              <a:t>10/10/2025</a:t>
+              <a:t>10/18/2025</a:t>
             </a:fld>
             <a:endParaRPr lang="en-US"/>
           </a:p>
@@ -669,7 +675,7 @@
           <a:p>
             <a:fld id="{5BCAD085-E8A6-8845-BD4E-CB4CCA059FC4}" type="datetimeFigureOut">
               <a:rPr lang="en-US" smtClean="0"/>
-              <a:t>10/10/2025</a:t>
+              <a:t>10/18/2025</a:t>
             </a:fld>
             <a:endParaRPr lang="en-US"/>
           </a:p>
@@ -837,7 +843,7 @@
           <a:p>
             <a:fld id="{5BCAD085-E8A6-8845-BD4E-CB4CCA059FC4}" type="datetimeFigureOut">
               <a:rPr lang="en-US" smtClean="0"/>
-              <a:t>10/10/2025</a:t>
+              <a:t>10/18/2025</a:t>
             </a:fld>
             <a:endParaRPr lang="en-US"/>
           </a:p>
@@ -1082,7 +1088,7 @@
           <a:p>
             <a:fld id="{5BCAD085-E8A6-8845-BD4E-CB4CCA059FC4}" type="datetimeFigureOut">
               <a:rPr lang="en-US" smtClean="0"/>
-              <a:t>10/10/2025</a:t>
+              <a:t>10/18/2025</a:t>
             </a:fld>
             <a:endParaRPr lang="en-US"/>
           </a:p>
@@ -1367,7 +1373,7 @@
           <a:p>
             <a:fld id="{5BCAD085-E8A6-8845-BD4E-CB4CCA059FC4}" type="datetimeFigureOut">
               <a:rPr lang="en-US" smtClean="0"/>
-              <a:t>10/10/2025</a:t>
+              <a:t>10/18/2025</a:t>
             </a:fld>
             <a:endParaRPr lang="en-US"/>
           </a:p>
@@ -1786,7 +1792,7 @@
           <a:p>
             <a:fld id="{5BCAD085-E8A6-8845-BD4E-CB4CCA059FC4}" type="datetimeFigureOut">
               <a:rPr lang="en-US" smtClean="0"/>
-              <a:t>10/10/2025</a:t>
+              <a:t>10/18/2025</a:t>
             </a:fld>
             <a:endParaRPr lang="en-US"/>
           </a:p>
@@ -1903,7 +1909,7 @@
           <a:p>
             <a:fld id="{5BCAD085-E8A6-8845-BD4E-CB4CCA059FC4}" type="datetimeFigureOut">
               <a:rPr lang="en-US" smtClean="0"/>
-              <a:t>10/10/2025</a:t>
+              <a:t>10/18/2025</a:t>
             </a:fld>
             <a:endParaRPr lang="en-US"/>
           </a:p>
@@ -1998,7 +2004,7 @@
           <a:p>
             <a:fld id="{5BCAD085-E8A6-8845-BD4E-CB4CCA059FC4}" type="datetimeFigureOut">
               <a:rPr lang="en-US" smtClean="0"/>
-              <a:t>10/10/2025</a:t>
+              <a:t>10/18/2025</a:t>
             </a:fld>
             <a:endParaRPr lang="en-US"/>
           </a:p>
@@ -2273,7 +2279,7 @@
           <a:p>
             <a:fld id="{5BCAD085-E8A6-8845-BD4E-CB4CCA059FC4}" type="datetimeFigureOut">
               <a:rPr lang="en-US" smtClean="0"/>
-              <a:t>10/10/2025</a:t>
+              <a:t>10/18/2025</a:t>
             </a:fld>
             <a:endParaRPr lang="en-US"/>
           </a:p>
@@ -2525,7 +2531,7 @@
           <a:p>
             <a:fld id="{5BCAD085-E8A6-8845-BD4E-CB4CCA059FC4}" type="datetimeFigureOut">
               <a:rPr lang="en-US" smtClean="0"/>
-              <a:t>10/10/2025</a:t>
+              <a:t>10/18/2025</a:t>
             </a:fld>
             <a:endParaRPr lang="en-US"/>
           </a:p>
@@ -2736,7 +2742,7 @@
           <a:p>
             <a:fld id="{5BCAD085-E8A6-8845-BD4E-CB4CCA059FC4}" type="datetimeFigureOut">
               <a:rPr lang="en-US" smtClean="0"/>
-              <a:t>10/10/2025</a:t>
+              <a:t>10/18/2025</a:t>
             </a:fld>
             <a:endParaRPr lang="en-US"/>
           </a:p>
@@ -3343,7 +3349,15 @@
           <a:p>
             <a:r>
               <a:rPr lang="ru-RU" sz="4800" dirty="0"/>
-              <a:t>Вернёмся к коробкам</a:t>
+              <a:t>Стек (</a:t>
+            </a:r>
+            <a:r>
+              <a:rPr lang="en-US" sz="4800" dirty="0"/>
+              <a:t>Last In, First Out, LIFO</a:t>
+            </a:r>
+            <a:r>
+              <a:rPr lang="ru-RU" sz="4800" dirty="0"/>
+              <a:t>)</a:t>
             </a:r>
           </a:p>
         </p:txBody>
@@ -3363,7 +3377,7 @@
         <p:spPr>
           <a:xfrm>
             <a:off x="587830" y="1071249"/>
-            <a:ext cx="11756570" cy="523220"/>
+            <a:ext cx="11756570" cy="954107"/>
           </a:xfrm>
           <a:prstGeom prst="rect">
             <a:avLst/>
@@ -3377,46 +3391,127 @@
           <a:lstStyle/>
           <a:p>
             <a:r>
-              <a:rPr lang="ru-RU" sz="2800" dirty="0"/>
-              <a:t>Вариант с кучей</a:t>
-            </a:r>
-          </a:p>
-        </p:txBody>
-      </p:sp>
-      <p:pic>
-        <p:nvPicPr>
-          <p:cNvPr id="7" name="Рисунок 6" descr="Изображение выглядит как зарисовка, рисунок, иллюстрация&#10;&#10;Автоматически созданное описание">
+              <a:rPr lang="ru-RU" sz="2800"/>
+              <a:t>Эта функция приветствует вас, после чего вызывает две другие функции.</a:t>
+            </a:r>
+          </a:p>
+          <a:p>
+            <a:r>
+              <a:rPr lang="ru-RU" sz="2800"/>
+              <a:t>Вот эти две функции:</a:t>
+            </a:r>
+            <a:endParaRPr lang="ru-RU" sz="2800" dirty="0"/>
+          </a:p>
+        </p:txBody>
+      </p:sp>
+      <p:sp>
+        <p:nvSpPr>
+          <p:cNvPr id="7" name="TextBox 6">
             <a:extLst>
               <a:ext uri="{FF2B5EF4-FFF2-40B4-BE49-F238E27FC236}">
-                <a16:creationId xmlns:a16="http://schemas.microsoft.com/office/drawing/2014/main" id="{790DAE77-62F8-4956-F796-D210088A8699}"/>
+                <a16:creationId xmlns:a16="http://schemas.microsoft.com/office/drawing/2014/main" id="{564E59F6-36C7-22F3-69D8-3B73A17F8AE0}"/>
               </a:ext>
             </a:extLst>
           </p:cNvPr>
-          <p:cNvPicPr>
-            <a:picLocks noChangeAspect="1"/>
-          </p:cNvPicPr>
-          <p:nvPr/>
-        </p:nvPicPr>
-        <p:blipFill>
-          <a:blip r:embed="rId3"/>
-          <a:stretch>
-            <a:fillRect/>
-          </a:stretch>
-        </p:blipFill>
-        <p:spPr>
-          <a:xfrm>
-            <a:off x="2226982" y="1800128"/>
-            <a:ext cx="9472974" cy="5526938"/>
-          </a:xfrm>
-          <a:prstGeom prst="rect">
-            <a:avLst/>
-          </a:prstGeom>
-        </p:spPr>
-      </p:pic>
+          <p:cNvSpPr txBox="1"/>
+          <p:nvPr/>
+        </p:nvSpPr>
+        <p:spPr>
+          <a:xfrm>
+            <a:off x="3124881" y="2306322"/>
+            <a:ext cx="7358742" cy="2246769"/>
+          </a:xfrm>
+          <a:prstGeom prst="rect">
+            <a:avLst/>
+          </a:prstGeom>
+          <a:noFill/>
+        </p:spPr>
+        <p:txBody>
+          <a:bodyPr wrap="square">
+            <a:spAutoFit/>
+          </a:bodyPr>
+          <a:lstStyle/>
+          <a:p>
+            <a:r>
+              <a:rPr lang="ru-RU" sz="2800" i="1" dirty="0" err="1"/>
+              <a:t>def</a:t>
+            </a:r>
+            <a:r>
+              <a:rPr lang="ru-RU" sz="2800" i="1" dirty="0"/>
+              <a:t> greet2(</a:t>
+            </a:r>
+            <a:r>
+              <a:rPr lang="ru-RU" sz="2800" i="1" dirty="0" err="1"/>
+              <a:t>name</a:t>
+            </a:r>
+            <a:r>
+              <a:rPr lang="ru-RU" sz="2800" i="1" dirty="0"/>
+              <a:t>):</a:t>
+            </a:r>
+          </a:p>
+          <a:p>
+            <a:r>
+              <a:rPr lang="ru-RU" sz="2800" i="1" dirty="0"/>
+              <a:t>	</a:t>
+            </a:r>
+            <a:r>
+              <a:rPr lang="ru-RU" sz="2800" i="1" dirty="0" err="1"/>
+              <a:t>print</a:t>
+            </a:r>
+            <a:r>
+              <a:rPr lang="ru-RU" sz="2800" i="1" dirty="0"/>
+              <a:t> «Как дела," + </a:t>
+            </a:r>
+            <a:r>
+              <a:rPr lang="ru-RU" sz="2800" i="1" dirty="0" err="1"/>
+              <a:t>name</a:t>
+            </a:r>
+            <a:r>
+              <a:rPr lang="ru-RU" sz="2800" i="1" dirty="0"/>
+              <a:t> + "?"</a:t>
+            </a:r>
+          </a:p>
+          <a:p>
+            <a:endParaRPr lang="ru-RU" sz="2800" i="1" dirty="0"/>
+          </a:p>
+          <a:p>
+            <a:r>
+              <a:rPr lang="ru-RU" sz="2800" i="1" dirty="0" err="1"/>
+              <a:t>def</a:t>
+            </a:r>
+            <a:r>
+              <a:rPr lang="ru-RU" sz="2800" i="1" dirty="0"/>
+              <a:t> </a:t>
+            </a:r>
+            <a:r>
+              <a:rPr lang="ru-RU" sz="2800" i="1" dirty="0" err="1"/>
+              <a:t>bye</a:t>
+            </a:r>
+            <a:r>
+              <a:rPr lang="ru-RU" sz="2800" i="1" dirty="0"/>
+              <a:t>():</a:t>
+            </a:r>
+          </a:p>
+          <a:p>
+            <a:r>
+              <a:rPr lang="ru-RU" sz="2800" i="1" dirty="0"/>
+              <a:t>	</a:t>
+            </a:r>
+            <a:r>
+              <a:rPr lang="ru-RU" sz="2800" i="1" dirty="0" err="1"/>
+              <a:t>print</a:t>
+            </a:r>
+            <a:r>
+              <a:rPr lang="ru-RU" sz="2800" i="1" dirty="0"/>
+              <a:t> «Всё, пока!"</a:t>
+            </a:r>
+          </a:p>
+        </p:txBody>
+      </p:sp>
     </p:spTree>
     <p:extLst>
       <p:ext uri="{BB962C8B-B14F-4D97-AF65-F5344CB8AC3E}">
-        <p14:creationId xmlns:p14="http://schemas.microsoft.com/office/powerpoint/2010/main" val="4064336590"/>
+        <p14:creationId xmlns:p14="http://schemas.microsoft.com/office/powerpoint/2010/main" val="515283026"/>
       </p:ext>
     </p:extLst>
   </p:cSld>
@@ -3553,17 +3648,139 @@
                   <a:schemeClr val="bg1"/>
                 </a:solidFill>
               </a:rPr>
-              <a:t>Вариант с рекурсией</a:t>
+              <a:t>Стек вызовов</a:t>
+            </a:r>
+          </a:p>
+        </p:txBody>
+      </p:sp>
+      <p:sp>
+        <p:nvSpPr>
+          <p:cNvPr id="3" name="TextBox 2">
+            <a:extLst>
+              <a:ext uri="{FF2B5EF4-FFF2-40B4-BE49-F238E27FC236}">
+                <a16:creationId xmlns:a16="http://schemas.microsoft.com/office/drawing/2014/main" id="{9DF67CE7-B0D1-55E6-BE68-A07102B3CB04}"/>
+              </a:ext>
+            </a:extLst>
+          </p:cNvPr>
+          <p:cNvSpPr txBox="1"/>
+          <p:nvPr/>
+        </p:nvSpPr>
+        <p:spPr>
+          <a:xfrm>
+            <a:off x="314599" y="1019578"/>
+            <a:ext cx="12578441" cy="2246769"/>
+          </a:xfrm>
+          <a:prstGeom prst="rect">
+            <a:avLst/>
+          </a:prstGeom>
+          <a:noFill/>
+        </p:spPr>
+        <p:txBody>
+          <a:bodyPr wrap="square">
+            <a:spAutoFit/>
+          </a:bodyPr>
+          <a:lstStyle/>
+          <a:p>
+            <a:r>
+              <a:rPr lang="ru-RU" sz="2800" dirty="0">
+                <a:solidFill>
+                  <a:schemeClr val="bg1"/>
+                </a:solidFill>
+              </a:rPr>
+              <a:t>Разберёмся, что происходит при вызове функций.</a:t>
+            </a:r>
+          </a:p>
+          <a:p>
+            <a:r>
+              <a:rPr lang="ru-RU" sz="2800" dirty="0">
+                <a:solidFill>
+                  <a:schemeClr val="bg1"/>
+                </a:solidFill>
+              </a:rPr>
+              <a:t>Предположим, в программе используется вызов </a:t>
+            </a:r>
+            <a:r>
+              <a:rPr lang="ru-RU" sz="2800" dirty="0" err="1">
+                <a:solidFill>
+                  <a:schemeClr val="bg1"/>
+                </a:solidFill>
+              </a:rPr>
+              <a:t>greet</a:t>
+            </a:r>
+            <a:r>
+              <a:rPr lang="ru-RU" sz="2800" dirty="0">
+                <a:solidFill>
+                  <a:schemeClr val="bg1"/>
+                </a:solidFill>
+              </a:rPr>
+              <a:t>(«Борислав"). Сначала ваш компьютер выделяет блок памяти для этого вызова функции.</a:t>
+            </a:r>
+            <a:endParaRPr lang="en-US" sz="2800" dirty="0">
+              <a:solidFill>
+                <a:schemeClr val="bg1"/>
+              </a:solidFill>
+            </a:endParaRPr>
+          </a:p>
+          <a:p>
+            <a:r>
+              <a:rPr lang="ru-RU" sz="2800" dirty="0">
+                <a:solidFill>
+                  <a:schemeClr val="bg1"/>
+                </a:solidFill>
+              </a:rPr>
+              <a:t>Затем эта память используется. Переменной </a:t>
+            </a:r>
+            <a:r>
+              <a:rPr lang="ru-RU" sz="2800" dirty="0" err="1">
+                <a:solidFill>
+                  <a:schemeClr val="bg1"/>
+                </a:solidFill>
+              </a:rPr>
+              <a:t>name</a:t>
+            </a:r>
+            <a:r>
+              <a:rPr lang="ru-RU" sz="2800" dirty="0">
+                <a:solidFill>
+                  <a:schemeClr val="bg1"/>
+                </a:solidFill>
+              </a:rPr>
+              <a:t> присваивается значение</a:t>
+            </a:r>
+          </a:p>
+          <a:p>
+            <a:r>
+              <a:rPr lang="ru-RU" sz="2800" dirty="0">
+                <a:solidFill>
+                  <a:schemeClr val="bg1"/>
+                </a:solidFill>
+              </a:rPr>
+              <a:t>"</a:t>
+            </a:r>
+            <a:r>
+              <a:rPr lang="ru-RU" sz="2800" dirty="0" err="1">
+                <a:solidFill>
+                  <a:schemeClr val="bg1"/>
+                </a:solidFill>
+              </a:rPr>
+              <a:t>maggie</a:t>
+            </a:r>
+            <a:r>
+              <a:rPr lang="ru-RU" sz="2800" dirty="0">
+                <a:solidFill>
+                  <a:schemeClr val="bg1"/>
+                </a:solidFill>
+              </a:rPr>
+              <a:t>"; оно должно быть сохранено в памяти.</a:t>
             </a:r>
           </a:p>
         </p:txBody>
       </p:sp>
       <p:pic>
         <p:nvPicPr>
-          <p:cNvPr id="6" name="Рисунок 5" descr="Изображение выглядит как текст, зарисовка, рисунок, машина&#10;&#10;Автоматически созданное описание">
+          <p:cNvPr id="7" name="Рисунок 6">
             <a:extLst>
               <a:ext uri="{FF2B5EF4-FFF2-40B4-BE49-F238E27FC236}">
-                <a16:creationId xmlns:a16="http://schemas.microsoft.com/office/drawing/2014/main" id="{AB57F79D-97B2-F0B1-A2E4-80B797F732DF}"/>
+                <a16:creationId xmlns:a16="http://schemas.microsoft.com/office/drawing/2014/main" id="{EC2E1891-C8F6-DEC8-5A76-C258D63FF209}"/>
               </a:ext>
             </a:extLst>
           </p:cNvPr>
@@ -3580,8 +3797,82 @@
         </p:blipFill>
         <p:spPr>
           <a:xfrm>
-            <a:off x="7052735" y="122757"/>
-            <a:ext cx="7424585" cy="7537221"/>
+            <a:off x="1632176" y="3778661"/>
+            <a:ext cx="3114675" cy="1381125"/>
+          </a:xfrm>
+          <a:prstGeom prst="rect">
+            <a:avLst/>
+          </a:prstGeom>
+        </p:spPr>
+      </p:pic>
+      <p:sp>
+        <p:nvSpPr>
+          <p:cNvPr id="11" name="Стрелка: вправо 10">
+            <a:extLst>
+              <a:ext uri="{FF2B5EF4-FFF2-40B4-BE49-F238E27FC236}">
+                <a16:creationId xmlns:a16="http://schemas.microsoft.com/office/drawing/2014/main" id="{B00ECD80-3238-B408-682B-63770C4FD62E}"/>
+              </a:ext>
+            </a:extLst>
+          </p:cNvPr>
+          <p:cNvSpPr/>
+          <p:nvPr/>
+        </p:nvSpPr>
+        <p:spPr>
+          <a:xfrm>
+            <a:off x="5312229" y="4097760"/>
+            <a:ext cx="2786742" cy="742926"/>
+          </a:xfrm>
+          <a:prstGeom prst="rightArrow">
+            <a:avLst/>
+          </a:prstGeom>
+        </p:spPr>
+        <p:style>
+          <a:lnRef idx="2">
+            <a:schemeClr val="dk1"/>
+          </a:lnRef>
+          <a:fillRef idx="1">
+            <a:schemeClr val="lt1"/>
+          </a:fillRef>
+          <a:effectRef idx="0">
+            <a:schemeClr val="dk1"/>
+          </a:effectRef>
+          <a:fontRef idx="minor">
+            <a:schemeClr val="dk1"/>
+          </a:fontRef>
+        </p:style>
+        <p:txBody>
+          <a:bodyPr rtlCol="0" anchor="ctr"/>
+          <a:lstStyle/>
+          <a:p>
+            <a:pPr algn="ctr"/>
+            <a:endParaRPr lang="ru-RU"/>
+          </a:p>
+        </p:txBody>
+      </p:sp>
+      <p:pic>
+        <p:nvPicPr>
+          <p:cNvPr id="13" name="Рисунок 12">
+            <a:extLst>
+              <a:ext uri="{FF2B5EF4-FFF2-40B4-BE49-F238E27FC236}">
+                <a16:creationId xmlns:a16="http://schemas.microsoft.com/office/drawing/2014/main" id="{DBCC7912-7DD5-A74A-5317-C0BB72D7AC8E}"/>
+              </a:ext>
+            </a:extLst>
+          </p:cNvPr>
+          <p:cNvPicPr>
+            <a:picLocks noChangeAspect="1"/>
+          </p:cNvPicPr>
+          <p:nvPr/>
+        </p:nvPicPr>
+        <p:blipFill>
+          <a:blip r:embed="rId4"/>
+          <a:stretch>
+            <a:fillRect/>
+          </a:stretch>
+        </p:blipFill>
+        <p:spPr>
+          <a:xfrm>
+            <a:off x="8664349" y="3845335"/>
+            <a:ext cx="3038475" cy="1247775"/>
           </a:xfrm>
           <a:prstGeom prst="rect">
             <a:avLst/>
@@ -3591,7 +3882,7 @@
     </p:spTree>
     <p:extLst>
       <p:ext uri="{BB962C8B-B14F-4D97-AF65-F5344CB8AC3E}">
-        <p14:creationId xmlns:p14="http://schemas.microsoft.com/office/powerpoint/2010/main" val="1505615733"/>
+        <p14:creationId xmlns:p14="http://schemas.microsoft.com/office/powerpoint/2010/main" val="3587157756"/>
       </p:ext>
     </p:extLst>
   </p:cSld>
@@ -3602,701 +3893,6 @@
 </file>
 
 <file path=ppt/slides/slide12.xml><?xml version="1.0" encoding="utf-8"?>
-<p:sld xmlns:a="http://schemas.openxmlformats.org/drawingml/2006/main" xmlns:r="http://schemas.openxmlformats.org/officeDocument/2006/relationships" xmlns:p="http://schemas.openxmlformats.org/presentationml/2006/main">
-  <p:cSld>
-    <p:bg>
-      <p:bgPr>
-        <a:solidFill>
-          <a:srgbClr val="000000"/>
-        </a:solidFill>
-        <a:effectLst/>
-      </p:bgPr>
-    </p:bg>
-    <p:spTree>
-      <p:nvGrpSpPr>
-        <p:cNvPr id="1" name=""/>
-        <p:cNvGrpSpPr/>
-        <p:nvPr/>
-      </p:nvGrpSpPr>
-      <p:grpSpPr>
-        <a:xfrm>
-          <a:off x="0" y="0"/>
-          <a:ext cx="0" cy="0"/>
-          <a:chOff x="0" y="0"/>
-          <a:chExt cx="0" cy="0"/>
-        </a:xfrm>
-      </p:grpSpPr>
-      <p:sp>
-        <p:nvSpPr>
-          <p:cNvPr id="4" name="Rectangle 3"/>
-          <p:cNvSpPr/>
-          <p:nvPr/>
-        </p:nvSpPr>
-        <p:spPr>
-          <a:xfrm>
-            <a:off x="0" y="7772400"/>
-            <a:ext cx="14630400" cy="457200"/>
-          </a:xfrm>
-          <a:prstGeom prst="rect">
-            <a:avLst/>
-          </a:prstGeom>
-          <a:solidFill>
-            <a:srgbClr val="640064"/>
-          </a:solidFill>
-          <a:ln>
-            <a:noFill/>
-          </a:ln>
-        </p:spPr>
-        <p:style>
-          <a:lnRef idx="1">
-            <a:schemeClr val="accent1"/>
-          </a:lnRef>
-          <a:fillRef idx="3">
-            <a:schemeClr val="accent1"/>
-          </a:fillRef>
-          <a:effectRef idx="2">
-            <a:schemeClr val="accent1"/>
-          </a:effectRef>
-          <a:fontRef idx="minor">
-            <a:schemeClr val="lt1"/>
-          </a:fontRef>
-        </p:style>
-        <p:txBody>
-          <a:bodyPr rtlCol="0" anchor="ctr"/>
-          <a:lstStyle/>
-          <a:p>
-            <a:pPr algn="ctr"/>
-            <a:endParaRPr>
-              <a:solidFill>
-                <a:schemeClr val="bg1"/>
-              </a:solidFill>
-            </a:endParaRPr>
-          </a:p>
-        </p:txBody>
-      </p:sp>
-      <p:sp>
-        <p:nvSpPr>
-          <p:cNvPr id="2" name="TextBox 1">
-            <a:extLst>
-              <a:ext uri="{FF2B5EF4-FFF2-40B4-BE49-F238E27FC236}">
-                <a16:creationId xmlns:a16="http://schemas.microsoft.com/office/drawing/2014/main" id="{AD66099C-598E-47B3-EDE4-26ECC9DB1A27}"/>
-              </a:ext>
-            </a:extLst>
-          </p:cNvPr>
-          <p:cNvSpPr txBox="1"/>
-          <p:nvPr/>
-        </p:nvSpPr>
-        <p:spPr>
-          <a:xfrm>
-            <a:off x="622663" y="415498"/>
-            <a:ext cx="2142309" cy="830997"/>
-          </a:xfrm>
-          <a:prstGeom prst="rect">
-            <a:avLst/>
-          </a:prstGeom>
-          <a:noFill/>
-        </p:spPr>
-        <p:txBody>
-          <a:bodyPr wrap="square">
-            <a:spAutoFit/>
-          </a:bodyPr>
-          <a:lstStyle/>
-          <a:p>
-            <a:r>
-              <a:rPr lang="ru-RU" sz="4800" dirty="0">
-                <a:solidFill>
-                  <a:schemeClr val="bg1"/>
-                </a:solidFill>
-              </a:rPr>
-              <a:t>Задачи</a:t>
-            </a:r>
-          </a:p>
-        </p:txBody>
-      </p:sp>
-      <p:sp>
-        <p:nvSpPr>
-          <p:cNvPr id="3" name="TextBox 2">
-            <a:extLst>
-              <a:ext uri="{FF2B5EF4-FFF2-40B4-BE49-F238E27FC236}">
-                <a16:creationId xmlns:a16="http://schemas.microsoft.com/office/drawing/2014/main" id="{61A998A0-DF0F-E697-1D63-A6FF570C03E7}"/>
-              </a:ext>
-            </a:extLst>
-          </p:cNvPr>
-          <p:cNvSpPr txBox="1"/>
-          <p:nvPr/>
-        </p:nvSpPr>
-        <p:spPr>
-          <a:xfrm>
-            <a:off x="198120" y="1665089"/>
-            <a:ext cx="11375659" cy="4154984"/>
-          </a:xfrm>
-          <a:prstGeom prst="rect">
-            <a:avLst/>
-          </a:prstGeom>
-          <a:noFill/>
-        </p:spPr>
-        <p:txBody>
-          <a:bodyPr wrap="square">
-            <a:spAutoFit/>
-          </a:bodyPr>
-          <a:lstStyle/>
-          <a:p>
-            <a:pPr algn="just"/>
-            <a:r>
-              <a:rPr lang="ru-RU" sz="2400" dirty="0">
-                <a:solidFill>
-                  <a:schemeClr val="bg1"/>
-                </a:solidFill>
-              </a:rPr>
-              <a:t>Вывод чисел от 1 до n</a:t>
-            </a:r>
-          </a:p>
-          <a:p>
-            <a:pPr algn="just"/>
-            <a:r>
-              <a:rPr lang="ru-RU" sz="2400" dirty="0">
-                <a:solidFill>
-                  <a:schemeClr val="bg1"/>
-                </a:solidFill>
-              </a:rPr>
-              <a:t>Написать функцию, которая выводит числа от 1 до n рекурсивно.</a:t>
-            </a:r>
-          </a:p>
-          <a:p>
-            <a:pPr algn="just"/>
-            <a:r>
-              <a:rPr lang="ru-RU" sz="2400" dirty="0">
-                <a:solidFill>
-                  <a:schemeClr val="bg1"/>
-                </a:solidFill>
-              </a:rPr>
-              <a:t>Пример: </a:t>
-            </a:r>
-            <a:r>
-              <a:rPr lang="ru-RU" sz="2400" dirty="0" err="1">
-                <a:solidFill>
-                  <a:schemeClr val="bg1"/>
-                </a:solidFill>
-              </a:rPr>
-              <a:t>print_numbers</a:t>
-            </a:r>
-            <a:r>
-              <a:rPr lang="ru-RU" sz="2400" dirty="0">
-                <a:solidFill>
-                  <a:schemeClr val="bg1"/>
-                </a:solidFill>
-              </a:rPr>
-              <a:t>(5) → 1 2 3 4 5</a:t>
-            </a:r>
-          </a:p>
-          <a:p>
-            <a:pPr algn="just"/>
-            <a:endParaRPr lang="ru-RU" sz="2400" dirty="0">
-              <a:solidFill>
-                <a:schemeClr val="bg1"/>
-              </a:solidFill>
-            </a:endParaRPr>
-          </a:p>
-          <a:p>
-            <a:pPr algn="just"/>
-            <a:r>
-              <a:rPr lang="ru-RU" sz="2400" dirty="0">
-                <a:solidFill>
-                  <a:schemeClr val="bg1"/>
-                </a:solidFill>
-              </a:rPr>
-              <a:t>Сумма чисел от 1 до n</a:t>
-            </a:r>
-          </a:p>
-          <a:p>
-            <a:pPr algn="just"/>
-            <a:r>
-              <a:rPr lang="ru-RU" sz="2400" dirty="0">
-                <a:solidFill>
-                  <a:schemeClr val="bg1"/>
-                </a:solidFill>
-              </a:rPr>
-              <a:t>Написать функцию, которая возвращает сумму чисел от 1 до n.</a:t>
-            </a:r>
-          </a:p>
-          <a:p>
-            <a:pPr algn="just"/>
-            <a:r>
-              <a:rPr lang="ru-RU" sz="2400" dirty="0">
-                <a:solidFill>
-                  <a:schemeClr val="bg1"/>
-                </a:solidFill>
-              </a:rPr>
-              <a:t>Пример: </a:t>
-            </a:r>
-            <a:r>
-              <a:rPr lang="ru-RU" sz="2400" dirty="0" err="1">
-                <a:solidFill>
-                  <a:schemeClr val="bg1"/>
-                </a:solidFill>
-              </a:rPr>
-              <a:t>sum</a:t>
-            </a:r>
-            <a:r>
-              <a:rPr lang="ru-RU" sz="2400" dirty="0">
-                <a:solidFill>
-                  <a:schemeClr val="bg1"/>
-                </a:solidFill>
-              </a:rPr>
-              <a:t>(5) → 15</a:t>
-            </a:r>
-          </a:p>
-          <a:p>
-            <a:pPr algn="just"/>
-            <a:endParaRPr lang="ru-RU" sz="2400" dirty="0">
-              <a:solidFill>
-                <a:schemeClr val="bg1"/>
-              </a:solidFill>
-            </a:endParaRPr>
-          </a:p>
-          <a:p>
-            <a:pPr algn="just"/>
-            <a:r>
-              <a:rPr lang="ru-RU" sz="2400" dirty="0">
-                <a:solidFill>
-                  <a:schemeClr val="bg1"/>
-                </a:solidFill>
-              </a:rPr>
-              <a:t>Обратная строка</a:t>
-            </a:r>
-          </a:p>
-          <a:p>
-            <a:pPr algn="just"/>
-            <a:r>
-              <a:rPr lang="ru-RU" sz="2400" dirty="0">
-                <a:solidFill>
-                  <a:schemeClr val="bg1"/>
-                </a:solidFill>
-              </a:rPr>
-              <a:t>Написать рекурсивную функцию, которая переворачивает строку.</a:t>
-            </a:r>
-          </a:p>
-          <a:p>
-            <a:pPr algn="just"/>
-            <a:r>
-              <a:rPr lang="ru-RU" sz="2400" dirty="0">
-                <a:solidFill>
-                  <a:schemeClr val="bg1"/>
-                </a:solidFill>
-              </a:rPr>
-              <a:t>Пример: </a:t>
-            </a:r>
-            <a:r>
-              <a:rPr lang="ru-RU" sz="2400" dirty="0" err="1">
-                <a:solidFill>
-                  <a:schemeClr val="bg1"/>
-                </a:solidFill>
-              </a:rPr>
-              <a:t>reverse</a:t>
-            </a:r>
-            <a:r>
-              <a:rPr lang="ru-RU" sz="2400" dirty="0">
-                <a:solidFill>
-                  <a:schemeClr val="bg1"/>
-                </a:solidFill>
-              </a:rPr>
-              <a:t>("</a:t>
-            </a:r>
-            <a:r>
-              <a:rPr lang="ru-RU" sz="2400" dirty="0" err="1">
-                <a:solidFill>
-                  <a:schemeClr val="bg1"/>
-                </a:solidFill>
-              </a:rPr>
-              <a:t>abc</a:t>
-            </a:r>
-            <a:r>
-              <a:rPr lang="ru-RU" sz="2400" dirty="0">
-                <a:solidFill>
-                  <a:schemeClr val="bg1"/>
-                </a:solidFill>
-              </a:rPr>
-              <a:t>") → "</a:t>
-            </a:r>
-            <a:r>
-              <a:rPr lang="ru-RU" sz="2400" dirty="0" err="1">
-                <a:solidFill>
-                  <a:schemeClr val="bg1"/>
-                </a:solidFill>
-              </a:rPr>
-              <a:t>cba</a:t>
-            </a:r>
-            <a:r>
-              <a:rPr lang="ru-RU" sz="2400" dirty="0">
-                <a:solidFill>
-                  <a:schemeClr val="bg1"/>
-                </a:solidFill>
-              </a:rPr>
-              <a:t>"</a:t>
-            </a:r>
-          </a:p>
-        </p:txBody>
-      </p:sp>
-    </p:spTree>
-    <p:extLst>
-      <p:ext uri="{BB962C8B-B14F-4D97-AF65-F5344CB8AC3E}">
-        <p14:creationId xmlns:p14="http://schemas.microsoft.com/office/powerpoint/2010/main" val="2753484241"/>
-      </p:ext>
-    </p:extLst>
-  </p:cSld>
-  <p:clrMapOvr>
-    <a:masterClrMapping/>
-  </p:clrMapOvr>
-</p:sld>
-</file>
-
-<file path=ppt/slides/slide13.xml><?xml version="1.0" encoding="utf-8"?>
-<p:sld xmlns:a="http://schemas.openxmlformats.org/drawingml/2006/main" xmlns:r="http://schemas.openxmlformats.org/officeDocument/2006/relationships" xmlns:p="http://schemas.openxmlformats.org/presentationml/2006/main">
-  <p:cSld>
-    <p:bg>
-      <p:bgPr>
-        <a:solidFill>
-          <a:srgbClr val="000000"/>
-        </a:solidFill>
-        <a:effectLst/>
-      </p:bgPr>
-    </p:bg>
-    <p:spTree>
-      <p:nvGrpSpPr>
-        <p:cNvPr id="1" name=""/>
-        <p:cNvGrpSpPr/>
-        <p:nvPr/>
-      </p:nvGrpSpPr>
-      <p:grpSpPr>
-        <a:xfrm>
-          <a:off x="0" y="0"/>
-          <a:ext cx="0" cy="0"/>
-          <a:chOff x="0" y="0"/>
-          <a:chExt cx="0" cy="0"/>
-        </a:xfrm>
-      </p:grpSpPr>
-      <p:sp>
-        <p:nvSpPr>
-          <p:cNvPr id="4" name="Rectangle 3"/>
-          <p:cNvSpPr/>
-          <p:nvPr/>
-        </p:nvSpPr>
-        <p:spPr>
-          <a:xfrm>
-            <a:off x="0" y="7772400"/>
-            <a:ext cx="14630400" cy="457200"/>
-          </a:xfrm>
-          <a:prstGeom prst="rect">
-            <a:avLst/>
-          </a:prstGeom>
-          <a:solidFill>
-            <a:srgbClr val="640064"/>
-          </a:solidFill>
-          <a:ln>
-            <a:noFill/>
-          </a:ln>
-        </p:spPr>
-        <p:style>
-          <a:lnRef idx="1">
-            <a:schemeClr val="accent1"/>
-          </a:lnRef>
-          <a:fillRef idx="3">
-            <a:schemeClr val="accent1"/>
-          </a:fillRef>
-          <a:effectRef idx="2">
-            <a:schemeClr val="accent1"/>
-          </a:effectRef>
-          <a:fontRef idx="minor">
-            <a:schemeClr val="lt1"/>
-          </a:fontRef>
-        </p:style>
-        <p:txBody>
-          <a:bodyPr rtlCol="0" anchor="ctr"/>
-          <a:lstStyle/>
-          <a:p>
-            <a:pPr algn="ctr"/>
-            <a:endParaRPr>
-              <a:solidFill>
-                <a:schemeClr val="bg1"/>
-              </a:solidFill>
-            </a:endParaRPr>
-          </a:p>
-        </p:txBody>
-      </p:sp>
-      <p:sp>
-        <p:nvSpPr>
-          <p:cNvPr id="2" name="TextBox 1">
-            <a:extLst>
-              <a:ext uri="{FF2B5EF4-FFF2-40B4-BE49-F238E27FC236}">
-                <a16:creationId xmlns:a16="http://schemas.microsoft.com/office/drawing/2014/main" id="{AD66099C-598E-47B3-EDE4-26ECC9DB1A27}"/>
-              </a:ext>
-            </a:extLst>
-          </p:cNvPr>
-          <p:cNvSpPr txBox="1"/>
-          <p:nvPr/>
-        </p:nvSpPr>
-        <p:spPr>
-          <a:xfrm>
-            <a:off x="622663" y="415498"/>
-            <a:ext cx="8009708" cy="830997"/>
-          </a:xfrm>
-          <a:prstGeom prst="rect">
-            <a:avLst/>
-          </a:prstGeom>
-          <a:noFill/>
-        </p:spPr>
-        <p:txBody>
-          <a:bodyPr wrap="square">
-            <a:spAutoFit/>
-          </a:bodyPr>
-          <a:lstStyle/>
-          <a:p>
-            <a:r>
-              <a:rPr lang="ru-RU" sz="4800" dirty="0">
-                <a:solidFill>
-                  <a:schemeClr val="bg1"/>
-                </a:solidFill>
-              </a:rPr>
-              <a:t>Классические задачи</a:t>
-            </a:r>
-          </a:p>
-        </p:txBody>
-      </p:sp>
-      <p:sp>
-        <p:nvSpPr>
-          <p:cNvPr id="3" name="TextBox 2">
-            <a:extLst>
-              <a:ext uri="{FF2B5EF4-FFF2-40B4-BE49-F238E27FC236}">
-                <a16:creationId xmlns:a16="http://schemas.microsoft.com/office/drawing/2014/main" id="{61A998A0-DF0F-E697-1D63-A6FF570C03E7}"/>
-              </a:ext>
-            </a:extLst>
-          </p:cNvPr>
-          <p:cNvSpPr txBox="1"/>
-          <p:nvPr/>
-        </p:nvSpPr>
-        <p:spPr>
-          <a:xfrm>
-            <a:off x="198120" y="1665089"/>
-            <a:ext cx="11375659" cy="4154984"/>
-          </a:xfrm>
-          <a:prstGeom prst="rect">
-            <a:avLst/>
-          </a:prstGeom>
-          <a:noFill/>
-        </p:spPr>
-        <p:txBody>
-          <a:bodyPr wrap="square">
-            <a:spAutoFit/>
-          </a:bodyPr>
-          <a:lstStyle/>
-          <a:p>
-            <a:pPr algn="just"/>
-            <a:r>
-              <a:rPr lang="ru-RU" sz="2400" dirty="0">
-                <a:solidFill>
-                  <a:schemeClr val="bg1"/>
-                </a:solidFill>
-              </a:rPr>
-              <a:t>Факториал числа</a:t>
-            </a:r>
-          </a:p>
-          <a:p>
-            <a:pPr algn="just"/>
-            <a:r>
-              <a:rPr lang="ru-RU" sz="2400" dirty="0">
-                <a:solidFill>
-                  <a:schemeClr val="bg1"/>
-                </a:solidFill>
-              </a:rPr>
-              <a:t>Реализовать вычисление факториала числа n! с помощью рекурсии.</a:t>
-            </a:r>
-          </a:p>
-          <a:p>
-            <a:pPr algn="just"/>
-            <a:r>
-              <a:rPr lang="ru-RU" sz="2400" dirty="0">
-                <a:solidFill>
-                  <a:schemeClr val="bg1"/>
-                </a:solidFill>
-              </a:rPr>
-              <a:t>Пример: </a:t>
-            </a:r>
-            <a:r>
-              <a:rPr lang="ru-RU" sz="2400" dirty="0" err="1">
-                <a:solidFill>
-                  <a:schemeClr val="bg1"/>
-                </a:solidFill>
-              </a:rPr>
-              <a:t>factorial</a:t>
-            </a:r>
-            <a:r>
-              <a:rPr lang="ru-RU" sz="2400" dirty="0">
-                <a:solidFill>
-                  <a:schemeClr val="bg1"/>
-                </a:solidFill>
-              </a:rPr>
-              <a:t>(4) → 24</a:t>
-            </a:r>
-          </a:p>
-          <a:p>
-            <a:pPr algn="just"/>
-            <a:endParaRPr lang="ru-RU" sz="2400" dirty="0">
-              <a:solidFill>
-                <a:schemeClr val="bg1"/>
-              </a:solidFill>
-            </a:endParaRPr>
-          </a:p>
-          <a:p>
-            <a:pPr algn="just"/>
-            <a:r>
-              <a:rPr lang="ru-RU" sz="2400" dirty="0">
-                <a:solidFill>
-                  <a:schemeClr val="bg1"/>
-                </a:solidFill>
-              </a:rPr>
-              <a:t>Числа Фибоначчи</a:t>
-            </a:r>
-          </a:p>
-          <a:p>
-            <a:pPr algn="just"/>
-            <a:r>
-              <a:rPr lang="ru-RU" sz="2400" dirty="0">
-                <a:solidFill>
-                  <a:schemeClr val="bg1"/>
-                </a:solidFill>
-              </a:rPr>
-              <a:t>Вывести n-е число Фибоначчи рекурсивно.</a:t>
-            </a:r>
-          </a:p>
-          <a:p>
-            <a:pPr algn="just"/>
-            <a:r>
-              <a:rPr lang="ru-RU" sz="2400" dirty="0">
-                <a:solidFill>
-                  <a:schemeClr val="bg1"/>
-                </a:solidFill>
-              </a:rPr>
-              <a:t>Пример: </a:t>
-            </a:r>
-            <a:r>
-              <a:rPr lang="ru-RU" sz="2400" dirty="0" err="1">
-                <a:solidFill>
-                  <a:schemeClr val="bg1"/>
-                </a:solidFill>
-              </a:rPr>
-              <a:t>fibonacci</a:t>
-            </a:r>
-            <a:r>
-              <a:rPr lang="ru-RU" sz="2400" dirty="0">
-                <a:solidFill>
-                  <a:schemeClr val="bg1"/>
-                </a:solidFill>
-              </a:rPr>
-              <a:t>(6) → 8</a:t>
-            </a:r>
-          </a:p>
-          <a:p>
-            <a:pPr algn="just"/>
-            <a:endParaRPr lang="ru-RU" sz="2400" dirty="0">
-              <a:solidFill>
-                <a:schemeClr val="bg1"/>
-              </a:solidFill>
-            </a:endParaRPr>
-          </a:p>
-          <a:p>
-            <a:pPr algn="just"/>
-            <a:r>
-              <a:rPr lang="ru-RU" sz="2400" dirty="0">
-                <a:solidFill>
-                  <a:schemeClr val="bg1"/>
-                </a:solidFill>
-              </a:rPr>
-              <a:t>Проверка палиндрома</a:t>
-            </a:r>
-          </a:p>
-          <a:p>
-            <a:pPr algn="just"/>
-            <a:r>
-              <a:rPr lang="ru-RU" sz="2400" dirty="0">
-                <a:solidFill>
-                  <a:schemeClr val="bg1"/>
-                </a:solidFill>
-              </a:rPr>
-              <a:t>Рекурсивно проверить, является ли строка палиндромом.</a:t>
-            </a:r>
-          </a:p>
-          <a:p>
-            <a:pPr algn="just"/>
-            <a:r>
-              <a:rPr lang="ru-RU" sz="2400" dirty="0">
-                <a:solidFill>
-                  <a:schemeClr val="bg1"/>
-                </a:solidFill>
-              </a:rPr>
-              <a:t>Пример: "</a:t>
-            </a:r>
-            <a:r>
-              <a:rPr lang="ru-RU" sz="2400" dirty="0" err="1">
-                <a:solidFill>
-                  <a:schemeClr val="bg1"/>
-                </a:solidFill>
-              </a:rPr>
-              <a:t>radar</a:t>
-            </a:r>
-            <a:r>
-              <a:rPr lang="ru-RU" sz="2400" dirty="0">
-                <a:solidFill>
-                  <a:schemeClr val="bg1"/>
-                </a:solidFill>
-              </a:rPr>
-              <a:t>" → True, "</a:t>
-            </a:r>
-            <a:r>
-              <a:rPr lang="ru-RU" sz="2400" dirty="0" err="1">
-                <a:solidFill>
-                  <a:schemeClr val="bg1"/>
-                </a:solidFill>
-              </a:rPr>
-              <a:t>hello</a:t>
-            </a:r>
-            <a:r>
-              <a:rPr lang="ru-RU" sz="2400" dirty="0">
-                <a:solidFill>
-                  <a:schemeClr val="bg1"/>
-                </a:solidFill>
-              </a:rPr>
-              <a:t>" → </a:t>
-            </a:r>
-            <a:r>
-              <a:rPr lang="ru-RU" sz="2400" dirty="0" err="1">
-                <a:solidFill>
-                  <a:schemeClr val="bg1"/>
-                </a:solidFill>
-              </a:rPr>
-              <a:t>False</a:t>
-            </a:r>
-            <a:endParaRPr lang="ru-RU" sz="2400" dirty="0">
-              <a:solidFill>
-                <a:schemeClr val="bg1"/>
-              </a:solidFill>
-            </a:endParaRPr>
-          </a:p>
-        </p:txBody>
-      </p:sp>
-    </p:spTree>
-    <p:extLst>
-      <p:ext uri="{BB962C8B-B14F-4D97-AF65-F5344CB8AC3E}">
-        <p14:creationId xmlns:p14="http://schemas.microsoft.com/office/powerpoint/2010/main" val="882440417"/>
-      </p:ext>
-    </p:extLst>
-  </p:cSld>
-  <p:clrMapOvr>
-    <a:masterClrMapping/>
-  </p:clrMapOvr>
-</p:sld>
-</file>
-
-<file path=ppt/slides/slide14.xml><?xml version="1.0" encoding="utf-8"?>
 <p:sld xmlns:a="http://schemas.openxmlformats.org/drawingml/2006/main" xmlns:r="http://schemas.openxmlformats.org/officeDocument/2006/relationships" xmlns:p="http://schemas.openxmlformats.org/presentationml/2006/main">
   <p:cSld>
     <p:spTree>
@@ -4411,17 +4007,64 @@
           <a:p>
             <a:r>
               <a:rPr lang="ru-RU" sz="4800" dirty="0"/>
-              <a:t>«Разделяй и властвуй»</a:t>
+              <a:t>А что дальше?</a:t>
+            </a:r>
+          </a:p>
+        </p:txBody>
+      </p:sp>
+      <p:sp>
+        <p:nvSpPr>
+          <p:cNvPr id="2" name="TextBox 1">
+            <a:extLst>
+              <a:ext uri="{FF2B5EF4-FFF2-40B4-BE49-F238E27FC236}">
+                <a16:creationId xmlns:a16="http://schemas.microsoft.com/office/drawing/2014/main" id="{5C1A7286-C01A-1E42-C40D-23F10E59001E}"/>
+              </a:ext>
+            </a:extLst>
+          </p:cNvPr>
+          <p:cNvSpPr txBox="1"/>
+          <p:nvPr/>
+        </p:nvSpPr>
+        <p:spPr>
+          <a:xfrm>
+            <a:off x="587830" y="1071249"/>
+            <a:ext cx="11756570" cy="1815882"/>
+          </a:xfrm>
+          <a:prstGeom prst="rect">
+            <a:avLst/>
+          </a:prstGeom>
+          <a:noFill/>
+        </p:spPr>
+        <p:txBody>
+          <a:bodyPr wrap="square">
+            <a:spAutoFit/>
+          </a:bodyPr>
+          <a:lstStyle/>
+          <a:p>
+            <a:r>
+              <a:rPr lang="ru-RU" sz="2800" dirty="0"/>
+              <a:t>Каждый раз, когда вы вызываете функцию, компьютер сохраняет в памяти</a:t>
+            </a:r>
+          </a:p>
+          <a:p>
+            <a:r>
+              <a:rPr lang="ru-RU" sz="2800" dirty="0"/>
+              <a:t>значения всех переменных для этого вызова. Далее выводится приветствие</a:t>
+            </a:r>
+          </a:p>
+          <a:p>
+            <a:r>
+              <a:rPr lang="ru-RU" sz="2800" dirty="0"/>
+              <a:t>Привет, Борислав!, после чего следует второй вызов greet2(«Борислав»). И снова компьютер выделяет блок памяти для вызова функции.</a:t>
             </a:r>
           </a:p>
         </p:txBody>
       </p:sp>
       <p:pic>
         <p:nvPicPr>
-          <p:cNvPr id="9" name="Рисунок 8" descr="Изображение выглядит как желтый, графическая вставка&#10;&#10;Автоматически созданное описание">
+          <p:cNvPr id="8" name="Рисунок 7">
             <a:extLst>
               <a:ext uri="{FF2B5EF4-FFF2-40B4-BE49-F238E27FC236}">
-                <a16:creationId xmlns:a16="http://schemas.microsoft.com/office/drawing/2014/main" id="{5A8016DC-2930-31D7-7BD0-7C2B4BE654CD}"/>
+                <a16:creationId xmlns:a16="http://schemas.microsoft.com/office/drawing/2014/main" id="{8B5E21CF-7979-6F16-3201-8F930C4F7637}"/>
               </a:ext>
             </a:extLst>
           </p:cNvPr>
@@ -4437,9 +4080,9 @@
           </a:stretch>
         </p:blipFill>
         <p:spPr>
-          <a:xfrm rot="18748558">
-            <a:off x="9840818" y="3940850"/>
-            <a:ext cx="4132356" cy="2754904"/>
+          <a:xfrm>
+            <a:off x="4629830" y="3246360"/>
+            <a:ext cx="4908982" cy="3112635"/>
           </a:xfrm>
           <a:prstGeom prst="rect">
             <a:avLst/>
@@ -4449,7 +4092,7 @@
     </p:spTree>
     <p:extLst>
       <p:ext uri="{BB962C8B-B14F-4D97-AF65-F5344CB8AC3E}">
-        <p14:creationId xmlns:p14="http://schemas.microsoft.com/office/powerpoint/2010/main" val="2503850801"/>
+        <p14:creationId xmlns:p14="http://schemas.microsoft.com/office/powerpoint/2010/main" val="3706674172"/>
       </p:ext>
     </p:extLst>
   </p:cSld>
@@ -4459,7 +4102,7 @@
 </p:sld>
 </file>
 
-<file path=ppt/slides/slide15.xml><?xml version="1.0" encoding="utf-8"?>
+<file path=ppt/slides/slide13.xml><?xml version="1.0" encoding="utf-8"?>
 <p:sld xmlns:a="http://schemas.openxmlformats.org/drawingml/2006/main" xmlns:r="http://schemas.openxmlformats.org/officeDocument/2006/relationships" xmlns:p="http://schemas.openxmlformats.org/presentationml/2006/main">
   <p:cSld>
     <p:bg>
@@ -4554,10 +4197,10 @@
       </p:sp>
       <p:sp>
         <p:nvSpPr>
-          <p:cNvPr id="2" name="TextBox 1">
+          <p:cNvPr id="8" name="TextBox 7">
             <a:extLst>
               <a:ext uri="{FF2B5EF4-FFF2-40B4-BE49-F238E27FC236}">
-                <a16:creationId xmlns:a16="http://schemas.microsoft.com/office/drawing/2014/main" id="{01D6ACE2-3D3A-657A-7696-1420F333B051}"/>
+                <a16:creationId xmlns:a16="http://schemas.microsoft.com/office/drawing/2014/main" id="{EA9E5176-4FCC-3CEE-620D-C46EF1EB7AB2}"/>
               </a:ext>
             </a:extLst>
           </p:cNvPr>
@@ -4566,8 +4209,8 @@
         </p:nvSpPr>
         <p:spPr>
           <a:xfrm>
-            <a:off x="1030605" y="231408"/>
-            <a:ext cx="12411075" cy="3539430"/>
+            <a:off x="675594" y="198683"/>
+            <a:ext cx="9808029" cy="830997"/>
           </a:xfrm>
           <a:prstGeom prst="rect">
             <a:avLst/>
@@ -4580,6 +4223,45 @@
           </a:bodyPr>
           <a:lstStyle/>
           <a:p>
+            <a:r>
+              <a:rPr lang="ru-RU" sz="4800" dirty="0">
+                <a:solidFill>
+                  <a:schemeClr val="bg1"/>
+                </a:solidFill>
+              </a:rPr>
+              <a:t>Стек вызовов</a:t>
+            </a:r>
+          </a:p>
+        </p:txBody>
+      </p:sp>
+      <p:sp>
+        <p:nvSpPr>
+          <p:cNvPr id="3" name="TextBox 2">
+            <a:extLst>
+              <a:ext uri="{FF2B5EF4-FFF2-40B4-BE49-F238E27FC236}">
+                <a16:creationId xmlns:a16="http://schemas.microsoft.com/office/drawing/2014/main" id="{9DF67CE7-B0D1-55E6-BE68-A07102B3CB04}"/>
+              </a:ext>
+            </a:extLst>
+          </p:cNvPr>
+          <p:cNvSpPr txBox="1"/>
+          <p:nvPr/>
+        </p:nvSpPr>
+        <p:spPr>
+          <a:xfrm>
+            <a:off x="314599" y="1019578"/>
+            <a:ext cx="12578441" cy="1815882"/>
+          </a:xfrm>
+          <a:prstGeom prst="rect">
+            <a:avLst/>
+          </a:prstGeom>
+          <a:noFill/>
+        </p:spPr>
+        <p:txBody>
+          <a:bodyPr wrap="square">
+            <a:spAutoFit/>
+          </a:bodyPr>
+          <a:lstStyle/>
+          <a:p>
             <a:pPr algn="ctr"/>
             <a:r>
               <a:rPr lang="ru-RU" sz="2800" dirty="0">
@@ -4587,7 +4269,7 @@
                   <a:schemeClr val="bg1"/>
                 </a:solidFill>
               </a:rPr>
-              <a:t>Решение задачи методом «разделяй и властвуй» состоит из двух шагов.</a:t>
+              <a:t>Ваш компьютер объединяет эти блоки в стек. Второй блок создается над</a:t>
             </a:r>
           </a:p>
           <a:p>
@@ -4598,56 +4280,7 @@
                   <a:schemeClr val="bg1"/>
                 </a:solidFill>
               </a:rPr>
-              <a:t>1. Сначала определяется базовый случай. Это должен быть простейший</a:t>
-            </a:r>
-          </a:p>
-          <a:p>
-            <a:pPr algn="ctr"/>
-            <a:r>
-              <a:rPr lang="ru-RU" sz="2800" dirty="0">
-                <a:solidFill>
-                  <a:schemeClr val="bg1"/>
-                </a:solidFill>
-              </a:rPr>
-              <a:t>случай из всех возможных.</a:t>
-            </a:r>
-          </a:p>
-          <a:p>
-            <a:pPr algn="ctr"/>
-            <a:r>
-              <a:rPr lang="ru-RU" sz="2800" dirty="0">
-                <a:solidFill>
-                  <a:schemeClr val="bg1"/>
-                </a:solidFill>
-              </a:rPr>
-              <a:t>2. Задача делится или сокращается до тех пор, пока не будет сведена к базовому случаю.</a:t>
-            </a:r>
-          </a:p>
-          <a:p>
-            <a:pPr algn="ctr"/>
-            <a:endParaRPr lang="ru-RU" sz="2800" dirty="0">
-              <a:solidFill>
-                <a:schemeClr val="bg1"/>
-              </a:solidFill>
-            </a:endParaRPr>
-          </a:p>
-          <a:p>
-            <a:pPr algn="ctr"/>
-            <a:endParaRPr lang="ru-RU" sz="2800" dirty="0">
-              <a:solidFill>
-                <a:schemeClr val="bg1"/>
-              </a:solidFill>
-            </a:endParaRPr>
-          </a:p>
-          <a:p>
-            <a:pPr algn="ctr"/>
-            <a:r>
-              <a:rPr lang="ru-RU" sz="2800" dirty="0">
-                <a:solidFill>
-                  <a:schemeClr val="bg1"/>
-                </a:solidFill>
-              </a:rPr>
-              <a:t>Какой может быть базовый случай?</a:t>
+              <a:t>первым. Вы выводите сообщение Как дела, Борислав?, после чего возвращаете управление из вызова функции. Когда это происходит, блок на вершине стека извлекается из него.</a:t>
             </a:r>
           </a:p>
         </p:txBody>
@@ -4657,7 +4290,7 @@
           <p:cNvPr id="6" name="Рисунок 5">
             <a:extLst>
               <a:ext uri="{FF2B5EF4-FFF2-40B4-BE49-F238E27FC236}">
-                <a16:creationId xmlns:a16="http://schemas.microsoft.com/office/drawing/2014/main" id="{6C3E869B-9EF4-8F88-9D0E-3F6A51362C3F}"/>
+                <a16:creationId xmlns:a16="http://schemas.microsoft.com/office/drawing/2014/main" id="{E8391359-EE62-DF2E-CF7F-B451C757CC61}"/>
               </a:ext>
             </a:extLst>
           </p:cNvPr>
@@ -4674,18 +4307,166 @@
         </p:blipFill>
         <p:spPr>
           <a:xfrm>
-            <a:off x="3959542" y="3905011"/>
-            <a:ext cx="6553200" cy="1943100"/>
+            <a:off x="193222" y="3379746"/>
+            <a:ext cx="3479348" cy="1967755"/>
           </a:xfrm>
           <a:prstGeom prst="rect">
             <a:avLst/>
           </a:prstGeom>
         </p:spPr>
       </p:pic>
+      <p:sp>
+        <p:nvSpPr>
+          <p:cNvPr id="12" name="Стрелка: вправо 11">
+            <a:extLst>
+              <a:ext uri="{FF2B5EF4-FFF2-40B4-BE49-F238E27FC236}">
+                <a16:creationId xmlns:a16="http://schemas.microsoft.com/office/drawing/2014/main" id="{32CADE1D-8C25-E2EA-4FB7-54168707CE15}"/>
+              </a:ext>
+            </a:extLst>
+          </p:cNvPr>
+          <p:cNvSpPr/>
+          <p:nvPr/>
+        </p:nvSpPr>
+        <p:spPr>
+          <a:xfrm>
+            <a:off x="3887221" y="4047938"/>
+            <a:ext cx="1207293" cy="339006"/>
+          </a:xfrm>
+          <a:prstGeom prst="rightArrow">
+            <a:avLst/>
+          </a:prstGeom>
+        </p:spPr>
+        <p:style>
+          <a:lnRef idx="2">
+            <a:schemeClr val="dk1"/>
+          </a:lnRef>
+          <a:fillRef idx="1">
+            <a:schemeClr val="lt1"/>
+          </a:fillRef>
+          <a:effectRef idx="0">
+            <a:schemeClr val="dk1"/>
+          </a:effectRef>
+          <a:fontRef idx="minor">
+            <a:schemeClr val="dk1"/>
+          </a:fontRef>
+        </p:style>
+        <p:txBody>
+          <a:bodyPr rtlCol="0" anchor="ctr"/>
+          <a:lstStyle/>
+          <a:p>
+            <a:pPr algn="ctr"/>
+            <a:endParaRPr lang="ru-RU"/>
+          </a:p>
+        </p:txBody>
+      </p:sp>
+      <p:pic>
+        <p:nvPicPr>
+          <p:cNvPr id="16" name="Рисунок 15">
+            <a:extLst>
+              <a:ext uri="{FF2B5EF4-FFF2-40B4-BE49-F238E27FC236}">
+                <a16:creationId xmlns:a16="http://schemas.microsoft.com/office/drawing/2014/main" id="{6610B3C3-D1EA-54DB-F27E-8934BF51757C}"/>
+              </a:ext>
+            </a:extLst>
+          </p:cNvPr>
+          <p:cNvPicPr>
+            <a:picLocks noChangeAspect="1"/>
+          </p:cNvPicPr>
+          <p:nvPr/>
+        </p:nvPicPr>
+        <p:blipFill>
+          <a:blip r:embed="rId4"/>
+          <a:stretch>
+            <a:fillRect/>
+          </a:stretch>
+        </p:blipFill>
+        <p:spPr>
+          <a:xfrm>
+            <a:off x="5309165" y="3413488"/>
+            <a:ext cx="3051064" cy="1913208"/>
+          </a:xfrm>
+          <a:prstGeom prst="rect">
+            <a:avLst/>
+          </a:prstGeom>
+        </p:spPr>
+      </p:pic>
+      <p:pic>
+        <p:nvPicPr>
+          <p:cNvPr id="18" name="Рисунок 17">
+            <a:extLst>
+              <a:ext uri="{FF2B5EF4-FFF2-40B4-BE49-F238E27FC236}">
+                <a16:creationId xmlns:a16="http://schemas.microsoft.com/office/drawing/2014/main" id="{A3DDF915-E0ED-FFCA-62A6-9A100692B267}"/>
+              </a:ext>
+            </a:extLst>
+          </p:cNvPr>
+          <p:cNvPicPr>
+            <a:picLocks noChangeAspect="1"/>
+          </p:cNvPicPr>
+          <p:nvPr/>
+        </p:nvPicPr>
+        <p:blipFill>
+          <a:blip r:embed="rId5"/>
+          <a:stretch>
+            <a:fillRect/>
+          </a:stretch>
+        </p:blipFill>
+        <p:spPr>
+          <a:xfrm>
+            <a:off x="10279858" y="3413488"/>
+            <a:ext cx="3476625" cy="1962150"/>
+          </a:xfrm>
+          <a:prstGeom prst="rect">
+            <a:avLst/>
+          </a:prstGeom>
+        </p:spPr>
+      </p:pic>
+      <p:sp>
+        <p:nvSpPr>
+          <p:cNvPr id="19" name="Стрелка: вправо 18">
+            <a:extLst>
+              <a:ext uri="{FF2B5EF4-FFF2-40B4-BE49-F238E27FC236}">
+                <a16:creationId xmlns:a16="http://schemas.microsoft.com/office/drawing/2014/main" id="{C9F4815C-5327-9563-AA7D-42CD9FBA8E48}"/>
+              </a:ext>
+            </a:extLst>
+          </p:cNvPr>
+          <p:cNvSpPr/>
+          <p:nvPr/>
+        </p:nvSpPr>
+        <p:spPr>
+          <a:xfrm>
+            <a:off x="8574880" y="4114800"/>
+            <a:ext cx="1207293" cy="339006"/>
+          </a:xfrm>
+          <a:prstGeom prst="rightArrow">
+            <a:avLst/>
+          </a:prstGeom>
+        </p:spPr>
+        <p:style>
+          <a:lnRef idx="2">
+            <a:schemeClr val="dk1"/>
+          </a:lnRef>
+          <a:fillRef idx="1">
+            <a:schemeClr val="lt1"/>
+          </a:fillRef>
+          <a:effectRef idx="0">
+            <a:schemeClr val="dk1"/>
+          </a:effectRef>
+          <a:fontRef idx="minor">
+            <a:schemeClr val="dk1"/>
+          </a:fontRef>
+        </p:style>
+        <p:txBody>
+          <a:bodyPr rtlCol="0" anchor="ctr"/>
+          <a:lstStyle/>
+          <a:p>
+            <a:pPr algn="ctr"/>
+            <a:endParaRPr lang="ru-RU"/>
+          </a:p>
+        </p:txBody>
+      </p:sp>
     </p:spTree>
     <p:extLst>
       <p:ext uri="{BB962C8B-B14F-4D97-AF65-F5344CB8AC3E}">
-        <p14:creationId xmlns:p14="http://schemas.microsoft.com/office/powerpoint/2010/main" val="1996042796"/>
+        <p14:creationId xmlns:p14="http://schemas.microsoft.com/office/powerpoint/2010/main" val="1572740861"/>
       </p:ext>
     </p:extLst>
   </p:cSld>
@@ -4695,329 +4476,7 @@
 </p:sld>
 </file>
 
-<file path=ppt/slides/slide16.xml><?xml version="1.0" encoding="utf-8"?>
-<p:sld xmlns:a="http://schemas.openxmlformats.org/drawingml/2006/main" xmlns:r="http://schemas.openxmlformats.org/officeDocument/2006/relationships" xmlns:p="http://schemas.openxmlformats.org/presentationml/2006/main">
-  <p:cSld>
-    <p:spTree>
-      <p:nvGrpSpPr>
-        <p:cNvPr id="1" name=""/>
-        <p:cNvGrpSpPr/>
-        <p:nvPr/>
-      </p:nvGrpSpPr>
-      <p:grpSpPr>
-        <a:xfrm>
-          <a:off x="0" y="0"/>
-          <a:ext cx="0" cy="0"/>
-          <a:chOff x="0" y="0"/>
-          <a:chExt cx="0" cy="0"/>
-        </a:xfrm>
-      </p:grpSpPr>
-      <p:pic>
-        <p:nvPicPr>
-          <p:cNvPr id="4" name="Picture 3" descr="logo.png"/>
-          <p:cNvPicPr>
-            <a:picLocks noChangeAspect="1"/>
-          </p:cNvPicPr>
-          <p:nvPr/>
-        </p:nvPicPr>
-        <p:blipFill>
-          <a:blip r:embed="rId2"/>
-          <a:stretch>
-            <a:fillRect/>
-          </a:stretch>
-        </p:blipFill>
-        <p:spPr>
-          <a:xfrm>
-            <a:off x="12344400" y="274320"/>
-            <a:ext cx="1097280" cy="1080473"/>
-          </a:xfrm>
-          <a:prstGeom prst="rect">
-            <a:avLst/>
-          </a:prstGeom>
-        </p:spPr>
-      </p:pic>
-      <p:sp>
-        <p:nvSpPr>
-          <p:cNvPr id="5" name="Rectangle 4"/>
-          <p:cNvSpPr/>
-          <p:nvPr/>
-        </p:nvSpPr>
-        <p:spPr>
-          <a:xfrm>
-            <a:off x="0" y="7772400"/>
-            <a:ext cx="14630400" cy="457200"/>
-          </a:xfrm>
-          <a:prstGeom prst="rect">
-            <a:avLst/>
-          </a:prstGeom>
-          <a:solidFill>
-            <a:srgbClr val="640064"/>
-          </a:solidFill>
-          <a:ln>
-            <a:noFill/>
-          </a:ln>
-        </p:spPr>
-        <p:style>
-          <a:lnRef idx="1">
-            <a:schemeClr val="accent1"/>
-          </a:lnRef>
-          <a:fillRef idx="3">
-            <a:schemeClr val="accent1"/>
-          </a:fillRef>
-          <a:effectRef idx="2">
-            <a:schemeClr val="accent1"/>
-          </a:effectRef>
-          <a:fontRef idx="minor">
-            <a:schemeClr val="lt1"/>
-          </a:fontRef>
-        </p:style>
-        <p:txBody>
-          <a:bodyPr rtlCol="0" anchor="ctr"/>
-          <a:lstStyle/>
-          <a:p>
-            <a:pPr algn="ctr"/>
-            <a:endParaRPr/>
-          </a:p>
-        </p:txBody>
-      </p:sp>
-      <p:sp>
-        <p:nvSpPr>
-          <p:cNvPr id="3" name="TextBox 2">
-            <a:extLst>
-              <a:ext uri="{FF2B5EF4-FFF2-40B4-BE49-F238E27FC236}">
-                <a16:creationId xmlns:a16="http://schemas.microsoft.com/office/drawing/2014/main" id="{6AE76C4C-FDD7-59FD-3DE4-2DBCD06B1A70}"/>
-              </a:ext>
-            </a:extLst>
-          </p:cNvPr>
-          <p:cNvSpPr txBox="1"/>
-          <p:nvPr/>
-        </p:nvSpPr>
-        <p:spPr>
-          <a:xfrm>
-            <a:off x="761999" y="-110401"/>
-            <a:ext cx="12518571" cy="769441"/>
-          </a:xfrm>
-          <a:prstGeom prst="rect">
-            <a:avLst/>
-          </a:prstGeom>
-          <a:noFill/>
-        </p:spPr>
-        <p:txBody>
-          <a:bodyPr wrap="square">
-            <a:spAutoFit/>
-          </a:bodyPr>
-          <a:lstStyle/>
-          <a:p>
-            <a:pPr algn="ctr"/>
-            <a:r>
-              <a:rPr lang="ru-RU" sz="4400" dirty="0"/>
-              <a:t>Теперь нужно вычислить рекурсивный случай. </a:t>
-            </a:r>
-          </a:p>
-        </p:txBody>
-      </p:sp>
-      <p:pic>
-        <p:nvPicPr>
-          <p:cNvPr id="6" name="Рисунок 5" descr="Изображение выглядит как рисунок, мультфильм, иллюстрация, зарисовка&#10;&#10;Автоматически созданное описание">
-            <a:extLst>
-              <a:ext uri="{FF2B5EF4-FFF2-40B4-BE49-F238E27FC236}">
-                <a16:creationId xmlns:a16="http://schemas.microsoft.com/office/drawing/2014/main" id="{591088BE-B304-184E-47BD-76360EC29649}"/>
-              </a:ext>
-            </a:extLst>
-          </p:cNvPr>
-          <p:cNvPicPr>
-            <a:picLocks noChangeAspect="1"/>
-          </p:cNvPicPr>
-          <p:nvPr/>
-        </p:nvPicPr>
-        <p:blipFill>
-          <a:blip r:embed="rId3"/>
-          <a:stretch>
-            <a:fillRect/>
-          </a:stretch>
-        </p:blipFill>
-        <p:spPr>
-          <a:xfrm>
-            <a:off x="4136066" y="615043"/>
-            <a:ext cx="7080473" cy="7157358"/>
-          </a:xfrm>
-          <a:prstGeom prst="rect">
-            <a:avLst/>
-          </a:prstGeom>
-        </p:spPr>
-      </p:pic>
-    </p:spTree>
-    <p:extLst>
-      <p:ext uri="{BB962C8B-B14F-4D97-AF65-F5344CB8AC3E}">
-        <p14:creationId xmlns:p14="http://schemas.microsoft.com/office/powerpoint/2010/main" val="315849401"/>
-      </p:ext>
-    </p:extLst>
-  </p:cSld>
-  <p:clrMapOvr>
-    <a:masterClrMapping/>
-  </p:clrMapOvr>
-</p:sld>
-</file>
-
-<file path=ppt/slides/slide17.xml><?xml version="1.0" encoding="utf-8"?>
-<p:sld xmlns:a="http://schemas.openxmlformats.org/drawingml/2006/main" xmlns:r="http://schemas.openxmlformats.org/officeDocument/2006/relationships" xmlns:p="http://schemas.openxmlformats.org/presentationml/2006/main">
-  <p:cSld>
-    <p:spTree>
-      <p:nvGrpSpPr>
-        <p:cNvPr id="1" name=""/>
-        <p:cNvGrpSpPr/>
-        <p:nvPr/>
-      </p:nvGrpSpPr>
-      <p:grpSpPr>
-        <a:xfrm>
-          <a:off x="0" y="0"/>
-          <a:ext cx="0" cy="0"/>
-          <a:chOff x="0" y="0"/>
-          <a:chExt cx="0" cy="0"/>
-        </a:xfrm>
-      </p:grpSpPr>
-      <p:pic>
-        <p:nvPicPr>
-          <p:cNvPr id="4" name="Picture 3" descr="logo.png"/>
-          <p:cNvPicPr>
-            <a:picLocks noChangeAspect="1"/>
-          </p:cNvPicPr>
-          <p:nvPr/>
-        </p:nvPicPr>
-        <p:blipFill>
-          <a:blip r:embed="rId2"/>
-          <a:stretch>
-            <a:fillRect/>
-          </a:stretch>
-        </p:blipFill>
-        <p:spPr>
-          <a:xfrm>
-            <a:off x="12344400" y="274320"/>
-            <a:ext cx="1097280" cy="1080473"/>
-          </a:xfrm>
-          <a:prstGeom prst="rect">
-            <a:avLst/>
-          </a:prstGeom>
-        </p:spPr>
-      </p:pic>
-      <p:sp>
-        <p:nvSpPr>
-          <p:cNvPr id="5" name="Rectangle 4"/>
-          <p:cNvSpPr/>
-          <p:nvPr/>
-        </p:nvSpPr>
-        <p:spPr>
-          <a:xfrm>
-            <a:off x="0" y="7772400"/>
-            <a:ext cx="14630400" cy="457200"/>
-          </a:xfrm>
-          <a:prstGeom prst="rect">
-            <a:avLst/>
-          </a:prstGeom>
-          <a:solidFill>
-            <a:srgbClr val="640064"/>
-          </a:solidFill>
-          <a:ln>
-            <a:noFill/>
-          </a:ln>
-        </p:spPr>
-        <p:style>
-          <a:lnRef idx="1">
-            <a:schemeClr val="accent1"/>
-          </a:lnRef>
-          <a:fillRef idx="3">
-            <a:schemeClr val="accent1"/>
-          </a:fillRef>
-          <a:effectRef idx="2">
-            <a:schemeClr val="accent1"/>
-          </a:effectRef>
-          <a:fontRef idx="minor">
-            <a:schemeClr val="lt1"/>
-          </a:fontRef>
-        </p:style>
-        <p:txBody>
-          <a:bodyPr rtlCol="0" anchor="ctr"/>
-          <a:lstStyle/>
-          <a:p>
-            <a:pPr algn="ctr"/>
-            <a:endParaRPr/>
-          </a:p>
-        </p:txBody>
-      </p:sp>
-      <p:pic>
-        <p:nvPicPr>
-          <p:cNvPr id="9" name="Рисунок 8" descr="Изображение выглядит как желтый, графическая вставка&#10;&#10;Автоматически созданное описание">
-            <a:extLst>
-              <a:ext uri="{FF2B5EF4-FFF2-40B4-BE49-F238E27FC236}">
-                <a16:creationId xmlns:a16="http://schemas.microsoft.com/office/drawing/2014/main" id="{5A8016DC-2930-31D7-7BD0-7C2B4BE654CD}"/>
-              </a:ext>
-            </a:extLst>
-          </p:cNvPr>
-          <p:cNvPicPr>
-            <a:picLocks noChangeAspect="1"/>
-          </p:cNvPicPr>
-          <p:nvPr/>
-        </p:nvPicPr>
-        <p:blipFill>
-          <a:blip r:embed="rId3"/>
-          <a:stretch>
-            <a:fillRect/>
-          </a:stretch>
-        </p:blipFill>
-        <p:spPr>
-          <a:xfrm>
-            <a:off x="16873" y="6565900"/>
-            <a:ext cx="1809750" cy="1206500"/>
-          </a:xfrm>
-          <a:prstGeom prst="rect">
-            <a:avLst/>
-          </a:prstGeom>
-        </p:spPr>
-      </p:pic>
-      <p:pic>
-        <p:nvPicPr>
-          <p:cNvPr id="8" name="Рисунок 7">
-            <a:extLst>
-              <a:ext uri="{FF2B5EF4-FFF2-40B4-BE49-F238E27FC236}">
-                <a16:creationId xmlns:a16="http://schemas.microsoft.com/office/drawing/2014/main" id="{CA5BE872-3884-9053-6DEC-99F9474D7CF7}"/>
-              </a:ext>
-            </a:extLst>
-          </p:cNvPr>
-          <p:cNvPicPr>
-            <a:picLocks noChangeAspect="1"/>
-          </p:cNvPicPr>
-          <p:nvPr/>
-        </p:nvPicPr>
-        <p:blipFill>
-          <a:blip r:embed="rId4"/>
-          <a:stretch>
-            <a:fillRect/>
-          </a:stretch>
-        </p:blipFill>
-        <p:spPr>
-          <a:xfrm>
-            <a:off x="1826623" y="457200"/>
-            <a:ext cx="9007162" cy="5646536"/>
-          </a:xfrm>
-          <a:prstGeom prst="rect">
-            <a:avLst/>
-          </a:prstGeom>
-        </p:spPr>
-      </p:pic>
-    </p:spTree>
-    <p:extLst>
-      <p:ext uri="{BB962C8B-B14F-4D97-AF65-F5344CB8AC3E}">
-        <p14:creationId xmlns:p14="http://schemas.microsoft.com/office/powerpoint/2010/main" val="66251123"/>
-      </p:ext>
-    </p:extLst>
-  </p:cSld>
-  <p:clrMapOvr>
-    <a:masterClrMapping/>
-  </p:clrMapOvr>
-</p:sld>
-</file>
-
-<file path=ppt/slides/slide18.xml><?xml version="1.0" encoding="utf-8"?>
+<file path=ppt/slides/slide14.xml><?xml version="1.0" encoding="utf-8"?>
 <p:sld xmlns:a="http://schemas.openxmlformats.org/drawingml/2006/main" xmlns:r="http://schemas.openxmlformats.org/officeDocument/2006/relationships" xmlns:p="http://schemas.openxmlformats.org/presentationml/2006/main">
   <p:cSld>
     <p:bg>
@@ -5110,132 +4569,12 @@
           </a:p>
         </p:txBody>
       </p:sp>
-      <p:pic>
-        <p:nvPicPr>
-          <p:cNvPr id="9" name="Рисунок 8">
+      <p:sp>
+        <p:nvSpPr>
+          <p:cNvPr id="8" name="TextBox 7">
             <a:extLst>
               <a:ext uri="{FF2B5EF4-FFF2-40B4-BE49-F238E27FC236}">
-                <a16:creationId xmlns:a16="http://schemas.microsoft.com/office/drawing/2014/main" id="{CDD3DB09-3DBB-5848-1453-FCEFD7D458AC}"/>
-              </a:ext>
-            </a:extLst>
-          </p:cNvPr>
-          <p:cNvPicPr>
-            <a:picLocks noChangeAspect="1"/>
-          </p:cNvPicPr>
-          <p:nvPr/>
-        </p:nvPicPr>
-        <p:blipFill>
-          <a:blip r:embed="rId3"/>
-          <a:stretch>
-            <a:fillRect/>
-          </a:stretch>
-        </p:blipFill>
-        <p:spPr>
-          <a:xfrm>
-            <a:off x="78240" y="115256"/>
-            <a:ext cx="6200775" cy="2819400"/>
-          </a:xfrm>
-          <a:prstGeom prst="rect">
-            <a:avLst/>
-          </a:prstGeom>
-        </p:spPr>
-      </p:pic>
-      <p:pic>
-        <p:nvPicPr>
-          <p:cNvPr id="11" name="Рисунок 10">
-            <a:extLst>
-              <a:ext uri="{FF2B5EF4-FFF2-40B4-BE49-F238E27FC236}">
-                <a16:creationId xmlns:a16="http://schemas.microsoft.com/office/drawing/2014/main" id="{4E773D59-B822-2E83-D55F-466F9184B544}"/>
-              </a:ext>
-            </a:extLst>
-          </p:cNvPr>
-          <p:cNvPicPr>
-            <a:picLocks noChangeAspect="1"/>
-          </p:cNvPicPr>
-          <p:nvPr/>
-        </p:nvPicPr>
-        <p:blipFill>
-          <a:blip r:embed="rId4"/>
-          <a:stretch>
-            <a:fillRect/>
-          </a:stretch>
-        </p:blipFill>
-        <p:spPr>
-          <a:xfrm>
-            <a:off x="10546556" y="230843"/>
-            <a:ext cx="2124075" cy="2247900"/>
-          </a:xfrm>
-          <a:prstGeom prst="rect">
-            <a:avLst/>
-          </a:prstGeom>
-        </p:spPr>
-      </p:pic>
-      <p:pic>
-        <p:nvPicPr>
-          <p:cNvPr id="13" name="Рисунок 12">
-            <a:extLst>
-              <a:ext uri="{FF2B5EF4-FFF2-40B4-BE49-F238E27FC236}">
-                <a16:creationId xmlns:a16="http://schemas.microsoft.com/office/drawing/2014/main" id="{3607E3CD-2FA6-B0F3-AF7C-AC2FC6B6973F}"/>
-              </a:ext>
-            </a:extLst>
-          </p:cNvPr>
-          <p:cNvPicPr>
-            <a:picLocks noChangeAspect="1"/>
-          </p:cNvPicPr>
-          <p:nvPr/>
-        </p:nvPicPr>
-        <p:blipFill>
-          <a:blip r:embed="rId5"/>
-          <a:stretch>
-            <a:fillRect/>
-          </a:stretch>
-        </p:blipFill>
-        <p:spPr>
-          <a:xfrm>
-            <a:off x="78240" y="4654323"/>
-            <a:ext cx="4714875" cy="2143125"/>
-          </a:xfrm>
-          <a:prstGeom prst="rect">
-            <a:avLst/>
-          </a:prstGeom>
-        </p:spPr>
-      </p:pic>
-      <p:pic>
-        <p:nvPicPr>
-          <p:cNvPr id="15" name="Рисунок 14">
-            <a:extLst>
-              <a:ext uri="{FF2B5EF4-FFF2-40B4-BE49-F238E27FC236}">
-                <a16:creationId xmlns:a16="http://schemas.microsoft.com/office/drawing/2014/main" id="{A1D6F755-7C0C-0D10-572F-8426D9DB6D86}"/>
-              </a:ext>
-            </a:extLst>
-          </p:cNvPr>
-          <p:cNvPicPr>
-            <a:picLocks noChangeAspect="1"/>
-          </p:cNvPicPr>
-          <p:nvPr/>
-        </p:nvPicPr>
-        <p:blipFill>
-          <a:blip r:embed="rId6"/>
-          <a:stretch>
-            <a:fillRect/>
-          </a:stretch>
-        </p:blipFill>
-        <p:spPr>
-          <a:xfrm>
-            <a:off x="9496201" y="5458165"/>
-            <a:ext cx="4772025" cy="2057400"/>
-          </a:xfrm>
-          <a:prstGeom prst="rect">
-            <a:avLst/>
-          </a:prstGeom>
-        </p:spPr>
-      </p:pic>
-      <p:sp>
-        <p:nvSpPr>
-          <p:cNvPr id="16" name="TextBox 15">
-            <a:extLst>
-              <a:ext uri="{FF2B5EF4-FFF2-40B4-BE49-F238E27FC236}">
-                <a16:creationId xmlns:a16="http://schemas.microsoft.com/office/drawing/2014/main" id="{25F1CB52-F4A7-7DE2-039F-7B3A2770CDB1}"/>
+                <a16:creationId xmlns:a16="http://schemas.microsoft.com/office/drawing/2014/main" id="{EA9E5176-4FCC-3CEE-620D-C46EF1EB7AB2}"/>
               </a:ext>
             </a:extLst>
           </p:cNvPr>
@@ -5244,8 +4583,8 @@
         </p:nvSpPr>
         <p:spPr>
           <a:xfrm>
-            <a:off x="4781326" y="4883225"/>
-            <a:ext cx="1196749" cy="1569660"/>
+            <a:off x="675594" y="198683"/>
+            <a:ext cx="9808029" cy="830997"/>
           </a:xfrm>
           <a:prstGeom prst="rect">
             <a:avLst/>
@@ -5258,20 +4597,23 @@
           </a:bodyPr>
           <a:lstStyle/>
           <a:p>
-            <a:pPr algn="ctr"/>
-            <a:r>
-              <a:rPr lang="ru-RU" sz="9600" dirty="0"/>
-              <a:t>3</a:t>
-            </a:r>
-          </a:p>
-        </p:txBody>
-      </p:sp>
-      <p:sp>
-        <p:nvSpPr>
-          <p:cNvPr id="17" name="TextBox 16">
+            <a:r>
+              <a:rPr lang="ru-RU" sz="4800" dirty="0">
+                <a:solidFill>
+                  <a:schemeClr val="bg1"/>
+                </a:solidFill>
+              </a:rPr>
+              <a:t>Псевдокод</a:t>
+            </a:r>
+          </a:p>
+        </p:txBody>
+      </p:sp>
+      <p:sp>
+        <p:nvSpPr>
+          <p:cNvPr id="3" name="TextBox 2">
             <a:extLst>
               <a:ext uri="{FF2B5EF4-FFF2-40B4-BE49-F238E27FC236}">
-                <a16:creationId xmlns:a16="http://schemas.microsoft.com/office/drawing/2014/main" id="{379B2537-5483-F7DB-9A72-464F71236AAA}"/>
+                <a16:creationId xmlns:a16="http://schemas.microsoft.com/office/drawing/2014/main" id="{9DF67CE7-B0D1-55E6-BE68-A07102B3CB04}"/>
               </a:ext>
             </a:extLst>
           </p:cNvPr>
@@ -5280,8 +4622,8 @@
         </p:nvSpPr>
         <p:spPr>
           <a:xfrm>
-            <a:off x="5978075" y="-55995"/>
-            <a:ext cx="1196749" cy="1569660"/>
+            <a:off x="2166258" y="1766150"/>
+            <a:ext cx="9459684" cy="2246769"/>
           </a:xfrm>
           <a:prstGeom prst="rect">
             <a:avLst/>
@@ -5296,80 +4638,38 @@
           <a:p>
             <a:pPr algn="ctr"/>
             <a:r>
-              <a:rPr lang="ru-RU" sz="9600" dirty="0"/>
-              <a:t>1</a:t>
-            </a:r>
-          </a:p>
-        </p:txBody>
-      </p:sp>
-      <p:sp>
-        <p:nvSpPr>
-          <p:cNvPr id="18" name="TextBox 17">
-            <a:extLst>
-              <a:ext uri="{FF2B5EF4-FFF2-40B4-BE49-F238E27FC236}">
-                <a16:creationId xmlns:a16="http://schemas.microsoft.com/office/drawing/2014/main" id="{86029757-87EE-D199-9C4A-3D23B7A3E336}"/>
-              </a:ext>
-            </a:extLst>
-          </p:cNvPr>
-          <p:cNvSpPr txBox="1"/>
-          <p:nvPr/>
-        </p:nvSpPr>
-        <p:spPr>
-          <a:xfrm>
-            <a:off x="9368678" y="486957"/>
-            <a:ext cx="1196749" cy="1569660"/>
-          </a:xfrm>
-          <a:prstGeom prst="rect">
-            <a:avLst/>
-          </a:prstGeom>
-          <a:noFill/>
-        </p:spPr>
-        <p:txBody>
-          <a:bodyPr wrap="square">
-            <a:spAutoFit/>
-          </a:bodyPr>
-          <a:lstStyle/>
+              <a:rPr lang="ru-RU" sz="2800" dirty="0">
+                <a:solidFill>
+                  <a:schemeClr val="bg1"/>
+                </a:solidFill>
+              </a:rPr>
+              <a:t>Рекурсивные функции тоже используют стек вызовов!</a:t>
+            </a:r>
+          </a:p>
           <a:p>
             <a:pPr algn="ctr"/>
             <a:r>
-              <a:rPr lang="ru-RU" sz="9600" dirty="0"/>
-              <a:t>2</a:t>
-            </a:r>
-          </a:p>
-        </p:txBody>
-      </p:sp>
-      <p:sp>
-        <p:nvSpPr>
-          <p:cNvPr id="19" name="TextBox 18">
-            <a:extLst>
-              <a:ext uri="{FF2B5EF4-FFF2-40B4-BE49-F238E27FC236}">
-                <a16:creationId xmlns:a16="http://schemas.microsoft.com/office/drawing/2014/main" id="{451EC05D-E2DE-5AF0-3BB5-CC1EEF57526E}"/>
-              </a:ext>
-            </a:extLst>
-          </p:cNvPr>
-          <p:cNvSpPr txBox="1"/>
-          <p:nvPr/>
-        </p:nvSpPr>
-        <p:spPr>
-          <a:xfrm>
-            <a:off x="8257047" y="5668055"/>
-            <a:ext cx="1196749" cy="1569660"/>
-          </a:xfrm>
-          <a:prstGeom prst="rect">
-            <a:avLst/>
-          </a:prstGeom>
-          <a:noFill/>
-        </p:spPr>
-        <p:txBody>
-          <a:bodyPr wrap="square">
-            <a:spAutoFit/>
-          </a:bodyPr>
-          <a:lstStyle/>
-          <a:p>
-            <a:pPr algn="ctr"/>
-            <a:r>
-              <a:rPr lang="ru-RU" sz="9600" dirty="0"/>
-              <a:t>4</a:t>
+              <a:rPr lang="ru-RU" sz="2800" dirty="0">
+                <a:solidFill>
+                  <a:schemeClr val="bg1"/>
+                </a:solidFill>
+              </a:rPr>
+              <a:t>Каждый раз, когда функция вызывает саму себя, Python кладёт информацию о вызове в стек.</a:t>
+            </a:r>
+            <a:br>
+              <a:rPr lang="ru-RU" sz="2800" dirty="0">
+                <a:solidFill>
+                  <a:schemeClr val="bg1"/>
+                </a:solidFill>
+              </a:rPr>
+            </a:br>
+            <a:r>
+              <a:rPr lang="ru-RU" sz="2800" dirty="0">
+                <a:solidFill>
+                  <a:schemeClr val="bg1"/>
+                </a:solidFill>
+              </a:rPr>
+              <a:t>Когда функция заканчивает работу, Python достаёт её из стека и возвращается к предыдущей.</a:t>
             </a:r>
           </a:p>
         </p:txBody>
@@ -5377,7 +4677,7 @@
     </p:spTree>
     <p:extLst>
       <p:ext uri="{BB962C8B-B14F-4D97-AF65-F5344CB8AC3E}">
-        <p14:creationId xmlns:p14="http://schemas.microsoft.com/office/powerpoint/2010/main" val="1640696479"/>
+        <p14:creationId xmlns:p14="http://schemas.microsoft.com/office/powerpoint/2010/main" val="4021580530"/>
       </p:ext>
     </p:extLst>
   </p:cSld>
@@ -5387,7 +4687,7 @@
 </p:sld>
 </file>
 
-<file path=ppt/slides/slide19.xml><?xml version="1.0" encoding="utf-8"?>
+<file path=ppt/slides/slide15.xml><?xml version="1.0" encoding="utf-8"?>
 <p:sld xmlns:a="http://schemas.openxmlformats.org/drawingml/2006/main" xmlns:r="http://schemas.openxmlformats.org/officeDocument/2006/relationships" xmlns:p="http://schemas.openxmlformats.org/presentationml/2006/main">
   <p:cSld>
     <p:spTree>
@@ -5430,10 +4730,54 @@
       </p:pic>
       <p:sp>
         <p:nvSpPr>
-          <p:cNvPr id="17" name="TextBox 16">
+          <p:cNvPr id="5" name="Rectangle 4"/>
+          <p:cNvSpPr/>
+          <p:nvPr/>
+        </p:nvSpPr>
+        <p:spPr>
+          <a:xfrm>
+            <a:off x="0" y="7772400"/>
+            <a:ext cx="14630400" cy="457200"/>
+          </a:xfrm>
+          <a:prstGeom prst="rect">
+            <a:avLst/>
+          </a:prstGeom>
+          <a:solidFill>
+            <a:srgbClr val="640064"/>
+          </a:solidFill>
+          <a:ln>
+            <a:noFill/>
+          </a:ln>
+        </p:spPr>
+        <p:style>
+          <a:lnRef idx="1">
+            <a:schemeClr val="accent1"/>
+          </a:lnRef>
+          <a:fillRef idx="3">
+            <a:schemeClr val="accent1"/>
+          </a:fillRef>
+          <a:effectRef idx="2">
+            <a:schemeClr val="accent1"/>
+          </a:effectRef>
+          <a:fontRef idx="minor">
+            <a:schemeClr val="lt1"/>
+          </a:fontRef>
+        </p:style>
+        <p:txBody>
+          <a:bodyPr rtlCol="0" anchor="ctr"/>
+          <a:lstStyle/>
+          <a:p>
+            <a:pPr algn="ctr"/>
+            <a:endParaRPr/>
+          </a:p>
+        </p:txBody>
+      </p:sp>
+      <p:sp>
+        <p:nvSpPr>
+          <p:cNvPr id="3" name="TextBox 2">
             <a:extLst>
               <a:ext uri="{FF2B5EF4-FFF2-40B4-BE49-F238E27FC236}">
-                <a16:creationId xmlns:a16="http://schemas.microsoft.com/office/drawing/2014/main" id="{379B2537-5483-F7DB-9A72-464F71236AAA}"/>
+                <a16:creationId xmlns:a16="http://schemas.microsoft.com/office/drawing/2014/main" id="{6AE76C4C-FDD7-59FD-3DE4-2DBCD06B1A70}"/>
               </a:ext>
             </a:extLst>
           </p:cNvPr>
@@ -5442,8 +4786,8 @@
         </p:nvSpPr>
         <p:spPr>
           <a:xfrm>
-            <a:off x="1090749" y="-81615"/>
-            <a:ext cx="11375659" cy="1569660"/>
+            <a:off x="675594" y="157316"/>
+            <a:ext cx="9808029" cy="830997"/>
           </a:xfrm>
           <a:prstGeom prst="rect">
             <a:avLst/>
@@ -5456,20 +4800,54 @@
           </a:bodyPr>
           <a:lstStyle/>
           <a:p>
-            <a:pPr algn="ctr"/>
-            <a:r>
-              <a:rPr lang="ru-RU" sz="9600" dirty="0"/>
-              <a:t>Базовый случай!</a:t>
+            <a:r>
+              <a:rPr lang="ru-RU" sz="4800" dirty="0"/>
+              <a:t>Вернёмся к коробкам</a:t>
+            </a:r>
+          </a:p>
+        </p:txBody>
+      </p:sp>
+      <p:sp>
+        <p:nvSpPr>
+          <p:cNvPr id="2" name="TextBox 1">
+            <a:extLst>
+              <a:ext uri="{FF2B5EF4-FFF2-40B4-BE49-F238E27FC236}">
+                <a16:creationId xmlns:a16="http://schemas.microsoft.com/office/drawing/2014/main" id="{5C1A7286-C01A-1E42-C40D-23F10E59001E}"/>
+              </a:ext>
+            </a:extLst>
+          </p:cNvPr>
+          <p:cNvSpPr txBox="1"/>
+          <p:nvPr/>
+        </p:nvSpPr>
+        <p:spPr>
+          <a:xfrm>
+            <a:off x="587830" y="1071249"/>
+            <a:ext cx="11756570" cy="523220"/>
+          </a:xfrm>
+          <a:prstGeom prst="rect">
+            <a:avLst/>
+          </a:prstGeom>
+          <a:noFill/>
+        </p:spPr>
+        <p:txBody>
+          <a:bodyPr wrap="square">
+            <a:spAutoFit/>
+          </a:bodyPr>
+          <a:lstStyle/>
+          <a:p>
+            <a:r>
+              <a:rPr lang="ru-RU" sz="2800" dirty="0"/>
+              <a:t>Вариант с кучей</a:t>
             </a:r>
           </a:p>
         </p:txBody>
       </p:sp>
       <p:pic>
         <p:nvPicPr>
-          <p:cNvPr id="10" name="Рисунок 9">
+          <p:cNvPr id="7" name="Рисунок 6" descr="Изображение выглядит как зарисовка, рисунок, иллюстрация&#10;&#10;Автоматически созданное описание">
             <a:extLst>
               <a:ext uri="{FF2B5EF4-FFF2-40B4-BE49-F238E27FC236}">
-                <a16:creationId xmlns:a16="http://schemas.microsoft.com/office/drawing/2014/main" id="{3589934D-3B2D-5398-7EAA-AFE286B28F5B}"/>
+                <a16:creationId xmlns:a16="http://schemas.microsoft.com/office/drawing/2014/main" id="{790DAE77-62F8-4956-F796-D210088A8699}"/>
               </a:ext>
             </a:extLst>
           </p:cNvPr>
@@ -5486,20 +4864,165 @@
         </p:blipFill>
         <p:spPr>
           <a:xfrm>
-            <a:off x="2815318" y="1400959"/>
-            <a:ext cx="7748018" cy="3410527"/>
+            <a:off x="2226982" y="1800128"/>
+            <a:ext cx="9472974" cy="5526938"/>
           </a:xfrm>
           <a:prstGeom prst="rect">
             <a:avLst/>
           </a:prstGeom>
         </p:spPr>
       </p:pic>
+    </p:spTree>
+    <p:extLst>
+      <p:ext uri="{BB962C8B-B14F-4D97-AF65-F5344CB8AC3E}">
+        <p14:creationId xmlns:p14="http://schemas.microsoft.com/office/powerpoint/2010/main" val="4064336590"/>
+      </p:ext>
+    </p:extLst>
+  </p:cSld>
+  <p:clrMapOvr>
+    <a:masterClrMapping/>
+  </p:clrMapOvr>
+</p:sld>
+</file>
+
+<file path=ppt/slides/slide16.xml><?xml version="1.0" encoding="utf-8"?>
+<p:sld xmlns:a="http://schemas.openxmlformats.org/drawingml/2006/main" xmlns:r="http://schemas.openxmlformats.org/officeDocument/2006/relationships" xmlns:p="http://schemas.openxmlformats.org/presentationml/2006/main">
+  <p:cSld>
+    <p:bg>
+      <p:bgPr>
+        <a:solidFill>
+          <a:srgbClr val="972996"/>
+        </a:solidFill>
+        <a:effectLst/>
+      </p:bgPr>
+    </p:bg>
+    <p:spTree>
+      <p:nvGrpSpPr>
+        <p:cNvPr id="1" name=""/>
+        <p:cNvGrpSpPr/>
+        <p:nvPr/>
+      </p:nvGrpSpPr>
+      <p:grpSpPr>
+        <a:xfrm>
+          <a:off x="0" y="0"/>
+          <a:ext cx="0" cy="0"/>
+          <a:chOff x="0" y="0"/>
+          <a:chExt cx="0" cy="0"/>
+        </a:xfrm>
+      </p:grpSpPr>
       <p:pic>
         <p:nvPicPr>
-          <p:cNvPr id="14" name="Рисунок 13">
+          <p:cNvPr id="4" name="Picture 3" descr="logo.png"/>
+          <p:cNvPicPr>
+            <a:picLocks noChangeAspect="1"/>
+          </p:cNvPicPr>
+          <p:nvPr/>
+        </p:nvPicPr>
+        <p:blipFill>
+          <a:blip r:embed="rId2"/>
+          <a:stretch>
+            <a:fillRect/>
+          </a:stretch>
+        </p:blipFill>
+        <p:spPr>
+          <a:xfrm>
+            <a:off x="12344400" y="274320"/>
+            <a:ext cx="1097280" cy="1080473"/>
+          </a:xfrm>
+          <a:prstGeom prst="rect">
+            <a:avLst/>
+          </a:prstGeom>
+        </p:spPr>
+      </p:pic>
+      <p:sp>
+        <p:nvSpPr>
+          <p:cNvPr id="5" name="Rectangle 4"/>
+          <p:cNvSpPr/>
+          <p:nvPr/>
+        </p:nvSpPr>
+        <p:spPr>
+          <a:xfrm>
+            <a:off x="0" y="7772400"/>
+            <a:ext cx="14630400" cy="457200"/>
+          </a:xfrm>
+          <a:prstGeom prst="rect">
+            <a:avLst/>
+          </a:prstGeom>
+          <a:solidFill>
+            <a:srgbClr val="E6E6E6"/>
+          </a:solidFill>
+          <a:ln>
+            <a:noFill/>
+          </a:ln>
+        </p:spPr>
+        <p:style>
+          <a:lnRef idx="1">
+            <a:schemeClr val="accent1"/>
+          </a:lnRef>
+          <a:fillRef idx="3">
+            <a:schemeClr val="accent1"/>
+          </a:fillRef>
+          <a:effectRef idx="2">
+            <a:schemeClr val="accent1"/>
+          </a:effectRef>
+          <a:fontRef idx="minor">
+            <a:schemeClr val="lt1"/>
+          </a:fontRef>
+        </p:style>
+        <p:txBody>
+          <a:bodyPr rtlCol="0" anchor="ctr"/>
+          <a:lstStyle/>
+          <a:p>
+            <a:pPr algn="ctr"/>
+            <a:endParaRPr/>
+          </a:p>
+        </p:txBody>
+      </p:sp>
+      <p:sp>
+        <p:nvSpPr>
+          <p:cNvPr id="8" name="TextBox 7">
             <a:extLst>
               <a:ext uri="{FF2B5EF4-FFF2-40B4-BE49-F238E27FC236}">
-                <a16:creationId xmlns:a16="http://schemas.microsoft.com/office/drawing/2014/main" id="{C5C1E160-D5F5-5AA2-4E3D-B6CCB17E42C5}"/>
+                <a16:creationId xmlns:a16="http://schemas.microsoft.com/office/drawing/2014/main" id="{EA9E5176-4FCC-3CEE-620D-C46EF1EB7AB2}"/>
+              </a:ext>
+            </a:extLst>
+          </p:cNvPr>
+          <p:cNvSpPr txBox="1"/>
+          <p:nvPr/>
+        </p:nvSpPr>
+        <p:spPr>
+          <a:xfrm>
+            <a:off x="675594" y="198683"/>
+            <a:ext cx="9808029" cy="830997"/>
+          </a:xfrm>
+          <a:prstGeom prst="rect">
+            <a:avLst/>
+          </a:prstGeom>
+          <a:noFill/>
+        </p:spPr>
+        <p:txBody>
+          <a:bodyPr wrap="square">
+            <a:spAutoFit/>
+          </a:bodyPr>
+          <a:lstStyle/>
+          <a:p>
+            <a:r>
+              <a:rPr lang="ru-RU" sz="4800" dirty="0">
+                <a:solidFill>
+                  <a:schemeClr val="bg1"/>
+                </a:solidFill>
+              </a:rPr>
+              <a:t>Вариант с рекурсией</a:t>
+            </a:r>
+          </a:p>
+        </p:txBody>
+      </p:sp>
+      <p:pic>
+        <p:nvPicPr>
+          <p:cNvPr id="6" name="Рисунок 5" descr="Изображение выглядит как текст, зарисовка, рисунок, машина&#10;&#10;Автоматически созданное описание">
+            <a:extLst>
+              <a:ext uri="{FF2B5EF4-FFF2-40B4-BE49-F238E27FC236}">
+                <a16:creationId xmlns:a16="http://schemas.microsoft.com/office/drawing/2014/main" id="{AB57F79D-97B2-F0B1-A2E4-80B797F732DF}"/>
               </a:ext>
             </a:extLst>
           </p:cNvPr>
@@ -5509,15 +5032,15 @@
           <p:nvPr/>
         </p:nvPicPr>
         <p:blipFill>
-          <a:blip r:embed="rId4"/>
+          <a:blip r:embed="rId3"/>
           <a:stretch>
             <a:fillRect/>
           </a:stretch>
         </p:blipFill>
         <p:spPr>
           <a:xfrm>
-            <a:off x="0" y="4114800"/>
-            <a:ext cx="3213327" cy="4102228"/>
+            <a:off x="7052735" y="122757"/>
+            <a:ext cx="7424585" cy="7537221"/>
           </a:xfrm>
           <a:prstGeom prst="rect">
             <a:avLst/>
@@ -5527,7 +5050,1017 @@
     </p:spTree>
     <p:extLst>
       <p:ext uri="{BB962C8B-B14F-4D97-AF65-F5344CB8AC3E}">
-        <p14:creationId xmlns:p14="http://schemas.microsoft.com/office/powerpoint/2010/main" val="1157433426"/>
+        <p14:creationId xmlns:p14="http://schemas.microsoft.com/office/powerpoint/2010/main" val="1505615733"/>
+      </p:ext>
+    </p:extLst>
+  </p:cSld>
+  <p:clrMapOvr>
+    <a:masterClrMapping/>
+  </p:clrMapOvr>
+</p:sld>
+</file>
+
+<file path=ppt/slides/slide17.xml><?xml version="1.0" encoding="utf-8"?>
+<p:sld xmlns:a="http://schemas.openxmlformats.org/drawingml/2006/main" xmlns:r="http://schemas.openxmlformats.org/officeDocument/2006/relationships" xmlns:p="http://schemas.openxmlformats.org/presentationml/2006/main">
+  <p:cSld>
+    <p:bg>
+      <p:bgPr>
+        <a:solidFill>
+          <a:srgbClr val="000000"/>
+        </a:solidFill>
+        <a:effectLst/>
+      </p:bgPr>
+    </p:bg>
+    <p:spTree>
+      <p:nvGrpSpPr>
+        <p:cNvPr id="1" name=""/>
+        <p:cNvGrpSpPr/>
+        <p:nvPr/>
+      </p:nvGrpSpPr>
+      <p:grpSpPr>
+        <a:xfrm>
+          <a:off x="0" y="0"/>
+          <a:ext cx="0" cy="0"/>
+          <a:chOff x="0" y="0"/>
+          <a:chExt cx="0" cy="0"/>
+        </a:xfrm>
+      </p:grpSpPr>
+      <p:sp>
+        <p:nvSpPr>
+          <p:cNvPr id="4" name="Rectangle 3"/>
+          <p:cNvSpPr/>
+          <p:nvPr/>
+        </p:nvSpPr>
+        <p:spPr>
+          <a:xfrm>
+            <a:off x="0" y="7772400"/>
+            <a:ext cx="14630400" cy="457200"/>
+          </a:xfrm>
+          <a:prstGeom prst="rect">
+            <a:avLst/>
+          </a:prstGeom>
+          <a:solidFill>
+            <a:srgbClr val="640064"/>
+          </a:solidFill>
+          <a:ln>
+            <a:noFill/>
+          </a:ln>
+        </p:spPr>
+        <p:style>
+          <a:lnRef idx="1">
+            <a:schemeClr val="accent1"/>
+          </a:lnRef>
+          <a:fillRef idx="3">
+            <a:schemeClr val="accent1"/>
+          </a:fillRef>
+          <a:effectRef idx="2">
+            <a:schemeClr val="accent1"/>
+          </a:effectRef>
+          <a:fontRef idx="minor">
+            <a:schemeClr val="lt1"/>
+          </a:fontRef>
+        </p:style>
+        <p:txBody>
+          <a:bodyPr rtlCol="0" anchor="ctr"/>
+          <a:lstStyle/>
+          <a:p>
+            <a:pPr algn="ctr"/>
+            <a:endParaRPr>
+              <a:solidFill>
+                <a:schemeClr val="bg1"/>
+              </a:solidFill>
+            </a:endParaRPr>
+          </a:p>
+        </p:txBody>
+      </p:sp>
+      <p:sp>
+        <p:nvSpPr>
+          <p:cNvPr id="2" name="TextBox 1">
+            <a:extLst>
+              <a:ext uri="{FF2B5EF4-FFF2-40B4-BE49-F238E27FC236}">
+                <a16:creationId xmlns:a16="http://schemas.microsoft.com/office/drawing/2014/main" id="{AD66099C-598E-47B3-EDE4-26ECC9DB1A27}"/>
+              </a:ext>
+            </a:extLst>
+          </p:cNvPr>
+          <p:cNvSpPr txBox="1"/>
+          <p:nvPr/>
+        </p:nvSpPr>
+        <p:spPr>
+          <a:xfrm>
+            <a:off x="622663" y="415498"/>
+            <a:ext cx="2142309" cy="830997"/>
+          </a:xfrm>
+          <a:prstGeom prst="rect">
+            <a:avLst/>
+          </a:prstGeom>
+          <a:noFill/>
+        </p:spPr>
+        <p:txBody>
+          <a:bodyPr wrap="square">
+            <a:spAutoFit/>
+          </a:bodyPr>
+          <a:lstStyle/>
+          <a:p>
+            <a:r>
+              <a:rPr lang="ru-RU" sz="4800" dirty="0">
+                <a:solidFill>
+                  <a:schemeClr val="bg1"/>
+                </a:solidFill>
+              </a:rPr>
+              <a:t>Задачи</a:t>
+            </a:r>
+          </a:p>
+        </p:txBody>
+      </p:sp>
+      <p:sp>
+        <p:nvSpPr>
+          <p:cNvPr id="3" name="TextBox 2">
+            <a:extLst>
+              <a:ext uri="{FF2B5EF4-FFF2-40B4-BE49-F238E27FC236}">
+                <a16:creationId xmlns:a16="http://schemas.microsoft.com/office/drawing/2014/main" id="{61A998A0-DF0F-E697-1D63-A6FF570C03E7}"/>
+              </a:ext>
+            </a:extLst>
+          </p:cNvPr>
+          <p:cNvSpPr txBox="1"/>
+          <p:nvPr/>
+        </p:nvSpPr>
+        <p:spPr>
+          <a:xfrm>
+            <a:off x="198120" y="1665089"/>
+            <a:ext cx="11375659" cy="4154984"/>
+          </a:xfrm>
+          <a:prstGeom prst="rect">
+            <a:avLst/>
+          </a:prstGeom>
+          <a:noFill/>
+        </p:spPr>
+        <p:txBody>
+          <a:bodyPr wrap="square">
+            <a:spAutoFit/>
+          </a:bodyPr>
+          <a:lstStyle/>
+          <a:p>
+            <a:pPr algn="just"/>
+            <a:r>
+              <a:rPr lang="ru-RU" sz="2400" dirty="0">
+                <a:solidFill>
+                  <a:schemeClr val="bg1"/>
+                </a:solidFill>
+              </a:rPr>
+              <a:t>Вывод чисел от 1 до n</a:t>
+            </a:r>
+          </a:p>
+          <a:p>
+            <a:pPr algn="just"/>
+            <a:r>
+              <a:rPr lang="ru-RU" sz="2400" dirty="0">
+                <a:solidFill>
+                  <a:schemeClr val="bg1"/>
+                </a:solidFill>
+              </a:rPr>
+              <a:t>Написать функцию, которая выводит числа от 1 до n рекурсивно.</a:t>
+            </a:r>
+          </a:p>
+          <a:p>
+            <a:pPr algn="just"/>
+            <a:r>
+              <a:rPr lang="ru-RU" sz="2400" dirty="0">
+                <a:solidFill>
+                  <a:schemeClr val="bg1"/>
+                </a:solidFill>
+              </a:rPr>
+              <a:t>Пример: </a:t>
+            </a:r>
+            <a:r>
+              <a:rPr lang="ru-RU" sz="2400" dirty="0" err="1">
+                <a:solidFill>
+                  <a:schemeClr val="bg1"/>
+                </a:solidFill>
+              </a:rPr>
+              <a:t>print_numbers</a:t>
+            </a:r>
+            <a:r>
+              <a:rPr lang="ru-RU" sz="2400" dirty="0">
+                <a:solidFill>
+                  <a:schemeClr val="bg1"/>
+                </a:solidFill>
+              </a:rPr>
+              <a:t>(5) → 1 2 3 4 5</a:t>
+            </a:r>
+          </a:p>
+          <a:p>
+            <a:pPr algn="just"/>
+            <a:endParaRPr lang="ru-RU" sz="2400" dirty="0">
+              <a:solidFill>
+                <a:schemeClr val="bg1"/>
+              </a:solidFill>
+            </a:endParaRPr>
+          </a:p>
+          <a:p>
+            <a:pPr algn="just"/>
+            <a:r>
+              <a:rPr lang="ru-RU" sz="2400" dirty="0">
+                <a:solidFill>
+                  <a:schemeClr val="bg1"/>
+                </a:solidFill>
+              </a:rPr>
+              <a:t>Сумма чисел от 1 до n</a:t>
+            </a:r>
+          </a:p>
+          <a:p>
+            <a:pPr algn="just"/>
+            <a:r>
+              <a:rPr lang="ru-RU" sz="2400" dirty="0">
+                <a:solidFill>
+                  <a:schemeClr val="bg1"/>
+                </a:solidFill>
+              </a:rPr>
+              <a:t>Написать функцию, которая возвращает сумму чисел от 1 до n.</a:t>
+            </a:r>
+          </a:p>
+          <a:p>
+            <a:pPr algn="just"/>
+            <a:r>
+              <a:rPr lang="ru-RU" sz="2400" dirty="0">
+                <a:solidFill>
+                  <a:schemeClr val="bg1"/>
+                </a:solidFill>
+              </a:rPr>
+              <a:t>Пример: </a:t>
+            </a:r>
+            <a:r>
+              <a:rPr lang="ru-RU" sz="2400" dirty="0" err="1">
+                <a:solidFill>
+                  <a:schemeClr val="bg1"/>
+                </a:solidFill>
+              </a:rPr>
+              <a:t>sum</a:t>
+            </a:r>
+            <a:r>
+              <a:rPr lang="ru-RU" sz="2400" dirty="0">
+                <a:solidFill>
+                  <a:schemeClr val="bg1"/>
+                </a:solidFill>
+              </a:rPr>
+              <a:t>(5) → 15</a:t>
+            </a:r>
+          </a:p>
+          <a:p>
+            <a:pPr algn="just"/>
+            <a:endParaRPr lang="ru-RU" sz="2400" dirty="0">
+              <a:solidFill>
+                <a:schemeClr val="bg1"/>
+              </a:solidFill>
+            </a:endParaRPr>
+          </a:p>
+          <a:p>
+            <a:pPr algn="just"/>
+            <a:r>
+              <a:rPr lang="ru-RU" sz="2400" dirty="0">
+                <a:solidFill>
+                  <a:schemeClr val="bg1"/>
+                </a:solidFill>
+              </a:rPr>
+              <a:t>Обратная строка</a:t>
+            </a:r>
+          </a:p>
+          <a:p>
+            <a:pPr algn="just"/>
+            <a:r>
+              <a:rPr lang="ru-RU" sz="2400" dirty="0">
+                <a:solidFill>
+                  <a:schemeClr val="bg1"/>
+                </a:solidFill>
+              </a:rPr>
+              <a:t>Написать рекурсивную функцию, которая переворачивает строку.</a:t>
+            </a:r>
+          </a:p>
+          <a:p>
+            <a:pPr algn="just"/>
+            <a:r>
+              <a:rPr lang="ru-RU" sz="2400" dirty="0">
+                <a:solidFill>
+                  <a:schemeClr val="bg1"/>
+                </a:solidFill>
+              </a:rPr>
+              <a:t>Пример: </a:t>
+            </a:r>
+            <a:r>
+              <a:rPr lang="ru-RU" sz="2400" dirty="0" err="1">
+                <a:solidFill>
+                  <a:schemeClr val="bg1"/>
+                </a:solidFill>
+              </a:rPr>
+              <a:t>reverse</a:t>
+            </a:r>
+            <a:r>
+              <a:rPr lang="ru-RU" sz="2400" dirty="0">
+                <a:solidFill>
+                  <a:schemeClr val="bg1"/>
+                </a:solidFill>
+              </a:rPr>
+              <a:t>("</a:t>
+            </a:r>
+            <a:r>
+              <a:rPr lang="ru-RU" sz="2400" dirty="0" err="1">
+                <a:solidFill>
+                  <a:schemeClr val="bg1"/>
+                </a:solidFill>
+              </a:rPr>
+              <a:t>abc</a:t>
+            </a:r>
+            <a:r>
+              <a:rPr lang="ru-RU" sz="2400" dirty="0">
+                <a:solidFill>
+                  <a:schemeClr val="bg1"/>
+                </a:solidFill>
+              </a:rPr>
+              <a:t>") → "</a:t>
+            </a:r>
+            <a:r>
+              <a:rPr lang="ru-RU" sz="2400" dirty="0" err="1">
+                <a:solidFill>
+                  <a:schemeClr val="bg1"/>
+                </a:solidFill>
+              </a:rPr>
+              <a:t>cba</a:t>
+            </a:r>
+            <a:r>
+              <a:rPr lang="ru-RU" sz="2400" dirty="0">
+                <a:solidFill>
+                  <a:schemeClr val="bg1"/>
+                </a:solidFill>
+              </a:rPr>
+              <a:t>"</a:t>
+            </a:r>
+          </a:p>
+        </p:txBody>
+      </p:sp>
+    </p:spTree>
+    <p:extLst>
+      <p:ext uri="{BB962C8B-B14F-4D97-AF65-F5344CB8AC3E}">
+        <p14:creationId xmlns:p14="http://schemas.microsoft.com/office/powerpoint/2010/main" val="2753484241"/>
+      </p:ext>
+    </p:extLst>
+  </p:cSld>
+  <p:clrMapOvr>
+    <a:masterClrMapping/>
+  </p:clrMapOvr>
+</p:sld>
+</file>
+
+<file path=ppt/slides/slide18.xml><?xml version="1.0" encoding="utf-8"?>
+<p:sld xmlns:a="http://schemas.openxmlformats.org/drawingml/2006/main" xmlns:r="http://schemas.openxmlformats.org/officeDocument/2006/relationships" xmlns:p="http://schemas.openxmlformats.org/presentationml/2006/main">
+  <p:cSld>
+    <p:bg>
+      <p:bgPr>
+        <a:solidFill>
+          <a:srgbClr val="000000"/>
+        </a:solidFill>
+        <a:effectLst/>
+      </p:bgPr>
+    </p:bg>
+    <p:spTree>
+      <p:nvGrpSpPr>
+        <p:cNvPr id="1" name=""/>
+        <p:cNvGrpSpPr/>
+        <p:nvPr/>
+      </p:nvGrpSpPr>
+      <p:grpSpPr>
+        <a:xfrm>
+          <a:off x="0" y="0"/>
+          <a:ext cx="0" cy="0"/>
+          <a:chOff x="0" y="0"/>
+          <a:chExt cx="0" cy="0"/>
+        </a:xfrm>
+      </p:grpSpPr>
+      <p:sp>
+        <p:nvSpPr>
+          <p:cNvPr id="4" name="Rectangle 3"/>
+          <p:cNvSpPr/>
+          <p:nvPr/>
+        </p:nvSpPr>
+        <p:spPr>
+          <a:xfrm>
+            <a:off x="0" y="7772400"/>
+            <a:ext cx="14630400" cy="457200"/>
+          </a:xfrm>
+          <a:prstGeom prst="rect">
+            <a:avLst/>
+          </a:prstGeom>
+          <a:solidFill>
+            <a:srgbClr val="640064"/>
+          </a:solidFill>
+          <a:ln>
+            <a:noFill/>
+          </a:ln>
+        </p:spPr>
+        <p:style>
+          <a:lnRef idx="1">
+            <a:schemeClr val="accent1"/>
+          </a:lnRef>
+          <a:fillRef idx="3">
+            <a:schemeClr val="accent1"/>
+          </a:fillRef>
+          <a:effectRef idx="2">
+            <a:schemeClr val="accent1"/>
+          </a:effectRef>
+          <a:fontRef idx="minor">
+            <a:schemeClr val="lt1"/>
+          </a:fontRef>
+        </p:style>
+        <p:txBody>
+          <a:bodyPr rtlCol="0" anchor="ctr"/>
+          <a:lstStyle/>
+          <a:p>
+            <a:pPr algn="ctr"/>
+            <a:endParaRPr>
+              <a:solidFill>
+                <a:schemeClr val="bg1"/>
+              </a:solidFill>
+            </a:endParaRPr>
+          </a:p>
+        </p:txBody>
+      </p:sp>
+      <p:sp>
+        <p:nvSpPr>
+          <p:cNvPr id="2" name="TextBox 1">
+            <a:extLst>
+              <a:ext uri="{FF2B5EF4-FFF2-40B4-BE49-F238E27FC236}">
+                <a16:creationId xmlns:a16="http://schemas.microsoft.com/office/drawing/2014/main" id="{AD66099C-598E-47B3-EDE4-26ECC9DB1A27}"/>
+              </a:ext>
+            </a:extLst>
+          </p:cNvPr>
+          <p:cNvSpPr txBox="1"/>
+          <p:nvPr/>
+        </p:nvSpPr>
+        <p:spPr>
+          <a:xfrm>
+            <a:off x="622663" y="415498"/>
+            <a:ext cx="8009708" cy="830997"/>
+          </a:xfrm>
+          <a:prstGeom prst="rect">
+            <a:avLst/>
+          </a:prstGeom>
+          <a:noFill/>
+        </p:spPr>
+        <p:txBody>
+          <a:bodyPr wrap="square">
+            <a:spAutoFit/>
+          </a:bodyPr>
+          <a:lstStyle/>
+          <a:p>
+            <a:r>
+              <a:rPr lang="ru-RU" sz="4800" dirty="0">
+                <a:solidFill>
+                  <a:schemeClr val="bg1"/>
+                </a:solidFill>
+              </a:rPr>
+              <a:t>Классические задачи</a:t>
+            </a:r>
+          </a:p>
+        </p:txBody>
+      </p:sp>
+      <p:sp>
+        <p:nvSpPr>
+          <p:cNvPr id="3" name="TextBox 2">
+            <a:extLst>
+              <a:ext uri="{FF2B5EF4-FFF2-40B4-BE49-F238E27FC236}">
+                <a16:creationId xmlns:a16="http://schemas.microsoft.com/office/drawing/2014/main" id="{61A998A0-DF0F-E697-1D63-A6FF570C03E7}"/>
+              </a:ext>
+            </a:extLst>
+          </p:cNvPr>
+          <p:cNvSpPr txBox="1"/>
+          <p:nvPr/>
+        </p:nvSpPr>
+        <p:spPr>
+          <a:xfrm>
+            <a:off x="198120" y="1665089"/>
+            <a:ext cx="11375659" cy="4154984"/>
+          </a:xfrm>
+          <a:prstGeom prst="rect">
+            <a:avLst/>
+          </a:prstGeom>
+          <a:noFill/>
+        </p:spPr>
+        <p:txBody>
+          <a:bodyPr wrap="square">
+            <a:spAutoFit/>
+          </a:bodyPr>
+          <a:lstStyle/>
+          <a:p>
+            <a:pPr algn="just"/>
+            <a:r>
+              <a:rPr lang="ru-RU" sz="2400" dirty="0">
+                <a:solidFill>
+                  <a:schemeClr val="bg1"/>
+                </a:solidFill>
+              </a:rPr>
+              <a:t>Факториал числа</a:t>
+            </a:r>
+          </a:p>
+          <a:p>
+            <a:pPr algn="just"/>
+            <a:r>
+              <a:rPr lang="ru-RU" sz="2400" dirty="0">
+                <a:solidFill>
+                  <a:schemeClr val="bg1"/>
+                </a:solidFill>
+              </a:rPr>
+              <a:t>Реализовать вычисление факториала числа n! с помощью рекурсии.</a:t>
+            </a:r>
+          </a:p>
+          <a:p>
+            <a:pPr algn="just"/>
+            <a:r>
+              <a:rPr lang="ru-RU" sz="2400" dirty="0">
+                <a:solidFill>
+                  <a:schemeClr val="bg1"/>
+                </a:solidFill>
+              </a:rPr>
+              <a:t>Пример: </a:t>
+            </a:r>
+            <a:r>
+              <a:rPr lang="ru-RU" sz="2400" dirty="0" err="1">
+                <a:solidFill>
+                  <a:schemeClr val="bg1"/>
+                </a:solidFill>
+              </a:rPr>
+              <a:t>factorial</a:t>
+            </a:r>
+            <a:r>
+              <a:rPr lang="ru-RU" sz="2400" dirty="0">
+                <a:solidFill>
+                  <a:schemeClr val="bg1"/>
+                </a:solidFill>
+              </a:rPr>
+              <a:t>(4) → 24</a:t>
+            </a:r>
+          </a:p>
+          <a:p>
+            <a:pPr algn="just"/>
+            <a:endParaRPr lang="ru-RU" sz="2400" dirty="0">
+              <a:solidFill>
+                <a:schemeClr val="bg1"/>
+              </a:solidFill>
+            </a:endParaRPr>
+          </a:p>
+          <a:p>
+            <a:pPr algn="just"/>
+            <a:r>
+              <a:rPr lang="ru-RU" sz="2400" dirty="0">
+                <a:solidFill>
+                  <a:schemeClr val="bg1"/>
+                </a:solidFill>
+              </a:rPr>
+              <a:t>Числа Фибоначчи</a:t>
+            </a:r>
+          </a:p>
+          <a:p>
+            <a:pPr algn="just"/>
+            <a:r>
+              <a:rPr lang="ru-RU" sz="2400" dirty="0">
+                <a:solidFill>
+                  <a:schemeClr val="bg1"/>
+                </a:solidFill>
+              </a:rPr>
+              <a:t>Вывести n-е число Фибоначчи рекурсивно.</a:t>
+            </a:r>
+          </a:p>
+          <a:p>
+            <a:pPr algn="just"/>
+            <a:r>
+              <a:rPr lang="ru-RU" sz="2400" dirty="0">
+                <a:solidFill>
+                  <a:schemeClr val="bg1"/>
+                </a:solidFill>
+              </a:rPr>
+              <a:t>Пример: </a:t>
+            </a:r>
+            <a:r>
+              <a:rPr lang="ru-RU" sz="2400" dirty="0" err="1">
+                <a:solidFill>
+                  <a:schemeClr val="bg1"/>
+                </a:solidFill>
+              </a:rPr>
+              <a:t>fibonacci</a:t>
+            </a:r>
+            <a:r>
+              <a:rPr lang="ru-RU" sz="2400" dirty="0">
+                <a:solidFill>
+                  <a:schemeClr val="bg1"/>
+                </a:solidFill>
+              </a:rPr>
+              <a:t>(6) → 8</a:t>
+            </a:r>
+          </a:p>
+          <a:p>
+            <a:pPr algn="just"/>
+            <a:endParaRPr lang="ru-RU" sz="2400" dirty="0">
+              <a:solidFill>
+                <a:schemeClr val="bg1"/>
+              </a:solidFill>
+            </a:endParaRPr>
+          </a:p>
+          <a:p>
+            <a:pPr algn="just"/>
+            <a:r>
+              <a:rPr lang="ru-RU" sz="2400" dirty="0">
+                <a:solidFill>
+                  <a:schemeClr val="bg1"/>
+                </a:solidFill>
+              </a:rPr>
+              <a:t>Проверка палиндрома</a:t>
+            </a:r>
+          </a:p>
+          <a:p>
+            <a:pPr algn="just"/>
+            <a:r>
+              <a:rPr lang="ru-RU" sz="2400" dirty="0">
+                <a:solidFill>
+                  <a:schemeClr val="bg1"/>
+                </a:solidFill>
+              </a:rPr>
+              <a:t>Рекурсивно проверить, является ли строка палиндромом.</a:t>
+            </a:r>
+          </a:p>
+          <a:p>
+            <a:pPr algn="just"/>
+            <a:r>
+              <a:rPr lang="ru-RU" sz="2400" dirty="0">
+                <a:solidFill>
+                  <a:schemeClr val="bg1"/>
+                </a:solidFill>
+              </a:rPr>
+              <a:t>Пример: "</a:t>
+            </a:r>
+            <a:r>
+              <a:rPr lang="ru-RU" sz="2400" dirty="0" err="1">
+                <a:solidFill>
+                  <a:schemeClr val="bg1"/>
+                </a:solidFill>
+              </a:rPr>
+              <a:t>radar</a:t>
+            </a:r>
+            <a:r>
+              <a:rPr lang="ru-RU" sz="2400" dirty="0">
+                <a:solidFill>
+                  <a:schemeClr val="bg1"/>
+                </a:solidFill>
+              </a:rPr>
+              <a:t>" → True, "</a:t>
+            </a:r>
+            <a:r>
+              <a:rPr lang="ru-RU" sz="2400" dirty="0" err="1">
+                <a:solidFill>
+                  <a:schemeClr val="bg1"/>
+                </a:solidFill>
+              </a:rPr>
+              <a:t>hello</a:t>
+            </a:r>
+            <a:r>
+              <a:rPr lang="ru-RU" sz="2400" dirty="0">
+                <a:solidFill>
+                  <a:schemeClr val="bg1"/>
+                </a:solidFill>
+              </a:rPr>
+              <a:t>" → </a:t>
+            </a:r>
+            <a:r>
+              <a:rPr lang="ru-RU" sz="2400" dirty="0" err="1">
+                <a:solidFill>
+                  <a:schemeClr val="bg1"/>
+                </a:solidFill>
+              </a:rPr>
+              <a:t>False</a:t>
+            </a:r>
+            <a:endParaRPr lang="ru-RU" sz="2400" dirty="0">
+              <a:solidFill>
+                <a:schemeClr val="bg1"/>
+              </a:solidFill>
+            </a:endParaRPr>
+          </a:p>
+        </p:txBody>
+      </p:sp>
+    </p:spTree>
+    <p:extLst>
+      <p:ext uri="{BB962C8B-B14F-4D97-AF65-F5344CB8AC3E}">
+        <p14:creationId xmlns:p14="http://schemas.microsoft.com/office/powerpoint/2010/main" val="882440417"/>
+      </p:ext>
+    </p:extLst>
+  </p:cSld>
+  <p:clrMapOvr>
+    <a:masterClrMapping/>
+  </p:clrMapOvr>
+</p:sld>
+</file>
+
+<file path=ppt/slides/slide19.xml><?xml version="1.0" encoding="utf-8"?>
+<p:sld xmlns:a="http://schemas.openxmlformats.org/drawingml/2006/main" xmlns:r="http://schemas.openxmlformats.org/officeDocument/2006/relationships" xmlns:p="http://schemas.openxmlformats.org/presentationml/2006/main">
+  <p:cSld>
+    <p:bg>
+      <p:bgPr>
+        <a:solidFill>
+          <a:srgbClr val="000000"/>
+        </a:solidFill>
+        <a:effectLst/>
+      </p:bgPr>
+    </p:bg>
+    <p:spTree>
+      <p:nvGrpSpPr>
+        <p:cNvPr id="1" name=""/>
+        <p:cNvGrpSpPr/>
+        <p:nvPr/>
+      </p:nvGrpSpPr>
+      <p:grpSpPr>
+        <a:xfrm>
+          <a:off x="0" y="0"/>
+          <a:ext cx="0" cy="0"/>
+          <a:chOff x="0" y="0"/>
+          <a:chExt cx="0" cy="0"/>
+        </a:xfrm>
+      </p:grpSpPr>
+      <p:sp>
+        <p:nvSpPr>
+          <p:cNvPr id="4" name="Rectangle 3"/>
+          <p:cNvSpPr/>
+          <p:nvPr/>
+        </p:nvSpPr>
+        <p:spPr>
+          <a:xfrm>
+            <a:off x="0" y="7772400"/>
+            <a:ext cx="14630400" cy="457200"/>
+          </a:xfrm>
+          <a:prstGeom prst="rect">
+            <a:avLst/>
+          </a:prstGeom>
+          <a:solidFill>
+            <a:srgbClr val="640064"/>
+          </a:solidFill>
+          <a:ln>
+            <a:noFill/>
+          </a:ln>
+        </p:spPr>
+        <p:style>
+          <a:lnRef idx="1">
+            <a:schemeClr val="accent1"/>
+          </a:lnRef>
+          <a:fillRef idx="3">
+            <a:schemeClr val="accent1"/>
+          </a:fillRef>
+          <a:effectRef idx="2">
+            <a:schemeClr val="accent1"/>
+          </a:effectRef>
+          <a:fontRef idx="minor">
+            <a:schemeClr val="lt1"/>
+          </a:fontRef>
+        </p:style>
+        <p:txBody>
+          <a:bodyPr rtlCol="0" anchor="ctr"/>
+          <a:lstStyle/>
+          <a:p>
+            <a:pPr algn="ctr"/>
+            <a:endParaRPr>
+              <a:solidFill>
+                <a:schemeClr val="bg1"/>
+              </a:solidFill>
+            </a:endParaRPr>
+          </a:p>
+        </p:txBody>
+      </p:sp>
+      <p:sp>
+        <p:nvSpPr>
+          <p:cNvPr id="2" name="TextBox 1">
+            <a:extLst>
+              <a:ext uri="{FF2B5EF4-FFF2-40B4-BE49-F238E27FC236}">
+                <a16:creationId xmlns:a16="http://schemas.microsoft.com/office/drawing/2014/main" id="{AD66099C-598E-47B3-EDE4-26ECC9DB1A27}"/>
+              </a:ext>
+            </a:extLst>
+          </p:cNvPr>
+          <p:cNvSpPr txBox="1"/>
+          <p:nvPr/>
+        </p:nvSpPr>
+        <p:spPr>
+          <a:xfrm>
+            <a:off x="622663" y="415498"/>
+            <a:ext cx="8009708" cy="830997"/>
+          </a:xfrm>
+          <a:prstGeom prst="rect">
+            <a:avLst/>
+          </a:prstGeom>
+          <a:noFill/>
+        </p:spPr>
+        <p:txBody>
+          <a:bodyPr wrap="square">
+            <a:spAutoFit/>
+          </a:bodyPr>
+          <a:lstStyle/>
+          <a:p>
+            <a:r>
+              <a:rPr lang="ru-RU" sz="4800" dirty="0">
+                <a:solidFill>
+                  <a:schemeClr val="bg1"/>
+                </a:solidFill>
+              </a:rPr>
+              <a:t>А теперь </a:t>
+            </a:r>
+            <a:r>
+              <a:rPr lang="ru-RU" sz="4800" dirty="0" err="1">
+                <a:solidFill>
+                  <a:schemeClr val="bg1"/>
+                </a:solidFill>
+              </a:rPr>
+              <a:t>литкод</a:t>
+            </a:r>
+            <a:endParaRPr lang="ru-RU" sz="4800" dirty="0">
+              <a:solidFill>
+                <a:schemeClr val="bg1"/>
+              </a:solidFill>
+            </a:endParaRPr>
+          </a:p>
+        </p:txBody>
+      </p:sp>
+      <p:sp>
+        <p:nvSpPr>
+          <p:cNvPr id="5" name="TextBox 4">
+            <a:hlinkClick r:id="rId2"/>
+            <a:extLst>
+              <a:ext uri="{FF2B5EF4-FFF2-40B4-BE49-F238E27FC236}">
+                <a16:creationId xmlns:a16="http://schemas.microsoft.com/office/drawing/2014/main" id="{C001EF96-779F-383E-97C3-13830EC5FBF8}"/>
+              </a:ext>
+            </a:extLst>
+          </p:cNvPr>
+          <p:cNvSpPr txBox="1"/>
+          <p:nvPr/>
+        </p:nvSpPr>
+        <p:spPr>
+          <a:xfrm>
+            <a:off x="1252111" y="1980184"/>
+            <a:ext cx="3669938" cy="523220"/>
+          </a:xfrm>
+          <a:prstGeom prst="rect">
+            <a:avLst/>
+          </a:prstGeom>
+          <a:noFill/>
+        </p:spPr>
+        <p:txBody>
+          <a:bodyPr wrap="square">
+            <a:spAutoFit/>
+          </a:bodyPr>
+          <a:lstStyle/>
+          <a:p>
+            <a:pPr algn="l">
+              <a:defRPr sz="2800">
+                <a:solidFill>
+                  <a:srgbClr val="FFFFFF"/>
+                </a:solidFill>
+              </a:defRPr>
+            </a:pPr>
+            <a:r>
+              <a:rPr lang="ru-RU" dirty="0">
+                <a:solidFill>
+                  <a:schemeClr val="tx1">
+                    <a:lumMod val="95000"/>
+                    <a:lumOff val="5000"/>
+                  </a:schemeClr>
+                </a:solidFill>
+                <a:hlinkClick r:id="rId3"/>
+              </a:rPr>
+              <a:t>Задача 1</a:t>
+            </a:r>
+            <a:endParaRPr dirty="0">
+              <a:solidFill>
+                <a:schemeClr val="tx1">
+                  <a:lumMod val="95000"/>
+                  <a:lumOff val="5000"/>
+                </a:schemeClr>
+              </a:solidFill>
+            </a:endParaRPr>
+          </a:p>
+        </p:txBody>
+      </p:sp>
+      <p:sp>
+        <p:nvSpPr>
+          <p:cNvPr id="6" name="TextBox 5">
+            <a:hlinkClick r:id="rId2"/>
+            <a:extLst>
+              <a:ext uri="{FF2B5EF4-FFF2-40B4-BE49-F238E27FC236}">
+                <a16:creationId xmlns:a16="http://schemas.microsoft.com/office/drawing/2014/main" id="{7FD3B675-BE56-C969-284A-8919BA6C078F}"/>
+              </a:ext>
+            </a:extLst>
+          </p:cNvPr>
+          <p:cNvSpPr txBox="1"/>
+          <p:nvPr/>
+        </p:nvSpPr>
+        <p:spPr>
+          <a:xfrm>
+            <a:off x="1252111" y="2829269"/>
+            <a:ext cx="3669938" cy="523220"/>
+          </a:xfrm>
+          <a:prstGeom prst="rect">
+            <a:avLst/>
+          </a:prstGeom>
+          <a:noFill/>
+        </p:spPr>
+        <p:txBody>
+          <a:bodyPr wrap="square">
+            <a:spAutoFit/>
+          </a:bodyPr>
+          <a:lstStyle/>
+          <a:p>
+            <a:pPr algn="l">
+              <a:defRPr sz="2800">
+                <a:solidFill>
+                  <a:srgbClr val="FFFFFF"/>
+                </a:solidFill>
+              </a:defRPr>
+            </a:pPr>
+            <a:r>
+              <a:rPr lang="ru-RU" dirty="0">
+                <a:solidFill>
+                  <a:schemeClr val="tx1">
+                    <a:lumMod val="95000"/>
+                    <a:lumOff val="5000"/>
+                  </a:schemeClr>
+                </a:solidFill>
+                <a:hlinkClick r:id="rId4"/>
+              </a:rPr>
+              <a:t>Задача 2</a:t>
+            </a:r>
+            <a:endParaRPr dirty="0">
+              <a:solidFill>
+                <a:schemeClr val="tx1">
+                  <a:lumMod val="95000"/>
+                  <a:lumOff val="5000"/>
+                </a:schemeClr>
+              </a:solidFill>
+            </a:endParaRPr>
+          </a:p>
+        </p:txBody>
+      </p:sp>
+      <p:sp>
+        <p:nvSpPr>
+          <p:cNvPr id="7" name="TextBox 6">
+            <a:hlinkClick r:id="rId2"/>
+            <a:extLst>
+              <a:ext uri="{FF2B5EF4-FFF2-40B4-BE49-F238E27FC236}">
+                <a16:creationId xmlns:a16="http://schemas.microsoft.com/office/drawing/2014/main" id="{CEBC5515-15D2-2250-5C65-AA27EF8F9EE5}"/>
+              </a:ext>
+            </a:extLst>
+          </p:cNvPr>
+          <p:cNvSpPr txBox="1"/>
+          <p:nvPr/>
+        </p:nvSpPr>
+        <p:spPr>
+          <a:xfrm>
+            <a:off x="1252111" y="3678354"/>
+            <a:ext cx="3669938" cy="523220"/>
+          </a:xfrm>
+          <a:prstGeom prst="rect">
+            <a:avLst/>
+          </a:prstGeom>
+          <a:noFill/>
+        </p:spPr>
+        <p:txBody>
+          <a:bodyPr wrap="square">
+            <a:spAutoFit/>
+          </a:bodyPr>
+          <a:lstStyle/>
+          <a:p>
+            <a:pPr algn="l">
+              <a:defRPr sz="2800">
+                <a:solidFill>
+                  <a:srgbClr val="FFFFFF"/>
+                </a:solidFill>
+              </a:defRPr>
+            </a:pPr>
+            <a:r>
+              <a:rPr lang="ru-RU" dirty="0">
+                <a:solidFill>
+                  <a:schemeClr val="tx1">
+                    <a:lumMod val="95000"/>
+                    <a:lumOff val="5000"/>
+                  </a:schemeClr>
+                </a:solidFill>
+                <a:hlinkClick r:id="rId5"/>
+              </a:rPr>
+              <a:t>Задача 3</a:t>
+            </a:r>
+            <a:endParaRPr dirty="0">
+              <a:solidFill>
+                <a:schemeClr val="tx1">
+                  <a:lumMod val="95000"/>
+                  <a:lumOff val="5000"/>
+                </a:schemeClr>
+              </a:solidFill>
+            </a:endParaRPr>
+          </a:p>
+        </p:txBody>
+      </p:sp>
+    </p:spTree>
+    <p:extLst>
+      <p:ext uri="{BB962C8B-B14F-4D97-AF65-F5344CB8AC3E}">
+        <p14:creationId xmlns:p14="http://schemas.microsoft.com/office/powerpoint/2010/main" val="4050159375"/>
       </p:ext>
     </p:extLst>
   </p:cSld>
@@ -5754,6 +6287,1247 @@
 <file path=ppt/slides/slide20.xml><?xml version="1.0" encoding="utf-8"?>
 <p:sld xmlns:a="http://schemas.openxmlformats.org/drawingml/2006/main" xmlns:r="http://schemas.openxmlformats.org/officeDocument/2006/relationships" xmlns:p="http://schemas.openxmlformats.org/presentationml/2006/main">
   <p:cSld>
+    <p:spTree>
+      <p:nvGrpSpPr>
+        <p:cNvPr id="1" name=""/>
+        <p:cNvGrpSpPr/>
+        <p:nvPr/>
+      </p:nvGrpSpPr>
+      <p:grpSpPr>
+        <a:xfrm>
+          <a:off x="0" y="0"/>
+          <a:ext cx="0" cy="0"/>
+          <a:chOff x="0" y="0"/>
+          <a:chExt cx="0" cy="0"/>
+        </a:xfrm>
+      </p:grpSpPr>
+      <p:pic>
+        <p:nvPicPr>
+          <p:cNvPr id="4" name="Picture 3" descr="logo.png"/>
+          <p:cNvPicPr>
+            <a:picLocks noChangeAspect="1"/>
+          </p:cNvPicPr>
+          <p:nvPr/>
+        </p:nvPicPr>
+        <p:blipFill>
+          <a:blip r:embed="rId2"/>
+          <a:stretch>
+            <a:fillRect/>
+          </a:stretch>
+        </p:blipFill>
+        <p:spPr>
+          <a:xfrm>
+            <a:off x="12344400" y="274320"/>
+            <a:ext cx="1097280" cy="1080473"/>
+          </a:xfrm>
+          <a:prstGeom prst="rect">
+            <a:avLst/>
+          </a:prstGeom>
+        </p:spPr>
+      </p:pic>
+      <p:sp>
+        <p:nvSpPr>
+          <p:cNvPr id="5" name="Rectangle 4"/>
+          <p:cNvSpPr/>
+          <p:nvPr/>
+        </p:nvSpPr>
+        <p:spPr>
+          <a:xfrm>
+            <a:off x="0" y="7772400"/>
+            <a:ext cx="14630400" cy="457200"/>
+          </a:xfrm>
+          <a:prstGeom prst="rect">
+            <a:avLst/>
+          </a:prstGeom>
+          <a:solidFill>
+            <a:srgbClr val="640064"/>
+          </a:solidFill>
+          <a:ln>
+            <a:noFill/>
+          </a:ln>
+        </p:spPr>
+        <p:style>
+          <a:lnRef idx="1">
+            <a:schemeClr val="accent1"/>
+          </a:lnRef>
+          <a:fillRef idx="3">
+            <a:schemeClr val="accent1"/>
+          </a:fillRef>
+          <a:effectRef idx="2">
+            <a:schemeClr val="accent1"/>
+          </a:effectRef>
+          <a:fontRef idx="minor">
+            <a:schemeClr val="lt1"/>
+          </a:fontRef>
+        </p:style>
+        <p:txBody>
+          <a:bodyPr rtlCol="0" anchor="ctr"/>
+          <a:lstStyle/>
+          <a:p>
+            <a:pPr algn="ctr"/>
+            <a:endParaRPr/>
+          </a:p>
+        </p:txBody>
+      </p:sp>
+      <p:sp>
+        <p:nvSpPr>
+          <p:cNvPr id="3" name="TextBox 2">
+            <a:extLst>
+              <a:ext uri="{FF2B5EF4-FFF2-40B4-BE49-F238E27FC236}">
+                <a16:creationId xmlns:a16="http://schemas.microsoft.com/office/drawing/2014/main" id="{6AE76C4C-FDD7-59FD-3DE4-2DBCD06B1A70}"/>
+              </a:ext>
+            </a:extLst>
+          </p:cNvPr>
+          <p:cNvSpPr txBox="1"/>
+          <p:nvPr/>
+        </p:nvSpPr>
+        <p:spPr>
+          <a:xfrm>
+            <a:off x="675594" y="157316"/>
+            <a:ext cx="9808029" cy="830997"/>
+          </a:xfrm>
+          <a:prstGeom prst="rect">
+            <a:avLst/>
+          </a:prstGeom>
+          <a:noFill/>
+        </p:spPr>
+        <p:txBody>
+          <a:bodyPr wrap="square">
+            <a:spAutoFit/>
+          </a:bodyPr>
+          <a:lstStyle/>
+          <a:p>
+            <a:r>
+              <a:rPr lang="ru-RU" sz="4800" dirty="0"/>
+              <a:t>«Разделяй и властвуй»</a:t>
+            </a:r>
+          </a:p>
+        </p:txBody>
+      </p:sp>
+      <p:pic>
+        <p:nvPicPr>
+          <p:cNvPr id="9" name="Рисунок 8" descr="Изображение выглядит как желтый, графическая вставка&#10;&#10;Автоматически созданное описание">
+            <a:extLst>
+              <a:ext uri="{FF2B5EF4-FFF2-40B4-BE49-F238E27FC236}">
+                <a16:creationId xmlns:a16="http://schemas.microsoft.com/office/drawing/2014/main" id="{5A8016DC-2930-31D7-7BD0-7C2B4BE654CD}"/>
+              </a:ext>
+            </a:extLst>
+          </p:cNvPr>
+          <p:cNvPicPr>
+            <a:picLocks noChangeAspect="1"/>
+          </p:cNvPicPr>
+          <p:nvPr/>
+        </p:nvPicPr>
+        <p:blipFill>
+          <a:blip r:embed="rId3"/>
+          <a:stretch>
+            <a:fillRect/>
+          </a:stretch>
+        </p:blipFill>
+        <p:spPr>
+          <a:xfrm rot="18748558">
+            <a:off x="9840818" y="3940850"/>
+            <a:ext cx="4132356" cy="2754904"/>
+          </a:xfrm>
+          <a:prstGeom prst="rect">
+            <a:avLst/>
+          </a:prstGeom>
+        </p:spPr>
+      </p:pic>
+    </p:spTree>
+    <p:extLst>
+      <p:ext uri="{BB962C8B-B14F-4D97-AF65-F5344CB8AC3E}">
+        <p14:creationId xmlns:p14="http://schemas.microsoft.com/office/powerpoint/2010/main" val="2503850801"/>
+      </p:ext>
+    </p:extLst>
+  </p:cSld>
+  <p:clrMapOvr>
+    <a:masterClrMapping/>
+  </p:clrMapOvr>
+</p:sld>
+</file>
+
+<file path=ppt/slides/slide21.xml><?xml version="1.0" encoding="utf-8"?>
+<p:sld xmlns:a="http://schemas.openxmlformats.org/drawingml/2006/main" xmlns:r="http://schemas.openxmlformats.org/officeDocument/2006/relationships" xmlns:p="http://schemas.openxmlformats.org/presentationml/2006/main">
+  <p:cSld>
+    <p:bg>
+      <p:bgPr>
+        <a:solidFill>
+          <a:srgbClr val="972996"/>
+        </a:solidFill>
+        <a:effectLst/>
+      </p:bgPr>
+    </p:bg>
+    <p:spTree>
+      <p:nvGrpSpPr>
+        <p:cNvPr id="1" name=""/>
+        <p:cNvGrpSpPr/>
+        <p:nvPr/>
+      </p:nvGrpSpPr>
+      <p:grpSpPr>
+        <a:xfrm>
+          <a:off x="0" y="0"/>
+          <a:ext cx="0" cy="0"/>
+          <a:chOff x="0" y="0"/>
+          <a:chExt cx="0" cy="0"/>
+        </a:xfrm>
+      </p:grpSpPr>
+      <p:pic>
+        <p:nvPicPr>
+          <p:cNvPr id="4" name="Picture 3" descr="logo.png"/>
+          <p:cNvPicPr>
+            <a:picLocks noChangeAspect="1"/>
+          </p:cNvPicPr>
+          <p:nvPr/>
+        </p:nvPicPr>
+        <p:blipFill>
+          <a:blip r:embed="rId2"/>
+          <a:stretch>
+            <a:fillRect/>
+          </a:stretch>
+        </p:blipFill>
+        <p:spPr>
+          <a:xfrm>
+            <a:off x="12344400" y="274320"/>
+            <a:ext cx="1097280" cy="1080473"/>
+          </a:xfrm>
+          <a:prstGeom prst="rect">
+            <a:avLst/>
+          </a:prstGeom>
+        </p:spPr>
+      </p:pic>
+      <p:sp>
+        <p:nvSpPr>
+          <p:cNvPr id="5" name="Rectangle 4"/>
+          <p:cNvSpPr/>
+          <p:nvPr/>
+        </p:nvSpPr>
+        <p:spPr>
+          <a:xfrm>
+            <a:off x="0" y="7772400"/>
+            <a:ext cx="14630400" cy="457200"/>
+          </a:xfrm>
+          <a:prstGeom prst="rect">
+            <a:avLst/>
+          </a:prstGeom>
+          <a:solidFill>
+            <a:srgbClr val="E6E6E6"/>
+          </a:solidFill>
+          <a:ln>
+            <a:noFill/>
+          </a:ln>
+        </p:spPr>
+        <p:style>
+          <a:lnRef idx="1">
+            <a:schemeClr val="accent1"/>
+          </a:lnRef>
+          <a:fillRef idx="3">
+            <a:schemeClr val="accent1"/>
+          </a:fillRef>
+          <a:effectRef idx="2">
+            <a:schemeClr val="accent1"/>
+          </a:effectRef>
+          <a:fontRef idx="minor">
+            <a:schemeClr val="lt1"/>
+          </a:fontRef>
+        </p:style>
+        <p:txBody>
+          <a:bodyPr rtlCol="0" anchor="ctr"/>
+          <a:lstStyle/>
+          <a:p>
+            <a:pPr algn="ctr"/>
+            <a:endParaRPr/>
+          </a:p>
+        </p:txBody>
+      </p:sp>
+      <p:sp>
+        <p:nvSpPr>
+          <p:cNvPr id="2" name="TextBox 1">
+            <a:extLst>
+              <a:ext uri="{FF2B5EF4-FFF2-40B4-BE49-F238E27FC236}">
+                <a16:creationId xmlns:a16="http://schemas.microsoft.com/office/drawing/2014/main" id="{01D6ACE2-3D3A-657A-7696-1420F333B051}"/>
+              </a:ext>
+            </a:extLst>
+          </p:cNvPr>
+          <p:cNvSpPr txBox="1"/>
+          <p:nvPr/>
+        </p:nvSpPr>
+        <p:spPr>
+          <a:xfrm>
+            <a:off x="1030605" y="231408"/>
+            <a:ext cx="12411075" cy="3539430"/>
+          </a:xfrm>
+          <a:prstGeom prst="rect">
+            <a:avLst/>
+          </a:prstGeom>
+          <a:noFill/>
+        </p:spPr>
+        <p:txBody>
+          <a:bodyPr wrap="square">
+            <a:spAutoFit/>
+          </a:bodyPr>
+          <a:lstStyle/>
+          <a:p>
+            <a:pPr algn="ctr"/>
+            <a:r>
+              <a:rPr lang="ru-RU" sz="2800" dirty="0">
+                <a:solidFill>
+                  <a:schemeClr val="bg1"/>
+                </a:solidFill>
+              </a:rPr>
+              <a:t>Решение задачи методом «разделяй и властвуй» состоит из двух шагов.</a:t>
+            </a:r>
+          </a:p>
+          <a:p>
+            <a:pPr algn="ctr"/>
+            <a:r>
+              <a:rPr lang="ru-RU" sz="2800" dirty="0">
+                <a:solidFill>
+                  <a:schemeClr val="bg1"/>
+                </a:solidFill>
+              </a:rPr>
+              <a:t>1. Сначала определяется базовый случай. Это должен быть простейший</a:t>
+            </a:r>
+          </a:p>
+          <a:p>
+            <a:pPr algn="ctr"/>
+            <a:r>
+              <a:rPr lang="ru-RU" sz="2800" dirty="0">
+                <a:solidFill>
+                  <a:schemeClr val="bg1"/>
+                </a:solidFill>
+              </a:rPr>
+              <a:t>случай из всех возможных.</a:t>
+            </a:r>
+          </a:p>
+          <a:p>
+            <a:pPr algn="ctr"/>
+            <a:r>
+              <a:rPr lang="ru-RU" sz="2800" dirty="0">
+                <a:solidFill>
+                  <a:schemeClr val="bg1"/>
+                </a:solidFill>
+              </a:rPr>
+              <a:t>2. Задача делится или сокращается до тех пор, пока не будет сведена к базовому случаю.</a:t>
+            </a:r>
+          </a:p>
+          <a:p>
+            <a:pPr algn="ctr"/>
+            <a:endParaRPr lang="ru-RU" sz="2800" dirty="0">
+              <a:solidFill>
+                <a:schemeClr val="bg1"/>
+              </a:solidFill>
+            </a:endParaRPr>
+          </a:p>
+          <a:p>
+            <a:pPr algn="ctr"/>
+            <a:endParaRPr lang="ru-RU" sz="2800" dirty="0">
+              <a:solidFill>
+                <a:schemeClr val="bg1"/>
+              </a:solidFill>
+            </a:endParaRPr>
+          </a:p>
+          <a:p>
+            <a:pPr algn="ctr"/>
+            <a:r>
+              <a:rPr lang="ru-RU" sz="2800" dirty="0">
+                <a:solidFill>
+                  <a:schemeClr val="bg1"/>
+                </a:solidFill>
+              </a:rPr>
+              <a:t>Какой может быть базовый случай?</a:t>
+            </a:r>
+          </a:p>
+        </p:txBody>
+      </p:sp>
+      <p:pic>
+        <p:nvPicPr>
+          <p:cNvPr id="6" name="Рисунок 5">
+            <a:extLst>
+              <a:ext uri="{FF2B5EF4-FFF2-40B4-BE49-F238E27FC236}">
+                <a16:creationId xmlns:a16="http://schemas.microsoft.com/office/drawing/2014/main" id="{6C3E869B-9EF4-8F88-9D0E-3F6A51362C3F}"/>
+              </a:ext>
+            </a:extLst>
+          </p:cNvPr>
+          <p:cNvPicPr>
+            <a:picLocks noChangeAspect="1"/>
+          </p:cNvPicPr>
+          <p:nvPr/>
+        </p:nvPicPr>
+        <p:blipFill>
+          <a:blip r:embed="rId3"/>
+          <a:stretch>
+            <a:fillRect/>
+          </a:stretch>
+        </p:blipFill>
+        <p:spPr>
+          <a:xfrm>
+            <a:off x="3959542" y="3905011"/>
+            <a:ext cx="6553200" cy="1943100"/>
+          </a:xfrm>
+          <a:prstGeom prst="rect">
+            <a:avLst/>
+          </a:prstGeom>
+        </p:spPr>
+      </p:pic>
+    </p:spTree>
+    <p:extLst>
+      <p:ext uri="{BB962C8B-B14F-4D97-AF65-F5344CB8AC3E}">
+        <p14:creationId xmlns:p14="http://schemas.microsoft.com/office/powerpoint/2010/main" val="1996042796"/>
+      </p:ext>
+    </p:extLst>
+  </p:cSld>
+  <p:clrMapOvr>
+    <a:masterClrMapping/>
+  </p:clrMapOvr>
+</p:sld>
+</file>
+
+<file path=ppt/slides/slide22.xml><?xml version="1.0" encoding="utf-8"?>
+<p:sld xmlns:a="http://schemas.openxmlformats.org/drawingml/2006/main" xmlns:r="http://schemas.openxmlformats.org/officeDocument/2006/relationships" xmlns:p="http://schemas.openxmlformats.org/presentationml/2006/main">
+  <p:cSld>
+    <p:spTree>
+      <p:nvGrpSpPr>
+        <p:cNvPr id="1" name=""/>
+        <p:cNvGrpSpPr/>
+        <p:nvPr/>
+      </p:nvGrpSpPr>
+      <p:grpSpPr>
+        <a:xfrm>
+          <a:off x="0" y="0"/>
+          <a:ext cx="0" cy="0"/>
+          <a:chOff x="0" y="0"/>
+          <a:chExt cx="0" cy="0"/>
+        </a:xfrm>
+      </p:grpSpPr>
+      <p:pic>
+        <p:nvPicPr>
+          <p:cNvPr id="4" name="Picture 3" descr="logo.png"/>
+          <p:cNvPicPr>
+            <a:picLocks noChangeAspect="1"/>
+          </p:cNvPicPr>
+          <p:nvPr/>
+        </p:nvPicPr>
+        <p:blipFill>
+          <a:blip r:embed="rId2"/>
+          <a:stretch>
+            <a:fillRect/>
+          </a:stretch>
+        </p:blipFill>
+        <p:spPr>
+          <a:xfrm>
+            <a:off x="12344400" y="274320"/>
+            <a:ext cx="1097280" cy="1080473"/>
+          </a:xfrm>
+          <a:prstGeom prst="rect">
+            <a:avLst/>
+          </a:prstGeom>
+        </p:spPr>
+      </p:pic>
+      <p:sp>
+        <p:nvSpPr>
+          <p:cNvPr id="5" name="Rectangle 4"/>
+          <p:cNvSpPr/>
+          <p:nvPr/>
+        </p:nvSpPr>
+        <p:spPr>
+          <a:xfrm>
+            <a:off x="0" y="7772400"/>
+            <a:ext cx="14630400" cy="457200"/>
+          </a:xfrm>
+          <a:prstGeom prst="rect">
+            <a:avLst/>
+          </a:prstGeom>
+          <a:solidFill>
+            <a:srgbClr val="640064"/>
+          </a:solidFill>
+          <a:ln>
+            <a:noFill/>
+          </a:ln>
+        </p:spPr>
+        <p:style>
+          <a:lnRef idx="1">
+            <a:schemeClr val="accent1"/>
+          </a:lnRef>
+          <a:fillRef idx="3">
+            <a:schemeClr val="accent1"/>
+          </a:fillRef>
+          <a:effectRef idx="2">
+            <a:schemeClr val="accent1"/>
+          </a:effectRef>
+          <a:fontRef idx="minor">
+            <a:schemeClr val="lt1"/>
+          </a:fontRef>
+        </p:style>
+        <p:txBody>
+          <a:bodyPr rtlCol="0" anchor="ctr"/>
+          <a:lstStyle/>
+          <a:p>
+            <a:pPr algn="ctr"/>
+            <a:endParaRPr/>
+          </a:p>
+        </p:txBody>
+      </p:sp>
+      <p:sp>
+        <p:nvSpPr>
+          <p:cNvPr id="3" name="TextBox 2">
+            <a:extLst>
+              <a:ext uri="{FF2B5EF4-FFF2-40B4-BE49-F238E27FC236}">
+                <a16:creationId xmlns:a16="http://schemas.microsoft.com/office/drawing/2014/main" id="{6AE76C4C-FDD7-59FD-3DE4-2DBCD06B1A70}"/>
+              </a:ext>
+            </a:extLst>
+          </p:cNvPr>
+          <p:cNvSpPr txBox="1"/>
+          <p:nvPr/>
+        </p:nvSpPr>
+        <p:spPr>
+          <a:xfrm>
+            <a:off x="761999" y="-110401"/>
+            <a:ext cx="12518571" cy="769441"/>
+          </a:xfrm>
+          <a:prstGeom prst="rect">
+            <a:avLst/>
+          </a:prstGeom>
+          <a:noFill/>
+        </p:spPr>
+        <p:txBody>
+          <a:bodyPr wrap="square">
+            <a:spAutoFit/>
+          </a:bodyPr>
+          <a:lstStyle/>
+          <a:p>
+            <a:pPr algn="ctr"/>
+            <a:r>
+              <a:rPr lang="ru-RU" sz="4400" dirty="0"/>
+              <a:t>Теперь нужно вычислить рекурсивный случай. </a:t>
+            </a:r>
+          </a:p>
+        </p:txBody>
+      </p:sp>
+      <p:pic>
+        <p:nvPicPr>
+          <p:cNvPr id="6" name="Рисунок 5" descr="Изображение выглядит как рисунок, мультфильм, иллюстрация, зарисовка&#10;&#10;Автоматически созданное описание">
+            <a:extLst>
+              <a:ext uri="{FF2B5EF4-FFF2-40B4-BE49-F238E27FC236}">
+                <a16:creationId xmlns:a16="http://schemas.microsoft.com/office/drawing/2014/main" id="{591088BE-B304-184E-47BD-76360EC29649}"/>
+              </a:ext>
+            </a:extLst>
+          </p:cNvPr>
+          <p:cNvPicPr>
+            <a:picLocks noChangeAspect="1"/>
+          </p:cNvPicPr>
+          <p:nvPr/>
+        </p:nvPicPr>
+        <p:blipFill>
+          <a:blip r:embed="rId3"/>
+          <a:stretch>
+            <a:fillRect/>
+          </a:stretch>
+        </p:blipFill>
+        <p:spPr>
+          <a:xfrm>
+            <a:off x="4136066" y="615043"/>
+            <a:ext cx="7080473" cy="7157358"/>
+          </a:xfrm>
+          <a:prstGeom prst="rect">
+            <a:avLst/>
+          </a:prstGeom>
+        </p:spPr>
+      </p:pic>
+    </p:spTree>
+    <p:extLst>
+      <p:ext uri="{BB962C8B-B14F-4D97-AF65-F5344CB8AC3E}">
+        <p14:creationId xmlns:p14="http://schemas.microsoft.com/office/powerpoint/2010/main" val="315849401"/>
+      </p:ext>
+    </p:extLst>
+  </p:cSld>
+  <p:clrMapOvr>
+    <a:masterClrMapping/>
+  </p:clrMapOvr>
+</p:sld>
+</file>
+
+<file path=ppt/slides/slide23.xml><?xml version="1.0" encoding="utf-8"?>
+<p:sld xmlns:a="http://schemas.openxmlformats.org/drawingml/2006/main" xmlns:r="http://schemas.openxmlformats.org/officeDocument/2006/relationships" xmlns:p="http://schemas.openxmlformats.org/presentationml/2006/main">
+  <p:cSld>
+    <p:spTree>
+      <p:nvGrpSpPr>
+        <p:cNvPr id="1" name=""/>
+        <p:cNvGrpSpPr/>
+        <p:nvPr/>
+      </p:nvGrpSpPr>
+      <p:grpSpPr>
+        <a:xfrm>
+          <a:off x="0" y="0"/>
+          <a:ext cx="0" cy="0"/>
+          <a:chOff x="0" y="0"/>
+          <a:chExt cx="0" cy="0"/>
+        </a:xfrm>
+      </p:grpSpPr>
+      <p:pic>
+        <p:nvPicPr>
+          <p:cNvPr id="4" name="Picture 3" descr="logo.png"/>
+          <p:cNvPicPr>
+            <a:picLocks noChangeAspect="1"/>
+          </p:cNvPicPr>
+          <p:nvPr/>
+        </p:nvPicPr>
+        <p:blipFill>
+          <a:blip r:embed="rId2"/>
+          <a:stretch>
+            <a:fillRect/>
+          </a:stretch>
+        </p:blipFill>
+        <p:spPr>
+          <a:xfrm>
+            <a:off x="12344400" y="274320"/>
+            <a:ext cx="1097280" cy="1080473"/>
+          </a:xfrm>
+          <a:prstGeom prst="rect">
+            <a:avLst/>
+          </a:prstGeom>
+        </p:spPr>
+      </p:pic>
+      <p:sp>
+        <p:nvSpPr>
+          <p:cNvPr id="5" name="Rectangle 4"/>
+          <p:cNvSpPr/>
+          <p:nvPr/>
+        </p:nvSpPr>
+        <p:spPr>
+          <a:xfrm>
+            <a:off x="0" y="7772400"/>
+            <a:ext cx="14630400" cy="457200"/>
+          </a:xfrm>
+          <a:prstGeom prst="rect">
+            <a:avLst/>
+          </a:prstGeom>
+          <a:solidFill>
+            <a:srgbClr val="640064"/>
+          </a:solidFill>
+          <a:ln>
+            <a:noFill/>
+          </a:ln>
+        </p:spPr>
+        <p:style>
+          <a:lnRef idx="1">
+            <a:schemeClr val="accent1"/>
+          </a:lnRef>
+          <a:fillRef idx="3">
+            <a:schemeClr val="accent1"/>
+          </a:fillRef>
+          <a:effectRef idx="2">
+            <a:schemeClr val="accent1"/>
+          </a:effectRef>
+          <a:fontRef idx="minor">
+            <a:schemeClr val="lt1"/>
+          </a:fontRef>
+        </p:style>
+        <p:txBody>
+          <a:bodyPr rtlCol="0" anchor="ctr"/>
+          <a:lstStyle/>
+          <a:p>
+            <a:pPr algn="ctr"/>
+            <a:endParaRPr/>
+          </a:p>
+        </p:txBody>
+      </p:sp>
+      <p:pic>
+        <p:nvPicPr>
+          <p:cNvPr id="9" name="Рисунок 8" descr="Изображение выглядит как желтый, графическая вставка&#10;&#10;Автоматически созданное описание">
+            <a:extLst>
+              <a:ext uri="{FF2B5EF4-FFF2-40B4-BE49-F238E27FC236}">
+                <a16:creationId xmlns:a16="http://schemas.microsoft.com/office/drawing/2014/main" id="{5A8016DC-2930-31D7-7BD0-7C2B4BE654CD}"/>
+              </a:ext>
+            </a:extLst>
+          </p:cNvPr>
+          <p:cNvPicPr>
+            <a:picLocks noChangeAspect="1"/>
+          </p:cNvPicPr>
+          <p:nvPr/>
+        </p:nvPicPr>
+        <p:blipFill>
+          <a:blip r:embed="rId3"/>
+          <a:stretch>
+            <a:fillRect/>
+          </a:stretch>
+        </p:blipFill>
+        <p:spPr>
+          <a:xfrm>
+            <a:off x="16873" y="6565900"/>
+            <a:ext cx="1809750" cy="1206500"/>
+          </a:xfrm>
+          <a:prstGeom prst="rect">
+            <a:avLst/>
+          </a:prstGeom>
+        </p:spPr>
+      </p:pic>
+      <p:pic>
+        <p:nvPicPr>
+          <p:cNvPr id="8" name="Рисунок 7">
+            <a:extLst>
+              <a:ext uri="{FF2B5EF4-FFF2-40B4-BE49-F238E27FC236}">
+                <a16:creationId xmlns:a16="http://schemas.microsoft.com/office/drawing/2014/main" id="{CA5BE872-3884-9053-6DEC-99F9474D7CF7}"/>
+              </a:ext>
+            </a:extLst>
+          </p:cNvPr>
+          <p:cNvPicPr>
+            <a:picLocks noChangeAspect="1"/>
+          </p:cNvPicPr>
+          <p:nvPr/>
+        </p:nvPicPr>
+        <p:blipFill>
+          <a:blip r:embed="rId4"/>
+          <a:stretch>
+            <a:fillRect/>
+          </a:stretch>
+        </p:blipFill>
+        <p:spPr>
+          <a:xfrm>
+            <a:off x="1826623" y="457200"/>
+            <a:ext cx="9007162" cy="5646536"/>
+          </a:xfrm>
+          <a:prstGeom prst="rect">
+            <a:avLst/>
+          </a:prstGeom>
+        </p:spPr>
+      </p:pic>
+    </p:spTree>
+    <p:extLst>
+      <p:ext uri="{BB962C8B-B14F-4D97-AF65-F5344CB8AC3E}">
+        <p14:creationId xmlns:p14="http://schemas.microsoft.com/office/powerpoint/2010/main" val="66251123"/>
+      </p:ext>
+    </p:extLst>
+  </p:cSld>
+  <p:clrMapOvr>
+    <a:masterClrMapping/>
+  </p:clrMapOvr>
+</p:sld>
+</file>
+
+<file path=ppt/slides/slide24.xml><?xml version="1.0" encoding="utf-8"?>
+<p:sld xmlns:a="http://schemas.openxmlformats.org/drawingml/2006/main" xmlns:r="http://schemas.openxmlformats.org/officeDocument/2006/relationships" xmlns:p="http://schemas.openxmlformats.org/presentationml/2006/main">
+  <p:cSld>
+    <p:bg>
+      <p:bgPr>
+        <a:solidFill>
+          <a:srgbClr val="972996"/>
+        </a:solidFill>
+        <a:effectLst/>
+      </p:bgPr>
+    </p:bg>
+    <p:spTree>
+      <p:nvGrpSpPr>
+        <p:cNvPr id="1" name=""/>
+        <p:cNvGrpSpPr/>
+        <p:nvPr/>
+      </p:nvGrpSpPr>
+      <p:grpSpPr>
+        <a:xfrm>
+          <a:off x="0" y="0"/>
+          <a:ext cx="0" cy="0"/>
+          <a:chOff x="0" y="0"/>
+          <a:chExt cx="0" cy="0"/>
+        </a:xfrm>
+      </p:grpSpPr>
+      <p:pic>
+        <p:nvPicPr>
+          <p:cNvPr id="4" name="Picture 3" descr="logo.png"/>
+          <p:cNvPicPr>
+            <a:picLocks noChangeAspect="1"/>
+          </p:cNvPicPr>
+          <p:nvPr/>
+        </p:nvPicPr>
+        <p:blipFill>
+          <a:blip r:embed="rId2"/>
+          <a:stretch>
+            <a:fillRect/>
+          </a:stretch>
+        </p:blipFill>
+        <p:spPr>
+          <a:xfrm>
+            <a:off x="12344400" y="274320"/>
+            <a:ext cx="1097280" cy="1080473"/>
+          </a:xfrm>
+          <a:prstGeom prst="rect">
+            <a:avLst/>
+          </a:prstGeom>
+        </p:spPr>
+      </p:pic>
+      <p:sp>
+        <p:nvSpPr>
+          <p:cNvPr id="5" name="Rectangle 4"/>
+          <p:cNvSpPr/>
+          <p:nvPr/>
+        </p:nvSpPr>
+        <p:spPr>
+          <a:xfrm>
+            <a:off x="0" y="7772400"/>
+            <a:ext cx="14630400" cy="457200"/>
+          </a:xfrm>
+          <a:prstGeom prst="rect">
+            <a:avLst/>
+          </a:prstGeom>
+          <a:solidFill>
+            <a:srgbClr val="E6E6E6"/>
+          </a:solidFill>
+          <a:ln>
+            <a:noFill/>
+          </a:ln>
+        </p:spPr>
+        <p:style>
+          <a:lnRef idx="1">
+            <a:schemeClr val="accent1"/>
+          </a:lnRef>
+          <a:fillRef idx="3">
+            <a:schemeClr val="accent1"/>
+          </a:fillRef>
+          <a:effectRef idx="2">
+            <a:schemeClr val="accent1"/>
+          </a:effectRef>
+          <a:fontRef idx="minor">
+            <a:schemeClr val="lt1"/>
+          </a:fontRef>
+        </p:style>
+        <p:txBody>
+          <a:bodyPr rtlCol="0" anchor="ctr"/>
+          <a:lstStyle/>
+          <a:p>
+            <a:pPr algn="ctr"/>
+            <a:endParaRPr/>
+          </a:p>
+        </p:txBody>
+      </p:sp>
+      <p:pic>
+        <p:nvPicPr>
+          <p:cNvPr id="9" name="Рисунок 8">
+            <a:extLst>
+              <a:ext uri="{FF2B5EF4-FFF2-40B4-BE49-F238E27FC236}">
+                <a16:creationId xmlns:a16="http://schemas.microsoft.com/office/drawing/2014/main" id="{CDD3DB09-3DBB-5848-1453-FCEFD7D458AC}"/>
+              </a:ext>
+            </a:extLst>
+          </p:cNvPr>
+          <p:cNvPicPr>
+            <a:picLocks noChangeAspect="1"/>
+          </p:cNvPicPr>
+          <p:nvPr/>
+        </p:nvPicPr>
+        <p:blipFill>
+          <a:blip r:embed="rId3"/>
+          <a:stretch>
+            <a:fillRect/>
+          </a:stretch>
+        </p:blipFill>
+        <p:spPr>
+          <a:xfrm>
+            <a:off x="78240" y="115256"/>
+            <a:ext cx="6200775" cy="2819400"/>
+          </a:xfrm>
+          <a:prstGeom prst="rect">
+            <a:avLst/>
+          </a:prstGeom>
+        </p:spPr>
+      </p:pic>
+      <p:pic>
+        <p:nvPicPr>
+          <p:cNvPr id="11" name="Рисунок 10">
+            <a:extLst>
+              <a:ext uri="{FF2B5EF4-FFF2-40B4-BE49-F238E27FC236}">
+                <a16:creationId xmlns:a16="http://schemas.microsoft.com/office/drawing/2014/main" id="{4E773D59-B822-2E83-D55F-466F9184B544}"/>
+              </a:ext>
+            </a:extLst>
+          </p:cNvPr>
+          <p:cNvPicPr>
+            <a:picLocks noChangeAspect="1"/>
+          </p:cNvPicPr>
+          <p:nvPr/>
+        </p:nvPicPr>
+        <p:blipFill>
+          <a:blip r:embed="rId4"/>
+          <a:stretch>
+            <a:fillRect/>
+          </a:stretch>
+        </p:blipFill>
+        <p:spPr>
+          <a:xfrm>
+            <a:off x="10546556" y="230843"/>
+            <a:ext cx="2124075" cy="2247900"/>
+          </a:xfrm>
+          <a:prstGeom prst="rect">
+            <a:avLst/>
+          </a:prstGeom>
+        </p:spPr>
+      </p:pic>
+      <p:pic>
+        <p:nvPicPr>
+          <p:cNvPr id="13" name="Рисунок 12">
+            <a:extLst>
+              <a:ext uri="{FF2B5EF4-FFF2-40B4-BE49-F238E27FC236}">
+                <a16:creationId xmlns:a16="http://schemas.microsoft.com/office/drawing/2014/main" id="{3607E3CD-2FA6-B0F3-AF7C-AC2FC6B6973F}"/>
+              </a:ext>
+            </a:extLst>
+          </p:cNvPr>
+          <p:cNvPicPr>
+            <a:picLocks noChangeAspect="1"/>
+          </p:cNvPicPr>
+          <p:nvPr/>
+        </p:nvPicPr>
+        <p:blipFill>
+          <a:blip r:embed="rId5"/>
+          <a:stretch>
+            <a:fillRect/>
+          </a:stretch>
+        </p:blipFill>
+        <p:spPr>
+          <a:xfrm>
+            <a:off x="78240" y="4654323"/>
+            <a:ext cx="4714875" cy="2143125"/>
+          </a:xfrm>
+          <a:prstGeom prst="rect">
+            <a:avLst/>
+          </a:prstGeom>
+        </p:spPr>
+      </p:pic>
+      <p:pic>
+        <p:nvPicPr>
+          <p:cNvPr id="15" name="Рисунок 14">
+            <a:extLst>
+              <a:ext uri="{FF2B5EF4-FFF2-40B4-BE49-F238E27FC236}">
+                <a16:creationId xmlns:a16="http://schemas.microsoft.com/office/drawing/2014/main" id="{A1D6F755-7C0C-0D10-572F-8426D9DB6D86}"/>
+              </a:ext>
+            </a:extLst>
+          </p:cNvPr>
+          <p:cNvPicPr>
+            <a:picLocks noChangeAspect="1"/>
+          </p:cNvPicPr>
+          <p:nvPr/>
+        </p:nvPicPr>
+        <p:blipFill>
+          <a:blip r:embed="rId6"/>
+          <a:stretch>
+            <a:fillRect/>
+          </a:stretch>
+        </p:blipFill>
+        <p:spPr>
+          <a:xfrm>
+            <a:off x="9496201" y="5458165"/>
+            <a:ext cx="4772025" cy="2057400"/>
+          </a:xfrm>
+          <a:prstGeom prst="rect">
+            <a:avLst/>
+          </a:prstGeom>
+        </p:spPr>
+      </p:pic>
+      <p:sp>
+        <p:nvSpPr>
+          <p:cNvPr id="16" name="TextBox 15">
+            <a:extLst>
+              <a:ext uri="{FF2B5EF4-FFF2-40B4-BE49-F238E27FC236}">
+                <a16:creationId xmlns:a16="http://schemas.microsoft.com/office/drawing/2014/main" id="{25F1CB52-F4A7-7DE2-039F-7B3A2770CDB1}"/>
+              </a:ext>
+            </a:extLst>
+          </p:cNvPr>
+          <p:cNvSpPr txBox="1"/>
+          <p:nvPr/>
+        </p:nvSpPr>
+        <p:spPr>
+          <a:xfrm>
+            <a:off x="4781326" y="4883225"/>
+            <a:ext cx="1196749" cy="1569660"/>
+          </a:xfrm>
+          <a:prstGeom prst="rect">
+            <a:avLst/>
+          </a:prstGeom>
+          <a:noFill/>
+        </p:spPr>
+        <p:txBody>
+          <a:bodyPr wrap="square">
+            <a:spAutoFit/>
+          </a:bodyPr>
+          <a:lstStyle/>
+          <a:p>
+            <a:pPr algn="ctr"/>
+            <a:r>
+              <a:rPr lang="ru-RU" sz="9600" dirty="0"/>
+              <a:t>3</a:t>
+            </a:r>
+          </a:p>
+        </p:txBody>
+      </p:sp>
+      <p:sp>
+        <p:nvSpPr>
+          <p:cNvPr id="17" name="TextBox 16">
+            <a:extLst>
+              <a:ext uri="{FF2B5EF4-FFF2-40B4-BE49-F238E27FC236}">
+                <a16:creationId xmlns:a16="http://schemas.microsoft.com/office/drawing/2014/main" id="{379B2537-5483-F7DB-9A72-464F71236AAA}"/>
+              </a:ext>
+            </a:extLst>
+          </p:cNvPr>
+          <p:cNvSpPr txBox="1"/>
+          <p:nvPr/>
+        </p:nvSpPr>
+        <p:spPr>
+          <a:xfrm>
+            <a:off x="5978075" y="-55995"/>
+            <a:ext cx="1196749" cy="1569660"/>
+          </a:xfrm>
+          <a:prstGeom prst="rect">
+            <a:avLst/>
+          </a:prstGeom>
+          <a:noFill/>
+        </p:spPr>
+        <p:txBody>
+          <a:bodyPr wrap="square">
+            <a:spAutoFit/>
+          </a:bodyPr>
+          <a:lstStyle/>
+          <a:p>
+            <a:pPr algn="ctr"/>
+            <a:r>
+              <a:rPr lang="ru-RU" sz="9600" dirty="0"/>
+              <a:t>1</a:t>
+            </a:r>
+          </a:p>
+        </p:txBody>
+      </p:sp>
+      <p:sp>
+        <p:nvSpPr>
+          <p:cNvPr id="18" name="TextBox 17">
+            <a:extLst>
+              <a:ext uri="{FF2B5EF4-FFF2-40B4-BE49-F238E27FC236}">
+                <a16:creationId xmlns:a16="http://schemas.microsoft.com/office/drawing/2014/main" id="{86029757-87EE-D199-9C4A-3D23B7A3E336}"/>
+              </a:ext>
+            </a:extLst>
+          </p:cNvPr>
+          <p:cNvSpPr txBox="1"/>
+          <p:nvPr/>
+        </p:nvSpPr>
+        <p:spPr>
+          <a:xfrm>
+            <a:off x="9368678" y="486957"/>
+            <a:ext cx="1196749" cy="1569660"/>
+          </a:xfrm>
+          <a:prstGeom prst="rect">
+            <a:avLst/>
+          </a:prstGeom>
+          <a:noFill/>
+        </p:spPr>
+        <p:txBody>
+          <a:bodyPr wrap="square">
+            <a:spAutoFit/>
+          </a:bodyPr>
+          <a:lstStyle/>
+          <a:p>
+            <a:pPr algn="ctr"/>
+            <a:r>
+              <a:rPr lang="ru-RU" sz="9600" dirty="0"/>
+              <a:t>2</a:t>
+            </a:r>
+          </a:p>
+        </p:txBody>
+      </p:sp>
+      <p:sp>
+        <p:nvSpPr>
+          <p:cNvPr id="19" name="TextBox 18">
+            <a:extLst>
+              <a:ext uri="{FF2B5EF4-FFF2-40B4-BE49-F238E27FC236}">
+                <a16:creationId xmlns:a16="http://schemas.microsoft.com/office/drawing/2014/main" id="{451EC05D-E2DE-5AF0-3BB5-CC1EEF57526E}"/>
+              </a:ext>
+            </a:extLst>
+          </p:cNvPr>
+          <p:cNvSpPr txBox="1"/>
+          <p:nvPr/>
+        </p:nvSpPr>
+        <p:spPr>
+          <a:xfrm>
+            <a:off x="8257047" y="5668055"/>
+            <a:ext cx="1196749" cy="1569660"/>
+          </a:xfrm>
+          <a:prstGeom prst="rect">
+            <a:avLst/>
+          </a:prstGeom>
+          <a:noFill/>
+        </p:spPr>
+        <p:txBody>
+          <a:bodyPr wrap="square">
+            <a:spAutoFit/>
+          </a:bodyPr>
+          <a:lstStyle/>
+          <a:p>
+            <a:pPr algn="ctr"/>
+            <a:r>
+              <a:rPr lang="ru-RU" sz="9600" dirty="0"/>
+              <a:t>4</a:t>
+            </a:r>
+          </a:p>
+        </p:txBody>
+      </p:sp>
+    </p:spTree>
+    <p:extLst>
+      <p:ext uri="{BB962C8B-B14F-4D97-AF65-F5344CB8AC3E}">
+        <p14:creationId xmlns:p14="http://schemas.microsoft.com/office/powerpoint/2010/main" val="1640696479"/>
+      </p:ext>
+    </p:extLst>
+  </p:cSld>
+  <p:clrMapOvr>
+    <a:masterClrMapping/>
+  </p:clrMapOvr>
+</p:sld>
+</file>
+
+<file path=ppt/slides/slide25.xml><?xml version="1.0" encoding="utf-8"?>
+<p:sld xmlns:a="http://schemas.openxmlformats.org/drawingml/2006/main" xmlns:r="http://schemas.openxmlformats.org/officeDocument/2006/relationships" xmlns:p="http://schemas.openxmlformats.org/presentationml/2006/main">
+  <p:cSld>
+    <p:spTree>
+      <p:nvGrpSpPr>
+        <p:cNvPr id="1" name=""/>
+        <p:cNvGrpSpPr/>
+        <p:nvPr/>
+      </p:nvGrpSpPr>
+      <p:grpSpPr>
+        <a:xfrm>
+          <a:off x="0" y="0"/>
+          <a:ext cx="0" cy="0"/>
+          <a:chOff x="0" y="0"/>
+          <a:chExt cx="0" cy="0"/>
+        </a:xfrm>
+      </p:grpSpPr>
+      <p:pic>
+        <p:nvPicPr>
+          <p:cNvPr id="4" name="Picture 3" descr="logo.png"/>
+          <p:cNvPicPr>
+            <a:picLocks noChangeAspect="1"/>
+          </p:cNvPicPr>
+          <p:nvPr/>
+        </p:nvPicPr>
+        <p:blipFill>
+          <a:blip r:embed="rId2"/>
+          <a:stretch>
+            <a:fillRect/>
+          </a:stretch>
+        </p:blipFill>
+        <p:spPr>
+          <a:xfrm>
+            <a:off x="12344400" y="274320"/>
+            <a:ext cx="1097280" cy="1080473"/>
+          </a:xfrm>
+          <a:prstGeom prst="rect">
+            <a:avLst/>
+          </a:prstGeom>
+        </p:spPr>
+      </p:pic>
+      <p:sp>
+        <p:nvSpPr>
+          <p:cNvPr id="17" name="TextBox 16">
+            <a:extLst>
+              <a:ext uri="{FF2B5EF4-FFF2-40B4-BE49-F238E27FC236}">
+                <a16:creationId xmlns:a16="http://schemas.microsoft.com/office/drawing/2014/main" id="{379B2537-5483-F7DB-9A72-464F71236AAA}"/>
+              </a:ext>
+            </a:extLst>
+          </p:cNvPr>
+          <p:cNvSpPr txBox="1"/>
+          <p:nvPr/>
+        </p:nvSpPr>
+        <p:spPr>
+          <a:xfrm>
+            <a:off x="1090749" y="-81615"/>
+            <a:ext cx="11375659" cy="1569660"/>
+          </a:xfrm>
+          <a:prstGeom prst="rect">
+            <a:avLst/>
+          </a:prstGeom>
+          <a:noFill/>
+        </p:spPr>
+        <p:txBody>
+          <a:bodyPr wrap="square">
+            <a:spAutoFit/>
+          </a:bodyPr>
+          <a:lstStyle/>
+          <a:p>
+            <a:pPr algn="ctr"/>
+            <a:r>
+              <a:rPr lang="ru-RU" sz="9600" dirty="0"/>
+              <a:t>Базовый случай!</a:t>
+            </a:r>
+          </a:p>
+        </p:txBody>
+      </p:sp>
+      <p:pic>
+        <p:nvPicPr>
+          <p:cNvPr id="10" name="Рисунок 9">
+            <a:extLst>
+              <a:ext uri="{FF2B5EF4-FFF2-40B4-BE49-F238E27FC236}">
+                <a16:creationId xmlns:a16="http://schemas.microsoft.com/office/drawing/2014/main" id="{3589934D-3B2D-5398-7EAA-AFE286B28F5B}"/>
+              </a:ext>
+            </a:extLst>
+          </p:cNvPr>
+          <p:cNvPicPr>
+            <a:picLocks noChangeAspect="1"/>
+          </p:cNvPicPr>
+          <p:nvPr/>
+        </p:nvPicPr>
+        <p:blipFill>
+          <a:blip r:embed="rId3"/>
+          <a:stretch>
+            <a:fillRect/>
+          </a:stretch>
+        </p:blipFill>
+        <p:spPr>
+          <a:xfrm>
+            <a:off x="2815318" y="1400959"/>
+            <a:ext cx="7748018" cy="3410527"/>
+          </a:xfrm>
+          <a:prstGeom prst="rect">
+            <a:avLst/>
+          </a:prstGeom>
+        </p:spPr>
+      </p:pic>
+      <p:pic>
+        <p:nvPicPr>
+          <p:cNvPr id="14" name="Рисунок 13">
+            <a:extLst>
+              <a:ext uri="{FF2B5EF4-FFF2-40B4-BE49-F238E27FC236}">
+                <a16:creationId xmlns:a16="http://schemas.microsoft.com/office/drawing/2014/main" id="{C5C1E160-D5F5-5AA2-4E3D-B6CCB17E42C5}"/>
+              </a:ext>
+            </a:extLst>
+          </p:cNvPr>
+          <p:cNvPicPr>
+            <a:picLocks noChangeAspect="1"/>
+          </p:cNvPicPr>
+          <p:nvPr/>
+        </p:nvPicPr>
+        <p:blipFill>
+          <a:blip r:embed="rId4"/>
+          <a:stretch>
+            <a:fillRect/>
+          </a:stretch>
+        </p:blipFill>
+        <p:spPr>
+          <a:xfrm>
+            <a:off x="0" y="4114800"/>
+            <a:ext cx="3213327" cy="4102228"/>
+          </a:xfrm>
+          <a:prstGeom prst="rect">
+            <a:avLst/>
+          </a:prstGeom>
+        </p:spPr>
+      </p:pic>
+    </p:spTree>
+    <p:extLst>
+      <p:ext uri="{BB962C8B-B14F-4D97-AF65-F5344CB8AC3E}">
+        <p14:creationId xmlns:p14="http://schemas.microsoft.com/office/powerpoint/2010/main" val="1157433426"/>
+      </p:ext>
+    </p:extLst>
+  </p:cSld>
+  <p:clrMapOvr>
+    <a:masterClrMapping/>
+  </p:clrMapOvr>
+</p:sld>
+</file>
+
+<file path=ppt/slides/slide26.xml><?xml version="1.0" encoding="utf-8"?>
+<p:sld xmlns:a="http://schemas.openxmlformats.org/drawingml/2006/main" xmlns:r="http://schemas.openxmlformats.org/officeDocument/2006/relationships" xmlns:p="http://schemas.openxmlformats.org/presentationml/2006/main">
+  <p:cSld>
     <p:bg>
       <p:bgPr>
         <a:solidFill>
@@ -5980,7 +7754,7 @@
 </p:sld>
 </file>
 
-<file path=ppt/slides/slide21.xml><?xml version="1.0" encoding="utf-8"?>
+<file path=ppt/slides/slide27.xml><?xml version="1.0" encoding="utf-8"?>
 <p:sld xmlns:a="http://schemas.openxmlformats.org/drawingml/2006/main" xmlns:r="http://schemas.openxmlformats.org/officeDocument/2006/relationships" xmlns:p="http://schemas.openxmlformats.org/presentationml/2006/main">
   <p:cSld>
     <p:spTree>
@@ -6370,7 +8144,7 @@
 </p:sld>
 </file>
 
-<file path=ppt/slides/slide22.xml><?xml version="1.0" encoding="utf-8"?>
+<file path=ppt/slides/slide28.xml><?xml version="1.0" encoding="utf-8"?>
 <p:sld xmlns:a="http://schemas.openxmlformats.org/drawingml/2006/main" xmlns:r="http://schemas.openxmlformats.org/officeDocument/2006/relationships" xmlns:p="http://schemas.openxmlformats.org/presentationml/2006/main">
   <p:cSld>
     <p:bg>
@@ -8464,7 +10238,7 @@
                   <a:schemeClr val="bg1"/>
                 </a:solidFill>
               </a:rPr>
-              <a:t>Псевдокод</a:t>
+              <a:t>Стек вызовов</a:t>
             </a:r>
           </a:p>
         </p:txBody>
@@ -8483,8 +10257,8 @@
         </p:nvSpPr>
         <p:spPr>
           <a:xfrm>
-            <a:off x="2166258" y="1766150"/>
-            <a:ext cx="9459684" cy="2246769"/>
+            <a:off x="500743" y="1261017"/>
+            <a:ext cx="12578441" cy="1384995"/>
           </a:xfrm>
           <a:prstGeom prst="rect">
             <a:avLst/>
@@ -8497,48 +10271,141 @@
           </a:bodyPr>
           <a:lstStyle/>
           <a:p>
-            <a:pPr algn="ctr"/>
             <a:r>
               <a:rPr lang="ru-RU" sz="2800" dirty="0">
                 <a:solidFill>
                   <a:schemeClr val="bg1"/>
                 </a:solidFill>
               </a:rPr>
-              <a:t>Рекурсивные функции тоже используют стек вызовов!</a:t>
-            </a:r>
-          </a:p>
-          <a:p>
-            <a:pPr algn="ctr"/>
-            <a:r>
-              <a:rPr lang="ru-RU" sz="2800" dirty="0">
-                <a:solidFill>
-                  <a:schemeClr val="bg1"/>
-                </a:solidFill>
-              </a:rPr>
-              <a:t>Каждый раз, когда функция вызывает саму себя, Python кладёт информацию о вызове в стек.</a:t>
-            </a:r>
-            <a:br>
-              <a:rPr lang="ru-RU" sz="2800" dirty="0">
-                <a:solidFill>
-                  <a:schemeClr val="bg1"/>
-                </a:solidFill>
-              </a:rPr>
-            </a:br>
-            <a:r>
-              <a:rPr lang="ru-RU" sz="2800" dirty="0">
-                <a:solidFill>
-                  <a:schemeClr val="bg1"/>
-                </a:solidFill>
-              </a:rPr>
-              <a:t>Когда функция заканчивает работу, Python достаёт её из стека и возвращается к предыдущей.</a:t>
-            </a:r>
+              <a:t>Во внутренней работе вашего компьютера используется стек, называемый стеком вызовов. Давайте посмотрим, как он работает. Предположим, имеется простая функция:</a:t>
+            </a:r>
+          </a:p>
+        </p:txBody>
+      </p:sp>
+      <p:sp>
+        <p:nvSpPr>
+          <p:cNvPr id="2" name="TextBox 1">
+            <a:extLst>
+              <a:ext uri="{FF2B5EF4-FFF2-40B4-BE49-F238E27FC236}">
+                <a16:creationId xmlns:a16="http://schemas.microsoft.com/office/drawing/2014/main" id="{E8AC0CEA-77DB-7424-EA55-C0D132AC3448}"/>
+              </a:ext>
+            </a:extLst>
+          </p:cNvPr>
+          <p:cNvSpPr txBox="1"/>
+          <p:nvPr/>
+        </p:nvSpPr>
+        <p:spPr>
+          <a:xfrm>
+            <a:off x="3736521" y="2877349"/>
+            <a:ext cx="5829300" cy="2246769"/>
+          </a:xfrm>
+          <a:prstGeom prst="rect">
+            <a:avLst/>
+          </a:prstGeom>
+          <a:noFill/>
+        </p:spPr>
+        <p:txBody>
+          <a:bodyPr wrap="square">
+            <a:spAutoFit/>
+          </a:bodyPr>
+          <a:lstStyle/>
+          <a:p>
+            <a:r>
+              <a:rPr lang="en-US" sz="2800" i="1" dirty="0">
+                <a:solidFill>
+                  <a:schemeClr val="bg1"/>
+                </a:solidFill>
+              </a:rPr>
+              <a:t>def greet(name):</a:t>
+            </a:r>
+          </a:p>
+          <a:p>
+            <a:pPr lvl="1"/>
+            <a:r>
+              <a:rPr lang="en-US" sz="2800" i="1" dirty="0">
+                <a:solidFill>
+                  <a:schemeClr val="bg1"/>
+                </a:solidFill>
+              </a:rPr>
+              <a:t>print «</a:t>
+            </a:r>
+            <a:r>
+              <a:rPr lang="ru-RU" sz="2800" i="1" dirty="0">
+                <a:solidFill>
+                  <a:schemeClr val="bg1"/>
+                </a:solidFill>
+              </a:rPr>
+              <a:t>Привет</a:t>
+            </a:r>
+            <a:r>
+              <a:rPr lang="en-US" sz="2800" i="1" dirty="0">
+                <a:solidFill>
+                  <a:schemeClr val="bg1"/>
+                </a:solidFill>
+              </a:rPr>
+              <a:t>, " + name + "!"</a:t>
+            </a:r>
+          </a:p>
+          <a:p>
+            <a:pPr lvl="1"/>
+            <a:r>
+              <a:rPr lang="en-US" sz="2800" i="1" dirty="0">
+                <a:solidFill>
+                  <a:schemeClr val="bg1"/>
+                </a:solidFill>
+              </a:rPr>
+              <a:t>greet2(name)</a:t>
+            </a:r>
+          </a:p>
+          <a:p>
+            <a:pPr lvl="1"/>
+            <a:r>
+              <a:rPr lang="en-US" sz="2800" i="1" dirty="0">
+                <a:solidFill>
+                  <a:schemeClr val="bg1"/>
+                </a:solidFill>
+              </a:rPr>
+              <a:t>print «</a:t>
+            </a:r>
+            <a:r>
+              <a:rPr lang="ru-RU" sz="2800" i="1" dirty="0">
+                <a:solidFill>
+                  <a:schemeClr val="bg1"/>
+                </a:solidFill>
+              </a:rPr>
+              <a:t>скоро будем прощаться</a:t>
+            </a:r>
+            <a:r>
+              <a:rPr lang="en-US" sz="2800" i="1" dirty="0">
+                <a:solidFill>
+                  <a:schemeClr val="bg1"/>
+                </a:solidFill>
+              </a:rPr>
+              <a:t>..."</a:t>
+            </a:r>
+          </a:p>
+          <a:p>
+            <a:pPr lvl="1"/>
+            <a:r>
+              <a:rPr lang="en-US" sz="2800" i="1" dirty="0">
+                <a:solidFill>
+                  <a:schemeClr val="bg1"/>
+                </a:solidFill>
+              </a:rPr>
+              <a:t>bye()</a:t>
+            </a:r>
+            <a:endParaRPr lang="ru-RU" sz="2800" i="1" dirty="0">
+              <a:solidFill>
+                <a:schemeClr val="bg1"/>
+              </a:solidFill>
+            </a:endParaRPr>
           </a:p>
         </p:txBody>
       </p:sp>
     </p:spTree>
     <p:extLst>
       <p:ext uri="{BB962C8B-B14F-4D97-AF65-F5344CB8AC3E}">
-        <p14:creationId xmlns:p14="http://schemas.microsoft.com/office/powerpoint/2010/main" val="4021580530"/>
+        <p14:creationId xmlns:p14="http://schemas.microsoft.com/office/powerpoint/2010/main" val="1327777161"/>
       </p:ext>
     </p:extLst>
   </p:cSld>
